--- a/CapStonePPT.pptx
+++ b/CapStonePPT.pptx
@@ -5,25 +5,27 @@
     <p:sldMasterId id="2147483769" r:id="rId4"/>
   </p:sldMasterIdLst>
   <p:notesMasterIdLst>
-    <p:notesMasterId r:id="rId18"/>
+    <p:notesMasterId r:id="rId20"/>
   </p:notesMasterIdLst>
   <p:handoutMasterIdLst>
-    <p:handoutMasterId r:id="rId19"/>
+    <p:handoutMasterId r:id="rId21"/>
   </p:handoutMasterIdLst>
   <p:sldIdLst>
     <p:sldId id="330" r:id="rId5"/>
     <p:sldId id="352" r:id="rId6"/>
-    <p:sldId id="353" r:id="rId7"/>
-    <p:sldId id="354" r:id="rId8"/>
+    <p:sldId id="339" r:id="rId7"/>
+    <p:sldId id="349" r:id="rId8"/>
     <p:sldId id="332" r:id="rId9"/>
     <p:sldId id="344" r:id="rId10"/>
-    <p:sldId id="349" r:id="rId11"/>
-    <p:sldId id="336" r:id="rId12"/>
-    <p:sldId id="339" r:id="rId13"/>
-    <p:sldId id="331" r:id="rId14"/>
-    <p:sldId id="347" r:id="rId15"/>
-    <p:sldId id="350" r:id="rId16"/>
-    <p:sldId id="334" r:id="rId17"/>
+    <p:sldId id="355" r:id="rId11"/>
+    <p:sldId id="334" r:id="rId12"/>
+    <p:sldId id="356" r:id="rId13"/>
+    <p:sldId id="353" r:id="rId14"/>
+    <p:sldId id="354" r:id="rId15"/>
+    <p:sldId id="336" r:id="rId16"/>
+    <p:sldId id="331" r:id="rId17"/>
+    <p:sldId id="347" r:id="rId18"/>
+    <p:sldId id="350" r:id="rId19"/>
   </p:sldIdLst>
   <p:sldSz cx="9144000" cy="5143500" type="screen16x9"/>
   <p:notesSz cx="6950075" cy="9236075"/>
@@ -142,995 +144,6 @@
     </p:ext>
   </p:extLst>
 </p:presentation>
-</file>
-
-<file path=ppt/charts/chart1.xml><?xml version="1.0" encoding="utf-8"?>
-<c:chartSpace xmlns:c="http://schemas.openxmlformats.org/drawingml/2006/chart" xmlns:a="http://schemas.openxmlformats.org/drawingml/2006/main" xmlns:r="http://schemas.openxmlformats.org/officeDocument/2006/relationships" xmlns:c16r2="http://schemas.microsoft.com/office/drawing/2015/06/chart">
-  <c:date1904 val="0"/>
-  <c:lang val="en-US"/>
-  <c:roundedCorners val="0"/>
-  <mc:AlternateContent xmlns:mc="http://schemas.openxmlformats.org/markup-compatibility/2006">
-    <mc:Choice xmlns:c14="http://schemas.microsoft.com/office/drawing/2007/8/2/chart" Requires="c14">
-      <c14:style val="102"/>
-    </mc:Choice>
-    <mc:Fallback>
-      <c:style val="2"/>
-    </mc:Fallback>
-  </mc:AlternateContent>
-  <c:chart>
-    <c:title>
-      <c:overlay val="0"/>
-      <c:spPr>
-        <a:noFill/>
-        <a:ln>
-          <a:noFill/>
-        </a:ln>
-        <a:effectLst/>
-      </c:spPr>
-      <c:txPr>
-        <a:bodyPr rot="0" spcFirstLastPara="1" vertOverflow="ellipsis" vert="horz" wrap="square" anchor="ctr" anchorCtr="1"/>
-        <a:lstStyle/>
-        <a:p>
-          <a:pPr>
-            <a:defRPr sz="1862" b="0" i="0" u="none" strike="noStrike" kern="1200" spc="0" baseline="0">
-              <a:solidFill>
-                <a:srgbClr val="717073"/>
-              </a:solidFill>
-              <a:latin typeface="+mn-lt"/>
-              <a:ea typeface="+mn-ea"/>
-              <a:cs typeface="+mn-cs"/>
-            </a:defRPr>
-          </a:pPr>
-          <a:endParaRPr lang="en-US"/>
-        </a:p>
-      </c:txPr>
-    </c:title>
-    <c:autoTitleDeleted val="0"/>
-    <c:plotArea>
-      <c:layout/>
-      <c:barChart>
-        <c:barDir val="col"/>
-        <c:grouping val="clustered"/>
-        <c:varyColors val="0"/>
-        <c:ser>
-          <c:idx val="0"/>
-          <c:order val="0"/>
-          <c:tx>
-            <c:strRef>
-              <c:f>Sheet1!$B$1</c:f>
-              <c:strCache>
-                <c:ptCount val="1"/>
-                <c:pt idx="0">
-                  <c:v>Navy</c:v>
-                </c:pt>
-              </c:strCache>
-            </c:strRef>
-          </c:tx>
-          <c:spPr>
-            <a:solidFill>
-              <a:schemeClr val="accent1"/>
-            </a:solidFill>
-            <a:ln>
-              <a:noFill/>
-            </a:ln>
-            <a:effectLst/>
-          </c:spPr>
-          <c:invertIfNegative val="0"/>
-          <c:cat>
-            <c:strRef>
-              <c:f>Sheet1!$A$2:$A$5</c:f>
-              <c:strCache>
-                <c:ptCount val="4"/>
-                <c:pt idx="0">
-                  <c:v>Data</c:v>
-                </c:pt>
-                <c:pt idx="1">
-                  <c:v>Data</c:v>
-                </c:pt>
-                <c:pt idx="2">
-                  <c:v>Data</c:v>
-                </c:pt>
-                <c:pt idx="3">
-                  <c:v>Data</c:v>
-                </c:pt>
-              </c:strCache>
-            </c:strRef>
-          </c:cat>
-          <c:val>
-            <c:numRef>
-              <c:f>Sheet1!$B$2:$B$5</c:f>
-              <c:numCache>
-                <c:formatCode>General</c:formatCode>
-                <c:ptCount val="4"/>
-                <c:pt idx="0">
-                  <c:v>4.3</c:v>
-                </c:pt>
-                <c:pt idx="1">
-                  <c:v>2.5</c:v>
-                </c:pt>
-                <c:pt idx="2">
-                  <c:v>3.5</c:v>
-                </c:pt>
-                <c:pt idx="3">
-                  <c:v>4.5</c:v>
-                </c:pt>
-              </c:numCache>
-            </c:numRef>
-          </c:val>
-          <c:extLst>
-            <c:ext xmlns:c16="http://schemas.microsoft.com/office/drawing/2014/chart" uri="{C3380CC4-5D6E-409C-BE32-E72D297353CC}">
-              <c16:uniqueId val="{00000000-8482-1044-A317-124DAE54581C}"/>
-            </c:ext>
-          </c:extLst>
-        </c:ser>
-        <c:ser>
-          <c:idx val="1"/>
-          <c:order val="1"/>
-          <c:tx>
-            <c:strRef>
-              <c:f>Sheet1!$C$1</c:f>
-              <c:strCache>
-                <c:ptCount val="1"/>
-                <c:pt idx="0">
-                  <c:v>Orange</c:v>
-                </c:pt>
-              </c:strCache>
-            </c:strRef>
-          </c:tx>
-          <c:spPr>
-            <a:solidFill>
-              <a:schemeClr val="accent2"/>
-            </a:solidFill>
-            <a:ln>
-              <a:noFill/>
-            </a:ln>
-            <a:effectLst/>
-          </c:spPr>
-          <c:invertIfNegative val="0"/>
-          <c:cat>
-            <c:strRef>
-              <c:f>Sheet1!$A$2:$A$5</c:f>
-              <c:strCache>
-                <c:ptCount val="4"/>
-                <c:pt idx="0">
-                  <c:v>Data</c:v>
-                </c:pt>
-                <c:pt idx="1">
-                  <c:v>Data</c:v>
-                </c:pt>
-                <c:pt idx="2">
-                  <c:v>Data</c:v>
-                </c:pt>
-                <c:pt idx="3">
-                  <c:v>Data</c:v>
-                </c:pt>
-              </c:strCache>
-            </c:strRef>
-          </c:cat>
-          <c:val>
-            <c:numRef>
-              <c:f>Sheet1!$C$2:$C$5</c:f>
-              <c:numCache>
-                <c:formatCode>General</c:formatCode>
-                <c:ptCount val="4"/>
-                <c:pt idx="0">
-                  <c:v>2.4</c:v>
-                </c:pt>
-                <c:pt idx="1">
-                  <c:v>4.4000000000000004</c:v>
-                </c:pt>
-                <c:pt idx="2">
-                  <c:v>1.8</c:v>
-                </c:pt>
-                <c:pt idx="3">
-                  <c:v>2.8</c:v>
-                </c:pt>
-              </c:numCache>
-            </c:numRef>
-          </c:val>
-          <c:extLst>
-            <c:ext xmlns:c16="http://schemas.microsoft.com/office/drawing/2014/chart" uri="{C3380CC4-5D6E-409C-BE32-E72D297353CC}">
-              <c16:uniqueId val="{00000001-8482-1044-A317-124DAE54581C}"/>
-            </c:ext>
-          </c:extLst>
-        </c:ser>
-        <c:ser>
-          <c:idx val="2"/>
-          <c:order val="2"/>
-          <c:tx>
-            <c:strRef>
-              <c:f>Sheet1!$D$1</c:f>
-              <c:strCache>
-                <c:ptCount val="1"/>
-                <c:pt idx="0">
-                  <c:v>Blue</c:v>
-                </c:pt>
-              </c:strCache>
-            </c:strRef>
-          </c:tx>
-          <c:spPr>
-            <a:solidFill>
-              <a:schemeClr val="accent3"/>
-            </a:solidFill>
-            <a:ln>
-              <a:noFill/>
-            </a:ln>
-            <a:effectLst/>
-          </c:spPr>
-          <c:invertIfNegative val="0"/>
-          <c:cat>
-            <c:strRef>
-              <c:f>Sheet1!$A$2:$A$5</c:f>
-              <c:strCache>
-                <c:ptCount val="4"/>
-                <c:pt idx="0">
-                  <c:v>Data</c:v>
-                </c:pt>
-                <c:pt idx="1">
-                  <c:v>Data</c:v>
-                </c:pt>
-                <c:pt idx="2">
-                  <c:v>Data</c:v>
-                </c:pt>
-                <c:pt idx="3">
-                  <c:v>Data</c:v>
-                </c:pt>
-              </c:strCache>
-            </c:strRef>
-          </c:cat>
-          <c:val>
-            <c:numRef>
-              <c:f>Sheet1!$D$2:$D$5</c:f>
-              <c:numCache>
-                <c:formatCode>General</c:formatCode>
-                <c:ptCount val="4"/>
-                <c:pt idx="0">
-                  <c:v>2</c:v>
-                </c:pt>
-                <c:pt idx="1">
-                  <c:v>2</c:v>
-                </c:pt>
-                <c:pt idx="2">
-                  <c:v>3</c:v>
-                </c:pt>
-                <c:pt idx="3">
-                  <c:v>5</c:v>
-                </c:pt>
-              </c:numCache>
-            </c:numRef>
-          </c:val>
-          <c:extLst>
-            <c:ext xmlns:c16="http://schemas.microsoft.com/office/drawing/2014/chart" uri="{C3380CC4-5D6E-409C-BE32-E72D297353CC}">
-              <c16:uniqueId val="{00000002-8482-1044-A317-124DAE54581C}"/>
-            </c:ext>
-          </c:extLst>
-        </c:ser>
-        <c:dLbls>
-          <c:showLegendKey val="0"/>
-          <c:showVal val="0"/>
-          <c:showCatName val="0"/>
-          <c:showSerName val="0"/>
-          <c:showPercent val="0"/>
-          <c:showBubbleSize val="0"/>
-        </c:dLbls>
-        <c:gapWidth val="109"/>
-        <c:overlap val="-23"/>
-        <c:axId val="1201435328"/>
-        <c:axId val="1266685024"/>
-      </c:barChart>
-      <c:catAx>
-        <c:axId val="1201435328"/>
-        <c:scaling>
-          <c:orientation val="minMax"/>
-        </c:scaling>
-        <c:delete val="0"/>
-        <c:axPos val="b"/>
-        <c:numFmt formatCode="General" sourceLinked="1"/>
-        <c:majorTickMark val="none"/>
-        <c:minorTickMark val="none"/>
-        <c:tickLblPos val="nextTo"/>
-        <c:spPr>
-          <a:noFill/>
-          <a:ln w="9525" cap="flat" cmpd="sng" algn="ctr">
-            <a:solidFill>
-              <a:schemeClr val="tx1">
-                <a:lumMod val="15000"/>
-                <a:lumOff val="85000"/>
-              </a:schemeClr>
-            </a:solidFill>
-            <a:round/>
-          </a:ln>
-          <a:effectLst/>
-        </c:spPr>
-        <c:txPr>
-          <a:bodyPr rot="-60000000" spcFirstLastPara="1" vertOverflow="ellipsis" vert="horz" wrap="square" anchor="ctr" anchorCtr="1"/>
-          <a:lstStyle/>
-          <a:p>
-            <a:pPr>
-              <a:defRPr sz="1197" b="0" i="0" u="none" strike="noStrike" kern="1200" baseline="0">
-                <a:solidFill>
-                  <a:srgbClr val="717073"/>
-                </a:solidFill>
-                <a:latin typeface="+mn-lt"/>
-                <a:ea typeface="+mn-ea"/>
-                <a:cs typeface="+mn-cs"/>
-              </a:defRPr>
-            </a:pPr>
-            <a:endParaRPr lang="en-US"/>
-          </a:p>
-        </c:txPr>
-        <c:crossAx val="1266685024"/>
-        <c:crosses val="autoZero"/>
-        <c:auto val="1"/>
-        <c:lblAlgn val="ctr"/>
-        <c:lblOffset val="100"/>
-        <c:noMultiLvlLbl val="0"/>
-      </c:catAx>
-      <c:valAx>
-        <c:axId val="1266685024"/>
-        <c:scaling>
-          <c:orientation val="minMax"/>
-        </c:scaling>
-        <c:delete val="0"/>
-        <c:axPos val="l"/>
-        <c:majorGridlines>
-          <c:spPr>
-            <a:ln w="9525" cap="flat" cmpd="sng" algn="ctr">
-              <a:solidFill>
-                <a:srgbClr val="CED5D9"/>
-              </a:solidFill>
-              <a:round/>
-            </a:ln>
-            <a:effectLst/>
-          </c:spPr>
-        </c:majorGridlines>
-        <c:numFmt formatCode="General" sourceLinked="1"/>
-        <c:majorTickMark val="none"/>
-        <c:minorTickMark val="none"/>
-        <c:tickLblPos val="nextTo"/>
-        <c:spPr>
-          <a:noFill/>
-          <a:ln>
-            <a:noFill/>
-          </a:ln>
-          <a:effectLst/>
-        </c:spPr>
-        <c:txPr>
-          <a:bodyPr rot="-60000000" spcFirstLastPara="1" vertOverflow="ellipsis" vert="horz" wrap="square" anchor="ctr" anchorCtr="1"/>
-          <a:lstStyle/>
-          <a:p>
-            <a:pPr>
-              <a:defRPr sz="1197" b="0" i="0" u="none" strike="noStrike" kern="1200" baseline="0">
-                <a:solidFill>
-                  <a:srgbClr val="717073"/>
-                </a:solidFill>
-                <a:latin typeface="+mn-lt"/>
-                <a:ea typeface="+mn-ea"/>
-                <a:cs typeface="+mn-cs"/>
-              </a:defRPr>
-            </a:pPr>
-            <a:endParaRPr lang="en-US"/>
-          </a:p>
-        </c:txPr>
-        <c:crossAx val="1201435328"/>
-        <c:crosses val="autoZero"/>
-        <c:crossBetween val="between"/>
-      </c:valAx>
-      <c:spPr>
-        <a:noFill/>
-        <a:ln>
-          <a:noFill/>
-        </a:ln>
-        <a:effectLst/>
-      </c:spPr>
-    </c:plotArea>
-    <c:legend>
-      <c:legendPos val="b"/>
-      <c:overlay val="0"/>
-      <c:spPr>
-        <a:noFill/>
-        <a:ln>
-          <a:noFill/>
-        </a:ln>
-        <a:effectLst/>
-      </c:spPr>
-      <c:txPr>
-        <a:bodyPr rot="0" spcFirstLastPara="1" vertOverflow="ellipsis" vert="horz" wrap="square" anchor="ctr" anchorCtr="1"/>
-        <a:lstStyle/>
-        <a:p>
-          <a:pPr>
-            <a:defRPr sz="1197" b="0" i="0" u="none" strike="noStrike" kern="1200" baseline="0">
-              <a:solidFill>
-                <a:srgbClr val="717073"/>
-              </a:solidFill>
-              <a:latin typeface="+mn-lt"/>
-              <a:ea typeface="+mn-ea"/>
-              <a:cs typeface="+mn-cs"/>
-            </a:defRPr>
-          </a:pPr>
-          <a:endParaRPr lang="en-US"/>
-        </a:p>
-      </c:txPr>
-    </c:legend>
-    <c:plotVisOnly val="1"/>
-    <c:dispBlanksAs val="gap"/>
-    <c:extLst>
-      <c:ext xmlns:c16r3="http://schemas.microsoft.com/office/drawing/2017/03/chart" uri="{56B9EC1D-385E-4148-901F-78D8002777C0}">
-        <c16r3:dataDisplayOptions16>
-          <c16r3:dispNaAsBlank val="1"/>
-        </c16r3:dataDisplayOptions16>
-      </c:ext>
-    </c:extLst>
-    <c:showDLblsOverMax val="0"/>
-  </c:chart>
-  <c:spPr>
-    <a:noFill/>
-    <a:ln>
-      <a:noFill/>
-    </a:ln>
-    <a:effectLst/>
-  </c:spPr>
-  <c:txPr>
-    <a:bodyPr/>
-    <a:lstStyle/>
-    <a:p>
-      <a:pPr>
-        <a:defRPr>
-          <a:solidFill>
-            <a:srgbClr val="717073"/>
-          </a:solidFill>
-        </a:defRPr>
-      </a:pPr>
-      <a:endParaRPr lang="en-US"/>
-    </a:p>
-  </c:txPr>
-  <c:externalData r:id="rId3">
-    <c:autoUpdate val="0"/>
-  </c:externalData>
-</c:chartSpace>
-</file>
-
-<file path=ppt/charts/colors1.xml><?xml version="1.0" encoding="utf-8"?>
-<cs:colorStyle xmlns:cs="http://schemas.microsoft.com/office/drawing/2012/chartStyle" xmlns:a="http://schemas.openxmlformats.org/drawingml/2006/main" meth="cycle" id="10">
-  <a:schemeClr val="accent1"/>
-  <a:schemeClr val="accent2"/>
-  <a:schemeClr val="accent3"/>
-  <a:schemeClr val="accent4"/>
-  <a:schemeClr val="accent5"/>
-  <a:schemeClr val="accent6"/>
-  <cs:variation/>
-  <cs:variation>
-    <a:lumMod val="60000"/>
-  </cs:variation>
-  <cs:variation>
-    <a:lumMod val="80000"/>
-    <a:lumOff val="20000"/>
-  </cs:variation>
-  <cs:variation>
-    <a:lumMod val="80000"/>
-  </cs:variation>
-  <cs:variation>
-    <a:lumMod val="60000"/>
-    <a:lumOff val="40000"/>
-  </cs:variation>
-  <cs:variation>
-    <a:lumMod val="50000"/>
-  </cs:variation>
-  <cs:variation>
-    <a:lumMod val="70000"/>
-    <a:lumOff val="30000"/>
-  </cs:variation>
-  <cs:variation>
-    <a:lumMod val="70000"/>
-  </cs:variation>
-  <cs:variation>
-    <a:lumMod val="50000"/>
-    <a:lumOff val="50000"/>
-  </cs:variation>
-</cs:colorStyle>
-</file>
-
-<file path=ppt/charts/style1.xml><?xml version="1.0" encoding="utf-8"?>
-<cs:chartStyle xmlns:cs="http://schemas.microsoft.com/office/drawing/2012/chartStyle" xmlns:a="http://schemas.openxmlformats.org/drawingml/2006/main" id="201">
-  <cs:axisTitle>
-    <cs:lnRef idx="0"/>
-    <cs:fillRef idx="0"/>
-    <cs:effectRef idx="0"/>
-    <cs:fontRef idx="minor">
-      <a:schemeClr val="tx1">
-        <a:lumMod val="65000"/>
-        <a:lumOff val="35000"/>
-      </a:schemeClr>
-    </cs:fontRef>
-    <cs:defRPr sz="1330" kern="1200"/>
-  </cs:axisTitle>
-  <cs:categoryAxis>
-    <cs:lnRef idx="0"/>
-    <cs:fillRef idx="0"/>
-    <cs:effectRef idx="0"/>
-    <cs:fontRef idx="minor">
-      <a:schemeClr val="tx1">
-        <a:lumMod val="65000"/>
-        <a:lumOff val="35000"/>
-      </a:schemeClr>
-    </cs:fontRef>
-    <cs:spPr>
-      <a:ln w="9525" cap="flat" cmpd="sng" algn="ctr">
-        <a:solidFill>
-          <a:schemeClr val="tx1">
-            <a:lumMod val="15000"/>
-            <a:lumOff val="85000"/>
-          </a:schemeClr>
-        </a:solidFill>
-        <a:round/>
-      </a:ln>
-    </cs:spPr>
-    <cs:defRPr sz="1197" kern="1200"/>
-  </cs:categoryAxis>
-  <cs:chartArea mods="allowNoFillOverride allowNoLineOverride">
-    <cs:lnRef idx="0"/>
-    <cs:fillRef idx="0"/>
-    <cs:effectRef idx="0"/>
-    <cs:fontRef idx="minor">
-      <a:schemeClr val="tx1"/>
-    </cs:fontRef>
-    <cs:spPr>
-      <a:solidFill>
-        <a:schemeClr val="bg1"/>
-      </a:solidFill>
-      <a:ln w="9525" cap="flat" cmpd="sng" algn="ctr">
-        <a:solidFill>
-          <a:schemeClr val="tx1">
-            <a:lumMod val="15000"/>
-            <a:lumOff val="85000"/>
-          </a:schemeClr>
-        </a:solidFill>
-        <a:round/>
-      </a:ln>
-    </cs:spPr>
-    <cs:defRPr sz="1330" kern="1200"/>
-  </cs:chartArea>
-  <cs:dataLabel>
-    <cs:lnRef idx="0"/>
-    <cs:fillRef idx="0"/>
-    <cs:effectRef idx="0"/>
-    <cs:fontRef idx="minor">
-      <a:schemeClr val="tx1">
-        <a:lumMod val="75000"/>
-        <a:lumOff val="25000"/>
-      </a:schemeClr>
-    </cs:fontRef>
-    <cs:defRPr sz="1197" kern="1200"/>
-  </cs:dataLabel>
-  <cs:dataLabelCallout>
-    <cs:lnRef idx="0"/>
-    <cs:fillRef idx="0"/>
-    <cs:effectRef idx="0"/>
-    <cs:fontRef idx="minor">
-      <a:schemeClr val="dk1">
-        <a:lumMod val="65000"/>
-        <a:lumOff val="35000"/>
-      </a:schemeClr>
-    </cs:fontRef>
-    <cs:spPr>
-      <a:solidFill>
-        <a:schemeClr val="lt1"/>
-      </a:solidFill>
-      <a:ln>
-        <a:solidFill>
-          <a:schemeClr val="dk1">
-            <a:lumMod val="25000"/>
-            <a:lumOff val="75000"/>
-          </a:schemeClr>
-        </a:solidFill>
-      </a:ln>
-    </cs:spPr>
-    <cs:defRPr sz="1197" kern="1200"/>
-    <cs:bodyPr rot="0" spcFirstLastPara="1" vertOverflow="clip" horzOverflow="clip" vert="horz" wrap="square" lIns="36576" tIns="18288" rIns="36576" bIns="18288" anchor="ctr" anchorCtr="1">
-      <a:spAutoFit/>
-    </cs:bodyPr>
-  </cs:dataLabelCallout>
-  <cs:dataPoint>
-    <cs:lnRef idx="0"/>
-    <cs:fillRef idx="1">
-      <cs:styleClr val="auto"/>
-    </cs:fillRef>
-    <cs:effectRef idx="0"/>
-    <cs:fontRef idx="minor">
-      <a:schemeClr val="tx1"/>
-    </cs:fontRef>
-  </cs:dataPoint>
-  <cs:dataPoint3D>
-    <cs:lnRef idx="0"/>
-    <cs:fillRef idx="1">
-      <cs:styleClr val="auto"/>
-    </cs:fillRef>
-    <cs:effectRef idx="0"/>
-    <cs:fontRef idx="minor">
-      <a:schemeClr val="tx1"/>
-    </cs:fontRef>
-  </cs:dataPoint3D>
-  <cs:dataPointLine>
-    <cs:lnRef idx="0">
-      <cs:styleClr val="auto"/>
-    </cs:lnRef>
-    <cs:fillRef idx="1"/>
-    <cs:effectRef idx="0"/>
-    <cs:fontRef idx="minor">
-      <a:schemeClr val="tx1"/>
-    </cs:fontRef>
-    <cs:spPr>
-      <a:ln w="28575" cap="rnd">
-        <a:solidFill>
-          <a:schemeClr val="phClr"/>
-        </a:solidFill>
-        <a:round/>
-      </a:ln>
-    </cs:spPr>
-  </cs:dataPointLine>
-  <cs:dataPointMarker>
-    <cs:lnRef idx="0">
-      <cs:styleClr val="auto"/>
-    </cs:lnRef>
-    <cs:fillRef idx="1">
-      <cs:styleClr val="auto"/>
-    </cs:fillRef>
-    <cs:effectRef idx="0"/>
-    <cs:fontRef idx="minor">
-      <a:schemeClr val="tx1"/>
-    </cs:fontRef>
-    <cs:spPr>
-      <a:ln w="9525">
-        <a:solidFill>
-          <a:schemeClr val="phClr"/>
-        </a:solidFill>
-      </a:ln>
-    </cs:spPr>
-  </cs:dataPointMarker>
-  <cs:dataPointMarkerLayout symbol="circle" size="5"/>
-  <cs:dataPointWireframe>
-    <cs:lnRef idx="0">
-      <cs:styleClr val="auto"/>
-    </cs:lnRef>
-    <cs:fillRef idx="1"/>
-    <cs:effectRef idx="0"/>
-    <cs:fontRef idx="minor">
-      <a:schemeClr val="tx1"/>
-    </cs:fontRef>
-    <cs:spPr>
-      <a:ln w="9525" cap="rnd">
-        <a:solidFill>
-          <a:schemeClr val="phClr"/>
-        </a:solidFill>
-        <a:round/>
-      </a:ln>
-    </cs:spPr>
-  </cs:dataPointWireframe>
-  <cs:dataTable>
-    <cs:lnRef idx="0"/>
-    <cs:fillRef idx="0"/>
-    <cs:effectRef idx="0"/>
-    <cs:fontRef idx="minor">
-      <a:schemeClr val="tx1">
-        <a:lumMod val="65000"/>
-        <a:lumOff val="35000"/>
-      </a:schemeClr>
-    </cs:fontRef>
-    <cs:spPr>
-      <a:noFill/>
-      <a:ln w="9525" cap="flat" cmpd="sng" algn="ctr">
-        <a:solidFill>
-          <a:schemeClr val="tx1">
-            <a:lumMod val="15000"/>
-            <a:lumOff val="85000"/>
-          </a:schemeClr>
-        </a:solidFill>
-        <a:round/>
-      </a:ln>
-    </cs:spPr>
-    <cs:defRPr sz="1197" kern="1200"/>
-  </cs:dataTable>
-  <cs:downBar>
-    <cs:lnRef idx="0"/>
-    <cs:fillRef idx="0"/>
-    <cs:effectRef idx="0"/>
-    <cs:fontRef idx="minor">
-      <a:schemeClr val="dk1"/>
-    </cs:fontRef>
-    <cs:spPr>
-      <a:solidFill>
-        <a:schemeClr val="dk1">
-          <a:lumMod val="65000"/>
-          <a:lumOff val="35000"/>
-        </a:schemeClr>
-      </a:solidFill>
-      <a:ln w="9525">
-        <a:solidFill>
-          <a:schemeClr val="tx1">
-            <a:lumMod val="65000"/>
-            <a:lumOff val="35000"/>
-          </a:schemeClr>
-        </a:solidFill>
-      </a:ln>
-    </cs:spPr>
-  </cs:downBar>
-  <cs:dropLine>
-    <cs:lnRef idx="0"/>
-    <cs:fillRef idx="0"/>
-    <cs:effectRef idx="0"/>
-    <cs:fontRef idx="minor">
-      <a:schemeClr val="tx1"/>
-    </cs:fontRef>
-    <cs:spPr>
-      <a:ln w="9525" cap="flat" cmpd="sng" algn="ctr">
-        <a:solidFill>
-          <a:schemeClr val="tx1">
-            <a:lumMod val="35000"/>
-            <a:lumOff val="65000"/>
-          </a:schemeClr>
-        </a:solidFill>
-        <a:round/>
-      </a:ln>
-    </cs:spPr>
-  </cs:dropLine>
-  <cs:errorBar>
-    <cs:lnRef idx="0"/>
-    <cs:fillRef idx="0"/>
-    <cs:effectRef idx="0"/>
-    <cs:fontRef idx="minor">
-      <a:schemeClr val="tx1"/>
-    </cs:fontRef>
-    <cs:spPr>
-      <a:ln w="9525" cap="flat" cmpd="sng" algn="ctr">
-        <a:solidFill>
-          <a:schemeClr val="tx1">
-            <a:lumMod val="65000"/>
-            <a:lumOff val="35000"/>
-          </a:schemeClr>
-        </a:solidFill>
-        <a:round/>
-      </a:ln>
-    </cs:spPr>
-  </cs:errorBar>
-  <cs:floor>
-    <cs:lnRef idx="0"/>
-    <cs:fillRef idx="0"/>
-    <cs:effectRef idx="0"/>
-    <cs:fontRef idx="minor">
-      <a:schemeClr val="tx1"/>
-    </cs:fontRef>
-    <cs:spPr>
-      <a:noFill/>
-      <a:ln>
-        <a:noFill/>
-      </a:ln>
-    </cs:spPr>
-  </cs:floor>
-  <cs:gridlineMajor>
-    <cs:lnRef idx="0"/>
-    <cs:fillRef idx="0"/>
-    <cs:effectRef idx="0"/>
-    <cs:fontRef idx="minor">
-      <a:schemeClr val="tx1"/>
-    </cs:fontRef>
-    <cs:spPr>
-      <a:ln w="9525" cap="flat" cmpd="sng" algn="ctr">
-        <a:solidFill>
-          <a:schemeClr val="tx1">
-            <a:lumMod val="15000"/>
-            <a:lumOff val="85000"/>
-          </a:schemeClr>
-        </a:solidFill>
-        <a:round/>
-      </a:ln>
-    </cs:spPr>
-  </cs:gridlineMajor>
-  <cs:gridlineMinor>
-    <cs:lnRef idx="0"/>
-    <cs:fillRef idx="0"/>
-    <cs:effectRef idx="0"/>
-    <cs:fontRef idx="minor">
-      <a:schemeClr val="tx1"/>
-    </cs:fontRef>
-    <cs:spPr>
-      <a:ln w="9525" cap="flat" cmpd="sng" algn="ctr">
-        <a:solidFill>
-          <a:schemeClr val="tx1">
-            <a:lumMod val="5000"/>
-            <a:lumOff val="95000"/>
-          </a:schemeClr>
-        </a:solidFill>
-        <a:round/>
-      </a:ln>
-    </cs:spPr>
-  </cs:gridlineMinor>
-  <cs:hiLoLine>
-    <cs:lnRef idx="0"/>
-    <cs:fillRef idx="0"/>
-    <cs:effectRef idx="0"/>
-    <cs:fontRef idx="minor">
-      <a:schemeClr val="tx1"/>
-    </cs:fontRef>
-    <cs:spPr>
-      <a:ln w="9525" cap="flat" cmpd="sng" algn="ctr">
-        <a:solidFill>
-          <a:schemeClr val="tx1">
-            <a:lumMod val="75000"/>
-            <a:lumOff val="25000"/>
-          </a:schemeClr>
-        </a:solidFill>
-        <a:round/>
-      </a:ln>
-    </cs:spPr>
-  </cs:hiLoLine>
-  <cs:leaderLine>
-    <cs:lnRef idx="0"/>
-    <cs:fillRef idx="0"/>
-    <cs:effectRef idx="0"/>
-    <cs:fontRef idx="minor">
-      <a:schemeClr val="tx1"/>
-    </cs:fontRef>
-    <cs:spPr>
-      <a:ln w="9525" cap="flat" cmpd="sng" algn="ctr">
-        <a:solidFill>
-          <a:schemeClr val="tx1">
-            <a:lumMod val="35000"/>
-            <a:lumOff val="65000"/>
-          </a:schemeClr>
-        </a:solidFill>
-        <a:round/>
-      </a:ln>
-    </cs:spPr>
-  </cs:leaderLine>
-  <cs:legend>
-    <cs:lnRef idx="0"/>
-    <cs:fillRef idx="0"/>
-    <cs:effectRef idx="0"/>
-    <cs:fontRef idx="minor">
-      <a:schemeClr val="tx1">
-        <a:lumMod val="65000"/>
-        <a:lumOff val="35000"/>
-      </a:schemeClr>
-    </cs:fontRef>
-    <cs:defRPr sz="1197" kern="1200"/>
-  </cs:legend>
-  <cs:plotArea mods="allowNoFillOverride allowNoLineOverride">
-    <cs:lnRef idx="0"/>
-    <cs:fillRef idx="0"/>
-    <cs:effectRef idx="0"/>
-    <cs:fontRef idx="minor">
-      <a:schemeClr val="tx1"/>
-    </cs:fontRef>
-  </cs:plotArea>
-  <cs:plotArea3D mods="allowNoFillOverride allowNoLineOverride">
-    <cs:lnRef idx="0"/>
-    <cs:fillRef idx="0"/>
-    <cs:effectRef idx="0"/>
-    <cs:fontRef idx="minor">
-      <a:schemeClr val="tx1"/>
-    </cs:fontRef>
-  </cs:plotArea3D>
-  <cs:seriesAxis>
-    <cs:lnRef idx="0"/>
-    <cs:fillRef idx="0"/>
-    <cs:effectRef idx="0"/>
-    <cs:fontRef idx="minor">
-      <a:schemeClr val="tx1">
-        <a:lumMod val="65000"/>
-        <a:lumOff val="35000"/>
-      </a:schemeClr>
-    </cs:fontRef>
-    <cs:defRPr sz="1197" kern="1200"/>
-  </cs:seriesAxis>
-  <cs:seriesLine>
-    <cs:lnRef idx="0"/>
-    <cs:fillRef idx="0"/>
-    <cs:effectRef idx="0"/>
-    <cs:fontRef idx="minor">
-      <a:schemeClr val="tx1"/>
-    </cs:fontRef>
-    <cs:spPr>
-      <a:ln w="9525" cap="flat" cmpd="sng" algn="ctr">
-        <a:solidFill>
-          <a:schemeClr val="tx1">
-            <a:lumMod val="35000"/>
-            <a:lumOff val="65000"/>
-          </a:schemeClr>
-        </a:solidFill>
-        <a:round/>
-      </a:ln>
-    </cs:spPr>
-  </cs:seriesLine>
-  <cs:title>
-    <cs:lnRef idx="0"/>
-    <cs:fillRef idx="0"/>
-    <cs:effectRef idx="0"/>
-    <cs:fontRef idx="minor">
-      <a:schemeClr val="tx1">
-        <a:lumMod val="65000"/>
-        <a:lumOff val="35000"/>
-      </a:schemeClr>
-    </cs:fontRef>
-    <cs:defRPr sz="1862" b="0" kern="1200" spc="0" baseline="0"/>
-  </cs:title>
-  <cs:trendline>
-    <cs:lnRef idx="0">
-      <cs:styleClr val="auto"/>
-    </cs:lnRef>
-    <cs:fillRef idx="0"/>
-    <cs:effectRef idx="0"/>
-    <cs:fontRef idx="minor">
-      <a:schemeClr val="tx1"/>
-    </cs:fontRef>
-    <cs:spPr>
-      <a:ln w="19050" cap="rnd">
-        <a:solidFill>
-          <a:schemeClr val="phClr"/>
-        </a:solidFill>
-        <a:prstDash val="sysDot"/>
-      </a:ln>
-    </cs:spPr>
-  </cs:trendline>
-  <cs:trendlineLabel>
-    <cs:lnRef idx="0"/>
-    <cs:fillRef idx="0"/>
-    <cs:effectRef idx="0"/>
-    <cs:fontRef idx="minor">
-      <a:schemeClr val="tx1">
-        <a:lumMod val="65000"/>
-        <a:lumOff val="35000"/>
-      </a:schemeClr>
-    </cs:fontRef>
-    <cs:defRPr sz="1197" kern="1200"/>
-  </cs:trendlineLabel>
-  <cs:upBar>
-    <cs:lnRef idx="0"/>
-    <cs:fillRef idx="0"/>
-    <cs:effectRef idx="0"/>
-    <cs:fontRef idx="minor">
-      <a:schemeClr val="dk1"/>
-    </cs:fontRef>
-    <cs:spPr>
-      <a:solidFill>
-        <a:schemeClr val="lt1"/>
-      </a:solidFill>
-      <a:ln w="9525">
-        <a:solidFill>
-          <a:schemeClr val="tx1">
-            <a:lumMod val="15000"/>
-            <a:lumOff val="85000"/>
-          </a:schemeClr>
-        </a:solidFill>
-      </a:ln>
-    </cs:spPr>
-  </cs:upBar>
-  <cs:valueAxis>
-    <cs:lnRef idx="0"/>
-    <cs:fillRef idx="0"/>
-    <cs:effectRef idx="0"/>
-    <cs:fontRef idx="minor">
-      <a:schemeClr val="tx1">
-        <a:lumMod val="65000"/>
-        <a:lumOff val="35000"/>
-      </a:schemeClr>
-    </cs:fontRef>
-    <cs:defRPr sz="1197" kern="1200"/>
-  </cs:valueAxis>
-  <cs:wall>
-    <cs:lnRef idx="0"/>
-    <cs:fillRef idx="0"/>
-    <cs:effectRef idx="0"/>
-    <cs:fontRef idx="minor">
-      <a:schemeClr val="tx1"/>
-    </cs:fontRef>
-    <cs:spPr>
-      <a:noFill/>
-      <a:ln>
-        <a:noFill/>
-      </a:ln>
-    </cs:spPr>
-  </cs:wall>
-</cs:chartStyle>
 </file>
 
 <file path=ppt/handoutMasters/handoutMaster1.xml><?xml version="1.0" encoding="utf-8"?>
@@ -14555,6 +13568,1053 @@
           <a:chExt cx="0" cy="0"/>
         </a:xfrm>
       </p:grpSpPr>
+    </p:spTree>
+    <p:extLst>
+      <p:ext uri="{BB962C8B-B14F-4D97-AF65-F5344CB8AC3E}">
+        <p14:creationId xmlns:p14="http://schemas.microsoft.com/office/powerpoint/2010/main" val="493387198"/>
+      </p:ext>
+    </p:extLst>
+  </p:cSld>
+  <p:clrMapOvr>
+    <a:masterClrMapping/>
+  </p:clrMapOvr>
+</p:sld>
+</file>
+
+<file path=ppt/slides/slide11.xml><?xml version="1.0" encoding="utf-8"?>
+<p:sld xmlns:a="http://schemas.openxmlformats.org/drawingml/2006/main" xmlns:r="http://schemas.openxmlformats.org/officeDocument/2006/relationships" xmlns:p="http://schemas.openxmlformats.org/presentationml/2006/main">
+  <p:cSld>
+    <p:spTree>
+      <p:nvGrpSpPr>
+        <p:cNvPr id="1" name=""/>
+        <p:cNvGrpSpPr/>
+        <p:nvPr/>
+      </p:nvGrpSpPr>
+      <p:grpSpPr>
+        <a:xfrm>
+          <a:off x="0" y="0"/>
+          <a:ext cx="0" cy="0"/>
+          <a:chOff x="0" y="0"/>
+          <a:chExt cx="0" cy="0"/>
+        </a:xfrm>
+      </p:grpSpPr>
+      <p:sp>
+        <p:nvSpPr>
+          <p:cNvPr id="2" name="Title 1">
+            <a:extLst>
+              <a:ext uri="{FF2B5EF4-FFF2-40B4-BE49-F238E27FC236}">
+                <a16:creationId xmlns:a16="http://schemas.microsoft.com/office/drawing/2014/main" id="{7D9ADCB4-5A60-4B75-90B2-4C01D72EBF9D}"/>
+              </a:ext>
+            </a:extLst>
+          </p:cNvPr>
+          <p:cNvSpPr>
+            <a:spLocks noGrp="1"/>
+          </p:cNvSpPr>
+          <p:nvPr>
+            <p:ph type="title"/>
+          </p:nvPr>
+        </p:nvSpPr>
+        <p:spPr/>
+        <p:txBody>
+          <a:bodyPr/>
+          <a:lstStyle/>
+          <a:p>
+            <a:r>
+              <a:rPr lang="en-US" dirty="0">
+                <a:cs typeface="Arial"/>
+              </a:rPr>
+              <a:t>TEKsystems Slide Templates</a:t>
+            </a:r>
+            <a:endParaRPr lang="en-US" dirty="0"/>
+          </a:p>
+        </p:txBody>
+      </p:sp>
+      <p:sp>
+        <p:nvSpPr>
+          <p:cNvPr id="3" name="Subtitle 2">
+            <a:extLst>
+              <a:ext uri="{FF2B5EF4-FFF2-40B4-BE49-F238E27FC236}">
+                <a16:creationId xmlns:a16="http://schemas.microsoft.com/office/drawing/2014/main" id="{72CBB34D-B5D1-475F-84A2-18ED9A911E07}"/>
+              </a:ext>
+            </a:extLst>
+          </p:cNvPr>
+          <p:cNvSpPr>
+            <a:spLocks noGrp="1"/>
+          </p:cNvSpPr>
+          <p:nvPr>
+            <p:ph type="subTitle" idx="1"/>
+          </p:nvPr>
+        </p:nvSpPr>
+        <p:spPr/>
+        <p:txBody>
+          <a:bodyPr/>
+          <a:lstStyle/>
+          <a:p>
+            <a:endParaRPr lang="en-US"/>
+          </a:p>
+        </p:txBody>
+      </p:sp>
+    </p:spTree>
+    <p:extLst>
+      <p:ext uri="{BB962C8B-B14F-4D97-AF65-F5344CB8AC3E}">
+        <p14:creationId xmlns:p14="http://schemas.microsoft.com/office/powerpoint/2010/main" val="2129983146"/>
+      </p:ext>
+    </p:extLst>
+  </p:cSld>
+  <p:clrMapOvr>
+    <a:masterClrMapping/>
+  </p:clrMapOvr>
+</p:sld>
+</file>
+
+<file path=ppt/slides/slide12.xml><?xml version="1.0" encoding="utf-8"?>
+<p:sld xmlns:a="http://schemas.openxmlformats.org/drawingml/2006/main" xmlns:r="http://schemas.openxmlformats.org/officeDocument/2006/relationships" xmlns:p="http://schemas.openxmlformats.org/presentationml/2006/main">
+  <p:cSld>
+    <p:spTree>
+      <p:nvGrpSpPr>
+        <p:cNvPr id="1" name=""/>
+        <p:cNvGrpSpPr/>
+        <p:nvPr/>
+      </p:nvGrpSpPr>
+      <p:grpSpPr>
+        <a:xfrm>
+          <a:off x="0" y="0"/>
+          <a:ext cx="0" cy="0"/>
+          <a:chOff x="0" y="0"/>
+          <a:chExt cx="0" cy="0"/>
+        </a:xfrm>
+      </p:grpSpPr>
+      <p:sp>
+        <p:nvSpPr>
+          <p:cNvPr id="5" name="Title 4">
+            <a:extLst>
+              <a:ext uri="{FF2B5EF4-FFF2-40B4-BE49-F238E27FC236}">
+                <a16:creationId xmlns:a16="http://schemas.microsoft.com/office/drawing/2014/main" id="{D0905275-2C3F-C740-B4C6-2E4A2060E93A}"/>
+              </a:ext>
+            </a:extLst>
+          </p:cNvPr>
+          <p:cNvSpPr>
+            <a:spLocks noGrp="1"/>
+          </p:cNvSpPr>
+          <p:nvPr>
+            <p:ph type="title"/>
+          </p:nvPr>
+        </p:nvSpPr>
+        <p:spPr/>
+        <p:txBody>
+          <a:bodyPr/>
+          <a:lstStyle/>
+          <a:p>
+            <a:r>
+              <a:rPr lang="en-US" dirty="0"/>
+              <a:t>This Headline is Arial Regular in Dark Blue</a:t>
+            </a:r>
+          </a:p>
+        </p:txBody>
+      </p:sp>
+      <p:sp>
+        <p:nvSpPr>
+          <p:cNvPr id="6" name="Content Placeholder 5">
+            <a:extLst>
+              <a:ext uri="{FF2B5EF4-FFF2-40B4-BE49-F238E27FC236}">
+                <a16:creationId xmlns:a16="http://schemas.microsoft.com/office/drawing/2014/main" id="{B100F3AF-4688-9845-865A-516B841DB928}"/>
+              </a:ext>
+            </a:extLst>
+          </p:cNvPr>
+          <p:cNvSpPr>
+            <a:spLocks noGrp="1"/>
+          </p:cNvSpPr>
+          <p:nvPr>
+            <p:ph idx="1"/>
+          </p:nvPr>
+        </p:nvSpPr>
+        <p:spPr/>
+        <p:txBody>
+          <a:bodyPr>
+            <a:normAutofit/>
+          </a:bodyPr>
+          <a:lstStyle/>
+          <a:p>
+            <a:r>
+              <a:rPr lang="en-US" b="1" dirty="0">
+                <a:solidFill>
+                  <a:srgbClr val="0097D9"/>
+                </a:solidFill>
+              </a:rPr>
+              <a:t>This Bolded portion is Arial in Medium Blue </a:t>
+            </a:r>
+            <a:r>
+              <a:rPr lang="en-US" i="1" dirty="0"/>
+              <a:t>This is a two column content heavy slides. </a:t>
+            </a:r>
+          </a:p>
+          <a:p>
+            <a:r>
+              <a:rPr lang="en-US" b="1" dirty="0">
+                <a:solidFill>
+                  <a:srgbClr val="0097D9"/>
+                </a:solidFill>
+              </a:rPr>
+              <a:t>To </a:t>
+            </a:r>
+            <a:r>
+              <a:rPr lang="en-US" b="1" dirty="0" err="1">
+                <a:solidFill>
+                  <a:srgbClr val="0097D9"/>
+                </a:solidFill>
+              </a:rPr>
+              <a:t>blautemped</a:t>
+            </a:r>
+            <a:r>
+              <a:rPr lang="en-US" b="1" dirty="0">
+                <a:solidFill>
+                  <a:srgbClr val="0097D9"/>
+                </a:solidFill>
+              </a:rPr>
+              <a:t> </a:t>
+            </a:r>
+            <a:r>
+              <a:rPr lang="en-US" b="1" dirty="0" err="1">
+                <a:solidFill>
+                  <a:srgbClr val="0097D9"/>
+                </a:solidFill>
+              </a:rPr>
+              <a:t>est</a:t>
+            </a:r>
+            <a:r>
+              <a:rPr lang="en-US" b="1" dirty="0">
+                <a:solidFill>
+                  <a:srgbClr val="0097D9"/>
+                </a:solidFill>
+              </a:rPr>
+              <a:t> </a:t>
+            </a:r>
+            <a:r>
+              <a:rPr lang="en-US" b="1" dirty="0" err="1">
+                <a:solidFill>
+                  <a:srgbClr val="0097D9"/>
+                </a:solidFill>
+              </a:rPr>
+              <a:t>es</a:t>
+            </a:r>
+            <a:r>
+              <a:rPr lang="en-US" b="1" dirty="0">
+                <a:solidFill>
+                  <a:srgbClr val="0097D9"/>
+                </a:solidFill>
+              </a:rPr>
+              <a:t> </a:t>
+            </a:r>
+            <a:r>
+              <a:rPr lang="en-US" b="1" dirty="0" err="1">
+                <a:solidFill>
+                  <a:srgbClr val="0097D9"/>
+                </a:solidFill>
+              </a:rPr>
+              <a:t>enita</a:t>
+            </a:r>
+            <a:r>
+              <a:rPr lang="en-US" b="1" dirty="0">
+                <a:solidFill>
+                  <a:srgbClr val="0097D9"/>
+                </a:solidFill>
+              </a:rPr>
+              <a:t> </a:t>
+            </a:r>
+            <a:r>
+              <a:rPr lang="en-US" b="1" dirty="0" err="1">
+                <a:solidFill>
+                  <a:srgbClr val="0097D9"/>
+                </a:solidFill>
+              </a:rPr>
+              <a:t>vit</a:t>
+            </a:r>
+            <a:r>
+              <a:rPr lang="en-US" b="1" dirty="0">
+                <a:solidFill>
+                  <a:srgbClr val="0097D9"/>
+                </a:solidFill>
+              </a:rPr>
+              <a:t> </a:t>
+            </a:r>
+            <a:r>
+              <a:rPr lang="en-US" b="1" dirty="0" err="1">
+                <a:solidFill>
+                  <a:srgbClr val="0097D9"/>
+                </a:solidFill>
+              </a:rPr>
+              <a:t>ea</a:t>
+            </a:r>
+            <a:r>
+              <a:rPr lang="en-US" b="1" dirty="0">
+                <a:solidFill>
+                  <a:srgbClr val="0097D9"/>
+                </a:solidFill>
+              </a:rPr>
+              <a:t> </a:t>
+            </a:r>
+            <a:r>
+              <a:rPr lang="en-US" b="1" dirty="0" err="1">
+                <a:solidFill>
+                  <a:srgbClr val="0097D9"/>
+                </a:solidFill>
+              </a:rPr>
+              <a:t>sunt</a:t>
+            </a:r>
+            <a:r>
+              <a:rPr lang="en-US" b="1" dirty="0">
+                <a:solidFill>
+                  <a:srgbClr val="0097D9"/>
+                </a:solidFill>
+              </a:rPr>
+              <a:t> </a:t>
+            </a:r>
+            <a:r>
+              <a:rPr lang="en-US" dirty="0" err="1"/>
+              <a:t>pliquidem</a:t>
+            </a:r>
+            <a:r>
+              <a:rPr lang="en-US" dirty="0"/>
+              <a:t> </a:t>
+            </a:r>
+            <a:r>
+              <a:rPr lang="en-US" dirty="0" err="1"/>
+              <a:t>velitat</a:t>
+            </a:r>
+            <a:r>
+              <a:rPr lang="en-US" dirty="0"/>
+              <a:t> </a:t>
+            </a:r>
+            <a:r>
+              <a:rPr lang="en-US" dirty="0" err="1"/>
+              <a:t>emporum</a:t>
+            </a:r>
+            <a:r>
+              <a:rPr lang="en-US" dirty="0"/>
+              <a:t> des </a:t>
+            </a:r>
+            <a:r>
+              <a:rPr lang="en-US" dirty="0" err="1"/>
+              <a:t>apedi</a:t>
+            </a:r>
+            <a:r>
+              <a:rPr lang="en-US" dirty="0"/>
+              <a:t> </a:t>
+            </a:r>
+            <a:r>
+              <a:rPr lang="en-US" dirty="0" err="1"/>
+              <a:t>dolorrovidus</a:t>
+            </a:r>
+            <a:r>
+              <a:rPr lang="en-US" dirty="0"/>
+              <a:t> </a:t>
+            </a:r>
+            <a:r>
+              <a:rPr lang="en-US" dirty="0" err="1"/>
+              <a:t>quat</a:t>
+            </a:r>
+            <a:r>
+              <a:rPr lang="en-US" dirty="0"/>
+              <a:t> </a:t>
+            </a:r>
+            <a:r>
+              <a:rPr lang="en-US" dirty="0" err="1"/>
+              <a:t>accus</a:t>
+            </a:r>
+            <a:r>
+              <a:rPr lang="en-US" dirty="0"/>
+              <a:t> </a:t>
+            </a:r>
+            <a:r>
+              <a:rPr lang="en-US" dirty="0" err="1"/>
+              <a:t>voluptae</a:t>
+            </a:r>
+            <a:r>
+              <a:rPr lang="en-US" dirty="0"/>
+              <a:t> </a:t>
+            </a:r>
+            <a:r>
+              <a:rPr lang="en-US" dirty="0" err="1"/>
+              <a:t>eiciam</a:t>
+            </a:r>
+            <a:r>
+              <a:rPr lang="en-US" dirty="0"/>
+              <a:t> </a:t>
+            </a:r>
+            <a:r>
+              <a:rPr lang="en-US" dirty="0" err="1"/>
+              <a:t>reri</a:t>
+            </a:r>
+            <a:r>
+              <a:rPr lang="en-US" dirty="0"/>
+              <a:t> </a:t>
+            </a:r>
+            <a:r>
+              <a:rPr lang="en-US" dirty="0" err="1"/>
+              <a:t>doluptaest</a:t>
+            </a:r>
+            <a:r>
+              <a:rPr lang="en-US" dirty="0"/>
+              <a:t> </a:t>
+            </a:r>
+            <a:r>
+              <a:rPr lang="en-US" dirty="0" err="1"/>
+              <a:t>odis</a:t>
+            </a:r>
+            <a:r>
+              <a:rPr lang="en-US" dirty="0"/>
+              <a:t> </a:t>
+            </a:r>
+            <a:r>
+              <a:rPr lang="en-US" dirty="0" err="1"/>
+              <a:t>assi</a:t>
+            </a:r>
+            <a:r>
+              <a:rPr lang="en-US" dirty="0"/>
+              <a:t> </a:t>
+            </a:r>
+            <a:r>
+              <a:rPr lang="en-US" dirty="0" err="1"/>
+              <a:t>dolesse</a:t>
+            </a:r>
+            <a:r>
+              <a:rPr lang="en-US" dirty="0"/>
+              <a:t> </a:t>
+            </a:r>
+            <a:r>
+              <a:rPr lang="en-US" dirty="0" err="1"/>
+              <a:t>rciminctas</a:t>
+            </a:r>
+            <a:r>
+              <a:rPr lang="en-US" dirty="0"/>
+              <a:t> </a:t>
+            </a:r>
+            <a:r>
+              <a:rPr lang="en-US" dirty="0" err="1"/>
+              <a:t>dolesec</a:t>
+            </a:r>
+            <a:r>
+              <a:rPr lang="en-US" dirty="0"/>
+              <a:t> </a:t>
+            </a:r>
+            <a:r>
+              <a:rPr lang="en-US" dirty="0" err="1"/>
+              <a:t>eperumq</a:t>
+            </a:r>
+            <a:r>
+              <a:rPr lang="en-US" dirty="0"/>
+              <a:t> </a:t>
+            </a:r>
+            <a:r>
+              <a:rPr lang="en-US" dirty="0" err="1"/>
+              <a:t>uuntio</a:t>
+            </a:r>
+            <a:r>
+              <a:rPr lang="en-US" dirty="0"/>
+              <a:t> que </a:t>
+            </a:r>
+            <a:r>
+              <a:rPr lang="en-US" dirty="0" err="1"/>
+              <a:t>vitaquia</a:t>
+            </a:r>
+            <a:r>
+              <a:rPr lang="en-US" dirty="0"/>
+              <a:t> </a:t>
+            </a:r>
+            <a:r>
+              <a:rPr lang="en-US" dirty="0" err="1"/>
+              <a:t>sam</a:t>
+            </a:r>
+            <a:r>
+              <a:rPr lang="en-US" dirty="0"/>
+              <a:t>, </a:t>
+            </a:r>
+            <a:r>
+              <a:rPr lang="en-US" dirty="0" err="1"/>
+              <a:t>nonseque</a:t>
+            </a:r>
+            <a:r>
+              <a:rPr lang="en-US" dirty="0"/>
+              <a:t> pro qui </a:t>
+            </a:r>
+            <a:r>
+              <a:rPr lang="en-US" dirty="0" err="1"/>
+              <a:t>offictibus</a:t>
+            </a:r>
+            <a:r>
+              <a:rPr lang="en-US" dirty="0"/>
+              <a:t> </a:t>
+            </a:r>
+            <a:r>
+              <a:rPr lang="en-US" dirty="0" err="1"/>
+              <a:t>aperestrum</a:t>
+            </a:r>
+            <a:r>
+              <a:rPr lang="en-US" dirty="0"/>
+              <a:t> quos et </a:t>
+            </a:r>
+            <a:r>
+              <a:rPr lang="en-US" dirty="0" err="1"/>
+              <a:t>harcimilia</a:t>
+            </a:r>
+            <a:r>
+              <a:rPr lang="en-US" dirty="0"/>
+              <a:t> </a:t>
+            </a:r>
+            <a:r>
+              <a:rPr lang="en-US" dirty="0" err="1"/>
+              <a:t>nonsequaero</a:t>
+            </a:r>
+            <a:r>
+              <a:rPr lang="en-US" dirty="0"/>
+              <a:t> </a:t>
+            </a:r>
+            <a:r>
+              <a:rPr lang="en-US" dirty="0" err="1"/>
+              <a:t>eaquas</a:t>
+            </a:r>
+            <a:r>
+              <a:rPr lang="en-US" dirty="0"/>
+              <a:t> </a:t>
+            </a:r>
+            <a:r>
+              <a:rPr lang="en-US" dirty="0" err="1"/>
+              <a:t>assiminverum</a:t>
+            </a:r>
+            <a:r>
+              <a:rPr lang="en-US" dirty="0"/>
+              <a:t>? </a:t>
+            </a:r>
+            <a:r>
+              <a:rPr lang="en-US" dirty="0" err="1"/>
+              <a:t>Optae</a:t>
+            </a:r>
+            <a:r>
+              <a:rPr lang="en-US" dirty="0"/>
+              <a:t> </a:t>
+            </a:r>
+            <a:r>
+              <a:rPr lang="en-US" dirty="0" err="1"/>
+              <a:t>peribus</a:t>
+            </a:r>
+            <a:r>
+              <a:rPr lang="en-US" dirty="0"/>
+              <a:t> re, </a:t>
+            </a:r>
+            <a:r>
+              <a:rPr lang="en-US" dirty="0" err="1"/>
+              <a:t>aspici</a:t>
+            </a:r>
+            <a:r>
+              <a:rPr lang="en-US" dirty="0"/>
+              <a:t> </a:t>
+            </a:r>
+            <a:r>
+              <a:rPr lang="en-US" dirty="0" err="1"/>
+              <a:t>tem</a:t>
+            </a:r>
+            <a:r>
+              <a:rPr lang="en-US" dirty="0"/>
+              <a:t> </a:t>
+            </a:r>
+            <a:r>
+              <a:rPr lang="en-US" dirty="0" err="1"/>
+              <a:t>velestis</a:t>
+            </a:r>
+            <a:r>
+              <a:rPr lang="en-US" dirty="0"/>
+              <a:t> </a:t>
+            </a:r>
+            <a:r>
+              <a:rPr lang="en-US" dirty="0" err="1"/>
+              <a:t>velitas</a:t>
+            </a:r>
+            <a:r>
+              <a:rPr lang="en-US" dirty="0"/>
+              <a:t> </a:t>
+            </a:r>
+            <a:r>
+              <a:rPr lang="en-US" dirty="0" err="1"/>
+              <a:t>ditem</a:t>
+            </a:r>
+            <a:r>
+              <a:rPr lang="en-US" dirty="0"/>
+              <a:t> rem </a:t>
+            </a:r>
+            <a:r>
+              <a:rPr lang="en-US" dirty="0" err="1"/>
+              <a:t>nonseque</a:t>
+            </a:r>
+            <a:r>
+              <a:rPr lang="en-US" dirty="0"/>
+              <a:t> pro qui </a:t>
+            </a:r>
+          </a:p>
+          <a:p>
+            <a:r>
+              <a:rPr lang="en-US" b="1" dirty="0" err="1">
+                <a:solidFill>
+                  <a:srgbClr val="0097D9"/>
+                </a:solidFill>
+              </a:rPr>
+              <a:t>Tem</a:t>
+            </a:r>
+            <a:r>
+              <a:rPr lang="en-US" b="1" dirty="0">
+                <a:solidFill>
+                  <a:srgbClr val="0097D9"/>
+                </a:solidFill>
+              </a:rPr>
+              <a:t> </a:t>
+            </a:r>
+            <a:r>
+              <a:rPr lang="en-US" b="1" dirty="0" err="1">
+                <a:solidFill>
+                  <a:srgbClr val="0097D9"/>
+                </a:solidFill>
+              </a:rPr>
+              <a:t>quiae</a:t>
+            </a:r>
+            <a:r>
+              <a:rPr lang="en-US" b="1" dirty="0">
+                <a:solidFill>
+                  <a:srgbClr val="0097D9"/>
+                </a:solidFill>
+              </a:rPr>
+              <a:t> </a:t>
+            </a:r>
+            <a:r>
+              <a:rPr lang="en-US" b="1" dirty="0" err="1">
+                <a:solidFill>
+                  <a:srgbClr val="0097D9"/>
+                </a:solidFill>
+              </a:rPr>
+              <a:t>ni</a:t>
+            </a:r>
+            <a:r>
+              <a:rPr lang="en-US" b="1" dirty="0">
+                <a:solidFill>
+                  <a:srgbClr val="0097D9"/>
+                </a:solidFill>
+              </a:rPr>
+              <a:t> </a:t>
+            </a:r>
+            <a:r>
+              <a:rPr lang="en-US" b="1" dirty="0" err="1">
+                <a:solidFill>
+                  <a:srgbClr val="0097D9"/>
+                </a:solidFill>
+              </a:rPr>
+              <a:t>descimus</a:t>
+            </a:r>
+            <a:r>
+              <a:rPr lang="en-US" b="1" dirty="0">
+                <a:solidFill>
+                  <a:srgbClr val="0097D9"/>
+                </a:solidFill>
+              </a:rPr>
+              <a:t>, </a:t>
+            </a:r>
+            <a:r>
+              <a:rPr lang="en-US" b="1" dirty="0" err="1">
+                <a:solidFill>
+                  <a:srgbClr val="0097D9"/>
+                </a:solidFill>
+              </a:rPr>
+              <a:t>necte</a:t>
+            </a:r>
+            <a:r>
+              <a:rPr lang="en-US" b="1" dirty="0">
+                <a:solidFill>
+                  <a:srgbClr val="0097D9"/>
+                </a:solidFill>
+              </a:rPr>
+              <a:t> </a:t>
+            </a:r>
+            <a:r>
+              <a:rPr lang="en-US" b="1" dirty="0" err="1">
+                <a:solidFill>
+                  <a:srgbClr val="0097D9"/>
+                </a:solidFill>
+              </a:rPr>
+              <a:t>reptiunt</a:t>
+            </a:r>
+            <a:r>
+              <a:rPr lang="en-US" b="1" dirty="0">
+                <a:solidFill>
+                  <a:srgbClr val="0097D9"/>
+                </a:solidFill>
+              </a:rPr>
+              <a:t> </a:t>
+            </a:r>
+            <a:r>
+              <a:rPr lang="en-US" dirty="0"/>
+              <a:t>at </a:t>
+            </a:r>
+            <a:r>
+              <a:rPr lang="en-US" dirty="0" err="1"/>
+              <a:t>quiam</a:t>
+            </a:r>
+            <a:r>
+              <a:rPr lang="en-US" dirty="0"/>
+              <a:t> </a:t>
+            </a:r>
+            <a:r>
+              <a:rPr lang="en-US" dirty="0" err="1"/>
+              <a:t>repratur</a:t>
+            </a:r>
+            <a:r>
+              <a:rPr lang="en-US" dirty="0"/>
+              <a:t> </a:t>
+            </a:r>
+            <a:r>
+              <a:rPr lang="en-US" dirty="0" err="1"/>
+              <a:t>modissimet</a:t>
+            </a:r>
+            <a:r>
+              <a:rPr lang="en-US" dirty="0"/>
+              <a:t> mil </a:t>
+            </a:r>
+            <a:r>
+              <a:rPr lang="en-US" dirty="0" err="1"/>
+              <a:t>moluptam</a:t>
+            </a:r>
+            <a:r>
+              <a:rPr lang="en-US" dirty="0"/>
+              <a:t> quos </a:t>
+            </a:r>
+            <a:r>
+              <a:rPr lang="en-US" dirty="0" err="1"/>
+              <a:t>nos</a:t>
+            </a:r>
+            <a:r>
+              <a:rPr lang="en-US" dirty="0"/>
+              <a:t> </a:t>
+            </a:r>
+            <a:r>
+              <a:rPr lang="en-US" dirty="0" err="1"/>
+              <a:t>magnis</a:t>
+            </a:r>
+            <a:r>
+              <a:rPr lang="en-US" dirty="0"/>
+              <a:t> </a:t>
+            </a:r>
+            <a:r>
+              <a:rPr lang="en-US" dirty="0" err="1"/>
+              <a:t>sitat</a:t>
+            </a:r>
+            <a:r>
+              <a:rPr lang="en-US" dirty="0"/>
+              <a:t>.</a:t>
+            </a:r>
+          </a:p>
+          <a:p>
+            <a:r>
+              <a:rPr lang="en-US" b="1" dirty="0">
+                <a:solidFill>
+                  <a:srgbClr val="0097D9"/>
+                </a:solidFill>
+              </a:rPr>
+              <a:t>Ro </a:t>
+            </a:r>
+            <a:r>
+              <a:rPr lang="en-US" b="1" dirty="0" err="1">
+                <a:solidFill>
+                  <a:srgbClr val="0097D9"/>
+                </a:solidFill>
+              </a:rPr>
+              <a:t>moluptaqui</a:t>
+            </a:r>
+            <a:r>
+              <a:rPr lang="en-US" b="1" dirty="0">
+                <a:solidFill>
+                  <a:srgbClr val="0097D9"/>
+                </a:solidFill>
+              </a:rPr>
+              <a:t> </a:t>
+            </a:r>
+            <a:r>
+              <a:rPr lang="en-US" b="1" dirty="0" err="1">
+                <a:solidFill>
+                  <a:srgbClr val="0097D9"/>
+                </a:solidFill>
+              </a:rPr>
+              <a:t>dolupturio</a:t>
+            </a:r>
+            <a:r>
+              <a:rPr lang="en-US" b="1" dirty="0">
+                <a:solidFill>
+                  <a:srgbClr val="0097D9"/>
+                </a:solidFill>
+              </a:rPr>
+              <a:t> </a:t>
+            </a:r>
+            <a:r>
+              <a:rPr lang="en-US" b="1" dirty="0" err="1">
+                <a:solidFill>
+                  <a:srgbClr val="0097D9"/>
+                </a:solidFill>
+              </a:rPr>
+              <a:t>te</a:t>
+            </a:r>
+            <a:r>
+              <a:rPr lang="en-US" b="1" dirty="0">
+                <a:solidFill>
+                  <a:srgbClr val="0097D9"/>
+                </a:solidFill>
+              </a:rPr>
+              <a:t> </a:t>
+            </a:r>
+            <a:r>
+              <a:rPr lang="en-US" b="1" dirty="0" err="1">
+                <a:solidFill>
+                  <a:srgbClr val="0097D9"/>
+                </a:solidFill>
+              </a:rPr>
+              <a:t>prae</a:t>
+            </a:r>
+            <a:r>
+              <a:rPr lang="en-US" b="1" dirty="0">
+                <a:solidFill>
+                  <a:srgbClr val="0097D9"/>
+                </a:solidFill>
+              </a:rPr>
+              <a:t> </a:t>
+            </a:r>
+            <a:r>
+              <a:rPr lang="en-US" dirty="0" err="1"/>
+              <a:t>dolorem</a:t>
+            </a:r>
+            <a:r>
+              <a:rPr lang="en-US" dirty="0"/>
+              <a:t> </a:t>
+            </a:r>
+            <a:r>
+              <a:rPr lang="en-US" dirty="0" err="1"/>
+              <a:t>dolorehenis</a:t>
+            </a:r>
+            <a:r>
+              <a:rPr lang="en-US" dirty="0"/>
+              <a:t> ab </a:t>
+            </a:r>
+            <a:r>
+              <a:rPr lang="en-US" dirty="0" err="1"/>
+              <a:t>invelli</a:t>
+            </a:r>
+            <a:r>
+              <a:rPr lang="en-US" dirty="0"/>
+              <a:t> </a:t>
+            </a:r>
+            <a:r>
+              <a:rPr lang="en-US" dirty="0" err="1"/>
+              <a:t>ciisimu</a:t>
+            </a:r>
+            <a:r>
+              <a:rPr lang="en-US" dirty="0"/>
+              <a:t> </a:t>
+            </a:r>
+            <a:r>
+              <a:rPr lang="en-US" dirty="0" err="1"/>
+              <a:t>sanitia</a:t>
+            </a:r>
+            <a:r>
+              <a:rPr lang="en-US" dirty="0"/>
+              <a:t> </a:t>
+            </a:r>
+            <a:r>
+              <a:rPr lang="en-US" dirty="0" err="1"/>
+              <a:t>quatiisi</a:t>
+            </a:r>
+            <a:r>
+              <a:rPr lang="en-US" dirty="0"/>
+              <a:t> </a:t>
+            </a:r>
+            <a:r>
+              <a:rPr lang="en-US" dirty="0" err="1"/>
+              <a:t>siti</a:t>
+            </a:r>
+            <a:r>
+              <a:rPr lang="en-US" dirty="0"/>
+              <a:t> con </a:t>
+            </a:r>
+            <a:r>
+              <a:rPr lang="en-US" dirty="0" err="1"/>
+              <a:t>consequi</a:t>
+            </a:r>
+            <a:r>
+              <a:rPr lang="en-US" dirty="0"/>
+              <a:t> </a:t>
+            </a:r>
+            <a:r>
+              <a:rPr lang="en-US" dirty="0" err="1"/>
+              <a:t>tem</a:t>
+            </a:r>
+            <a:r>
+              <a:rPr lang="en-US" dirty="0"/>
+              <a:t>. </a:t>
+            </a:r>
+            <a:r>
+              <a:rPr lang="en-US" dirty="0" err="1"/>
+              <a:t>Optae</a:t>
+            </a:r>
+            <a:r>
+              <a:rPr lang="en-US" dirty="0"/>
+              <a:t> </a:t>
+            </a:r>
+            <a:r>
+              <a:rPr lang="en-US" dirty="0" err="1"/>
+              <a:t>peribus</a:t>
+            </a:r>
+            <a:r>
+              <a:rPr lang="en-US" dirty="0"/>
+              <a:t> re, </a:t>
+            </a:r>
+            <a:r>
+              <a:rPr lang="en-US" dirty="0" err="1"/>
+              <a:t>aspici</a:t>
+            </a:r>
+            <a:r>
+              <a:rPr lang="en-US" dirty="0"/>
+              <a:t> </a:t>
+            </a:r>
+            <a:r>
+              <a:rPr lang="en-US" dirty="0" err="1"/>
+              <a:t>tem</a:t>
+            </a:r>
+            <a:r>
+              <a:rPr lang="en-US" dirty="0"/>
+              <a:t> </a:t>
+            </a:r>
+            <a:r>
+              <a:rPr lang="en-US" dirty="0" err="1"/>
+              <a:t>velestis</a:t>
+            </a:r>
+            <a:r>
+              <a:rPr lang="en-US" dirty="0"/>
+              <a:t> </a:t>
+            </a:r>
+            <a:r>
+              <a:rPr lang="en-US" dirty="0" err="1"/>
+              <a:t>velitas</a:t>
+            </a:r>
+            <a:r>
+              <a:rPr lang="en-US" dirty="0"/>
+              <a:t> </a:t>
+            </a:r>
+            <a:r>
+              <a:rPr lang="en-US" dirty="0" err="1"/>
+              <a:t>ditem</a:t>
+            </a:r>
+            <a:r>
+              <a:rPr lang="en-US" dirty="0"/>
+              <a:t> rem</a:t>
+            </a:r>
+          </a:p>
+          <a:p>
+            <a:endParaRPr lang="en-US" dirty="0"/>
+          </a:p>
+        </p:txBody>
+      </p:sp>
+      <p:sp>
+        <p:nvSpPr>
+          <p:cNvPr id="8" name="Slide Number Placeholder 5">
+            <a:extLst>
+              <a:ext uri="{FF2B5EF4-FFF2-40B4-BE49-F238E27FC236}">
+                <a16:creationId xmlns:a16="http://schemas.microsoft.com/office/drawing/2014/main" id="{25D23053-7992-9F47-90F7-4D13C92AEF9A}"/>
+              </a:ext>
+            </a:extLst>
+          </p:cNvPr>
+          <p:cNvSpPr>
+            <a:spLocks noGrp="1"/>
+          </p:cNvSpPr>
+          <p:nvPr>
+            <p:ph type="sldNum" sz="quarter" idx="12"/>
+          </p:nvPr>
+        </p:nvSpPr>
+        <p:spPr/>
+        <p:txBody>
+          <a:bodyPr/>
+          <a:lstStyle/>
+          <a:p>
+            <a:fld id="{535EF33A-04D8-4107-96E5-33B70AE88DFF}" type="slidenum">
+              <a:rPr lang="en-US" smtClean="0"/>
+              <a:pPr/>
+              <a:t>12</a:t>
+            </a:fld>
+            <a:endParaRPr lang="en-US" dirty="0"/>
+          </a:p>
+        </p:txBody>
+      </p:sp>
+      <p:sp>
+        <p:nvSpPr>
+          <p:cNvPr id="7" name="Text Placeholder 6">
+            <a:extLst>
+              <a:ext uri="{FF2B5EF4-FFF2-40B4-BE49-F238E27FC236}">
+                <a16:creationId xmlns:a16="http://schemas.microsoft.com/office/drawing/2014/main" id="{7B801328-E601-F348-9B04-F0CA079C1461}"/>
+              </a:ext>
+            </a:extLst>
+          </p:cNvPr>
+          <p:cNvSpPr>
+            <a:spLocks noGrp="1"/>
+          </p:cNvSpPr>
+          <p:nvPr>
+            <p:ph type="body" sz="quarter" idx="13"/>
+          </p:nvPr>
+        </p:nvSpPr>
+        <p:spPr/>
+        <p:txBody>
+          <a:bodyPr/>
+          <a:lstStyle/>
+          <a:p>
+            <a:r>
+              <a:rPr lang="en-US" dirty="0"/>
+              <a:t>This Subtitle is Arial in Light Orange</a:t>
+            </a:r>
+          </a:p>
+        </p:txBody>
+      </p:sp>
+    </p:spTree>
+    <p:extLst>
+      <p:ext uri="{BB962C8B-B14F-4D97-AF65-F5344CB8AC3E}">
+        <p14:creationId xmlns:p14="http://schemas.microsoft.com/office/powerpoint/2010/main" val="3918084645"/>
+      </p:ext>
+    </p:extLst>
+  </p:cSld>
+  <p:clrMapOvr>
+    <a:masterClrMapping/>
+  </p:clrMapOvr>
+  <mc:AlternateContent xmlns:mc="http://schemas.openxmlformats.org/markup-compatibility/2006" xmlns:p14="http://schemas.microsoft.com/office/powerpoint/2010/main">
+    <mc:Choice Requires="p14">
+      <p:transition spd="med" p14:dur="700">
+        <p:fade/>
+      </p:transition>
+    </mc:Choice>
+    <mc:Fallback xmlns="">
+      <p:transition spd="med">
+        <p:fade/>
+      </p:transition>
+    </mc:Fallback>
+  </mc:AlternateContent>
+</p:sld>
+</file>
+
+<file path=ppt/slides/slide13.xml><?xml version="1.0" encoding="utf-8"?>
+<p:sld xmlns:a="http://schemas.openxmlformats.org/drawingml/2006/main" xmlns:r="http://schemas.openxmlformats.org/officeDocument/2006/relationships" xmlns:p="http://schemas.openxmlformats.org/presentationml/2006/main">
+  <p:cSld>
+    <p:spTree>
+      <p:nvGrpSpPr>
+        <p:cNvPr id="1" name=""/>
+        <p:cNvGrpSpPr/>
+        <p:nvPr/>
+      </p:nvGrpSpPr>
+      <p:grpSpPr>
+        <a:xfrm>
+          <a:off x="0" y="0"/>
+          <a:ext cx="0" cy="0"/>
+          <a:chOff x="0" y="0"/>
+          <a:chExt cx="0" cy="0"/>
+        </a:xfrm>
+      </p:grpSpPr>
       <p:sp>
         <p:nvSpPr>
           <p:cNvPr id="8" name="Content Placeholder 7">
@@ -14752,7 +14812,7 @@
             <a:fld id="{535EF33A-04D8-4107-96E5-33B70AE88DFF}" type="slidenum">
               <a:rPr lang="en-US" smtClean="0"/>
               <a:pPr/>
-              <a:t>10</a:t>
+              <a:t>13</a:t>
             </a:fld>
             <a:endParaRPr lang="en-US" dirty="0"/>
           </a:p>
@@ -14811,7 +14871,7 @@
 </p:sld>
 </file>
 
-<file path=ppt/slides/slide11.xml><?xml version="1.0" encoding="utf-8"?>
+<file path=ppt/slides/slide14.xml><?xml version="1.0" encoding="utf-8"?>
 <p:sld xmlns:a="http://schemas.openxmlformats.org/drawingml/2006/main" xmlns:r="http://schemas.openxmlformats.org/officeDocument/2006/relationships" xmlns:p="http://schemas.openxmlformats.org/presentationml/2006/main">
   <p:cSld>
     <p:spTree>
@@ -15658,7 +15718,7 @@
             <a:fld id="{535EF33A-04D8-4107-96E5-33B70AE88DFF}" type="slidenum">
               <a:rPr lang="en-US" smtClean="0"/>
               <a:pPr/>
-              <a:t>11</a:t>
+              <a:t>14</a:t>
             </a:fld>
             <a:endParaRPr lang="en-US" dirty="0"/>
           </a:p>
@@ -15889,7 +15949,7 @@
 </p:sld>
 </file>
 
-<file path=ppt/slides/slide12.xml><?xml version="1.0" encoding="utf-8"?>
+<file path=ppt/slides/slide15.xml><?xml version="1.0" encoding="utf-8"?>
 <p:sld xmlns:a="http://schemas.openxmlformats.org/drawingml/2006/main" xmlns:r="http://schemas.openxmlformats.org/officeDocument/2006/relationships" xmlns:p="http://schemas.openxmlformats.org/presentationml/2006/main">
   <p:cSld>
     <p:spTree>
@@ -17422,7 +17482,7 @@
             <a:fld id="{535EF33A-04D8-4107-96E5-33B70AE88DFF}" type="slidenum">
               <a:rPr lang="en-US" smtClean="0"/>
               <a:pPr/>
-              <a:t>12</a:t>
+              <a:t>15</a:t>
             </a:fld>
             <a:endParaRPr lang="en-US" dirty="0"/>
           </a:p>
@@ -17438,252 +17498,6 @@
   <p:clrMapOvr>
     <a:masterClrMapping/>
   </p:clrMapOvr>
-</p:sld>
-</file>
-
-<file path=ppt/slides/slide13.xml><?xml version="1.0" encoding="utf-8"?>
-<p:sld xmlns:a="http://schemas.openxmlformats.org/drawingml/2006/main" xmlns:r="http://schemas.openxmlformats.org/officeDocument/2006/relationships" xmlns:p="http://schemas.openxmlformats.org/presentationml/2006/main">
-  <p:cSld>
-    <p:spTree>
-      <p:nvGrpSpPr>
-        <p:cNvPr id="1" name=""/>
-        <p:cNvGrpSpPr/>
-        <p:nvPr/>
-      </p:nvGrpSpPr>
-      <p:grpSpPr>
-        <a:xfrm>
-          <a:off x="0" y="0"/>
-          <a:ext cx="0" cy="0"/>
-          <a:chOff x="0" y="0"/>
-          <a:chExt cx="0" cy="0"/>
-        </a:xfrm>
-      </p:grpSpPr>
-      <p:sp>
-        <p:nvSpPr>
-          <p:cNvPr id="7" name="Title 6">
-            <a:extLst>
-              <a:ext uri="{FF2B5EF4-FFF2-40B4-BE49-F238E27FC236}">
-                <a16:creationId xmlns:a16="http://schemas.microsoft.com/office/drawing/2014/main" id="{BE9CE17D-2234-4E46-B9A4-A8F0A364F313}"/>
-              </a:ext>
-            </a:extLst>
-          </p:cNvPr>
-          <p:cNvSpPr>
-            <a:spLocks noGrp="1"/>
-          </p:cNvSpPr>
-          <p:nvPr>
-            <p:ph type="title"/>
-          </p:nvPr>
-        </p:nvSpPr>
-        <p:spPr/>
-        <p:txBody>
-          <a:bodyPr/>
-          <a:lstStyle/>
-          <a:p>
-            <a:r>
-              <a:rPr lang="en-US"/>
-              <a:t>How did I learn about footy?</a:t>
-            </a:r>
-            <a:endParaRPr lang="en-US" dirty="0"/>
-          </a:p>
-        </p:txBody>
-      </p:sp>
-      <p:sp>
-        <p:nvSpPr>
-          <p:cNvPr id="14" name="Slide Number Placeholder 5">
-            <a:extLst>
-              <a:ext uri="{FF2B5EF4-FFF2-40B4-BE49-F238E27FC236}">
-                <a16:creationId xmlns:a16="http://schemas.microsoft.com/office/drawing/2014/main" id="{12E0F59A-57A2-CB4E-B987-DE323577DB29}"/>
-              </a:ext>
-            </a:extLst>
-          </p:cNvPr>
-          <p:cNvSpPr>
-            <a:spLocks noGrp="1"/>
-          </p:cNvSpPr>
-          <p:nvPr>
-            <p:ph type="sldNum" sz="quarter" idx="12"/>
-          </p:nvPr>
-        </p:nvSpPr>
-        <p:spPr/>
-        <p:txBody>
-          <a:bodyPr/>
-          <a:lstStyle/>
-          <a:p>
-            <a:fld id="{535EF33A-04D8-4107-96E5-33B70AE88DFF}" type="slidenum">
-              <a:rPr lang="en-US" smtClean="0"/>
-              <a:pPr/>
-              <a:t>13</a:t>
-            </a:fld>
-            <a:endParaRPr lang="en-US" dirty="0"/>
-          </a:p>
-        </p:txBody>
-      </p:sp>
-      <p:sp>
-        <p:nvSpPr>
-          <p:cNvPr id="15" name="TextBox 14">
-            <a:extLst>
-              <a:ext uri="{FF2B5EF4-FFF2-40B4-BE49-F238E27FC236}">
-                <a16:creationId xmlns:a16="http://schemas.microsoft.com/office/drawing/2014/main" id="{D7838175-8273-EA4C-8971-F6CEB5D6F490}"/>
-              </a:ext>
-            </a:extLst>
-          </p:cNvPr>
-          <p:cNvSpPr txBox="1"/>
-          <p:nvPr/>
-        </p:nvSpPr>
-        <p:spPr>
-          <a:xfrm>
-            <a:off x="2097530" y="2729538"/>
-            <a:ext cx="1024640" cy="707886"/>
-          </a:xfrm>
-          <a:prstGeom prst="rect">
-            <a:avLst/>
-          </a:prstGeom>
-          <a:noFill/>
-        </p:spPr>
-        <p:txBody>
-          <a:bodyPr wrap="none" rtlCol="0">
-            <a:spAutoFit/>
-          </a:bodyPr>
-          <a:lstStyle/>
-          <a:p>
-            <a:pPr algn="ctr"/>
-            <a:r>
-              <a:rPr lang="en-US" sz="2000" b="1"/>
-              <a:t>This is</a:t>
-            </a:r>
-          </a:p>
-          <a:p>
-            <a:pPr algn="ctr"/>
-            <a:r>
-              <a:rPr lang="en-US" sz="2000" b="1"/>
-              <a:t>a chart</a:t>
-            </a:r>
-            <a:endParaRPr lang="en-US" sz="2000" b="1" dirty="0"/>
-          </a:p>
-        </p:txBody>
-      </p:sp>
-      <p:sp>
-        <p:nvSpPr>
-          <p:cNvPr id="3" name="Chart Placeholder 2">
-            <a:extLst>
-              <a:ext uri="{FF2B5EF4-FFF2-40B4-BE49-F238E27FC236}">
-                <a16:creationId xmlns:a16="http://schemas.microsoft.com/office/drawing/2014/main" id="{BFCE3A0D-B247-D2BC-B483-C775ADD916B2}"/>
-              </a:ext>
-            </a:extLst>
-          </p:cNvPr>
-          <p:cNvSpPr>
-            <a:spLocks noGrp="1"/>
-          </p:cNvSpPr>
-          <p:nvPr>
-            <p:ph type="chart" sz="quarter" idx="14"/>
-          </p:nvPr>
-        </p:nvSpPr>
-        <p:spPr>
-          <a:xfrm>
-            <a:off x="1481094" y="1747082"/>
-            <a:ext cx="2022393" cy="2671761"/>
-          </a:xfrm>
-        </p:spPr>
-      </p:sp>
-      <p:pic>
-        <p:nvPicPr>
-          <p:cNvPr id="17" name="Content Placeholder 16" descr="A person and person posing for a picture&#10;&#10;Description automatically generated with medium confidence">
-            <a:extLst>
-              <a:ext uri="{FF2B5EF4-FFF2-40B4-BE49-F238E27FC236}">
-                <a16:creationId xmlns:a16="http://schemas.microsoft.com/office/drawing/2014/main" id="{04111750-8151-D6F1-8209-AA6999241672}"/>
-              </a:ext>
-            </a:extLst>
-          </p:cNvPr>
-          <p:cNvPicPr>
-            <a:picLocks noGrp="1" noChangeAspect="1"/>
-          </p:cNvPicPr>
-          <p:nvPr>
-            <p:ph sz="half" idx="2"/>
-          </p:nvPr>
-        </p:nvPicPr>
-        <p:blipFill>
-          <a:blip r:embed="rId2"/>
-          <a:stretch>
-            <a:fillRect/>
-          </a:stretch>
-        </p:blipFill>
-        <p:spPr>
-          <a:xfrm>
-            <a:off x="1481094" y="1748118"/>
-            <a:ext cx="2022393" cy="2671762"/>
-          </a:xfrm>
-        </p:spPr>
-      </p:pic>
-      <p:sp>
-        <p:nvSpPr>
-          <p:cNvPr id="18" name="TextBox 17">
-            <a:extLst>
-              <a:ext uri="{FF2B5EF4-FFF2-40B4-BE49-F238E27FC236}">
-                <a16:creationId xmlns:a16="http://schemas.microsoft.com/office/drawing/2014/main" id="{80393484-B77E-FD31-E31D-562D06B36AC9}"/>
-              </a:ext>
-            </a:extLst>
-          </p:cNvPr>
-          <p:cNvSpPr txBox="1"/>
-          <p:nvPr/>
-        </p:nvSpPr>
-        <p:spPr>
-          <a:xfrm>
-            <a:off x="3852809" y="1748118"/>
-            <a:ext cx="4654193" cy="715581"/>
-          </a:xfrm>
-          <a:prstGeom prst="rect">
-            <a:avLst/>
-          </a:prstGeom>
-          <a:noFill/>
-        </p:spPr>
-        <p:txBody>
-          <a:bodyPr wrap="square" rtlCol="0">
-            <a:spAutoFit/>
-          </a:bodyPr>
-          <a:lstStyle/>
-          <a:p>
-            <a:r>
-              <a:rPr lang="en-US" dirty="0"/>
-              <a:t>-Played for Louisville kings</a:t>
-            </a:r>
-          </a:p>
-          <a:p>
-            <a:endParaRPr lang="en-US" dirty="0"/>
-          </a:p>
-          <a:p>
-            <a:r>
-              <a:rPr lang="en-US" dirty="0"/>
-              <a:t>-Won two Division IV national </a:t>
-            </a:r>
-            <a:r>
-              <a:rPr lang="en-US" dirty="0" err="1"/>
-              <a:t>champtionships</a:t>
-            </a:r>
-            <a:endParaRPr lang="en-US" dirty="0"/>
-          </a:p>
-        </p:txBody>
-      </p:sp>
-    </p:spTree>
-    <p:extLst>
-      <p:ext uri="{BB962C8B-B14F-4D97-AF65-F5344CB8AC3E}">
-        <p14:creationId xmlns:p14="http://schemas.microsoft.com/office/powerpoint/2010/main" val="4071640314"/>
-      </p:ext>
-    </p:extLst>
-  </p:cSld>
-  <p:clrMapOvr>
-    <a:masterClrMapping/>
-  </p:clrMapOvr>
-  <mc:AlternateContent xmlns:mc="http://schemas.openxmlformats.org/markup-compatibility/2006" xmlns:p14="http://schemas.microsoft.com/office/powerpoint/2010/main">
-    <mc:Choice Requires="p14">
-      <p:transition spd="med" p14:dur="700">
-        <p:fade/>
-      </p:transition>
-    </mc:Choice>
-    <mc:Fallback xmlns="">
-      <p:transition spd="med">
-        <p:fade/>
-      </p:transition>
-    </mc:Fallback>
-  </mc:AlternateContent>
 </p:sld>
 </file>
 
@@ -17727,7 +17541,7 @@
           <a:p>
             <a:r>
               <a:rPr lang="en-US" dirty="0"/>
-              <a:t>Capstone 1 Instructions</a:t>
+              <a:t>Australian Rules Football</a:t>
             </a:r>
           </a:p>
         </p:txBody>
@@ -17750,7 +17564,7 @@
         </p:nvSpPr>
         <p:spPr>
           <a:xfrm>
-            <a:off x="504827" y="1881809"/>
+            <a:off x="301165" y="2073002"/>
             <a:ext cx="4059684" cy="2702891"/>
           </a:xfrm>
         </p:spPr>
@@ -17769,67 +17583,39 @@
                   <a:srgbClr val="0097D9"/>
                 </a:solidFill>
               </a:rPr>
-              <a:t>Suggested order of components to demo:</a:t>
+              <a:t>Game Details:</a:t>
             </a:r>
             <a:endParaRPr lang="en-US" dirty="0"/>
           </a:p>
           <a:p>
             <a:r>
               <a:rPr lang="en-US" dirty="0"/>
-              <a:t>Web App UI – Data Entry Functionality​</a:t>
-            </a:r>
-          </a:p>
-          <a:p>
-            <a:r>
-              <a:rPr lang="en-US" dirty="0"/>
-              <a:t>Sales Dashboard, and Analysis Findings​</a:t>
-            </a:r>
-          </a:p>
-          <a:p>
-            <a:r>
-              <a:rPr lang="en-US" dirty="0"/>
-              <a:t>Back end – Database Design​</a:t>
-            </a:r>
-            <a:endParaRPr lang="en-US" b="1" dirty="0">
-              <a:solidFill>
-                <a:srgbClr val="0097D9"/>
-              </a:solidFill>
-            </a:endParaRPr>
-          </a:p>
-          <a:p>
-            <a:pPr marL="0" indent="0">
-              <a:buNone/>
-            </a:pPr>
-            <a:endParaRPr lang="en-US" b="1" dirty="0">
-              <a:solidFill>
-                <a:srgbClr val="0097D9"/>
-              </a:solidFill>
-            </a:endParaRPr>
-          </a:p>
-          <a:p>
-            <a:pPr marL="0" indent="0">
-              <a:buNone/>
-            </a:pPr>
-            <a:r>
-              <a:rPr lang="en-US" b="1" dirty="0">
-                <a:solidFill>
-                  <a:srgbClr val="0097D9"/>
-                </a:solidFill>
-              </a:rPr>
-              <a:t>Focal points should be: ​</a:t>
-            </a:r>
-          </a:p>
-          <a:p>
-            <a:r>
-              <a:rPr lang="en-US" dirty="0"/>
-              <a:t>Design choices &amp; justifications​</a:t>
-            </a:r>
-          </a:p>
-          <a:p>
-            <a:r>
-              <a:rPr lang="en-US" dirty="0"/>
-              <a:t>Value to the customer</a:t>
-            </a:r>
+              <a:t>Twenty minute quarters</a:t>
+            </a:r>
+          </a:p>
+          <a:p>
+            <a:r>
+              <a:rPr lang="en-US" dirty="0"/>
+              <a:t>18 players per team​ on field, 4 subs</a:t>
+            </a:r>
+          </a:p>
+          <a:p>
+            <a:r>
+              <a:rPr lang="en-US" dirty="0"/>
+              <a:t>Goal = 6 points, Behind = 1​</a:t>
+            </a:r>
+          </a:p>
+          <a:p>
+            <a:endParaRPr lang="en-US" dirty="0"/>
+          </a:p>
+          <a:p>
+            <a:endParaRPr lang="en-US" dirty="0"/>
+          </a:p>
+          <a:p>
+            <a:endParaRPr lang="en-US" dirty="0"/>
+          </a:p>
+          <a:p>
+            <a:endParaRPr lang="en-US" dirty="0"/>
           </a:p>
         </p:txBody>
       </p:sp>
@@ -17863,338 +17649,36 @@
           </a:p>
         </p:txBody>
       </p:sp>
-      <p:sp>
-        <p:nvSpPr>
-          <p:cNvPr id="7" name="Text Placeholder 6">
-            <a:extLst>
-              <a:ext uri="{FF2B5EF4-FFF2-40B4-BE49-F238E27FC236}">
-                <a16:creationId xmlns:a16="http://schemas.microsoft.com/office/drawing/2014/main" id="{7B801328-E601-F348-9B04-F0CA079C1461}"/>
-              </a:ext>
-            </a:extLst>
-          </p:cNvPr>
-          <p:cNvSpPr>
-            <a:spLocks noGrp="1"/>
-          </p:cNvSpPr>
-          <p:nvPr>
-            <p:ph type="body" sz="quarter" idx="13"/>
-          </p:nvPr>
-        </p:nvSpPr>
-        <p:spPr/>
-        <p:txBody>
-          <a:bodyPr vert="horz" wrap="square" lIns="0" tIns="45720" rIns="91440" bIns="45720" rtlCol="0" anchor="t">
-            <a:spAutoFit/>
-          </a:bodyPr>
-          <a:lstStyle/>
-          <a:p>
-            <a:r>
-              <a:rPr lang="en-US" dirty="0"/>
-              <a:t>Student guide for planning your presentation</a:t>
-            </a:r>
-          </a:p>
-        </p:txBody>
-      </p:sp>
-      <p:sp>
-        <p:nvSpPr>
-          <p:cNvPr id="3" name="Content Placeholder 5">
-            <a:extLst>
-              <a:ext uri="{FF2B5EF4-FFF2-40B4-BE49-F238E27FC236}">
-                <a16:creationId xmlns:a16="http://schemas.microsoft.com/office/drawing/2014/main" id="{7C7980B7-617C-41DE-A8D4-AE5FF1E166B7}"/>
-              </a:ext>
-            </a:extLst>
-          </p:cNvPr>
-          <p:cNvSpPr txBox="1">
-            <a:spLocks/>
-          </p:cNvSpPr>
+      <p:pic>
+        <p:nvPicPr>
+          <p:cNvPr id="4" name="Picture 3" descr="Diagram&#10;&#10;Description automatically generated">
+            <a:extLst>
+              <a:ext uri="{FF2B5EF4-FFF2-40B4-BE49-F238E27FC236}">
+                <a16:creationId xmlns:a16="http://schemas.microsoft.com/office/drawing/2014/main" id="{FDAB64F6-985F-D410-7F65-B3652230435E}"/>
+              </a:ext>
+            </a:extLst>
+          </p:cNvPr>
+          <p:cNvPicPr>
+            <a:picLocks noChangeAspect="1"/>
+          </p:cNvPicPr>
           <p:nvPr/>
-        </p:nvSpPr>
-        <p:spPr>
-          <a:xfrm>
-            <a:off x="4535283" y="1881227"/>
-            <a:ext cx="4059684" cy="2702891"/>
+        </p:nvPicPr>
+        <p:blipFill>
+          <a:blip r:embed="rId2"/>
+          <a:stretch>
+            <a:fillRect/>
+          </a:stretch>
+        </p:blipFill>
+        <p:spPr>
+          <a:xfrm>
+            <a:off x="4050715" y="270164"/>
+            <a:ext cx="3264002" cy="4873336"/>
           </a:xfrm>
           <a:prstGeom prst="rect">
             <a:avLst/>
           </a:prstGeom>
         </p:spPr>
-        <p:txBody>
-          <a:bodyPr vert="horz" lIns="91440" tIns="45720" rIns="91440" bIns="45720" rtlCol="0" anchor="t">
-            <a:normAutofit lnSpcReduction="10000"/>
-          </a:bodyPr>
-          <a:lstStyle>
-            <a:lvl1pPr marL="117475" indent="-117475" algn="l" defTabSz="685800" rtl="0" eaLnBrk="1" latinLnBrk="0" hangingPunct="1">
-              <a:lnSpc>
-                <a:spcPct val="100000"/>
-              </a:lnSpc>
-              <a:spcBef>
-                <a:spcPts val="750"/>
-              </a:spcBef>
-              <a:buClr>
-                <a:schemeClr val="accent2"/>
-              </a:buClr>
-              <a:buFont typeface="Arial" panose="020B0604020202020204" pitchFamily="34" charset="0"/>
-              <a:buChar char="•"/>
-              <a:tabLst/>
-              <a:defRPr sz="1400" kern="1200">
-                <a:solidFill>
-                  <a:schemeClr val="bg2"/>
-                </a:solidFill>
-                <a:latin typeface="+mn-lt"/>
-                <a:ea typeface="+mn-ea"/>
-                <a:cs typeface="+mn-cs"/>
-              </a:defRPr>
-            </a:lvl1pPr>
-            <a:lvl2pPr marL="346075" indent="-173038" algn="l" defTabSz="685800" rtl="0" eaLnBrk="1" latinLnBrk="0" hangingPunct="1">
-              <a:lnSpc>
-                <a:spcPct val="100000"/>
-              </a:lnSpc>
-              <a:spcBef>
-                <a:spcPts val="800"/>
-              </a:spcBef>
-              <a:buClr>
-                <a:schemeClr val="accent2"/>
-              </a:buClr>
-              <a:buFont typeface=".AppleSystemUIFont" charset="0"/>
-              <a:buChar char="–"/>
-              <a:tabLst/>
-              <a:defRPr sz="1400" kern="1200">
-                <a:solidFill>
-                  <a:schemeClr val="bg2"/>
-                </a:solidFill>
-                <a:latin typeface="+mn-lt"/>
-                <a:ea typeface="+mn-ea"/>
-                <a:cs typeface="+mn-cs"/>
-              </a:defRPr>
-            </a:lvl2pPr>
-            <a:lvl3pPr marL="514350" indent="-168275" algn="l" defTabSz="685800" rtl="0" eaLnBrk="1" latinLnBrk="0" hangingPunct="1">
-              <a:lnSpc>
-                <a:spcPct val="100000"/>
-              </a:lnSpc>
-              <a:spcBef>
-                <a:spcPts val="375"/>
-              </a:spcBef>
-              <a:buClr>
-                <a:schemeClr val="accent2"/>
-              </a:buClr>
-              <a:buFont typeface=".AppleSystemUIFont" charset="0"/>
-              <a:buChar char="–"/>
-              <a:tabLst/>
-              <a:defRPr sz="1400" kern="1200">
-                <a:solidFill>
-                  <a:schemeClr val="bg2"/>
-                </a:solidFill>
-                <a:latin typeface="+mn-lt"/>
-                <a:ea typeface="+mn-ea"/>
-                <a:cs typeface="+mn-cs"/>
-              </a:defRPr>
-            </a:lvl3pPr>
-            <a:lvl4pPr marL="690563" indent="-171450" algn="l" defTabSz="685800" rtl="0" eaLnBrk="1" latinLnBrk="0" hangingPunct="1">
-              <a:lnSpc>
-                <a:spcPct val="100000"/>
-              </a:lnSpc>
-              <a:spcBef>
-                <a:spcPts val="375"/>
-              </a:spcBef>
-              <a:buClr>
-                <a:schemeClr val="accent2"/>
-              </a:buClr>
-              <a:buFont typeface=".AppleSystemUIFont" charset="0"/>
-              <a:buChar char="–"/>
-              <a:tabLst/>
-              <a:defRPr sz="1400" kern="1200">
-                <a:solidFill>
-                  <a:schemeClr val="bg2"/>
-                </a:solidFill>
-                <a:latin typeface="+mn-lt"/>
-                <a:ea typeface="+mn-ea"/>
-                <a:cs typeface="+mn-cs"/>
-              </a:defRPr>
-            </a:lvl4pPr>
-            <a:lvl5pPr marL="1543050" indent="-171450" algn="l" defTabSz="685800" rtl="0" eaLnBrk="1" latinLnBrk="0" hangingPunct="1">
-              <a:lnSpc>
-                <a:spcPct val="100000"/>
-              </a:lnSpc>
-              <a:spcBef>
-                <a:spcPts val="375"/>
-              </a:spcBef>
-              <a:buClr>
-                <a:schemeClr val="accent2"/>
-              </a:buClr>
-              <a:buFont typeface="Arial" panose="020B0604020202020204" pitchFamily="34" charset="0"/>
-              <a:buChar char="•"/>
-              <a:defRPr sz="1400" kern="1200">
-                <a:solidFill>
-                  <a:schemeClr val="bg2"/>
-                </a:solidFill>
-                <a:latin typeface="+mn-lt"/>
-                <a:ea typeface="+mn-ea"/>
-                <a:cs typeface="+mn-cs"/>
-              </a:defRPr>
-            </a:lvl5pPr>
-            <a:lvl6pPr marL="1885950" indent="-171450" algn="l" defTabSz="685800" rtl="0" eaLnBrk="1" latinLnBrk="0" hangingPunct="1">
-              <a:lnSpc>
-                <a:spcPct val="90000"/>
-              </a:lnSpc>
-              <a:spcBef>
-                <a:spcPts val="375"/>
-              </a:spcBef>
-              <a:buFont typeface="Arial" panose="020B0604020202020204" pitchFamily="34" charset="0"/>
-              <a:buChar char="•"/>
-              <a:defRPr sz="1350" kern="1200">
-                <a:solidFill>
-                  <a:schemeClr val="tx1"/>
-                </a:solidFill>
-                <a:latin typeface="+mn-lt"/>
-                <a:ea typeface="+mn-ea"/>
-                <a:cs typeface="+mn-cs"/>
-              </a:defRPr>
-            </a:lvl6pPr>
-            <a:lvl7pPr marL="2228850" indent="-171450" algn="l" defTabSz="685800" rtl="0" eaLnBrk="1" latinLnBrk="0" hangingPunct="1">
-              <a:lnSpc>
-                <a:spcPct val="90000"/>
-              </a:lnSpc>
-              <a:spcBef>
-                <a:spcPts val="375"/>
-              </a:spcBef>
-              <a:buFont typeface="Arial" panose="020B0604020202020204" pitchFamily="34" charset="0"/>
-              <a:buChar char="•"/>
-              <a:defRPr sz="1350" kern="1200">
-                <a:solidFill>
-                  <a:schemeClr val="tx1"/>
-                </a:solidFill>
-                <a:latin typeface="+mn-lt"/>
-                <a:ea typeface="+mn-ea"/>
-                <a:cs typeface="+mn-cs"/>
-              </a:defRPr>
-            </a:lvl7pPr>
-            <a:lvl8pPr marL="2571750" indent="-171450" algn="l" defTabSz="685800" rtl="0" eaLnBrk="1" latinLnBrk="0" hangingPunct="1">
-              <a:lnSpc>
-                <a:spcPct val="90000"/>
-              </a:lnSpc>
-              <a:spcBef>
-                <a:spcPts val="375"/>
-              </a:spcBef>
-              <a:buFont typeface="Arial" panose="020B0604020202020204" pitchFamily="34" charset="0"/>
-              <a:buChar char="•"/>
-              <a:defRPr sz="1350" kern="1200">
-                <a:solidFill>
-                  <a:schemeClr val="tx1"/>
-                </a:solidFill>
-                <a:latin typeface="+mn-lt"/>
-                <a:ea typeface="+mn-ea"/>
-                <a:cs typeface="+mn-cs"/>
-              </a:defRPr>
-            </a:lvl8pPr>
-            <a:lvl9pPr marL="2914650" indent="-171450" algn="l" defTabSz="685800" rtl="0" eaLnBrk="1" latinLnBrk="0" hangingPunct="1">
-              <a:lnSpc>
-                <a:spcPct val="90000"/>
-              </a:lnSpc>
-              <a:spcBef>
-                <a:spcPts val="375"/>
-              </a:spcBef>
-              <a:buFont typeface="Arial" panose="020B0604020202020204" pitchFamily="34" charset="0"/>
-              <a:buChar char="•"/>
-              <a:defRPr sz="1350" kern="1200">
-                <a:solidFill>
-                  <a:schemeClr val="tx1"/>
-                </a:solidFill>
-                <a:latin typeface="+mn-lt"/>
-                <a:ea typeface="+mn-ea"/>
-                <a:cs typeface="+mn-cs"/>
-              </a:defRPr>
-            </a:lvl9pPr>
-          </a:lstStyle>
-          <a:p>
-            <a:pPr marL="0" indent="0">
-              <a:buNone/>
-            </a:pPr>
-            <a:r>
-              <a:rPr lang="en-US" b="1" dirty="0">
-                <a:solidFill>
-                  <a:srgbClr val="0097D9"/>
-                </a:solidFill>
-                <a:cs typeface="Arial" panose="020B0604020202020204"/>
-              </a:rPr>
-              <a:t>Slides &amp; flow</a:t>
-            </a:r>
-          </a:p>
-          <a:p>
-            <a:r>
-              <a:rPr lang="en-US" dirty="0">
-                <a:solidFill>
-                  <a:srgbClr val="717073"/>
-                </a:solidFill>
-                <a:cs typeface="Arial" panose="020B0604020202020204"/>
-              </a:rPr>
-              <a:t>Title Slide</a:t>
-            </a:r>
-          </a:p>
-          <a:p>
-            <a:r>
-              <a:rPr lang="en-US" dirty="0">
-                <a:solidFill>
-                  <a:srgbClr val="717073"/>
-                </a:solidFill>
-                <a:cs typeface="Arial" panose="020B0604020202020204"/>
-              </a:rPr>
-              <a:t>One slide with the name of your solution, a few screenshots, and your picture</a:t>
-            </a:r>
-          </a:p>
-          <a:p>
-            <a:pPr lvl="1" indent="-172720"/>
-            <a:r>
-              <a:rPr lang="en-US" dirty="0">
-                <a:cs typeface="Arial"/>
-              </a:rPr>
-              <a:t>Use this slide to </a:t>
-            </a:r>
-            <a:r>
-              <a:rPr lang="en-US" i="1" dirty="0">
-                <a:cs typeface="Arial"/>
-              </a:rPr>
-              <a:t>very briefly </a:t>
-            </a:r>
-            <a:r>
-              <a:rPr lang="en-US" dirty="0">
-                <a:cs typeface="Arial"/>
-              </a:rPr>
-              <a:t>introduce your app, providing a summary of how it works.</a:t>
-            </a:r>
-          </a:p>
-          <a:p>
-            <a:pPr>
-              <a:buFont typeface="Arial" charset="0"/>
-              <a:buChar char="•"/>
-            </a:pPr>
-            <a:r>
-              <a:rPr lang="en-US" dirty="0">
-                <a:cs typeface="Arial"/>
-              </a:rPr>
-              <a:t>[Live Demo]</a:t>
-            </a:r>
-          </a:p>
-          <a:p>
-            <a:pPr>
-              <a:buFont typeface="Arial" charset="0"/>
-              <a:buChar char="•"/>
-            </a:pPr>
-            <a:r>
-              <a:rPr lang="en-US" dirty="0">
-                <a:cs typeface="Arial"/>
-              </a:rPr>
-              <a:t>Appendix</a:t>
-            </a:r>
-          </a:p>
-          <a:p>
-            <a:pPr lvl="1" indent="-172720"/>
-            <a:r>
-              <a:rPr lang="en-US" dirty="0">
-                <a:cs typeface="Arial"/>
-              </a:rPr>
-              <a:t>Any supporting materials such as diagrams, that you may refer to during Q&amp;A</a:t>
-            </a:r>
-          </a:p>
-        </p:txBody>
-      </p:sp>
+      </p:pic>
     </p:spTree>
     <p:extLst>
       <p:ext uri="{BB962C8B-B14F-4D97-AF65-F5344CB8AC3E}">
@@ -18239,10 +17723,10 @@
       </p:grpSpPr>
       <p:sp>
         <p:nvSpPr>
-          <p:cNvPr id="2" name="Title 1">
-            <a:extLst>
-              <a:ext uri="{FF2B5EF4-FFF2-40B4-BE49-F238E27FC236}">
-                <a16:creationId xmlns:a16="http://schemas.microsoft.com/office/drawing/2014/main" id="{F6C59A95-CB26-4CC1-9294-A44BF11967A7}"/>
+          <p:cNvPr id="11" name="Title 10">
+            <a:extLst>
+              <a:ext uri="{FF2B5EF4-FFF2-40B4-BE49-F238E27FC236}">
+                <a16:creationId xmlns:a16="http://schemas.microsoft.com/office/drawing/2014/main" id="{A012C97D-D760-344C-8841-C4BF32B53B0C}"/>
               </a:ext>
             </a:extLst>
           </p:cNvPr>
@@ -18260,17 +17744,17 @@
           <a:p>
             <a:r>
               <a:rPr lang="en-US" dirty="0"/>
-              <a:t>Instructions</a:t>
+              <a:t>Dataset</a:t>
             </a:r>
           </a:p>
         </p:txBody>
       </p:sp>
       <p:sp>
         <p:nvSpPr>
-          <p:cNvPr id="3" name="Content Placeholder 2">
-            <a:extLst>
-              <a:ext uri="{FF2B5EF4-FFF2-40B4-BE49-F238E27FC236}">
-                <a16:creationId xmlns:a16="http://schemas.microsoft.com/office/drawing/2014/main" id="{E3376174-C023-444A-B18E-14313534F35A}"/>
+          <p:cNvPr id="18" name="Slide Number Placeholder 5">
+            <a:extLst>
+              <a:ext uri="{FF2B5EF4-FFF2-40B4-BE49-F238E27FC236}">
+                <a16:creationId xmlns:a16="http://schemas.microsoft.com/office/drawing/2014/main" id="{10109F79-D1BF-9243-A032-356088E65B65}"/>
               </a:ext>
             </a:extLst>
           </p:cNvPr>
@@ -18278,63 +17762,29 @@
             <a:spLocks noGrp="1"/>
           </p:cNvSpPr>
           <p:nvPr>
-            <p:ph idx="1"/>
+            <p:ph type="sldNum" sz="quarter" idx="12"/>
           </p:nvPr>
         </p:nvSpPr>
         <p:spPr/>
         <p:txBody>
-          <a:bodyPr vert="horz" lIns="91440" tIns="45720" rIns="91440" bIns="45720" rtlCol="0" anchor="t">
-            <a:normAutofit/>
-          </a:bodyPr>
+          <a:bodyPr/>
           <a:lstStyle/>
           <a:p>
-            <a:pPr marL="0" indent="0">
-              <a:buNone/>
-            </a:pPr>
-            <a:r>
-              <a:rPr lang="en-US" b="1" dirty="0">
-                <a:solidFill>
-                  <a:schemeClr val="accent3"/>
-                </a:solidFill>
-              </a:rPr>
-              <a:t>There are many layout options you can use for each of your slides </a:t>
-            </a:r>
-          </a:p>
-          <a:p>
-            <a:r>
-              <a:rPr lang="en-US" dirty="0"/>
-              <a:t>Slides 5-13 are layout templates. They state the font colors and styles to use. </a:t>
-            </a:r>
-          </a:p>
-          <a:p>
-            <a:r>
-              <a:rPr lang="en-US" dirty="0"/>
-              <a:t>Suggest copying and pasting the slide you want and then modifying</a:t>
-            </a:r>
-          </a:p>
-          <a:p>
-            <a:r>
-              <a:rPr lang="en-US" dirty="0"/>
-              <a:t>Slide 14 is a divider if you wanted to have sections to your presentation</a:t>
-            </a:r>
-          </a:p>
-          <a:p>
-            <a:r>
-              <a:rPr lang="en-US" dirty="0"/>
-              <a:t>After you are done creating your presentation, delete any unused slides</a:t>
-            </a:r>
-          </a:p>
-          <a:p>
+            <a:fld id="{535EF33A-04D8-4107-96E5-33B70AE88DFF}" type="slidenum">
+              <a:rPr lang="en-US" smtClean="0"/>
+              <a:pPr/>
+              <a:t>3</a:t>
+            </a:fld>
             <a:endParaRPr lang="en-US" dirty="0"/>
           </a:p>
         </p:txBody>
       </p:sp>
       <p:sp>
         <p:nvSpPr>
-          <p:cNvPr id="4" name="Text Placeholder 3">
-            <a:extLst>
-              <a:ext uri="{FF2B5EF4-FFF2-40B4-BE49-F238E27FC236}">
-                <a16:creationId xmlns:a16="http://schemas.microsoft.com/office/drawing/2014/main" id="{1F1D0F82-7F1A-4B83-BDC8-2C2520608F9D}"/>
+          <p:cNvPr id="13" name="Text Placeholder 12">
+            <a:extLst>
+              <a:ext uri="{FF2B5EF4-FFF2-40B4-BE49-F238E27FC236}">
+                <a16:creationId xmlns:a16="http://schemas.microsoft.com/office/drawing/2014/main" id="{39975BA5-F0B1-0B47-9B69-6895D35EB3FC}"/>
               </a:ext>
             </a:extLst>
           </p:cNvPr>
@@ -18352,21 +17802,121 @@
           <a:p>
             <a:r>
               <a:rPr lang="en-US" dirty="0"/>
-              <a:t>How to use this template</a:t>
+              <a:t>https://www.kaggle.com/datasets/stoney71/aflstats</a:t>
             </a:r>
           </a:p>
         </p:txBody>
       </p:sp>
+      <p:sp>
+        <p:nvSpPr>
+          <p:cNvPr id="4" name="TextBox 3">
+            <a:extLst>
+              <a:ext uri="{FF2B5EF4-FFF2-40B4-BE49-F238E27FC236}">
+                <a16:creationId xmlns:a16="http://schemas.microsoft.com/office/drawing/2014/main" id="{BD4667A0-1196-5D05-6593-1CBE2D186B48}"/>
+              </a:ext>
+            </a:extLst>
+          </p:cNvPr>
+          <p:cNvSpPr txBox="1"/>
+          <p:nvPr/>
+        </p:nvSpPr>
+        <p:spPr>
+          <a:xfrm>
+            <a:off x="569422" y="1787236"/>
+            <a:ext cx="4002578" cy="1131079"/>
+          </a:xfrm>
+          <a:prstGeom prst="rect">
+            <a:avLst/>
+          </a:prstGeom>
+          <a:noFill/>
+        </p:spPr>
+        <p:txBody>
+          <a:bodyPr wrap="square" rtlCol="0">
+            <a:spAutoFit/>
+          </a:bodyPr>
+          <a:lstStyle/>
+          <a:p>
+            <a:pPr marL="285750" indent="-285750">
+              <a:buFontTx/>
+              <a:buChar char="-"/>
+            </a:pPr>
+            <a:r>
+              <a:rPr lang="en-US" dirty="0"/>
+              <a:t>Game data from seasons 2012-2021.</a:t>
+            </a:r>
+          </a:p>
+          <a:p>
+            <a:pPr marL="285750" indent="-285750">
+              <a:buFontTx/>
+              <a:buChar char="-"/>
+            </a:pPr>
+            <a:r>
+              <a:rPr lang="en-US" dirty="0"/>
+              <a:t>Player statistics from each game over the period. </a:t>
+            </a:r>
+          </a:p>
+          <a:p>
+            <a:pPr marL="285750" indent="-285750">
+              <a:buFontTx/>
+              <a:buChar char="-"/>
+            </a:pPr>
+            <a:r>
+              <a:rPr lang="en-US" dirty="0"/>
+              <a:t>Basic player information like positions, height and weight.</a:t>
+            </a:r>
+          </a:p>
+        </p:txBody>
+      </p:sp>
+      <p:pic>
+        <p:nvPicPr>
+          <p:cNvPr id="8" name="Content Placeholder 7" descr="A football on the field&#10;&#10;Description automatically generated with medium confidence">
+            <a:extLst>
+              <a:ext uri="{FF2B5EF4-FFF2-40B4-BE49-F238E27FC236}">
+                <a16:creationId xmlns:a16="http://schemas.microsoft.com/office/drawing/2014/main" id="{7124E431-A8F6-8387-EBC2-36A76B7B55CD}"/>
+              </a:ext>
+            </a:extLst>
+          </p:cNvPr>
+          <p:cNvPicPr>
+            <a:picLocks noGrp="1" noChangeAspect="1"/>
+          </p:cNvPicPr>
+          <p:nvPr>
+            <p:ph sz="half" idx="2"/>
+          </p:nvPr>
+        </p:nvPicPr>
+        <p:blipFill>
+          <a:blip r:embed="rId2"/>
+          <a:stretch>
+            <a:fillRect/>
+          </a:stretch>
+        </p:blipFill>
+        <p:spPr>
+          <a:xfrm>
+            <a:off x="4629150" y="1804487"/>
+            <a:ext cx="3921125" cy="2558464"/>
+          </a:xfrm>
+        </p:spPr>
+      </p:pic>
     </p:spTree>
     <p:extLst>
       <p:ext uri="{BB962C8B-B14F-4D97-AF65-F5344CB8AC3E}">
-        <p14:creationId xmlns:p14="http://schemas.microsoft.com/office/powerpoint/2010/main" val="493387198"/>
+        <p14:creationId xmlns:p14="http://schemas.microsoft.com/office/powerpoint/2010/main" val="1940254661"/>
       </p:ext>
     </p:extLst>
   </p:cSld>
   <p:clrMapOvr>
     <a:masterClrMapping/>
   </p:clrMapOvr>
+  <mc:AlternateContent xmlns:mc="http://schemas.openxmlformats.org/markup-compatibility/2006" xmlns:p14="http://schemas.microsoft.com/office/powerpoint/2010/main">
+    <mc:Choice Requires="p14">
+      <p:transition spd="med" p14:dur="700">
+        <p:fade/>
+      </p:transition>
+    </mc:Choice>
+    <mc:Fallback xmlns="">
+      <p:transition spd="med">
+        <p:fade/>
+      </p:transition>
+    </mc:Fallback>
+  </mc:AlternateContent>
 </p:sld>
 </file>
 
@@ -18389,10 +17939,61 @@
       </p:grpSpPr>
       <p:sp>
         <p:nvSpPr>
-          <p:cNvPr id="2" name="Title 1">
-            <a:extLst>
-              <a:ext uri="{FF2B5EF4-FFF2-40B4-BE49-F238E27FC236}">
-                <a16:creationId xmlns:a16="http://schemas.microsoft.com/office/drawing/2014/main" id="{7D9ADCB4-5A60-4B75-90B2-4C01D72EBF9D}"/>
+          <p:cNvPr id="8" name="Content Placeholder 7">
+            <a:extLst>
+              <a:ext uri="{FF2B5EF4-FFF2-40B4-BE49-F238E27FC236}">
+                <a16:creationId xmlns:a16="http://schemas.microsoft.com/office/drawing/2014/main" id="{07633A60-68FA-EB48-851F-185DFAC1C529}"/>
+              </a:ext>
+            </a:extLst>
+          </p:cNvPr>
+          <p:cNvSpPr>
+            <a:spLocks noGrp="1"/>
+          </p:cNvSpPr>
+          <p:nvPr>
+            <p:ph sz="half" idx="1"/>
+          </p:nvPr>
+        </p:nvSpPr>
+        <p:spPr>
+          <a:xfrm>
+            <a:off x="627612" y="1525385"/>
+            <a:ext cx="5982192" cy="1450571"/>
+          </a:xfrm>
+        </p:spPr>
+        <p:txBody>
+          <a:bodyPr/>
+          <a:lstStyle/>
+          <a:p>
+            <a:r>
+              <a:rPr lang="en-US" dirty="0"/>
+              <a:t>Imported animated GIF on drilldown menu</a:t>
+            </a:r>
+          </a:p>
+          <a:p>
+            <a:r>
+              <a:rPr lang="en-US" dirty="0"/>
+              <a:t>Created table with image URLs to dynamically attach logos to player information</a:t>
+            </a:r>
+          </a:p>
+          <a:p>
+            <a:r>
+              <a:rPr lang="en-US" dirty="0"/>
+              <a:t>Created custom toggle switch/button to alternate map views</a:t>
+            </a:r>
+          </a:p>
+          <a:p>
+            <a:endParaRPr lang="en-US" dirty="0"/>
+          </a:p>
+          <a:p>
+            <a:endParaRPr lang="en-US" dirty="0"/>
+          </a:p>
+        </p:txBody>
+      </p:sp>
+      <p:sp>
+        <p:nvSpPr>
+          <p:cNvPr id="7" name="Title 6">
+            <a:extLst>
+              <a:ext uri="{FF2B5EF4-FFF2-40B4-BE49-F238E27FC236}">
+                <a16:creationId xmlns:a16="http://schemas.microsoft.com/office/drawing/2014/main" id="{BA589A53-2DD7-164C-B603-261A24E6203A}"/>
               </a:ext>
             </a:extLst>
           </p:cNvPr>
@@ -18409,21 +18010,18 @@
           <a:lstStyle/>
           <a:p>
             <a:r>
-              <a:rPr lang="en-US" dirty="0">
-                <a:cs typeface="Arial"/>
-              </a:rPr>
-              <a:t>TEKsystems Slide Templates</a:t>
-            </a:r>
-            <a:endParaRPr lang="en-US" dirty="0"/>
+              <a:rPr lang="en-US" dirty="0"/>
+              <a:t>Additional Power BI features</a:t>
+            </a:r>
           </a:p>
         </p:txBody>
       </p:sp>
       <p:sp>
         <p:nvSpPr>
-          <p:cNvPr id="3" name="Subtitle 2">
-            <a:extLst>
-              <a:ext uri="{FF2B5EF4-FFF2-40B4-BE49-F238E27FC236}">
-                <a16:creationId xmlns:a16="http://schemas.microsoft.com/office/drawing/2014/main" id="{72CBB34D-B5D1-475F-84A2-18ED9A911E07}"/>
+          <p:cNvPr id="17" name="Slide Number Placeholder 5">
+            <a:extLst>
+              <a:ext uri="{FF2B5EF4-FFF2-40B4-BE49-F238E27FC236}">
+                <a16:creationId xmlns:a16="http://schemas.microsoft.com/office/drawing/2014/main" id="{A4A90959-A04F-464A-8A3B-FE3ACB882A44}"/>
               </a:ext>
             </a:extLst>
           </p:cNvPr>
@@ -18431,7 +18029,7 @@
             <a:spLocks noGrp="1"/>
           </p:cNvSpPr>
           <p:nvPr>
-            <p:ph type="subTitle" idx="1"/>
+            <p:ph type="sldNum" sz="quarter" idx="12"/>
           </p:nvPr>
         </p:nvSpPr>
         <p:spPr/>
@@ -18439,20 +18037,37 @@
           <a:bodyPr/>
           <a:lstStyle/>
           <a:p>
-            <a:endParaRPr lang="en-US"/>
+            <a:fld id="{535EF33A-04D8-4107-96E5-33B70AE88DFF}" type="slidenum">
+              <a:rPr lang="en-US" smtClean="0"/>
+              <a:pPr/>
+              <a:t>4</a:t>
+            </a:fld>
+            <a:endParaRPr lang="en-US" dirty="0"/>
           </a:p>
         </p:txBody>
       </p:sp>
     </p:spTree>
     <p:extLst>
       <p:ext uri="{BB962C8B-B14F-4D97-AF65-F5344CB8AC3E}">
-        <p14:creationId xmlns:p14="http://schemas.microsoft.com/office/powerpoint/2010/main" val="2129983146"/>
+        <p14:creationId xmlns:p14="http://schemas.microsoft.com/office/powerpoint/2010/main" val="1040190780"/>
       </p:ext>
     </p:extLst>
   </p:cSld>
   <p:clrMapOvr>
     <a:masterClrMapping/>
   </p:clrMapOvr>
+  <mc:AlternateContent xmlns:mc="http://schemas.openxmlformats.org/markup-compatibility/2006" xmlns:p14="http://schemas.microsoft.com/office/powerpoint/2010/main">
+    <mc:Choice Requires="p14">
+      <p:transition spd="med" p14:dur="700">
+        <p:fade/>
+      </p:transition>
+    </mc:Choice>
+    <mc:Fallback xmlns="">
+      <p:transition spd="med">
+        <p:fade/>
+      </p:transition>
+    </mc:Fallback>
+  </mc:AlternateContent>
 </p:sld>
 </file>
 
@@ -18503,31 +18118,6 @@
               <a:rPr lang="en-US" dirty="0"/>
               <a:t>Demo</a:t>
             </a:r>
-          </a:p>
-        </p:txBody>
-      </p:sp>
-      <p:sp>
-        <p:nvSpPr>
-          <p:cNvPr id="3" name="Subtitle 2">
-            <a:extLst>
-              <a:ext uri="{FF2B5EF4-FFF2-40B4-BE49-F238E27FC236}">
-                <a16:creationId xmlns:a16="http://schemas.microsoft.com/office/drawing/2014/main" id="{2B7BDE2B-8255-F7F3-8B14-CF4F3AEFD82F}"/>
-              </a:ext>
-            </a:extLst>
-          </p:cNvPr>
-          <p:cNvSpPr>
-            <a:spLocks noGrp="1"/>
-          </p:cNvSpPr>
-          <p:nvPr>
-            <p:ph type="subTitle" idx="1"/>
-          </p:nvPr>
-        </p:nvSpPr>
-        <p:spPr/>
-        <p:txBody>
-          <a:bodyPr/>
-          <a:lstStyle/>
-          <a:p>
-            <a:endParaRPr lang="en-US"/>
           </a:p>
         </p:txBody>
       </p:sp>
@@ -18596,7 +18186,7 @@
           <a:p>
             <a:r>
               <a:rPr lang="en-US" dirty="0"/>
-              <a:t>This Headline is Arial Regular in Dark Blue</a:t>
+              <a:t>Source Links</a:t>
             </a:r>
           </a:p>
         </p:txBody>
@@ -18617,585 +18207,338 @@
             <p:ph idx="1"/>
           </p:nvPr>
         </p:nvSpPr>
-        <p:spPr/>
+        <p:spPr>
+          <a:xfrm>
+            <a:off x="504827" y="1234679"/>
+            <a:ext cx="8134348" cy="3350021"/>
+          </a:xfrm>
+        </p:spPr>
         <p:txBody>
           <a:bodyPr>
-            <a:normAutofit/>
+            <a:normAutofit fontScale="55000" lnSpcReduction="20000"/>
           </a:bodyPr>
           <a:lstStyle/>
           <a:p>
+            <a:pPr marL="0" marR="0">
+              <a:lnSpc>
+                <a:spcPct val="107000"/>
+              </a:lnSpc>
+              <a:spcBef>
+                <a:spcPts val="0"/>
+              </a:spcBef>
+              <a:spcAft>
+                <a:spcPts val="800"/>
+              </a:spcAft>
+            </a:pPr>
             <a:r>
               <a:rPr lang="en-US" b="1" dirty="0">
                 <a:solidFill>
                   <a:srgbClr val="0097D9"/>
                 </a:solidFill>
               </a:rPr>
-              <a:t>This Bolded portion is Arial in Medium Blue </a:t>
-            </a:r>
-            <a:r>
-              <a:rPr lang="en-US" i="1" dirty="0"/>
-              <a:t>This is a single column content heavy slides. </a:t>
-            </a:r>
-          </a:p>
-          <a:p>
+              <a:t>Ratings Links </a:t>
+            </a:r>
+          </a:p>
+          <a:p>
+            <a:pPr marL="0" marR="0">
+              <a:lnSpc>
+                <a:spcPct val="107000"/>
+              </a:lnSpc>
+              <a:spcBef>
+                <a:spcPts val="0"/>
+              </a:spcBef>
+              <a:spcAft>
+                <a:spcPts val="800"/>
+              </a:spcAft>
+            </a:pPr>
+            <a:r>
+              <a:rPr lang="en-US" sz="1800" dirty="0">
+                <a:effectLst/>
+                <a:latin typeface="Calibri" panose="020F0502020204030204" pitchFamily="34" charset="0"/>
+                <a:ea typeface="Calibri" panose="020F0502020204030204" pitchFamily="34" charset="0"/>
+                <a:cs typeface="Times New Roman" panose="02020603050405020304" pitchFamily="18" charset="0"/>
+              </a:rPr>
+              <a:t>https://www.mediaweek.com.au/demons-collect-the-trophy-afl-grand-final-2021-biggest-tv-show-on-the-year/</a:t>
+            </a:r>
+          </a:p>
+          <a:p>
+            <a:pPr marL="0" marR="0">
+              <a:lnSpc>
+                <a:spcPct val="107000"/>
+              </a:lnSpc>
+              <a:spcBef>
+                <a:spcPts val="0"/>
+              </a:spcBef>
+              <a:spcAft>
+                <a:spcPts val="800"/>
+              </a:spcAft>
+            </a:pPr>
+            <a:r>
+              <a:rPr lang="en-US" sz="1800" u="sng" dirty="0">
+                <a:solidFill>
+                  <a:srgbClr val="0563C1"/>
+                </a:solidFill>
+                <a:effectLst/>
+                <a:latin typeface="Calibri" panose="020F0502020204030204" pitchFamily="34" charset="0"/>
+                <a:ea typeface="Calibri" panose="020F0502020204030204" pitchFamily="34" charset="0"/>
+                <a:cs typeface="Times New Roman" panose="02020603050405020304" pitchFamily="18" charset="0"/>
+                <a:hlinkClick r:id="rId2"/>
+              </a:rPr>
+              <a:t>https://www.nfl.com/news/super-bowl-lvi-total-viewing-audience-estimated-at-over-208-million</a:t>
+            </a:r>
+            <a:endParaRPr lang="en-US" sz="1800" dirty="0">
+              <a:effectLst/>
+              <a:latin typeface="Calibri" panose="020F0502020204030204" pitchFamily="34" charset="0"/>
+              <a:ea typeface="Calibri" panose="020F0502020204030204" pitchFamily="34" charset="0"/>
+              <a:cs typeface="Times New Roman" panose="02020603050405020304" pitchFamily="18" charset="0"/>
+            </a:endParaRPr>
+          </a:p>
+          <a:p>
+            <a:pPr marL="0" marR="0">
+              <a:lnSpc>
+                <a:spcPct val="107000"/>
+              </a:lnSpc>
+              <a:spcBef>
+                <a:spcPts val="0"/>
+              </a:spcBef>
+              <a:spcAft>
+                <a:spcPts val="800"/>
+              </a:spcAft>
+            </a:pPr>
+            <a:r>
+              <a:rPr lang="en-US" sz="1800" u="sng" dirty="0">
+                <a:solidFill>
+                  <a:srgbClr val="0563C1"/>
+                </a:solidFill>
+                <a:effectLst/>
+                <a:latin typeface="Calibri" panose="020F0502020204030204" pitchFamily="34" charset="0"/>
+                <a:ea typeface="Calibri" panose="020F0502020204030204" pitchFamily="34" charset="0"/>
+                <a:cs typeface="Times New Roman" panose="02020603050405020304" pitchFamily="18" charset="0"/>
+                <a:hlinkClick r:id="rId3"/>
+              </a:rPr>
+              <a:t>https://www.usnews.com/news/sports/articles/2021-11-02/world-series-seeing-its-highest-tv-viewership-since-2019</a:t>
+            </a:r>
+            <a:endParaRPr lang="en-US" sz="1800" dirty="0">
+              <a:effectLst/>
+              <a:latin typeface="Calibri" panose="020F0502020204030204" pitchFamily="34" charset="0"/>
+              <a:ea typeface="Calibri" panose="020F0502020204030204" pitchFamily="34" charset="0"/>
+              <a:cs typeface="Times New Roman" panose="02020603050405020304" pitchFamily="18" charset="0"/>
+            </a:endParaRPr>
+          </a:p>
+          <a:p>
+            <a:endParaRPr lang="en-US" i="1" dirty="0"/>
+          </a:p>
+          <a:p>
+            <a:pPr marL="0" marR="0">
+              <a:lnSpc>
+                <a:spcPct val="107000"/>
+              </a:lnSpc>
+              <a:spcBef>
+                <a:spcPts val="0"/>
+              </a:spcBef>
+              <a:spcAft>
+                <a:spcPts val="800"/>
+              </a:spcAft>
+            </a:pPr>
             <a:r>
               <a:rPr lang="en-US" b="1" dirty="0">
                 <a:solidFill>
                   <a:srgbClr val="0097D9"/>
                 </a:solidFill>
               </a:rPr>
-              <a:t>To </a:t>
-            </a:r>
-            <a:r>
-              <a:rPr lang="en-US" b="1" dirty="0" err="1">
+              <a:t>Salary Links </a:t>
+            </a:r>
+          </a:p>
+          <a:p>
+            <a:pPr marL="0" marR="0">
+              <a:lnSpc>
+                <a:spcPct val="107000"/>
+              </a:lnSpc>
+              <a:spcBef>
+                <a:spcPts val="0"/>
+              </a:spcBef>
+              <a:spcAft>
+                <a:spcPts val="800"/>
+              </a:spcAft>
+            </a:pPr>
+            <a:r>
+              <a:rPr lang="en-US" sz="1800" u="sng" dirty="0">
                 <a:solidFill>
-                  <a:srgbClr val="0097D9"/>
+                  <a:srgbClr val="0563C1"/>
                 </a:solidFill>
+                <a:effectLst/>
+                <a:latin typeface="Calibri" panose="020F0502020204030204" pitchFamily="34" charset="0"/>
+                <a:ea typeface="Calibri" panose="020F0502020204030204" pitchFamily="34" charset="0"/>
+                <a:cs typeface="Times New Roman" panose="02020603050405020304" pitchFamily="18" charset="0"/>
+                <a:hlinkClick r:id="rId4"/>
               </a:rPr>
-              <a:t>blautemped</a:t>
-            </a:r>
+              <a:t>https://www.thehoopsgeek.com/average-nba-salary/</a:t>
+            </a:r>
+            <a:endParaRPr lang="en-US" sz="1800" dirty="0">
+              <a:effectLst/>
+              <a:latin typeface="Calibri" panose="020F0502020204030204" pitchFamily="34" charset="0"/>
+              <a:ea typeface="Calibri" panose="020F0502020204030204" pitchFamily="34" charset="0"/>
+              <a:cs typeface="Times New Roman" panose="02020603050405020304" pitchFamily="18" charset="0"/>
+            </a:endParaRPr>
+          </a:p>
+          <a:p>
+            <a:pPr marL="0" marR="0">
+              <a:lnSpc>
+                <a:spcPct val="107000"/>
+              </a:lnSpc>
+              <a:spcBef>
+                <a:spcPts val="0"/>
+              </a:spcBef>
+              <a:spcAft>
+                <a:spcPts val="800"/>
+              </a:spcAft>
+            </a:pPr>
+            <a:r>
+              <a:rPr lang="en-US" sz="1800" u="sng" dirty="0">
+                <a:solidFill>
+                  <a:srgbClr val="0563C1"/>
+                </a:solidFill>
+                <a:effectLst/>
+                <a:latin typeface="Calibri" panose="020F0502020204030204" pitchFamily="34" charset="0"/>
+                <a:ea typeface="Calibri" panose="020F0502020204030204" pitchFamily="34" charset="0"/>
+                <a:cs typeface="Times New Roman" panose="02020603050405020304" pitchFamily="18" charset="0"/>
+                <a:hlinkClick r:id="rId5"/>
+              </a:rPr>
+              <a:t>https://www.afl.com.au/news/704938/show-them-the-money-who-are-the-the-afls-million-dollar-men</a:t>
+            </a:r>
+            <a:endParaRPr lang="en-US" sz="1800" dirty="0">
+              <a:effectLst/>
+              <a:latin typeface="Calibri" panose="020F0502020204030204" pitchFamily="34" charset="0"/>
+              <a:ea typeface="Calibri" panose="020F0502020204030204" pitchFamily="34" charset="0"/>
+              <a:cs typeface="Times New Roman" panose="02020603050405020304" pitchFamily="18" charset="0"/>
+            </a:endParaRPr>
+          </a:p>
+          <a:p>
+            <a:pPr marL="0" marR="0">
+              <a:lnSpc>
+                <a:spcPct val="107000"/>
+              </a:lnSpc>
+              <a:spcBef>
+                <a:spcPts val="0"/>
+              </a:spcBef>
+              <a:spcAft>
+                <a:spcPts val="800"/>
+              </a:spcAft>
+            </a:pPr>
+            <a:r>
+              <a:rPr lang="en-US" sz="1800" u="sng" dirty="0">
+                <a:solidFill>
+                  <a:srgbClr val="0563C1"/>
+                </a:solidFill>
+                <a:effectLst/>
+                <a:latin typeface="Calibri" panose="020F0502020204030204" pitchFamily="34" charset="0"/>
+                <a:ea typeface="Calibri" panose="020F0502020204030204" pitchFamily="34" charset="0"/>
+                <a:cs typeface="Times New Roman" panose="02020603050405020304" pitchFamily="18" charset="0"/>
+                <a:hlinkClick r:id="rId6"/>
+              </a:rPr>
+              <a:t>https://www.statista.com/statistics/236213/mean-salaray-of-players-in-majpr-league-baseball/</a:t>
+            </a:r>
+            <a:r>
+              <a:rPr lang="en-US" sz="1800" dirty="0">
+                <a:effectLst/>
+                <a:latin typeface="Calibri" panose="020F0502020204030204" pitchFamily="34" charset="0"/>
+                <a:ea typeface="Calibri" panose="020F0502020204030204" pitchFamily="34" charset="0"/>
+                <a:cs typeface="Times New Roman" panose="02020603050405020304" pitchFamily="18" charset="0"/>
+              </a:rPr>
+              <a:t> </a:t>
+            </a:r>
+          </a:p>
+          <a:p>
+            <a:pPr marL="0" marR="0">
+              <a:lnSpc>
+                <a:spcPct val="107000"/>
+              </a:lnSpc>
+              <a:spcBef>
+                <a:spcPts val="0"/>
+              </a:spcBef>
+              <a:spcAft>
+                <a:spcPts val="800"/>
+              </a:spcAft>
+            </a:pPr>
+            <a:r>
+              <a:rPr lang="en-US" sz="1800" u="sng" dirty="0">
+                <a:solidFill>
+                  <a:srgbClr val="0563C1"/>
+                </a:solidFill>
+                <a:effectLst/>
+                <a:latin typeface="Calibri" panose="020F0502020204030204" pitchFamily="34" charset="0"/>
+                <a:ea typeface="Calibri" panose="020F0502020204030204" pitchFamily="34" charset="0"/>
+                <a:cs typeface="Times New Roman" panose="02020603050405020304" pitchFamily="18" charset="0"/>
+                <a:hlinkClick r:id="rId6"/>
+              </a:rPr>
+              <a:t>https://www.statista.com/statistics/236213/mean-salaray-of-players-in-majpr-league-baseball/</a:t>
+            </a:r>
+            <a:endParaRPr lang="en-US" sz="1800" dirty="0">
+              <a:effectLst/>
+              <a:latin typeface="Calibri" panose="020F0502020204030204" pitchFamily="34" charset="0"/>
+              <a:ea typeface="Calibri" panose="020F0502020204030204" pitchFamily="34" charset="0"/>
+              <a:cs typeface="Times New Roman" panose="02020603050405020304" pitchFamily="18" charset="0"/>
+            </a:endParaRPr>
+          </a:p>
+          <a:p>
+            <a:endParaRPr lang="en-US" b="1" dirty="0">
+              <a:solidFill>
+                <a:srgbClr val="0097D9"/>
+              </a:solidFill>
+            </a:endParaRPr>
+          </a:p>
+          <a:p>
+            <a:pPr marL="0" marR="0">
+              <a:lnSpc>
+                <a:spcPct val="107000"/>
+              </a:lnSpc>
+              <a:spcBef>
+                <a:spcPts val="0"/>
+              </a:spcBef>
+              <a:spcAft>
+                <a:spcPts val="800"/>
+              </a:spcAft>
+            </a:pPr>
             <a:r>
               <a:rPr lang="en-US" b="1" dirty="0">
                 <a:solidFill>
                   <a:srgbClr val="0097D9"/>
                 </a:solidFill>
               </a:rPr>
-              <a:t> </a:t>
-            </a:r>
-            <a:r>
-              <a:rPr lang="en-US" b="1" dirty="0" err="1">
+              <a:t>Teams Link </a:t>
+            </a:r>
+          </a:p>
+          <a:p>
+            <a:pPr marL="0" marR="0">
+              <a:lnSpc>
+                <a:spcPct val="107000"/>
+              </a:lnSpc>
+              <a:spcBef>
+                <a:spcPts val="0"/>
+              </a:spcBef>
+              <a:spcAft>
+                <a:spcPts val="800"/>
+              </a:spcAft>
+            </a:pPr>
+            <a:r>
+              <a:rPr lang="en-US" sz="1800" u="sng" dirty="0">
                 <a:solidFill>
-                  <a:srgbClr val="0097D9"/>
+                  <a:srgbClr val="0563C1"/>
                 </a:solidFill>
+                <a:effectLst/>
+                <a:latin typeface="Calibri" panose="020F0502020204030204" pitchFamily="34" charset="0"/>
+                <a:ea typeface="Calibri" panose="020F0502020204030204" pitchFamily="34" charset="0"/>
+                <a:cs typeface="Times New Roman" panose="02020603050405020304" pitchFamily="18" charset="0"/>
+                <a:hlinkClick r:id="rId7"/>
               </a:rPr>
-              <a:t>est</a:t>
-            </a:r>
-            <a:r>
-              <a:rPr lang="en-US" b="1" dirty="0">
-                <a:solidFill>
-                  <a:srgbClr val="0097D9"/>
-                </a:solidFill>
-              </a:rPr>
-              <a:t> </a:t>
-            </a:r>
-            <a:r>
-              <a:rPr lang="en-US" b="1" dirty="0" err="1">
-                <a:solidFill>
-                  <a:srgbClr val="0097D9"/>
-                </a:solidFill>
-              </a:rPr>
-              <a:t>es</a:t>
-            </a:r>
-            <a:r>
-              <a:rPr lang="en-US" b="1" dirty="0">
-                <a:solidFill>
-                  <a:srgbClr val="0097D9"/>
-                </a:solidFill>
-              </a:rPr>
-              <a:t> </a:t>
-            </a:r>
-            <a:r>
-              <a:rPr lang="en-US" b="1" dirty="0" err="1">
-                <a:solidFill>
-                  <a:srgbClr val="0097D9"/>
-                </a:solidFill>
-              </a:rPr>
-              <a:t>enita</a:t>
-            </a:r>
-            <a:r>
-              <a:rPr lang="en-US" b="1" dirty="0">
-                <a:solidFill>
-                  <a:srgbClr val="0097D9"/>
-                </a:solidFill>
-              </a:rPr>
-              <a:t> </a:t>
-            </a:r>
-            <a:r>
-              <a:rPr lang="en-US" b="1" dirty="0" err="1">
-                <a:solidFill>
-                  <a:srgbClr val="0097D9"/>
-                </a:solidFill>
-              </a:rPr>
-              <a:t>vit</a:t>
-            </a:r>
-            <a:r>
-              <a:rPr lang="en-US" b="1" dirty="0">
-                <a:solidFill>
-                  <a:srgbClr val="0097D9"/>
-                </a:solidFill>
-              </a:rPr>
-              <a:t> </a:t>
-            </a:r>
-            <a:r>
-              <a:rPr lang="en-US" b="1" dirty="0" err="1">
-                <a:solidFill>
-                  <a:srgbClr val="0097D9"/>
-                </a:solidFill>
-              </a:rPr>
-              <a:t>ea</a:t>
-            </a:r>
-            <a:r>
-              <a:rPr lang="en-US" b="1" dirty="0">
-                <a:solidFill>
-                  <a:srgbClr val="0097D9"/>
-                </a:solidFill>
-              </a:rPr>
-              <a:t> </a:t>
-            </a:r>
-            <a:r>
-              <a:rPr lang="en-US" b="1" dirty="0" err="1">
-                <a:solidFill>
-                  <a:srgbClr val="0097D9"/>
-                </a:solidFill>
-              </a:rPr>
-              <a:t>sunt</a:t>
-            </a:r>
-            <a:r>
-              <a:rPr lang="en-US" b="1" dirty="0">
-                <a:solidFill>
-                  <a:srgbClr val="0097D9"/>
-                </a:solidFill>
-              </a:rPr>
-              <a:t> </a:t>
-            </a:r>
-            <a:r>
-              <a:rPr lang="en-US" dirty="0" err="1"/>
-              <a:t>pliquidem</a:t>
-            </a:r>
-            <a:r>
-              <a:rPr lang="en-US" dirty="0"/>
-              <a:t> </a:t>
-            </a:r>
-            <a:r>
-              <a:rPr lang="en-US" dirty="0" err="1"/>
-              <a:t>velitat</a:t>
-            </a:r>
-            <a:r>
-              <a:rPr lang="en-US" dirty="0"/>
-              <a:t> </a:t>
-            </a:r>
-            <a:r>
-              <a:rPr lang="en-US" dirty="0" err="1"/>
-              <a:t>emporum</a:t>
-            </a:r>
-            <a:r>
-              <a:rPr lang="en-US" dirty="0"/>
-              <a:t> des </a:t>
-            </a:r>
-            <a:r>
-              <a:rPr lang="en-US" dirty="0" err="1"/>
-              <a:t>apedi</a:t>
-            </a:r>
-            <a:r>
-              <a:rPr lang="en-US" dirty="0"/>
-              <a:t> </a:t>
-            </a:r>
-            <a:r>
-              <a:rPr lang="en-US" dirty="0" err="1"/>
-              <a:t>dolorrovidus</a:t>
-            </a:r>
-            <a:r>
-              <a:rPr lang="en-US" dirty="0"/>
-              <a:t> </a:t>
-            </a:r>
-            <a:r>
-              <a:rPr lang="en-US" dirty="0" err="1"/>
-              <a:t>quat</a:t>
-            </a:r>
-            <a:r>
-              <a:rPr lang="en-US" dirty="0"/>
-              <a:t> </a:t>
-            </a:r>
-            <a:r>
-              <a:rPr lang="en-US" dirty="0" err="1"/>
-              <a:t>accus</a:t>
-            </a:r>
-            <a:r>
-              <a:rPr lang="en-US" dirty="0"/>
-              <a:t> </a:t>
-            </a:r>
-            <a:r>
-              <a:rPr lang="en-US" dirty="0" err="1"/>
-              <a:t>voluptae</a:t>
-            </a:r>
-            <a:r>
-              <a:rPr lang="en-US" dirty="0"/>
-              <a:t> </a:t>
-            </a:r>
-            <a:r>
-              <a:rPr lang="en-US" dirty="0" err="1"/>
-              <a:t>eiciam</a:t>
-            </a:r>
-            <a:r>
-              <a:rPr lang="en-US" dirty="0"/>
-              <a:t> </a:t>
-            </a:r>
-            <a:r>
-              <a:rPr lang="en-US" dirty="0" err="1"/>
-              <a:t>reri</a:t>
-            </a:r>
-            <a:r>
-              <a:rPr lang="en-US" dirty="0"/>
-              <a:t> </a:t>
-            </a:r>
-            <a:r>
-              <a:rPr lang="en-US" dirty="0" err="1"/>
-              <a:t>doluptaest</a:t>
-            </a:r>
-            <a:r>
-              <a:rPr lang="en-US" dirty="0"/>
-              <a:t> </a:t>
-            </a:r>
-            <a:r>
-              <a:rPr lang="en-US" dirty="0" err="1"/>
-              <a:t>odis</a:t>
-            </a:r>
-            <a:r>
-              <a:rPr lang="en-US" dirty="0"/>
-              <a:t> </a:t>
-            </a:r>
-            <a:r>
-              <a:rPr lang="en-US" dirty="0" err="1"/>
-              <a:t>assi</a:t>
-            </a:r>
-            <a:r>
-              <a:rPr lang="en-US" dirty="0"/>
-              <a:t> </a:t>
-            </a:r>
-            <a:r>
-              <a:rPr lang="en-US" dirty="0" err="1"/>
-              <a:t>dolesse</a:t>
-            </a:r>
-            <a:r>
-              <a:rPr lang="en-US" dirty="0"/>
-              <a:t> </a:t>
-            </a:r>
-            <a:r>
-              <a:rPr lang="en-US" dirty="0" err="1"/>
-              <a:t>rciminctas</a:t>
-            </a:r>
-            <a:r>
-              <a:rPr lang="en-US" dirty="0"/>
-              <a:t> </a:t>
-            </a:r>
-            <a:r>
-              <a:rPr lang="en-US" dirty="0" err="1"/>
-              <a:t>dolesec</a:t>
-            </a:r>
-            <a:r>
-              <a:rPr lang="en-US" dirty="0"/>
-              <a:t> </a:t>
-            </a:r>
-            <a:r>
-              <a:rPr lang="en-US" dirty="0" err="1"/>
-              <a:t>eperumq</a:t>
-            </a:r>
-            <a:r>
-              <a:rPr lang="en-US" dirty="0"/>
-              <a:t> </a:t>
-            </a:r>
-            <a:r>
-              <a:rPr lang="en-US" dirty="0" err="1"/>
-              <a:t>uuntio</a:t>
-            </a:r>
-            <a:r>
-              <a:rPr lang="en-US" dirty="0"/>
-              <a:t> que </a:t>
-            </a:r>
-            <a:r>
-              <a:rPr lang="en-US" dirty="0" err="1"/>
-              <a:t>vitaquia</a:t>
-            </a:r>
-            <a:r>
-              <a:rPr lang="en-US" dirty="0"/>
-              <a:t> </a:t>
-            </a:r>
-            <a:r>
-              <a:rPr lang="en-US" dirty="0" err="1"/>
-              <a:t>sam</a:t>
-            </a:r>
-            <a:r>
-              <a:rPr lang="en-US" dirty="0"/>
-              <a:t>, </a:t>
-            </a:r>
-            <a:r>
-              <a:rPr lang="en-US" dirty="0" err="1"/>
-              <a:t>nonseque</a:t>
-            </a:r>
-            <a:r>
-              <a:rPr lang="en-US" dirty="0"/>
-              <a:t> pro qui </a:t>
-            </a:r>
-            <a:r>
-              <a:rPr lang="en-US" dirty="0" err="1"/>
-              <a:t>offictibus</a:t>
-            </a:r>
-            <a:r>
-              <a:rPr lang="en-US" dirty="0"/>
-              <a:t> </a:t>
-            </a:r>
-            <a:r>
-              <a:rPr lang="en-US" dirty="0" err="1"/>
-              <a:t>aperestrum</a:t>
-            </a:r>
-            <a:r>
-              <a:rPr lang="en-US" dirty="0"/>
-              <a:t> quos et </a:t>
-            </a:r>
-            <a:r>
-              <a:rPr lang="en-US" dirty="0" err="1"/>
-              <a:t>harcimilia</a:t>
-            </a:r>
-            <a:r>
-              <a:rPr lang="en-US" dirty="0"/>
-              <a:t> </a:t>
-            </a:r>
-            <a:r>
-              <a:rPr lang="en-US" dirty="0" err="1"/>
-              <a:t>nonsequaero</a:t>
-            </a:r>
-            <a:r>
-              <a:rPr lang="en-US" dirty="0"/>
-              <a:t> </a:t>
-            </a:r>
-            <a:r>
-              <a:rPr lang="en-US" dirty="0" err="1"/>
-              <a:t>eaquas</a:t>
-            </a:r>
-            <a:r>
-              <a:rPr lang="en-US" dirty="0"/>
-              <a:t> </a:t>
-            </a:r>
-            <a:r>
-              <a:rPr lang="en-US" dirty="0" err="1"/>
-              <a:t>assiminverum</a:t>
-            </a:r>
-            <a:r>
-              <a:rPr lang="en-US" dirty="0"/>
-              <a:t>? </a:t>
-            </a:r>
-            <a:r>
-              <a:rPr lang="en-US" dirty="0" err="1"/>
-              <a:t>Optae</a:t>
-            </a:r>
-            <a:r>
-              <a:rPr lang="en-US" dirty="0"/>
-              <a:t> </a:t>
-            </a:r>
-            <a:r>
-              <a:rPr lang="en-US" dirty="0" err="1"/>
-              <a:t>peribus</a:t>
-            </a:r>
-            <a:r>
-              <a:rPr lang="en-US" dirty="0"/>
-              <a:t> re, </a:t>
-            </a:r>
-            <a:r>
-              <a:rPr lang="en-US" dirty="0" err="1"/>
-              <a:t>aspici</a:t>
-            </a:r>
-            <a:r>
-              <a:rPr lang="en-US" dirty="0"/>
-              <a:t> </a:t>
-            </a:r>
-            <a:r>
-              <a:rPr lang="en-US" dirty="0" err="1"/>
-              <a:t>tem</a:t>
-            </a:r>
-            <a:r>
-              <a:rPr lang="en-US" dirty="0"/>
-              <a:t> </a:t>
-            </a:r>
-            <a:r>
-              <a:rPr lang="en-US" dirty="0" err="1"/>
-              <a:t>velestis</a:t>
-            </a:r>
-            <a:r>
-              <a:rPr lang="en-US" dirty="0"/>
-              <a:t> </a:t>
-            </a:r>
-            <a:r>
-              <a:rPr lang="en-US" dirty="0" err="1"/>
-              <a:t>velitas</a:t>
-            </a:r>
-            <a:r>
-              <a:rPr lang="en-US" dirty="0"/>
-              <a:t> </a:t>
-            </a:r>
-            <a:r>
-              <a:rPr lang="en-US" dirty="0" err="1"/>
-              <a:t>ditem</a:t>
-            </a:r>
-            <a:r>
-              <a:rPr lang="en-US" dirty="0"/>
-              <a:t> rem </a:t>
-            </a:r>
-            <a:r>
-              <a:rPr lang="en-US" dirty="0" err="1"/>
-              <a:t>nonseque</a:t>
-            </a:r>
-            <a:r>
-              <a:rPr lang="en-US" dirty="0"/>
-              <a:t> pro qui </a:t>
-            </a:r>
-          </a:p>
-          <a:p>
-            <a:r>
-              <a:rPr lang="en-US" b="1" dirty="0" err="1">
-                <a:solidFill>
-                  <a:srgbClr val="0097D9"/>
-                </a:solidFill>
-              </a:rPr>
-              <a:t>Tem</a:t>
-            </a:r>
-            <a:r>
-              <a:rPr lang="en-US" b="1" dirty="0">
-                <a:solidFill>
-                  <a:srgbClr val="0097D9"/>
-                </a:solidFill>
-              </a:rPr>
-              <a:t> </a:t>
-            </a:r>
-            <a:r>
-              <a:rPr lang="en-US" b="1" dirty="0" err="1">
-                <a:solidFill>
-                  <a:srgbClr val="0097D9"/>
-                </a:solidFill>
-              </a:rPr>
-              <a:t>quiae</a:t>
-            </a:r>
-            <a:r>
-              <a:rPr lang="en-US" b="1" dirty="0">
-                <a:solidFill>
-                  <a:srgbClr val="0097D9"/>
-                </a:solidFill>
-              </a:rPr>
-              <a:t> </a:t>
-            </a:r>
-            <a:r>
-              <a:rPr lang="en-US" b="1" dirty="0" err="1">
-                <a:solidFill>
-                  <a:srgbClr val="0097D9"/>
-                </a:solidFill>
-              </a:rPr>
-              <a:t>ni</a:t>
-            </a:r>
-            <a:r>
-              <a:rPr lang="en-US" b="1" dirty="0">
-                <a:solidFill>
-                  <a:srgbClr val="0097D9"/>
-                </a:solidFill>
-              </a:rPr>
-              <a:t> </a:t>
-            </a:r>
-            <a:r>
-              <a:rPr lang="en-US" b="1" dirty="0" err="1">
-                <a:solidFill>
-                  <a:srgbClr val="0097D9"/>
-                </a:solidFill>
-              </a:rPr>
-              <a:t>descimus</a:t>
-            </a:r>
-            <a:r>
-              <a:rPr lang="en-US" b="1" dirty="0">
-                <a:solidFill>
-                  <a:srgbClr val="0097D9"/>
-                </a:solidFill>
-              </a:rPr>
-              <a:t>, </a:t>
-            </a:r>
-            <a:r>
-              <a:rPr lang="en-US" b="1" dirty="0" err="1">
-                <a:solidFill>
-                  <a:srgbClr val="0097D9"/>
-                </a:solidFill>
-              </a:rPr>
-              <a:t>necte</a:t>
-            </a:r>
-            <a:r>
-              <a:rPr lang="en-US" b="1" dirty="0">
-                <a:solidFill>
-                  <a:srgbClr val="0097D9"/>
-                </a:solidFill>
-              </a:rPr>
-              <a:t> </a:t>
-            </a:r>
-            <a:r>
-              <a:rPr lang="en-US" b="1" dirty="0" err="1">
-                <a:solidFill>
-                  <a:srgbClr val="0097D9"/>
-                </a:solidFill>
-              </a:rPr>
-              <a:t>reptiunt</a:t>
-            </a:r>
-            <a:r>
-              <a:rPr lang="en-US" b="1" dirty="0">
-                <a:solidFill>
-                  <a:srgbClr val="0097D9"/>
-                </a:solidFill>
-              </a:rPr>
-              <a:t> </a:t>
-            </a:r>
-            <a:r>
-              <a:rPr lang="en-US" dirty="0"/>
-              <a:t>at </a:t>
-            </a:r>
-            <a:r>
-              <a:rPr lang="en-US" dirty="0" err="1"/>
-              <a:t>quiam</a:t>
-            </a:r>
-            <a:r>
-              <a:rPr lang="en-US" dirty="0"/>
-              <a:t> </a:t>
-            </a:r>
-            <a:r>
-              <a:rPr lang="en-US" dirty="0" err="1"/>
-              <a:t>repratur</a:t>
-            </a:r>
-            <a:r>
-              <a:rPr lang="en-US" dirty="0"/>
-              <a:t> </a:t>
-            </a:r>
-            <a:r>
-              <a:rPr lang="en-US" dirty="0" err="1"/>
-              <a:t>modissimet</a:t>
-            </a:r>
-            <a:r>
-              <a:rPr lang="en-US" dirty="0"/>
-              <a:t> mil </a:t>
-            </a:r>
-            <a:r>
-              <a:rPr lang="en-US" dirty="0" err="1"/>
-              <a:t>moluptam</a:t>
-            </a:r>
-            <a:r>
-              <a:rPr lang="en-US" dirty="0"/>
-              <a:t> quos </a:t>
-            </a:r>
-            <a:r>
-              <a:rPr lang="en-US" dirty="0" err="1"/>
-              <a:t>nos</a:t>
-            </a:r>
-            <a:r>
-              <a:rPr lang="en-US" dirty="0"/>
-              <a:t> </a:t>
-            </a:r>
-            <a:r>
-              <a:rPr lang="en-US" dirty="0" err="1"/>
-              <a:t>magnis</a:t>
-            </a:r>
-            <a:r>
-              <a:rPr lang="en-US" dirty="0"/>
-              <a:t> </a:t>
-            </a:r>
-            <a:r>
-              <a:rPr lang="en-US" dirty="0" err="1"/>
-              <a:t>sitat</a:t>
-            </a:r>
-            <a:r>
-              <a:rPr lang="en-US" dirty="0"/>
-              <a:t>.</a:t>
-            </a:r>
+              <a:t>https://www.austadiums.com/sport/comp/afl/teams</a:t>
+            </a:r>
+            <a:endParaRPr lang="en-US" sz="1800" dirty="0">
+              <a:effectLst/>
+              <a:latin typeface="Calibri" panose="020F0502020204030204" pitchFamily="34" charset="0"/>
+              <a:ea typeface="Calibri" panose="020F0502020204030204" pitchFamily="34" charset="0"/>
+              <a:cs typeface="Times New Roman" panose="02020603050405020304" pitchFamily="18" charset="0"/>
+            </a:endParaRPr>
           </a:p>
           <a:p>
             <a:r>
@@ -19431,34 +18774,6 @@
               <a:t>6</a:t>
             </a:fld>
             <a:endParaRPr lang="en-US" dirty="0"/>
-          </a:p>
-        </p:txBody>
-      </p:sp>
-      <p:sp>
-        <p:nvSpPr>
-          <p:cNvPr id="7" name="Text Placeholder 6">
-            <a:extLst>
-              <a:ext uri="{FF2B5EF4-FFF2-40B4-BE49-F238E27FC236}">
-                <a16:creationId xmlns:a16="http://schemas.microsoft.com/office/drawing/2014/main" id="{7B801328-E601-F348-9B04-F0CA079C1461}"/>
-              </a:ext>
-            </a:extLst>
-          </p:cNvPr>
-          <p:cNvSpPr>
-            <a:spLocks noGrp="1"/>
-          </p:cNvSpPr>
-          <p:nvPr>
-            <p:ph type="body" sz="quarter" idx="13"/>
-          </p:nvPr>
-        </p:nvSpPr>
-        <p:spPr/>
-        <p:txBody>
-          <a:bodyPr/>
-          <a:lstStyle/>
-          <a:p>
-            <a:r>
-              <a:rPr lang="en-US" dirty="0"/>
-              <a:t>This Subtitle is Arial in Light Orange</a:t>
-            </a:r>
           </a:p>
         </p:txBody>
       </p:sp>
@@ -19506,708 +18821,10 @@
       </p:grpSpPr>
       <p:sp>
         <p:nvSpPr>
-          <p:cNvPr id="8" name="Content Placeholder 7">
-            <a:extLst>
-              <a:ext uri="{FF2B5EF4-FFF2-40B4-BE49-F238E27FC236}">
-                <a16:creationId xmlns:a16="http://schemas.microsoft.com/office/drawing/2014/main" id="{07633A60-68FA-EB48-851F-185DFAC1C529}"/>
-              </a:ext>
-            </a:extLst>
-          </p:cNvPr>
-          <p:cNvSpPr>
-            <a:spLocks noGrp="1"/>
-          </p:cNvSpPr>
-          <p:nvPr>
-            <p:ph sz="half" idx="1"/>
-          </p:nvPr>
-        </p:nvSpPr>
-        <p:spPr/>
-        <p:txBody>
-          <a:bodyPr/>
-          <a:lstStyle/>
-          <a:p>
-            <a:r>
-              <a:rPr lang="en-US" b="1" dirty="0">
-                <a:solidFill>
-                  <a:srgbClr val="0097D9"/>
-                </a:solidFill>
-              </a:rPr>
-              <a:t>Et </a:t>
-            </a:r>
-            <a:r>
-              <a:rPr lang="en-US" b="1" dirty="0" err="1">
-                <a:solidFill>
-                  <a:srgbClr val="0097D9"/>
-                </a:solidFill>
-              </a:rPr>
-              <a:t>alique</a:t>
-            </a:r>
-            <a:r>
-              <a:rPr lang="en-US" b="1" dirty="0">
-                <a:solidFill>
-                  <a:srgbClr val="0097D9"/>
-                </a:solidFill>
-              </a:rPr>
-              <a:t> </a:t>
-            </a:r>
-            <a:r>
-              <a:rPr lang="en-US" b="1" dirty="0" err="1">
-                <a:solidFill>
-                  <a:srgbClr val="0097D9"/>
-                </a:solidFill>
-              </a:rPr>
-              <a:t>prorenim</a:t>
-            </a:r>
-            <a:r>
-              <a:rPr lang="en-US" b="1" dirty="0">
-                <a:solidFill>
-                  <a:srgbClr val="0097D9"/>
-                </a:solidFill>
-              </a:rPr>
-              <a:t> </a:t>
-            </a:r>
-            <a:r>
-              <a:rPr lang="en-US" b="1" dirty="0" err="1">
-                <a:solidFill>
-                  <a:srgbClr val="0097D9"/>
-                </a:solidFill>
-              </a:rPr>
-              <a:t>ipsa</a:t>
-            </a:r>
-            <a:r>
-              <a:rPr lang="en-US" b="1" dirty="0">
-                <a:solidFill>
-                  <a:srgbClr val="0097D9"/>
-                </a:solidFill>
-              </a:rPr>
-              <a:t> sum </a:t>
-            </a:r>
-            <a:r>
-              <a:rPr lang="en-US" b="1" dirty="0" err="1">
-                <a:solidFill>
-                  <a:srgbClr val="0097D9"/>
-                </a:solidFill>
-              </a:rPr>
-              <a:t>etur</a:t>
-            </a:r>
-            <a:r>
-              <a:rPr lang="en-US" b="1" dirty="0">
-                <a:solidFill>
-                  <a:srgbClr val="0097D9"/>
-                </a:solidFill>
-              </a:rPr>
-              <a:t>? </a:t>
-            </a:r>
-            <a:r>
-              <a:rPr lang="en-US" dirty="0"/>
-              <a:t>Qui </a:t>
-            </a:r>
-            <a:r>
-              <a:rPr lang="en-US" dirty="0" err="1"/>
-              <a:t>consed</a:t>
-            </a:r>
-            <a:r>
-              <a:rPr lang="en-US" dirty="0"/>
-              <a:t> most </a:t>
-            </a:r>
-            <a:r>
-              <a:rPr lang="en-US" dirty="0" err="1"/>
-              <a:t>aut</a:t>
-            </a:r>
-            <a:r>
-              <a:rPr lang="en-US" dirty="0"/>
-              <a:t> </a:t>
-            </a:r>
-            <a:r>
-              <a:rPr lang="en-US" dirty="0" err="1"/>
-              <a:t>quia</a:t>
-            </a:r>
-            <a:r>
-              <a:rPr lang="en-US" dirty="0"/>
-              <a:t> is </a:t>
-            </a:r>
-            <a:r>
-              <a:rPr lang="en-US" dirty="0" err="1"/>
-              <a:t>voloria</a:t>
-            </a:r>
-            <a:r>
-              <a:rPr lang="en-US" dirty="0"/>
-              <a:t> </a:t>
-            </a:r>
-            <a:r>
-              <a:rPr lang="en-US" dirty="0" err="1"/>
-              <a:t>voluptatio</a:t>
-            </a:r>
-            <a:r>
-              <a:rPr lang="en-US" dirty="0"/>
-              <a:t> </a:t>
-            </a:r>
-            <a:r>
-              <a:rPr lang="en-US" dirty="0" err="1"/>
-              <a:t>beror</a:t>
-            </a:r>
-            <a:r>
-              <a:rPr lang="en-US" dirty="0"/>
-              <a:t> </a:t>
-            </a:r>
-            <a:r>
-              <a:rPr lang="en-US" dirty="0" err="1"/>
-              <a:t>sam</a:t>
-            </a:r>
-            <a:r>
-              <a:rPr lang="en-US" dirty="0"/>
-              <a:t>, sites </a:t>
-            </a:r>
-            <a:r>
-              <a:rPr lang="en-US" dirty="0" err="1"/>
-              <a:t>vollant</a:t>
-            </a:r>
-            <a:r>
-              <a:rPr lang="en-US" dirty="0"/>
-              <a:t>, </a:t>
-            </a:r>
-            <a:r>
-              <a:rPr lang="en-US" dirty="0" err="1"/>
-              <a:t>teceaque</a:t>
-            </a:r>
-            <a:r>
-              <a:rPr lang="en-US" dirty="0"/>
-              <a:t> </a:t>
-            </a:r>
-            <a:r>
-              <a:rPr lang="en-US" dirty="0" err="1"/>
-              <a:t>volorep</a:t>
-            </a:r>
-            <a:r>
-              <a:rPr lang="en-US" dirty="0"/>
-              <a:t> </a:t>
-            </a:r>
-            <a:r>
-              <a:rPr lang="en-US" dirty="0" err="1"/>
-              <a:t>erchil</a:t>
-            </a:r>
-            <a:r>
-              <a:rPr lang="en-US" dirty="0"/>
-              <a:t> </a:t>
-            </a:r>
-            <a:r>
-              <a:rPr lang="en-US" dirty="0" err="1"/>
-              <a:t>maximolupta</a:t>
-            </a:r>
-            <a:r>
-              <a:rPr lang="en-US" dirty="0"/>
-              <a:t> sit, quo </a:t>
-            </a:r>
-            <a:r>
-              <a:rPr lang="en-US" dirty="0" err="1"/>
-              <a:t>tem</a:t>
-            </a:r>
-            <a:r>
-              <a:rPr lang="en-US" dirty="0"/>
-              <a:t> </a:t>
-            </a:r>
-            <a:r>
-              <a:rPr lang="en-US" dirty="0" err="1"/>
-              <a:t>quunt</a:t>
-            </a:r>
-            <a:r>
-              <a:rPr lang="en-US" dirty="0"/>
-              <a:t> rem </a:t>
-            </a:r>
-            <a:r>
-              <a:rPr lang="en-US" dirty="0" err="1"/>
-              <a:t>quaeres</a:t>
-            </a:r>
-            <a:r>
-              <a:rPr lang="en-US" dirty="0"/>
-              <a:t> </a:t>
-            </a:r>
-            <a:r>
-              <a:rPr lang="en-US" dirty="0" err="1"/>
-              <a:t>ciiscia</a:t>
-            </a:r>
-            <a:r>
-              <a:rPr lang="en-US" dirty="0"/>
-              <a:t> </a:t>
-            </a:r>
-            <a:r>
-              <a:rPr lang="en-US" dirty="0" err="1"/>
-              <a:t>tenimo</a:t>
-            </a:r>
-            <a:r>
-              <a:rPr lang="en-US" dirty="0"/>
-              <a:t> </a:t>
-            </a:r>
-            <a:r>
-              <a:rPr lang="en-US" dirty="0" err="1"/>
-              <a:t>mo</a:t>
-            </a:r>
-            <a:r>
-              <a:rPr lang="en-US" dirty="0"/>
-              <a:t> </a:t>
-            </a:r>
-            <a:r>
-              <a:rPr lang="en-US" dirty="0" err="1"/>
-              <a:t>verecus</a:t>
-            </a:r>
-            <a:r>
-              <a:rPr lang="en-US" dirty="0"/>
-              <a:t>, </a:t>
-            </a:r>
-            <a:r>
-              <a:rPr lang="en-US" dirty="0" err="1"/>
-              <a:t>quis</a:t>
-            </a:r>
-            <a:r>
-              <a:rPr lang="en-US" dirty="0"/>
-              <a:t> </a:t>
-            </a:r>
-            <a:r>
-              <a:rPr lang="en-US" dirty="0" err="1"/>
-              <a:t>ut</a:t>
-            </a:r>
-            <a:r>
-              <a:rPr lang="en-US" dirty="0"/>
-              <a:t> </a:t>
-            </a:r>
-            <a:r>
-              <a:rPr lang="en-US" dirty="0" err="1"/>
-              <a:t>aliaess</a:t>
-            </a:r>
-            <a:endParaRPr lang="en-US" dirty="0"/>
-          </a:p>
-          <a:p>
-            <a:r>
-              <a:rPr lang="en-US" dirty="0"/>
-              <a:t>Et </a:t>
-            </a:r>
-            <a:r>
-              <a:rPr lang="en-US" dirty="0" err="1"/>
-              <a:t>alique</a:t>
-            </a:r>
-            <a:r>
-              <a:rPr lang="en-US" dirty="0"/>
-              <a:t> </a:t>
-            </a:r>
-            <a:r>
-              <a:rPr lang="en-US" dirty="0" err="1"/>
-              <a:t>prorenim</a:t>
-            </a:r>
-            <a:r>
-              <a:rPr lang="en-US" dirty="0"/>
-              <a:t> </a:t>
-            </a:r>
-            <a:r>
-              <a:rPr lang="en-US" dirty="0" err="1"/>
-              <a:t>ipsa</a:t>
-            </a:r>
-            <a:r>
-              <a:rPr lang="en-US" dirty="0"/>
-              <a:t> sum </a:t>
-            </a:r>
-            <a:r>
-              <a:rPr lang="en-US" dirty="0" err="1"/>
-              <a:t>etur</a:t>
-            </a:r>
-            <a:r>
-              <a:rPr lang="en-US" dirty="0"/>
-              <a:t>? Qui </a:t>
-            </a:r>
-            <a:r>
-              <a:rPr lang="en-US" dirty="0" err="1"/>
-              <a:t>consed</a:t>
-            </a:r>
-            <a:r>
-              <a:rPr lang="en-US" dirty="0"/>
-              <a:t> most </a:t>
-            </a:r>
-            <a:r>
-              <a:rPr lang="en-US" dirty="0" err="1"/>
-              <a:t>aut</a:t>
-            </a:r>
-            <a:r>
-              <a:rPr lang="en-US" dirty="0"/>
-              <a:t> </a:t>
-            </a:r>
-            <a:r>
-              <a:rPr lang="en-US" dirty="0" err="1"/>
-              <a:t>quia</a:t>
-            </a:r>
-            <a:r>
-              <a:rPr lang="en-US" dirty="0"/>
-              <a:t> is </a:t>
-            </a:r>
-            <a:r>
-              <a:rPr lang="en-US" dirty="0" err="1"/>
-              <a:t>voloria</a:t>
-            </a:r>
-            <a:r>
-              <a:rPr lang="en-US" dirty="0"/>
-              <a:t> </a:t>
-            </a:r>
-            <a:r>
-              <a:rPr lang="en-US" dirty="0" err="1"/>
-              <a:t>voluptatio</a:t>
-            </a:r>
-            <a:r>
-              <a:rPr lang="en-US" dirty="0"/>
-              <a:t> </a:t>
-            </a:r>
-            <a:r>
-              <a:rPr lang="en-US" dirty="0" err="1"/>
-              <a:t>beror</a:t>
-            </a:r>
-            <a:r>
-              <a:rPr lang="en-US" dirty="0"/>
-              <a:t> </a:t>
-            </a:r>
-            <a:r>
-              <a:rPr lang="en-US" dirty="0" err="1"/>
-              <a:t>sam</a:t>
-            </a:r>
-            <a:r>
-              <a:rPr lang="en-US" dirty="0"/>
-              <a:t>, sites </a:t>
-            </a:r>
-            <a:r>
-              <a:rPr lang="en-US" dirty="0" err="1"/>
-              <a:t>vollant</a:t>
-            </a:r>
-            <a:r>
-              <a:rPr lang="en-US" dirty="0"/>
-              <a:t>, </a:t>
-            </a:r>
-            <a:r>
-              <a:rPr lang="en-US" dirty="0" err="1"/>
-              <a:t>teceaque</a:t>
-            </a:r>
-            <a:r>
-              <a:rPr lang="en-US" dirty="0"/>
-              <a:t> </a:t>
-            </a:r>
-            <a:r>
-              <a:rPr lang="en-US" dirty="0" err="1"/>
-              <a:t>volorep</a:t>
-            </a:r>
-            <a:r>
-              <a:rPr lang="en-US" dirty="0"/>
-              <a:t> </a:t>
-            </a:r>
-            <a:r>
-              <a:rPr lang="en-US" dirty="0" err="1"/>
-              <a:t>erchil</a:t>
-            </a:r>
-            <a:r>
-              <a:rPr lang="en-US" dirty="0"/>
-              <a:t> </a:t>
-            </a:r>
-            <a:r>
-              <a:rPr lang="en-US" dirty="0" err="1"/>
-              <a:t>maximolupta</a:t>
-            </a:r>
-            <a:r>
-              <a:rPr lang="en-US" dirty="0"/>
-              <a:t> sit, quo </a:t>
-            </a:r>
-            <a:r>
-              <a:rPr lang="en-US" dirty="0" err="1"/>
-              <a:t>tem</a:t>
-            </a:r>
-            <a:r>
-              <a:rPr lang="en-US" dirty="0"/>
-              <a:t> </a:t>
-            </a:r>
-            <a:r>
-              <a:rPr lang="en-US" dirty="0" err="1"/>
-              <a:t>quunt</a:t>
-            </a:r>
-            <a:r>
-              <a:rPr lang="en-US" dirty="0"/>
-              <a:t> rem </a:t>
-            </a:r>
-            <a:r>
-              <a:rPr lang="en-US" dirty="0" err="1"/>
-              <a:t>quaeres</a:t>
-            </a:r>
-            <a:r>
-              <a:rPr lang="en-US" dirty="0"/>
-              <a:t> </a:t>
-            </a:r>
-            <a:r>
-              <a:rPr lang="en-US" dirty="0" err="1"/>
-              <a:t>ciiscia</a:t>
-            </a:r>
-            <a:r>
-              <a:rPr lang="en-US" dirty="0"/>
-              <a:t> </a:t>
-            </a:r>
-            <a:r>
-              <a:rPr lang="en-US" dirty="0" err="1"/>
-              <a:t>tenimo</a:t>
-            </a:r>
-            <a:r>
-              <a:rPr lang="en-US" dirty="0"/>
-              <a:t> </a:t>
-            </a:r>
-            <a:r>
-              <a:rPr lang="en-US" dirty="0" err="1"/>
-              <a:t>mo</a:t>
-            </a:r>
-            <a:r>
-              <a:rPr lang="en-US" dirty="0"/>
-              <a:t> </a:t>
-            </a:r>
-            <a:r>
-              <a:rPr lang="en-US" dirty="0" err="1"/>
-              <a:t>verecus</a:t>
-            </a:r>
-            <a:r>
-              <a:rPr lang="en-US" dirty="0"/>
-              <a:t>, </a:t>
-            </a:r>
-            <a:r>
-              <a:rPr lang="en-US" dirty="0" err="1"/>
-              <a:t>quis</a:t>
-            </a:r>
-            <a:r>
-              <a:rPr lang="en-US" dirty="0"/>
-              <a:t> </a:t>
-            </a:r>
-            <a:r>
-              <a:rPr lang="en-US" dirty="0" err="1"/>
-              <a:t>ut</a:t>
-            </a:r>
-            <a:r>
-              <a:rPr lang="en-US" dirty="0"/>
-              <a:t> </a:t>
-            </a:r>
-            <a:r>
-              <a:rPr lang="en-US" dirty="0" err="1"/>
-              <a:t>aliaess</a:t>
-            </a:r>
-            <a:endParaRPr lang="en-US" dirty="0"/>
-          </a:p>
-          <a:p>
-            <a:r>
-              <a:rPr lang="en-US" dirty="0"/>
-              <a:t>Et </a:t>
-            </a:r>
-            <a:r>
-              <a:rPr lang="en-US" dirty="0" err="1"/>
-              <a:t>alique</a:t>
-            </a:r>
-            <a:r>
-              <a:rPr lang="en-US" dirty="0"/>
-              <a:t> </a:t>
-            </a:r>
-            <a:r>
-              <a:rPr lang="en-US" dirty="0" err="1"/>
-              <a:t>prorenim</a:t>
-            </a:r>
-            <a:r>
-              <a:rPr lang="en-US" dirty="0"/>
-              <a:t> </a:t>
-            </a:r>
-            <a:r>
-              <a:rPr lang="en-US" dirty="0" err="1"/>
-              <a:t>ipsa</a:t>
-            </a:r>
-            <a:r>
-              <a:rPr lang="en-US" dirty="0"/>
-              <a:t> sum </a:t>
-            </a:r>
-            <a:r>
-              <a:rPr lang="en-US" dirty="0" err="1"/>
-              <a:t>etur</a:t>
-            </a:r>
-            <a:r>
-              <a:rPr lang="en-US" dirty="0"/>
-              <a:t>? Qui </a:t>
-            </a:r>
-            <a:r>
-              <a:rPr lang="en-US" dirty="0" err="1"/>
-              <a:t>consed</a:t>
-            </a:r>
-            <a:r>
-              <a:rPr lang="en-US" dirty="0"/>
-              <a:t> most </a:t>
-            </a:r>
-            <a:r>
-              <a:rPr lang="en-US" dirty="0" err="1"/>
-              <a:t>aut</a:t>
-            </a:r>
-            <a:r>
-              <a:rPr lang="en-US" dirty="0"/>
-              <a:t> </a:t>
-            </a:r>
-            <a:r>
-              <a:rPr lang="en-US" dirty="0" err="1"/>
-              <a:t>quia</a:t>
-            </a:r>
-            <a:r>
-              <a:rPr lang="en-US" dirty="0"/>
-              <a:t> is </a:t>
-            </a:r>
-            <a:r>
-              <a:rPr lang="en-US" dirty="0" err="1"/>
-              <a:t>voloria</a:t>
-            </a:r>
-            <a:r>
-              <a:rPr lang="en-US" dirty="0"/>
-              <a:t> </a:t>
-            </a:r>
-            <a:r>
-              <a:rPr lang="en-US" dirty="0" err="1"/>
-              <a:t>voluptatio</a:t>
-            </a:r>
-            <a:r>
-              <a:rPr lang="en-US" dirty="0"/>
-              <a:t> </a:t>
-            </a:r>
-            <a:r>
-              <a:rPr lang="en-US" dirty="0" err="1"/>
-              <a:t>beror</a:t>
-            </a:r>
-            <a:r>
-              <a:rPr lang="en-US" dirty="0"/>
-              <a:t> </a:t>
-            </a:r>
-            <a:r>
-              <a:rPr lang="en-US" dirty="0" err="1"/>
-              <a:t>sam</a:t>
-            </a:r>
-            <a:r>
-              <a:rPr lang="en-US" dirty="0"/>
-              <a:t>, sites </a:t>
-            </a:r>
-            <a:r>
-              <a:rPr lang="en-US" dirty="0" err="1"/>
-              <a:t>vollant</a:t>
-            </a:r>
-            <a:r>
-              <a:rPr lang="en-US" dirty="0"/>
-              <a:t>, </a:t>
-            </a:r>
-            <a:r>
-              <a:rPr lang="en-US" dirty="0" err="1"/>
-              <a:t>teceaque</a:t>
-            </a:r>
-            <a:r>
-              <a:rPr lang="en-US" dirty="0"/>
-              <a:t> </a:t>
-            </a:r>
-            <a:r>
-              <a:rPr lang="en-US" dirty="0" err="1"/>
-              <a:t>volorep</a:t>
-            </a:r>
-            <a:r>
-              <a:rPr lang="en-US" dirty="0"/>
-              <a:t> </a:t>
-            </a:r>
-            <a:r>
-              <a:rPr lang="en-US" dirty="0" err="1"/>
-              <a:t>erchil</a:t>
-            </a:r>
-            <a:r>
-              <a:rPr lang="en-US" dirty="0"/>
-              <a:t> </a:t>
-            </a:r>
-            <a:r>
-              <a:rPr lang="en-US" dirty="0" err="1"/>
-              <a:t>maximolupta</a:t>
-            </a:r>
-            <a:r>
-              <a:rPr lang="en-US" dirty="0"/>
-              <a:t> sit, quo </a:t>
-            </a:r>
-            <a:r>
-              <a:rPr lang="en-US" dirty="0" err="1"/>
-              <a:t>tem</a:t>
-            </a:r>
-            <a:r>
-              <a:rPr lang="en-US" dirty="0"/>
-              <a:t> </a:t>
-            </a:r>
-            <a:r>
-              <a:rPr lang="en-US" dirty="0" err="1"/>
-              <a:t>quunt</a:t>
-            </a:r>
-            <a:r>
-              <a:rPr lang="en-US" dirty="0"/>
-              <a:t> rem </a:t>
-            </a:r>
-            <a:r>
-              <a:rPr lang="en-US" dirty="0" err="1"/>
-              <a:t>quaeres</a:t>
-            </a:r>
-            <a:r>
-              <a:rPr lang="en-US" dirty="0"/>
-              <a:t> </a:t>
-            </a:r>
-            <a:r>
-              <a:rPr lang="en-US" dirty="0" err="1"/>
-              <a:t>ciiscia</a:t>
-            </a:r>
-            <a:r>
-              <a:rPr lang="en-US" dirty="0"/>
-              <a:t> </a:t>
-            </a:r>
-            <a:r>
-              <a:rPr lang="en-US" dirty="0" err="1"/>
-              <a:t>tenimo</a:t>
-            </a:r>
-            <a:r>
-              <a:rPr lang="en-US" dirty="0"/>
-              <a:t> </a:t>
-            </a:r>
-            <a:r>
-              <a:rPr lang="en-US" dirty="0" err="1"/>
-              <a:t>mo</a:t>
-            </a:r>
-            <a:r>
-              <a:rPr lang="en-US" dirty="0"/>
-              <a:t> </a:t>
-            </a:r>
-            <a:r>
-              <a:rPr lang="en-US" dirty="0" err="1"/>
-              <a:t>verecus</a:t>
-            </a:r>
-            <a:r>
-              <a:rPr lang="en-US" dirty="0"/>
-              <a:t>, </a:t>
-            </a:r>
-            <a:r>
-              <a:rPr lang="en-US" dirty="0" err="1"/>
-              <a:t>quis</a:t>
-            </a:r>
-            <a:r>
-              <a:rPr lang="en-US" dirty="0"/>
-              <a:t> </a:t>
-            </a:r>
-            <a:r>
-              <a:rPr lang="en-US" dirty="0" err="1"/>
-              <a:t>ut</a:t>
-            </a:r>
-            <a:r>
-              <a:rPr lang="en-US" dirty="0"/>
-              <a:t> </a:t>
-            </a:r>
-            <a:r>
-              <a:rPr lang="en-US" dirty="0" err="1"/>
-              <a:t>aliaess</a:t>
-            </a:r>
-            <a:endParaRPr lang="en-US" dirty="0"/>
-          </a:p>
-          <a:p>
-            <a:endParaRPr lang="en-US" dirty="0"/>
-          </a:p>
-        </p:txBody>
-      </p:sp>
-      <p:sp>
-        <p:nvSpPr>
-          <p:cNvPr id="7" name="Title 6">
-            <a:extLst>
-              <a:ext uri="{FF2B5EF4-FFF2-40B4-BE49-F238E27FC236}">
-                <a16:creationId xmlns:a16="http://schemas.microsoft.com/office/drawing/2014/main" id="{BA589A53-2DD7-164C-B603-261A24E6203A}"/>
+          <p:cNvPr id="5" name="Title 4">
+            <a:extLst>
+              <a:ext uri="{FF2B5EF4-FFF2-40B4-BE49-F238E27FC236}">
+                <a16:creationId xmlns:a16="http://schemas.microsoft.com/office/drawing/2014/main" id="{D0905275-2C3F-C740-B4C6-2E4A2060E93A}"/>
               </a:ext>
             </a:extLst>
           </p:cNvPr>
@@ -20225,17 +18842,17 @@
           <a:p>
             <a:r>
               <a:rPr lang="en-US" dirty="0"/>
-              <a:t>This Headline is Arial Regular in Dark Blue</a:t>
+              <a:t>Source Links</a:t>
             </a:r>
           </a:p>
         </p:txBody>
       </p:sp>
       <p:sp>
         <p:nvSpPr>
-          <p:cNvPr id="10" name="Content Placeholder 9">
-            <a:extLst>
-              <a:ext uri="{FF2B5EF4-FFF2-40B4-BE49-F238E27FC236}">
-                <a16:creationId xmlns:a16="http://schemas.microsoft.com/office/drawing/2014/main" id="{A7F5E52A-3874-BD41-ADC1-993E24BBB1A4}"/>
+          <p:cNvPr id="6" name="Content Placeholder 5">
+            <a:extLst>
+              <a:ext uri="{FF2B5EF4-FFF2-40B4-BE49-F238E27FC236}">
+                <a16:creationId xmlns:a16="http://schemas.microsoft.com/office/drawing/2014/main" id="{B100F3AF-4688-9845-865A-516B841DB928}"/>
               </a:ext>
             </a:extLst>
           </p:cNvPr>
@@ -20243,694 +18860,257 @@
             <a:spLocks noGrp="1"/>
           </p:cNvSpPr>
           <p:nvPr>
-            <p:ph sz="half" idx="14"/>
+            <p:ph idx="1"/>
           </p:nvPr>
         </p:nvSpPr>
-        <p:spPr/>
+        <p:spPr>
+          <a:xfrm>
+            <a:off x="504827" y="1234679"/>
+            <a:ext cx="8134348" cy="3350021"/>
+          </a:xfrm>
+        </p:spPr>
         <p:txBody>
-          <a:bodyPr/>
+          <a:bodyPr>
+            <a:normAutofit fontScale="92500"/>
+          </a:bodyPr>
           <a:lstStyle/>
           <a:p>
+            <a:pPr marL="0" marR="0">
+              <a:lnSpc>
+                <a:spcPct val="107000"/>
+              </a:lnSpc>
+              <a:spcBef>
+                <a:spcPts val="0"/>
+              </a:spcBef>
+              <a:spcAft>
+                <a:spcPts val="800"/>
+              </a:spcAft>
+            </a:pPr>
             <a:r>
               <a:rPr lang="en-US" b="1" dirty="0">
                 <a:solidFill>
                   <a:srgbClr val="0097D9"/>
                 </a:solidFill>
               </a:rPr>
-              <a:t>Et </a:t>
-            </a:r>
-            <a:r>
-              <a:rPr lang="en-US" b="1" dirty="0" err="1">
+              <a:t>Attendance Links </a:t>
+            </a:r>
+          </a:p>
+          <a:p>
+            <a:pPr marL="0" marR="0">
+              <a:lnSpc>
+                <a:spcPct val="107000"/>
+              </a:lnSpc>
+              <a:spcBef>
+                <a:spcPts val="0"/>
+              </a:spcBef>
+              <a:spcAft>
+                <a:spcPts val="800"/>
+              </a:spcAft>
+            </a:pPr>
+            <a:r>
+              <a:rPr lang="en-US" sz="1800" u="sng" dirty="0">
                 <a:solidFill>
-                  <a:srgbClr val="0097D9"/>
+                  <a:srgbClr val="0563C1"/>
                 </a:solidFill>
+                <a:effectLst/>
+                <a:latin typeface="Calibri" panose="020F0502020204030204" pitchFamily="34" charset="0"/>
+                <a:ea typeface="Calibri" panose="020F0502020204030204" pitchFamily="34" charset="0"/>
+                <a:cs typeface="Times New Roman" panose="02020603050405020304" pitchFamily="18" charset="0"/>
+                <a:hlinkClick r:id="rId2"/>
               </a:rPr>
-              <a:t>alique</a:t>
-            </a:r>
+              <a:t>https://www.pro-football-reference.com/years/2019/attendance.htm</a:t>
+            </a:r>
+            <a:endParaRPr lang="en-US" sz="1800" dirty="0">
+              <a:effectLst/>
+              <a:latin typeface="Calibri" panose="020F0502020204030204" pitchFamily="34" charset="0"/>
+              <a:ea typeface="Calibri" panose="020F0502020204030204" pitchFamily="34" charset="0"/>
+              <a:cs typeface="Times New Roman" panose="02020603050405020304" pitchFamily="18" charset="0"/>
+            </a:endParaRPr>
+          </a:p>
+          <a:p>
+            <a:pPr marL="0" marR="0">
+              <a:lnSpc>
+                <a:spcPct val="107000"/>
+              </a:lnSpc>
+              <a:spcBef>
+                <a:spcPts val="0"/>
+              </a:spcBef>
+              <a:spcAft>
+                <a:spcPts val="800"/>
+              </a:spcAft>
+            </a:pPr>
+            <a:r>
+              <a:rPr lang="en-US" sz="1800" u="sng" dirty="0">
+                <a:solidFill>
+                  <a:srgbClr val="0563C1"/>
+                </a:solidFill>
+                <a:effectLst/>
+                <a:latin typeface="Calibri" panose="020F0502020204030204" pitchFamily="34" charset="0"/>
+                <a:ea typeface="Calibri" panose="020F0502020204030204" pitchFamily="34" charset="0"/>
+                <a:cs typeface="Times New Roman" panose="02020603050405020304" pitchFamily="18" charset="0"/>
+                <a:hlinkClick r:id="rId3"/>
+              </a:rPr>
+              <a:t>https://www.footywire.com/afl/footy/attendances?year=2019&amp;t=A&amp;h=A&amp;s=T</a:t>
+            </a:r>
+            <a:endParaRPr lang="en-US" sz="1800" dirty="0">
+              <a:effectLst/>
+              <a:latin typeface="Calibri" panose="020F0502020204030204" pitchFamily="34" charset="0"/>
+              <a:ea typeface="Calibri" panose="020F0502020204030204" pitchFamily="34" charset="0"/>
+              <a:cs typeface="Times New Roman" panose="02020603050405020304" pitchFamily="18" charset="0"/>
+            </a:endParaRPr>
+          </a:p>
+          <a:p>
+            <a:pPr marL="0" marR="0">
+              <a:lnSpc>
+                <a:spcPct val="107000"/>
+              </a:lnSpc>
+              <a:spcBef>
+                <a:spcPts val="0"/>
+              </a:spcBef>
+              <a:spcAft>
+                <a:spcPts val="800"/>
+              </a:spcAft>
+            </a:pPr>
+            <a:r>
+              <a:rPr lang="en-US" sz="1800" u="sng" dirty="0">
+                <a:solidFill>
+                  <a:srgbClr val="0563C1"/>
+                </a:solidFill>
+                <a:effectLst/>
+                <a:latin typeface="Calibri" panose="020F0502020204030204" pitchFamily="34" charset="0"/>
+                <a:ea typeface="Calibri" panose="020F0502020204030204" pitchFamily="34" charset="0"/>
+                <a:cs typeface="Times New Roman" panose="02020603050405020304" pitchFamily="18" charset="0"/>
+                <a:hlinkClick r:id="rId4"/>
+              </a:rPr>
+              <a:t>https://www.thescore.com/mlb/news/2341260</a:t>
+            </a:r>
+            <a:endParaRPr lang="en-US" sz="1800" dirty="0">
+              <a:effectLst/>
+              <a:latin typeface="Calibri" panose="020F0502020204030204" pitchFamily="34" charset="0"/>
+              <a:ea typeface="Calibri" panose="020F0502020204030204" pitchFamily="34" charset="0"/>
+              <a:cs typeface="Times New Roman" panose="02020603050405020304" pitchFamily="18" charset="0"/>
+            </a:endParaRPr>
+          </a:p>
+          <a:p>
+            <a:pPr marL="0" marR="0">
+              <a:lnSpc>
+                <a:spcPct val="107000"/>
+              </a:lnSpc>
+              <a:spcBef>
+                <a:spcPts val="0"/>
+              </a:spcBef>
+              <a:spcAft>
+                <a:spcPts val="800"/>
+              </a:spcAft>
+            </a:pPr>
+            <a:r>
+              <a:rPr lang="en-US" sz="1800" dirty="0">
+                <a:effectLst/>
+                <a:latin typeface="Calibri" panose="020F0502020204030204" pitchFamily="34" charset="0"/>
+                <a:ea typeface="Calibri" panose="020F0502020204030204" pitchFamily="34" charset="0"/>
+                <a:cs typeface="Times New Roman" panose="02020603050405020304" pitchFamily="18" charset="0"/>
+              </a:rPr>
+              <a:t>https://www.nba.com/news/nba-attendance-even-last-seasons-mark-official-release</a:t>
+            </a:r>
+          </a:p>
+          <a:p>
+            <a:pPr marL="0" marR="0">
+              <a:lnSpc>
+                <a:spcPct val="107000"/>
+              </a:lnSpc>
+              <a:spcBef>
+                <a:spcPts val="0"/>
+              </a:spcBef>
+              <a:spcAft>
+                <a:spcPts val="800"/>
+              </a:spcAft>
+            </a:pPr>
             <a:r>
               <a:rPr lang="en-US" b="1" dirty="0">
                 <a:solidFill>
                   <a:srgbClr val="0097D9"/>
                 </a:solidFill>
               </a:rPr>
-              <a:t> </a:t>
-            </a:r>
-            <a:r>
-              <a:rPr lang="en-US" b="1" dirty="0" err="1">
+              <a:t>Stadium Link </a:t>
+            </a:r>
+          </a:p>
+          <a:p>
+            <a:pPr marL="0" marR="0">
+              <a:lnSpc>
+                <a:spcPct val="107000"/>
+              </a:lnSpc>
+              <a:spcBef>
+                <a:spcPts val="0"/>
+              </a:spcBef>
+              <a:spcAft>
+                <a:spcPts val="800"/>
+              </a:spcAft>
+            </a:pPr>
+            <a:r>
+              <a:rPr lang="en-US" sz="1800" u="sng" dirty="0">
                 <a:solidFill>
-                  <a:srgbClr val="0097D9"/>
+                  <a:srgbClr val="0563C1"/>
                 </a:solidFill>
+                <a:effectLst/>
+                <a:latin typeface="Calibri" panose="020F0502020204030204" pitchFamily="34" charset="0"/>
+                <a:ea typeface="Calibri" panose="020F0502020204030204" pitchFamily="34" charset="0"/>
+                <a:cs typeface="Times New Roman" panose="02020603050405020304" pitchFamily="18" charset="0"/>
+                <a:hlinkClick r:id="rId5"/>
               </a:rPr>
-              <a:t>prorenim</a:t>
-            </a:r>
+              <a:t>https://en.wikipedia.org/wiki/List_of_Australian_Football_League_grounds</a:t>
+            </a:r>
+            <a:endParaRPr lang="en-US" sz="1800" dirty="0">
+              <a:effectLst/>
+              <a:latin typeface="Calibri" panose="020F0502020204030204" pitchFamily="34" charset="0"/>
+              <a:ea typeface="Calibri" panose="020F0502020204030204" pitchFamily="34" charset="0"/>
+              <a:cs typeface="Times New Roman" panose="02020603050405020304" pitchFamily="18" charset="0"/>
+            </a:endParaRPr>
+          </a:p>
+          <a:p>
             <a:r>
               <a:rPr lang="en-US" b="1" dirty="0">
                 <a:solidFill>
                   <a:srgbClr val="0097D9"/>
                 </a:solidFill>
               </a:rPr>
-              <a:t> </a:t>
-            </a:r>
-            <a:r>
-              <a:rPr lang="en-US" b="1" dirty="0" err="1">
+              <a:t>Population Link </a:t>
+            </a:r>
+          </a:p>
+          <a:p>
+            <a:r>
+              <a:rPr lang="en-US" sz="1800" u="sng" dirty="0">
                 <a:solidFill>
-                  <a:srgbClr val="0097D9"/>
+                  <a:srgbClr val="0563C1"/>
                 </a:solidFill>
+                <a:effectLst/>
+                <a:latin typeface="Calibri" panose="020F0502020204030204" pitchFamily="34" charset="0"/>
+                <a:ea typeface="Calibri" panose="020F0502020204030204" pitchFamily="34" charset="0"/>
+                <a:cs typeface="Times New Roman" panose="02020603050405020304" pitchFamily="18" charset="0"/>
+                <a:hlinkClick r:id="rId6"/>
               </a:rPr>
-              <a:t>ipsa</a:t>
-            </a:r>
-            <a:r>
-              <a:rPr lang="en-US" b="1" dirty="0">
-                <a:solidFill>
-                  <a:srgbClr val="0097D9"/>
-                </a:solidFill>
-              </a:rPr>
-              <a:t> sum </a:t>
-            </a:r>
-            <a:r>
-              <a:rPr lang="en-US" b="1" dirty="0" err="1">
-                <a:solidFill>
-                  <a:srgbClr val="0097D9"/>
-                </a:solidFill>
-              </a:rPr>
-              <a:t>etur</a:t>
-            </a:r>
-            <a:r>
-              <a:rPr lang="en-US" b="1" dirty="0">
-                <a:solidFill>
-                  <a:srgbClr val="0097D9"/>
-                </a:solidFill>
-              </a:rPr>
-              <a:t>? </a:t>
-            </a:r>
-            <a:r>
-              <a:rPr lang="en-US" dirty="0"/>
-              <a:t>Qui </a:t>
-            </a:r>
-            <a:r>
-              <a:rPr lang="en-US" dirty="0" err="1"/>
-              <a:t>consed</a:t>
-            </a:r>
-            <a:r>
-              <a:rPr lang="en-US" dirty="0"/>
-              <a:t> most </a:t>
-            </a:r>
-            <a:r>
-              <a:rPr lang="en-US" dirty="0" err="1"/>
-              <a:t>aut</a:t>
-            </a:r>
-            <a:r>
-              <a:rPr lang="en-US" dirty="0"/>
-              <a:t> </a:t>
-            </a:r>
-            <a:r>
-              <a:rPr lang="en-US" dirty="0" err="1"/>
-              <a:t>quia</a:t>
-            </a:r>
-            <a:r>
-              <a:rPr lang="en-US" dirty="0"/>
-              <a:t> is </a:t>
-            </a:r>
-            <a:r>
-              <a:rPr lang="en-US" dirty="0" err="1"/>
-              <a:t>voloria</a:t>
-            </a:r>
-            <a:r>
-              <a:rPr lang="en-US" dirty="0"/>
-              <a:t> </a:t>
-            </a:r>
-            <a:r>
-              <a:rPr lang="en-US" dirty="0" err="1"/>
-              <a:t>voluptatio</a:t>
-            </a:r>
-            <a:r>
-              <a:rPr lang="en-US" dirty="0"/>
-              <a:t> </a:t>
-            </a:r>
-            <a:r>
-              <a:rPr lang="en-US" dirty="0" err="1"/>
-              <a:t>beror</a:t>
-            </a:r>
-            <a:r>
-              <a:rPr lang="en-US" dirty="0"/>
-              <a:t> </a:t>
-            </a:r>
-            <a:r>
-              <a:rPr lang="en-US" dirty="0" err="1"/>
-              <a:t>sam</a:t>
-            </a:r>
-            <a:r>
-              <a:rPr lang="en-US" dirty="0"/>
-              <a:t>, sites </a:t>
-            </a:r>
-            <a:r>
-              <a:rPr lang="en-US" dirty="0" err="1"/>
-              <a:t>vollant</a:t>
-            </a:r>
-            <a:r>
-              <a:rPr lang="en-US" dirty="0"/>
-              <a:t>, </a:t>
-            </a:r>
-            <a:r>
-              <a:rPr lang="en-US" dirty="0" err="1"/>
-              <a:t>teceaque</a:t>
-            </a:r>
-            <a:r>
-              <a:rPr lang="en-US" dirty="0"/>
-              <a:t> </a:t>
-            </a:r>
-            <a:r>
-              <a:rPr lang="en-US" dirty="0" err="1"/>
-              <a:t>volorep</a:t>
-            </a:r>
-            <a:r>
-              <a:rPr lang="en-US" dirty="0"/>
-              <a:t> </a:t>
-            </a:r>
-            <a:r>
-              <a:rPr lang="en-US" dirty="0" err="1"/>
-              <a:t>erchil</a:t>
-            </a:r>
-            <a:r>
-              <a:rPr lang="en-US" dirty="0"/>
-              <a:t> </a:t>
-            </a:r>
-            <a:r>
-              <a:rPr lang="en-US" dirty="0" err="1"/>
-              <a:t>maximolupta</a:t>
-            </a:r>
-            <a:r>
-              <a:rPr lang="en-US" dirty="0"/>
-              <a:t> sit, quo </a:t>
-            </a:r>
-            <a:r>
-              <a:rPr lang="en-US" dirty="0" err="1"/>
-              <a:t>tem</a:t>
-            </a:r>
-            <a:r>
-              <a:rPr lang="en-US" dirty="0"/>
-              <a:t> </a:t>
-            </a:r>
-            <a:r>
-              <a:rPr lang="en-US" dirty="0" err="1"/>
-              <a:t>quunt</a:t>
-            </a:r>
-            <a:r>
-              <a:rPr lang="en-US" dirty="0"/>
-              <a:t> rem </a:t>
-            </a:r>
-            <a:r>
-              <a:rPr lang="en-US" dirty="0" err="1"/>
-              <a:t>quaeres</a:t>
-            </a:r>
-            <a:r>
-              <a:rPr lang="en-US" dirty="0"/>
-              <a:t> </a:t>
-            </a:r>
-            <a:r>
-              <a:rPr lang="en-US" dirty="0" err="1"/>
-              <a:t>ciiscia</a:t>
-            </a:r>
-            <a:r>
-              <a:rPr lang="en-US" dirty="0"/>
-              <a:t> </a:t>
-            </a:r>
-            <a:r>
-              <a:rPr lang="en-US" dirty="0" err="1"/>
-              <a:t>tenimo</a:t>
-            </a:r>
-            <a:r>
-              <a:rPr lang="en-US" dirty="0"/>
-              <a:t> </a:t>
-            </a:r>
-            <a:r>
-              <a:rPr lang="en-US" dirty="0" err="1"/>
-              <a:t>mo</a:t>
-            </a:r>
-            <a:r>
-              <a:rPr lang="en-US" dirty="0"/>
-              <a:t> </a:t>
-            </a:r>
-            <a:r>
-              <a:rPr lang="en-US" dirty="0" err="1"/>
-              <a:t>verecus</a:t>
-            </a:r>
-            <a:r>
-              <a:rPr lang="en-US" dirty="0"/>
-              <a:t>, </a:t>
-            </a:r>
-            <a:r>
-              <a:rPr lang="en-US" dirty="0" err="1"/>
-              <a:t>quis</a:t>
-            </a:r>
-            <a:r>
-              <a:rPr lang="en-US" dirty="0"/>
-              <a:t> </a:t>
-            </a:r>
-            <a:r>
-              <a:rPr lang="en-US" dirty="0" err="1"/>
-              <a:t>ut</a:t>
-            </a:r>
-            <a:r>
-              <a:rPr lang="en-US" dirty="0"/>
-              <a:t> </a:t>
-            </a:r>
-            <a:r>
-              <a:rPr lang="en-US" dirty="0" err="1"/>
-              <a:t>aliaess</a:t>
-            </a:r>
+              <a:t>https://worldpopulationreview.com/countries/cities/australia</a:t>
+            </a:r>
+            <a:endParaRPr lang="en-US" sz="1800" dirty="0">
+              <a:effectLst/>
+              <a:latin typeface="Calibri" panose="020F0502020204030204" pitchFamily="34" charset="0"/>
+              <a:ea typeface="Calibri" panose="020F0502020204030204" pitchFamily="34" charset="0"/>
+              <a:cs typeface="Times New Roman" panose="02020603050405020304" pitchFamily="18" charset="0"/>
+            </a:endParaRPr>
+          </a:p>
+          <a:p>
             <a:endParaRPr lang="en-US" dirty="0"/>
           </a:p>
           <a:p>
-            <a:r>
-              <a:rPr lang="en-US" dirty="0"/>
-              <a:t>Et </a:t>
-            </a:r>
-            <a:r>
-              <a:rPr lang="en-US" dirty="0" err="1"/>
-              <a:t>alique</a:t>
-            </a:r>
-            <a:r>
-              <a:rPr lang="en-US" dirty="0"/>
-              <a:t> </a:t>
-            </a:r>
-            <a:r>
-              <a:rPr lang="en-US" dirty="0" err="1"/>
-              <a:t>prorenim</a:t>
-            </a:r>
-            <a:r>
-              <a:rPr lang="en-US" dirty="0"/>
-              <a:t> </a:t>
-            </a:r>
-            <a:r>
-              <a:rPr lang="en-US" dirty="0" err="1"/>
-              <a:t>ipsa</a:t>
-            </a:r>
-            <a:r>
-              <a:rPr lang="en-US" dirty="0"/>
-              <a:t> sum </a:t>
-            </a:r>
-            <a:r>
-              <a:rPr lang="en-US" dirty="0" err="1"/>
-              <a:t>etur</a:t>
-            </a:r>
-            <a:r>
-              <a:rPr lang="en-US" dirty="0"/>
-              <a:t>? Qui </a:t>
-            </a:r>
-            <a:r>
-              <a:rPr lang="en-US" dirty="0" err="1"/>
-              <a:t>consed</a:t>
-            </a:r>
-            <a:r>
-              <a:rPr lang="en-US" dirty="0"/>
-              <a:t> most </a:t>
-            </a:r>
-            <a:r>
-              <a:rPr lang="en-US" dirty="0" err="1"/>
-              <a:t>aut</a:t>
-            </a:r>
-            <a:r>
-              <a:rPr lang="en-US" dirty="0"/>
-              <a:t> </a:t>
-            </a:r>
-            <a:r>
-              <a:rPr lang="en-US" dirty="0" err="1"/>
-              <a:t>quia</a:t>
-            </a:r>
-            <a:r>
-              <a:rPr lang="en-US" dirty="0"/>
-              <a:t> is </a:t>
-            </a:r>
-            <a:r>
-              <a:rPr lang="en-US" dirty="0" err="1"/>
-              <a:t>voloria</a:t>
-            </a:r>
-            <a:r>
-              <a:rPr lang="en-US" dirty="0"/>
-              <a:t> </a:t>
-            </a:r>
-            <a:r>
-              <a:rPr lang="en-US" dirty="0" err="1"/>
-              <a:t>voluptatio</a:t>
-            </a:r>
-            <a:r>
-              <a:rPr lang="en-US" dirty="0"/>
-              <a:t> </a:t>
-            </a:r>
-            <a:r>
-              <a:rPr lang="en-US" dirty="0" err="1"/>
-              <a:t>beror</a:t>
-            </a:r>
-            <a:r>
-              <a:rPr lang="en-US" dirty="0"/>
-              <a:t> </a:t>
-            </a:r>
-            <a:r>
-              <a:rPr lang="en-US" dirty="0" err="1"/>
-              <a:t>sam</a:t>
-            </a:r>
-            <a:r>
-              <a:rPr lang="en-US" dirty="0"/>
-              <a:t>, sites </a:t>
-            </a:r>
-            <a:r>
-              <a:rPr lang="en-US" dirty="0" err="1"/>
-              <a:t>vollant</a:t>
-            </a:r>
-            <a:r>
-              <a:rPr lang="en-US" dirty="0"/>
-              <a:t>, </a:t>
-            </a:r>
-            <a:r>
-              <a:rPr lang="en-US" dirty="0" err="1"/>
-              <a:t>teceaque</a:t>
-            </a:r>
-            <a:r>
-              <a:rPr lang="en-US" dirty="0"/>
-              <a:t> </a:t>
-            </a:r>
-            <a:r>
-              <a:rPr lang="en-US" dirty="0" err="1"/>
-              <a:t>volorep</a:t>
-            </a:r>
-            <a:r>
-              <a:rPr lang="en-US" dirty="0"/>
-              <a:t> </a:t>
-            </a:r>
-            <a:r>
-              <a:rPr lang="en-US" dirty="0" err="1"/>
-              <a:t>erchil</a:t>
-            </a:r>
-            <a:r>
-              <a:rPr lang="en-US" dirty="0"/>
-              <a:t> </a:t>
-            </a:r>
-            <a:r>
-              <a:rPr lang="en-US" dirty="0" err="1"/>
-              <a:t>maximolupta</a:t>
-            </a:r>
-            <a:r>
-              <a:rPr lang="en-US" dirty="0"/>
-              <a:t> sit, quo </a:t>
-            </a:r>
-            <a:r>
-              <a:rPr lang="en-US" dirty="0" err="1"/>
-              <a:t>tem</a:t>
-            </a:r>
-            <a:r>
-              <a:rPr lang="en-US" dirty="0"/>
-              <a:t> </a:t>
-            </a:r>
-            <a:r>
-              <a:rPr lang="en-US" dirty="0" err="1"/>
-              <a:t>quunt</a:t>
-            </a:r>
-            <a:r>
-              <a:rPr lang="en-US" dirty="0"/>
-              <a:t> rem </a:t>
-            </a:r>
-            <a:r>
-              <a:rPr lang="en-US" dirty="0" err="1"/>
-              <a:t>quaeres</a:t>
-            </a:r>
-            <a:r>
-              <a:rPr lang="en-US" dirty="0"/>
-              <a:t> </a:t>
-            </a:r>
-            <a:r>
-              <a:rPr lang="en-US" dirty="0" err="1"/>
-              <a:t>ciiscia</a:t>
-            </a:r>
-            <a:r>
-              <a:rPr lang="en-US" dirty="0"/>
-              <a:t> </a:t>
-            </a:r>
-            <a:r>
-              <a:rPr lang="en-US" dirty="0" err="1"/>
-              <a:t>tenimo</a:t>
-            </a:r>
-            <a:r>
-              <a:rPr lang="en-US" dirty="0"/>
-              <a:t> </a:t>
-            </a:r>
-            <a:r>
-              <a:rPr lang="en-US" dirty="0" err="1"/>
-              <a:t>mo</a:t>
-            </a:r>
-            <a:r>
-              <a:rPr lang="en-US" dirty="0"/>
-              <a:t> </a:t>
-            </a:r>
-            <a:r>
-              <a:rPr lang="en-US" dirty="0" err="1"/>
-              <a:t>verecus</a:t>
-            </a:r>
-            <a:r>
-              <a:rPr lang="en-US" dirty="0"/>
-              <a:t>, </a:t>
-            </a:r>
-            <a:r>
-              <a:rPr lang="en-US" dirty="0" err="1"/>
-              <a:t>quis</a:t>
-            </a:r>
-            <a:r>
-              <a:rPr lang="en-US" dirty="0"/>
-              <a:t> </a:t>
-            </a:r>
-            <a:r>
-              <a:rPr lang="en-US" dirty="0" err="1"/>
-              <a:t>ut</a:t>
-            </a:r>
-            <a:r>
-              <a:rPr lang="en-US" dirty="0"/>
-              <a:t> </a:t>
-            </a:r>
-            <a:r>
-              <a:rPr lang="en-US" dirty="0" err="1"/>
-              <a:t>aliaess</a:t>
-            </a:r>
-            <a:endParaRPr lang="en-US" dirty="0"/>
-          </a:p>
-          <a:p>
-            <a:r>
-              <a:rPr lang="en-US" dirty="0"/>
-              <a:t>Et </a:t>
-            </a:r>
-            <a:r>
-              <a:rPr lang="en-US" dirty="0" err="1"/>
-              <a:t>alique</a:t>
-            </a:r>
-            <a:r>
-              <a:rPr lang="en-US" dirty="0"/>
-              <a:t> </a:t>
-            </a:r>
-            <a:r>
-              <a:rPr lang="en-US" dirty="0" err="1"/>
-              <a:t>prorenim</a:t>
-            </a:r>
-            <a:r>
-              <a:rPr lang="en-US" dirty="0"/>
-              <a:t> </a:t>
-            </a:r>
-            <a:r>
-              <a:rPr lang="en-US" dirty="0" err="1"/>
-              <a:t>ipsa</a:t>
-            </a:r>
-            <a:r>
-              <a:rPr lang="en-US" dirty="0"/>
-              <a:t> sum </a:t>
-            </a:r>
-            <a:r>
-              <a:rPr lang="en-US" dirty="0" err="1"/>
-              <a:t>etur</a:t>
-            </a:r>
-            <a:r>
-              <a:rPr lang="en-US" dirty="0"/>
-              <a:t>? Qui </a:t>
-            </a:r>
-            <a:r>
-              <a:rPr lang="en-US" dirty="0" err="1"/>
-              <a:t>consed</a:t>
-            </a:r>
-            <a:r>
-              <a:rPr lang="en-US" dirty="0"/>
-              <a:t> most </a:t>
-            </a:r>
-            <a:r>
-              <a:rPr lang="en-US" dirty="0" err="1"/>
-              <a:t>aut</a:t>
-            </a:r>
-            <a:r>
-              <a:rPr lang="en-US" dirty="0"/>
-              <a:t> </a:t>
-            </a:r>
-            <a:r>
-              <a:rPr lang="en-US" dirty="0" err="1"/>
-              <a:t>quia</a:t>
-            </a:r>
-            <a:r>
-              <a:rPr lang="en-US" dirty="0"/>
-              <a:t> is </a:t>
-            </a:r>
-            <a:r>
-              <a:rPr lang="en-US" dirty="0" err="1"/>
-              <a:t>voloria</a:t>
-            </a:r>
-            <a:r>
-              <a:rPr lang="en-US" dirty="0"/>
-              <a:t> </a:t>
-            </a:r>
-            <a:r>
-              <a:rPr lang="en-US" dirty="0" err="1"/>
-              <a:t>voluptatio</a:t>
-            </a:r>
-            <a:r>
-              <a:rPr lang="en-US" dirty="0"/>
-              <a:t> </a:t>
-            </a:r>
-            <a:r>
-              <a:rPr lang="en-US" dirty="0" err="1"/>
-              <a:t>beror</a:t>
-            </a:r>
-            <a:r>
-              <a:rPr lang="en-US" dirty="0"/>
-              <a:t> </a:t>
-            </a:r>
-            <a:r>
-              <a:rPr lang="en-US" dirty="0" err="1"/>
-              <a:t>sam</a:t>
-            </a:r>
-            <a:r>
-              <a:rPr lang="en-US" dirty="0"/>
-              <a:t>, sites </a:t>
-            </a:r>
-            <a:r>
-              <a:rPr lang="en-US" dirty="0" err="1"/>
-              <a:t>vollant</a:t>
-            </a:r>
-            <a:r>
-              <a:rPr lang="en-US" dirty="0"/>
-              <a:t>, </a:t>
-            </a:r>
-            <a:r>
-              <a:rPr lang="en-US" dirty="0" err="1"/>
-              <a:t>teceaque</a:t>
-            </a:r>
-            <a:r>
-              <a:rPr lang="en-US" dirty="0"/>
-              <a:t> </a:t>
-            </a:r>
-            <a:r>
-              <a:rPr lang="en-US" dirty="0" err="1"/>
-              <a:t>volorep</a:t>
-            </a:r>
-            <a:r>
-              <a:rPr lang="en-US" dirty="0"/>
-              <a:t> </a:t>
-            </a:r>
-            <a:r>
-              <a:rPr lang="en-US" dirty="0" err="1"/>
-              <a:t>erchil</a:t>
-            </a:r>
-            <a:r>
-              <a:rPr lang="en-US" dirty="0"/>
-              <a:t> </a:t>
-            </a:r>
-            <a:r>
-              <a:rPr lang="en-US" dirty="0" err="1"/>
-              <a:t>maximolupta</a:t>
-            </a:r>
-            <a:r>
-              <a:rPr lang="en-US" dirty="0"/>
-              <a:t> sit, quo </a:t>
-            </a:r>
-            <a:r>
-              <a:rPr lang="en-US" dirty="0" err="1"/>
-              <a:t>tem</a:t>
-            </a:r>
-            <a:r>
-              <a:rPr lang="en-US" dirty="0"/>
-              <a:t> </a:t>
-            </a:r>
-            <a:r>
-              <a:rPr lang="en-US" dirty="0" err="1"/>
-              <a:t>quunt</a:t>
-            </a:r>
-            <a:r>
-              <a:rPr lang="en-US" dirty="0"/>
-              <a:t> rem </a:t>
-            </a:r>
-            <a:r>
-              <a:rPr lang="en-US" dirty="0" err="1"/>
-              <a:t>quaeres</a:t>
-            </a:r>
-            <a:r>
-              <a:rPr lang="en-US" dirty="0"/>
-              <a:t> </a:t>
-            </a:r>
-            <a:r>
-              <a:rPr lang="en-US" dirty="0" err="1"/>
-              <a:t>ciiscia</a:t>
-            </a:r>
-            <a:r>
-              <a:rPr lang="en-US" dirty="0"/>
-              <a:t> </a:t>
-            </a:r>
-            <a:r>
-              <a:rPr lang="en-US" dirty="0" err="1"/>
-              <a:t>tenimo</a:t>
-            </a:r>
-            <a:r>
-              <a:rPr lang="en-US" dirty="0"/>
-              <a:t> </a:t>
-            </a:r>
-            <a:r>
-              <a:rPr lang="en-US" dirty="0" err="1"/>
-              <a:t>mo</a:t>
-            </a:r>
-            <a:r>
-              <a:rPr lang="en-US" dirty="0"/>
-              <a:t> </a:t>
-            </a:r>
-            <a:r>
-              <a:rPr lang="en-US" dirty="0" err="1"/>
-              <a:t>verecus</a:t>
-            </a:r>
-            <a:r>
-              <a:rPr lang="en-US" dirty="0"/>
-              <a:t>, </a:t>
-            </a:r>
-            <a:r>
-              <a:rPr lang="en-US" dirty="0" err="1"/>
-              <a:t>quis</a:t>
-            </a:r>
-            <a:r>
-              <a:rPr lang="en-US" dirty="0"/>
-              <a:t> </a:t>
-            </a:r>
-            <a:r>
-              <a:rPr lang="en-US" dirty="0" err="1"/>
-              <a:t>ut</a:t>
-            </a:r>
-            <a:r>
-              <a:rPr lang="en-US" dirty="0"/>
-              <a:t> </a:t>
-            </a:r>
-            <a:r>
-              <a:rPr lang="en-US" dirty="0" err="1"/>
-              <a:t>aliaess</a:t>
-            </a:r>
             <a:endParaRPr lang="en-US" dirty="0"/>
           </a:p>
         </p:txBody>
       </p:sp>
       <p:sp>
         <p:nvSpPr>
-          <p:cNvPr id="17" name="Slide Number Placeholder 5">
-            <a:extLst>
-              <a:ext uri="{FF2B5EF4-FFF2-40B4-BE49-F238E27FC236}">
-                <a16:creationId xmlns:a16="http://schemas.microsoft.com/office/drawing/2014/main" id="{A4A90959-A04F-464A-8A3B-FE3ACB882A44}"/>
+          <p:cNvPr id="8" name="Slide Number Placeholder 5">
+            <a:extLst>
+              <a:ext uri="{FF2B5EF4-FFF2-40B4-BE49-F238E27FC236}">
+                <a16:creationId xmlns:a16="http://schemas.microsoft.com/office/drawing/2014/main" id="{25D23053-7992-9F47-90F7-4D13C92AEF9A}"/>
               </a:ext>
             </a:extLst>
           </p:cNvPr>
@@ -20955,51 +19135,23 @@
           </a:p>
         </p:txBody>
       </p:sp>
-      <p:sp>
-        <p:nvSpPr>
-          <p:cNvPr id="12" name="Text Placeholder 11">
-            <a:extLst>
-              <a:ext uri="{FF2B5EF4-FFF2-40B4-BE49-F238E27FC236}">
-                <a16:creationId xmlns:a16="http://schemas.microsoft.com/office/drawing/2014/main" id="{32F0EFD3-FAD0-B04F-AFFE-BE3E7BB589D5}"/>
-              </a:ext>
-            </a:extLst>
-          </p:cNvPr>
-          <p:cNvSpPr>
-            <a:spLocks noGrp="1"/>
-          </p:cNvSpPr>
-          <p:nvPr>
-            <p:ph type="body" sz="quarter" idx="16"/>
-          </p:nvPr>
-        </p:nvSpPr>
-        <p:spPr/>
-        <p:txBody>
-          <a:bodyPr/>
-          <a:lstStyle/>
-          <a:p>
-            <a:r>
-              <a:rPr lang="en-US" dirty="0"/>
-              <a:t>This Subtitle is Arial in Light Orange</a:t>
-            </a:r>
-          </a:p>
-        </p:txBody>
-      </p:sp>
     </p:spTree>
     <p:extLst>
       <p:ext uri="{BB962C8B-B14F-4D97-AF65-F5344CB8AC3E}">
-        <p14:creationId xmlns:p14="http://schemas.microsoft.com/office/powerpoint/2010/main" val="1040190780"/>
+        <p14:creationId xmlns:p14="http://schemas.microsoft.com/office/powerpoint/2010/main" val="2345251746"/>
       </p:ext>
     </p:extLst>
   </p:cSld>
   <p:clrMapOvr>
     <a:masterClrMapping/>
   </p:clrMapOvr>
-  <mc:AlternateContent xmlns:mc="http://schemas.openxmlformats.org/markup-compatibility/2006" xmlns:p14="http://schemas.microsoft.com/office/powerpoint/2010/main">
-    <mc:Choice Requires="p14">
+  <mc:AlternateContent xmlns:mc="http://schemas.openxmlformats.org/markup-compatibility/2006">
+    <mc:Choice xmlns:p14="http://schemas.microsoft.com/office/powerpoint/2010/main" Requires="p14">
       <p:transition spd="med" p14:dur="700">
         <p:fade/>
       </p:transition>
     </mc:Choice>
-    <mc:Fallback xmlns="">
+    <mc:Fallback>
       <p:transition spd="med">
         <p:fade/>
       </p:transition>
@@ -21027,10 +19179,10 @@
       </p:grpSpPr>
       <p:sp>
         <p:nvSpPr>
-          <p:cNvPr id="5" name="Title 4">
-            <a:extLst>
-              <a:ext uri="{FF2B5EF4-FFF2-40B4-BE49-F238E27FC236}">
-                <a16:creationId xmlns:a16="http://schemas.microsoft.com/office/drawing/2014/main" id="{D0905275-2C3F-C740-B4C6-2E4A2060E93A}"/>
+          <p:cNvPr id="7" name="Title 6">
+            <a:extLst>
+              <a:ext uri="{FF2B5EF4-FFF2-40B4-BE49-F238E27FC236}">
+                <a16:creationId xmlns:a16="http://schemas.microsoft.com/office/drawing/2014/main" id="{BE9CE17D-2234-4E46-B9A4-A8F0A364F313}"/>
               </a:ext>
             </a:extLst>
           </p:cNvPr>
@@ -21047,821 +19199,19 @@
           <a:lstStyle/>
           <a:p>
             <a:r>
-              <a:rPr lang="en-US" dirty="0"/>
-              <a:t>This Headline is Arial Regular in Dark Blue</a:t>
-            </a:r>
+              <a:rPr lang="en-US"/>
+              <a:t>How did I learn about footy?</a:t>
+            </a:r>
+            <a:endParaRPr lang="en-US" dirty="0"/>
           </a:p>
         </p:txBody>
       </p:sp>
       <p:sp>
         <p:nvSpPr>
-          <p:cNvPr id="6" name="Content Placeholder 5">
-            <a:extLst>
-              <a:ext uri="{FF2B5EF4-FFF2-40B4-BE49-F238E27FC236}">
-                <a16:creationId xmlns:a16="http://schemas.microsoft.com/office/drawing/2014/main" id="{B100F3AF-4688-9845-865A-516B841DB928}"/>
-              </a:ext>
-            </a:extLst>
-          </p:cNvPr>
-          <p:cNvSpPr>
-            <a:spLocks noGrp="1"/>
-          </p:cNvSpPr>
-          <p:nvPr>
-            <p:ph idx="1"/>
-          </p:nvPr>
-        </p:nvSpPr>
-        <p:spPr/>
-        <p:txBody>
-          <a:bodyPr>
-            <a:normAutofit/>
-          </a:bodyPr>
-          <a:lstStyle/>
-          <a:p>
-            <a:r>
-              <a:rPr lang="en-US" b="1" dirty="0">
-                <a:solidFill>
-                  <a:srgbClr val="0097D9"/>
-                </a:solidFill>
-              </a:rPr>
-              <a:t>This Bolded portion is Arial in Medium Blue </a:t>
-            </a:r>
-            <a:r>
-              <a:rPr lang="en-US" i="1" dirty="0"/>
-              <a:t>This is a two column content heavy slides. </a:t>
-            </a:r>
-          </a:p>
-          <a:p>
-            <a:r>
-              <a:rPr lang="en-US" b="1" dirty="0">
-                <a:solidFill>
-                  <a:srgbClr val="0097D9"/>
-                </a:solidFill>
-              </a:rPr>
-              <a:t>To </a:t>
-            </a:r>
-            <a:r>
-              <a:rPr lang="en-US" b="1" dirty="0" err="1">
-                <a:solidFill>
-                  <a:srgbClr val="0097D9"/>
-                </a:solidFill>
-              </a:rPr>
-              <a:t>blautemped</a:t>
-            </a:r>
-            <a:r>
-              <a:rPr lang="en-US" b="1" dirty="0">
-                <a:solidFill>
-                  <a:srgbClr val="0097D9"/>
-                </a:solidFill>
-              </a:rPr>
-              <a:t> </a:t>
-            </a:r>
-            <a:r>
-              <a:rPr lang="en-US" b="1" dirty="0" err="1">
-                <a:solidFill>
-                  <a:srgbClr val="0097D9"/>
-                </a:solidFill>
-              </a:rPr>
-              <a:t>est</a:t>
-            </a:r>
-            <a:r>
-              <a:rPr lang="en-US" b="1" dirty="0">
-                <a:solidFill>
-                  <a:srgbClr val="0097D9"/>
-                </a:solidFill>
-              </a:rPr>
-              <a:t> </a:t>
-            </a:r>
-            <a:r>
-              <a:rPr lang="en-US" b="1" dirty="0" err="1">
-                <a:solidFill>
-                  <a:srgbClr val="0097D9"/>
-                </a:solidFill>
-              </a:rPr>
-              <a:t>es</a:t>
-            </a:r>
-            <a:r>
-              <a:rPr lang="en-US" b="1" dirty="0">
-                <a:solidFill>
-                  <a:srgbClr val="0097D9"/>
-                </a:solidFill>
-              </a:rPr>
-              <a:t> </a:t>
-            </a:r>
-            <a:r>
-              <a:rPr lang="en-US" b="1" dirty="0" err="1">
-                <a:solidFill>
-                  <a:srgbClr val="0097D9"/>
-                </a:solidFill>
-              </a:rPr>
-              <a:t>enita</a:t>
-            </a:r>
-            <a:r>
-              <a:rPr lang="en-US" b="1" dirty="0">
-                <a:solidFill>
-                  <a:srgbClr val="0097D9"/>
-                </a:solidFill>
-              </a:rPr>
-              <a:t> </a:t>
-            </a:r>
-            <a:r>
-              <a:rPr lang="en-US" b="1" dirty="0" err="1">
-                <a:solidFill>
-                  <a:srgbClr val="0097D9"/>
-                </a:solidFill>
-              </a:rPr>
-              <a:t>vit</a:t>
-            </a:r>
-            <a:r>
-              <a:rPr lang="en-US" b="1" dirty="0">
-                <a:solidFill>
-                  <a:srgbClr val="0097D9"/>
-                </a:solidFill>
-              </a:rPr>
-              <a:t> </a:t>
-            </a:r>
-            <a:r>
-              <a:rPr lang="en-US" b="1" dirty="0" err="1">
-                <a:solidFill>
-                  <a:srgbClr val="0097D9"/>
-                </a:solidFill>
-              </a:rPr>
-              <a:t>ea</a:t>
-            </a:r>
-            <a:r>
-              <a:rPr lang="en-US" b="1" dirty="0">
-                <a:solidFill>
-                  <a:srgbClr val="0097D9"/>
-                </a:solidFill>
-              </a:rPr>
-              <a:t> </a:t>
-            </a:r>
-            <a:r>
-              <a:rPr lang="en-US" b="1" dirty="0" err="1">
-                <a:solidFill>
-                  <a:srgbClr val="0097D9"/>
-                </a:solidFill>
-              </a:rPr>
-              <a:t>sunt</a:t>
-            </a:r>
-            <a:r>
-              <a:rPr lang="en-US" b="1" dirty="0">
-                <a:solidFill>
-                  <a:srgbClr val="0097D9"/>
-                </a:solidFill>
-              </a:rPr>
-              <a:t> </a:t>
-            </a:r>
-            <a:r>
-              <a:rPr lang="en-US" dirty="0" err="1"/>
-              <a:t>pliquidem</a:t>
-            </a:r>
-            <a:r>
-              <a:rPr lang="en-US" dirty="0"/>
-              <a:t> </a:t>
-            </a:r>
-            <a:r>
-              <a:rPr lang="en-US" dirty="0" err="1"/>
-              <a:t>velitat</a:t>
-            </a:r>
-            <a:r>
-              <a:rPr lang="en-US" dirty="0"/>
-              <a:t> </a:t>
-            </a:r>
-            <a:r>
-              <a:rPr lang="en-US" dirty="0" err="1"/>
-              <a:t>emporum</a:t>
-            </a:r>
-            <a:r>
-              <a:rPr lang="en-US" dirty="0"/>
-              <a:t> des </a:t>
-            </a:r>
-            <a:r>
-              <a:rPr lang="en-US" dirty="0" err="1"/>
-              <a:t>apedi</a:t>
-            </a:r>
-            <a:r>
-              <a:rPr lang="en-US" dirty="0"/>
-              <a:t> </a:t>
-            </a:r>
-            <a:r>
-              <a:rPr lang="en-US" dirty="0" err="1"/>
-              <a:t>dolorrovidus</a:t>
-            </a:r>
-            <a:r>
-              <a:rPr lang="en-US" dirty="0"/>
-              <a:t> </a:t>
-            </a:r>
-            <a:r>
-              <a:rPr lang="en-US" dirty="0" err="1"/>
-              <a:t>quat</a:t>
-            </a:r>
-            <a:r>
-              <a:rPr lang="en-US" dirty="0"/>
-              <a:t> </a:t>
-            </a:r>
-            <a:r>
-              <a:rPr lang="en-US" dirty="0" err="1"/>
-              <a:t>accus</a:t>
-            </a:r>
-            <a:r>
-              <a:rPr lang="en-US" dirty="0"/>
-              <a:t> </a:t>
-            </a:r>
-            <a:r>
-              <a:rPr lang="en-US" dirty="0" err="1"/>
-              <a:t>voluptae</a:t>
-            </a:r>
-            <a:r>
-              <a:rPr lang="en-US" dirty="0"/>
-              <a:t> </a:t>
-            </a:r>
-            <a:r>
-              <a:rPr lang="en-US" dirty="0" err="1"/>
-              <a:t>eiciam</a:t>
-            </a:r>
-            <a:r>
-              <a:rPr lang="en-US" dirty="0"/>
-              <a:t> </a:t>
-            </a:r>
-            <a:r>
-              <a:rPr lang="en-US" dirty="0" err="1"/>
-              <a:t>reri</a:t>
-            </a:r>
-            <a:r>
-              <a:rPr lang="en-US" dirty="0"/>
-              <a:t> </a:t>
-            </a:r>
-            <a:r>
-              <a:rPr lang="en-US" dirty="0" err="1"/>
-              <a:t>doluptaest</a:t>
-            </a:r>
-            <a:r>
-              <a:rPr lang="en-US" dirty="0"/>
-              <a:t> </a:t>
-            </a:r>
-            <a:r>
-              <a:rPr lang="en-US" dirty="0" err="1"/>
-              <a:t>odis</a:t>
-            </a:r>
-            <a:r>
-              <a:rPr lang="en-US" dirty="0"/>
-              <a:t> </a:t>
-            </a:r>
-            <a:r>
-              <a:rPr lang="en-US" dirty="0" err="1"/>
-              <a:t>assi</a:t>
-            </a:r>
-            <a:r>
-              <a:rPr lang="en-US" dirty="0"/>
-              <a:t> </a:t>
-            </a:r>
-            <a:r>
-              <a:rPr lang="en-US" dirty="0" err="1"/>
-              <a:t>dolesse</a:t>
-            </a:r>
-            <a:r>
-              <a:rPr lang="en-US" dirty="0"/>
-              <a:t> </a:t>
-            </a:r>
-            <a:r>
-              <a:rPr lang="en-US" dirty="0" err="1"/>
-              <a:t>rciminctas</a:t>
-            </a:r>
-            <a:r>
-              <a:rPr lang="en-US" dirty="0"/>
-              <a:t> </a:t>
-            </a:r>
-            <a:r>
-              <a:rPr lang="en-US" dirty="0" err="1"/>
-              <a:t>dolesec</a:t>
-            </a:r>
-            <a:r>
-              <a:rPr lang="en-US" dirty="0"/>
-              <a:t> </a:t>
-            </a:r>
-            <a:r>
-              <a:rPr lang="en-US" dirty="0" err="1"/>
-              <a:t>eperumq</a:t>
-            </a:r>
-            <a:r>
-              <a:rPr lang="en-US" dirty="0"/>
-              <a:t> </a:t>
-            </a:r>
-            <a:r>
-              <a:rPr lang="en-US" dirty="0" err="1"/>
-              <a:t>uuntio</a:t>
-            </a:r>
-            <a:r>
-              <a:rPr lang="en-US" dirty="0"/>
-              <a:t> que </a:t>
-            </a:r>
-            <a:r>
-              <a:rPr lang="en-US" dirty="0" err="1"/>
-              <a:t>vitaquia</a:t>
-            </a:r>
-            <a:r>
-              <a:rPr lang="en-US" dirty="0"/>
-              <a:t> </a:t>
-            </a:r>
-            <a:r>
-              <a:rPr lang="en-US" dirty="0" err="1"/>
-              <a:t>sam</a:t>
-            </a:r>
-            <a:r>
-              <a:rPr lang="en-US" dirty="0"/>
-              <a:t>, </a:t>
-            </a:r>
-            <a:r>
-              <a:rPr lang="en-US" dirty="0" err="1"/>
-              <a:t>nonseque</a:t>
-            </a:r>
-            <a:r>
-              <a:rPr lang="en-US" dirty="0"/>
-              <a:t> pro qui </a:t>
-            </a:r>
-            <a:r>
-              <a:rPr lang="en-US" dirty="0" err="1"/>
-              <a:t>offictibus</a:t>
-            </a:r>
-            <a:r>
-              <a:rPr lang="en-US" dirty="0"/>
-              <a:t> </a:t>
-            </a:r>
-            <a:r>
-              <a:rPr lang="en-US" dirty="0" err="1"/>
-              <a:t>aperestrum</a:t>
-            </a:r>
-            <a:r>
-              <a:rPr lang="en-US" dirty="0"/>
-              <a:t> quos et </a:t>
-            </a:r>
-            <a:r>
-              <a:rPr lang="en-US" dirty="0" err="1"/>
-              <a:t>harcimilia</a:t>
-            </a:r>
-            <a:r>
-              <a:rPr lang="en-US" dirty="0"/>
-              <a:t> </a:t>
-            </a:r>
-            <a:r>
-              <a:rPr lang="en-US" dirty="0" err="1"/>
-              <a:t>nonsequaero</a:t>
-            </a:r>
-            <a:r>
-              <a:rPr lang="en-US" dirty="0"/>
-              <a:t> </a:t>
-            </a:r>
-            <a:r>
-              <a:rPr lang="en-US" dirty="0" err="1"/>
-              <a:t>eaquas</a:t>
-            </a:r>
-            <a:r>
-              <a:rPr lang="en-US" dirty="0"/>
-              <a:t> </a:t>
-            </a:r>
-            <a:r>
-              <a:rPr lang="en-US" dirty="0" err="1"/>
-              <a:t>assiminverum</a:t>
-            </a:r>
-            <a:r>
-              <a:rPr lang="en-US" dirty="0"/>
-              <a:t>? </a:t>
-            </a:r>
-            <a:r>
-              <a:rPr lang="en-US" dirty="0" err="1"/>
-              <a:t>Optae</a:t>
-            </a:r>
-            <a:r>
-              <a:rPr lang="en-US" dirty="0"/>
-              <a:t> </a:t>
-            </a:r>
-            <a:r>
-              <a:rPr lang="en-US" dirty="0" err="1"/>
-              <a:t>peribus</a:t>
-            </a:r>
-            <a:r>
-              <a:rPr lang="en-US" dirty="0"/>
-              <a:t> re, </a:t>
-            </a:r>
-            <a:r>
-              <a:rPr lang="en-US" dirty="0" err="1"/>
-              <a:t>aspici</a:t>
-            </a:r>
-            <a:r>
-              <a:rPr lang="en-US" dirty="0"/>
-              <a:t> </a:t>
-            </a:r>
-            <a:r>
-              <a:rPr lang="en-US" dirty="0" err="1"/>
-              <a:t>tem</a:t>
-            </a:r>
-            <a:r>
-              <a:rPr lang="en-US" dirty="0"/>
-              <a:t> </a:t>
-            </a:r>
-            <a:r>
-              <a:rPr lang="en-US" dirty="0" err="1"/>
-              <a:t>velestis</a:t>
-            </a:r>
-            <a:r>
-              <a:rPr lang="en-US" dirty="0"/>
-              <a:t> </a:t>
-            </a:r>
-            <a:r>
-              <a:rPr lang="en-US" dirty="0" err="1"/>
-              <a:t>velitas</a:t>
-            </a:r>
-            <a:r>
-              <a:rPr lang="en-US" dirty="0"/>
-              <a:t> </a:t>
-            </a:r>
-            <a:r>
-              <a:rPr lang="en-US" dirty="0" err="1"/>
-              <a:t>ditem</a:t>
-            </a:r>
-            <a:r>
-              <a:rPr lang="en-US" dirty="0"/>
-              <a:t> rem </a:t>
-            </a:r>
-            <a:r>
-              <a:rPr lang="en-US" dirty="0" err="1"/>
-              <a:t>nonseque</a:t>
-            </a:r>
-            <a:r>
-              <a:rPr lang="en-US" dirty="0"/>
-              <a:t> pro qui </a:t>
-            </a:r>
-          </a:p>
-          <a:p>
-            <a:r>
-              <a:rPr lang="en-US" b="1" dirty="0" err="1">
-                <a:solidFill>
-                  <a:srgbClr val="0097D9"/>
-                </a:solidFill>
-              </a:rPr>
-              <a:t>Tem</a:t>
-            </a:r>
-            <a:r>
-              <a:rPr lang="en-US" b="1" dirty="0">
-                <a:solidFill>
-                  <a:srgbClr val="0097D9"/>
-                </a:solidFill>
-              </a:rPr>
-              <a:t> </a:t>
-            </a:r>
-            <a:r>
-              <a:rPr lang="en-US" b="1" dirty="0" err="1">
-                <a:solidFill>
-                  <a:srgbClr val="0097D9"/>
-                </a:solidFill>
-              </a:rPr>
-              <a:t>quiae</a:t>
-            </a:r>
-            <a:r>
-              <a:rPr lang="en-US" b="1" dirty="0">
-                <a:solidFill>
-                  <a:srgbClr val="0097D9"/>
-                </a:solidFill>
-              </a:rPr>
-              <a:t> </a:t>
-            </a:r>
-            <a:r>
-              <a:rPr lang="en-US" b="1" dirty="0" err="1">
-                <a:solidFill>
-                  <a:srgbClr val="0097D9"/>
-                </a:solidFill>
-              </a:rPr>
-              <a:t>ni</a:t>
-            </a:r>
-            <a:r>
-              <a:rPr lang="en-US" b="1" dirty="0">
-                <a:solidFill>
-                  <a:srgbClr val="0097D9"/>
-                </a:solidFill>
-              </a:rPr>
-              <a:t> </a:t>
-            </a:r>
-            <a:r>
-              <a:rPr lang="en-US" b="1" dirty="0" err="1">
-                <a:solidFill>
-                  <a:srgbClr val="0097D9"/>
-                </a:solidFill>
-              </a:rPr>
-              <a:t>descimus</a:t>
-            </a:r>
-            <a:r>
-              <a:rPr lang="en-US" b="1" dirty="0">
-                <a:solidFill>
-                  <a:srgbClr val="0097D9"/>
-                </a:solidFill>
-              </a:rPr>
-              <a:t>, </a:t>
-            </a:r>
-            <a:r>
-              <a:rPr lang="en-US" b="1" dirty="0" err="1">
-                <a:solidFill>
-                  <a:srgbClr val="0097D9"/>
-                </a:solidFill>
-              </a:rPr>
-              <a:t>necte</a:t>
-            </a:r>
-            <a:r>
-              <a:rPr lang="en-US" b="1" dirty="0">
-                <a:solidFill>
-                  <a:srgbClr val="0097D9"/>
-                </a:solidFill>
-              </a:rPr>
-              <a:t> </a:t>
-            </a:r>
-            <a:r>
-              <a:rPr lang="en-US" b="1" dirty="0" err="1">
-                <a:solidFill>
-                  <a:srgbClr val="0097D9"/>
-                </a:solidFill>
-              </a:rPr>
-              <a:t>reptiunt</a:t>
-            </a:r>
-            <a:r>
-              <a:rPr lang="en-US" b="1" dirty="0">
-                <a:solidFill>
-                  <a:srgbClr val="0097D9"/>
-                </a:solidFill>
-              </a:rPr>
-              <a:t> </a:t>
-            </a:r>
-            <a:r>
-              <a:rPr lang="en-US" dirty="0"/>
-              <a:t>at </a:t>
-            </a:r>
-            <a:r>
-              <a:rPr lang="en-US" dirty="0" err="1"/>
-              <a:t>quiam</a:t>
-            </a:r>
-            <a:r>
-              <a:rPr lang="en-US" dirty="0"/>
-              <a:t> </a:t>
-            </a:r>
-            <a:r>
-              <a:rPr lang="en-US" dirty="0" err="1"/>
-              <a:t>repratur</a:t>
-            </a:r>
-            <a:r>
-              <a:rPr lang="en-US" dirty="0"/>
-              <a:t> </a:t>
-            </a:r>
-            <a:r>
-              <a:rPr lang="en-US" dirty="0" err="1"/>
-              <a:t>modissimet</a:t>
-            </a:r>
-            <a:r>
-              <a:rPr lang="en-US" dirty="0"/>
-              <a:t> mil </a:t>
-            </a:r>
-            <a:r>
-              <a:rPr lang="en-US" dirty="0" err="1"/>
-              <a:t>moluptam</a:t>
-            </a:r>
-            <a:r>
-              <a:rPr lang="en-US" dirty="0"/>
-              <a:t> quos </a:t>
-            </a:r>
-            <a:r>
-              <a:rPr lang="en-US" dirty="0" err="1"/>
-              <a:t>nos</a:t>
-            </a:r>
-            <a:r>
-              <a:rPr lang="en-US" dirty="0"/>
-              <a:t> </a:t>
-            </a:r>
-            <a:r>
-              <a:rPr lang="en-US" dirty="0" err="1"/>
-              <a:t>magnis</a:t>
-            </a:r>
-            <a:r>
-              <a:rPr lang="en-US" dirty="0"/>
-              <a:t> </a:t>
-            </a:r>
-            <a:r>
-              <a:rPr lang="en-US" dirty="0" err="1"/>
-              <a:t>sitat</a:t>
-            </a:r>
-            <a:r>
-              <a:rPr lang="en-US" dirty="0"/>
-              <a:t>.</a:t>
-            </a:r>
-          </a:p>
-          <a:p>
-            <a:r>
-              <a:rPr lang="en-US" b="1" dirty="0">
-                <a:solidFill>
-                  <a:srgbClr val="0097D9"/>
-                </a:solidFill>
-              </a:rPr>
-              <a:t>Ro </a:t>
-            </a:r>
-            <a:r>
-              <a:rPr lang="en-US" b="1" dirty="0" err="1">
-                <a:solidFill>
-                  <a:srgbClr val="0097D9"/>
-                </a:solidFill>
-              </a:rPr>
-              <a:t>moluptaqui</a:t>
-            </a:r>
-            <a:r>
-              <a:rPr lang="en-US" b="1" dirty="0">
-                <a:solidFill>
-                  <a:srgbClr val="0097D9"/>
-                </a:solidFill>
-              </a:rPr>
-              <a:t> </a:t>
-            </a:r>
-            <a:r>
-              <a:rPr lang="en-US" b="1" dirty="0" err="1">
-                <a:solidFill>
-                  <a:srgbClr val="0097D9"/>
-                </a:solidFill>
-              </a:rPr>
-              <a:t>dolupturio</a:t>
-            </a:r>
-            <a:r>
-              <a:rPr lang="en-US" b="1" dirty="0">
-                <a:solidFill>
-                  <a:srgbClr val="0097D9"/>
-                </a:solidFill>
-              </a:rPr>
-              <a:t> </a:t>
-            </a:r>
-            <a:r>
-              <a:rPr lang="en-US" b="1" dirty="0" err="1">
-                <a:solidFill>
-                  <a:srgbClr val="0097D9"/>
-                </a:solidFill>
-              </a:rPr>
-              <a:t>te</a:t>
-            </a:r>
-            <a:r>
-              <a:rPr lang="en-US" b="1" dirty="0">
-                <a:solidFill>
-                  <a:srgbClr val="0097D9"/>
-                </a:solidFill>
-              </a:rPr>
-              <a:t> </a:t>
-            </a:r>
-            <a:r>
-              <a:rPr lang="en-US" b="1" dirty="0" err="1">
-                <a:solidFill>
-                  <a:srgbClr val="0097D9"/>
-                </a:solidFill>
-              </a:rPr>
-              <a:t>prae</a:t>
-            </a:r>
-            <a:r>
-              <a:rPr lang="en-US" b="1" dirty="0">
-                <a:solidFill>
-                  <a:srgbClr val="0097D9"/>
-                </a:solidFill>
-              </a:rPr>
-              <a:t> </a:t>
-            </a:r>
-            <a:r>
-              <a:rPr lang="en-US" dirty="0" err="1"/>
-              <a:t>dolorem</a:t>
-            </a:r>
-            <a:r>
-              <a:rPr lang="en-US" dirty="0"/>
-              <a:t> </a:t>
-            </a:r>
-            <a:r>
-              <a:rPr lang="en-US" dirty="0" err="1"/>
-              <a:t>dolorehenis</a:t>
-            </a:r>
-            <a:r>
-              <a:rPr lang="en-US" dirty="0"/>
-              <a:t> ab </a:t>
-            </a:r>
-            <a:r>
-              <a:rPr lang="en-US" dirty="0" err="1"/>
-              <a:t>invelli</a:t>
-            </a:r>
-            <a:r>
-              <a:rPr lang="en-US" dirty="0"/>
-              <a:t> </a:t>
-            </a:r>
-            <a:r>
-              <a:rPr lang="en-US" dirty="0" err="1"/>
-              <a:t>ciisimu</a:t>
-            </a:r>
-            <a:r>
-              <a:rPr lang="en-US" dirty="0"/>
-              <a:t> </a:t>
-            </a:r>
-            <a:r>
-              <a:rPr lang="en-US" dirty="0" err="1"/>
-              <a:t>sanitia</a:t>
-            </a:r>
-            <a:r>
-              <a:rPr lang="en-US" dirty="0"/>
-              <a:t> </a:t>
-            </a:r>
-            <a:r>
-              <a:rPr lang="en-US" dirty="0" err="1"/>
-              <a:t>quatiisi</a:t>
-            </a:r>
-            <a:r>
-              <a:rPr lang="en-US" dirty="0"/>
-              <a:t> </a:t>
-            </a:r>
-            <a:r>
-              <a:rPr lang="en-US" dirty="0" err="1"/>
-              <a:t>siti</a:t>
-            </a:r>
-            <a:r>
-              <a:rPr lang="en-US" dirty="0"/>
-              <a:t> con </a:t>
-            </a:r>
-            <a:r>
-              <a:rPr lang="en-US" dirty="0" err="1"/>
-              <a:t>consequi</a:t>
-            </a:r>
-            <a:r>
-              <a:rPr lang="en-US" dirty="0"/>
-              <a:t> </a:t>
-            </a:r>
-            <a:r>
-              <a:rPr lang="en-US" dirty="0" err="1"/>
-              <a:t>tem</a:t>
-            </a:r>
-            <a:r>
-              <a:rPr lang="en-US" dirty="0"/>
-              <a:t>. </a:t>
-            </a:r>
-            <a:r>
-              <a:rPr lang="en-US" dirty="0" err="1"/>
-              <a:t>Optae</a:t>
-            </a:r>
-            <a:r>
-              <a:rPr lang="en-US" dirty="0"/>
-              <a:t> </a:t>
-            </a:r>
-            <a:r>
-              <a:rPr lang="en-US" dirty="0" err="1"/>
-              <a:t>peribus</a:t>
-            </a:r>
-            <a:r>
-              <a:rPr lang="en-US" dirty="0"/>
-              <a:t> re, </a:t>
-            </a:r>
-            <a:r>
-              <a:rPr lang="en-US" dirty="0" err="1"/>
-              <a:t>aspici</a:t>
-            </a:r>
-            <a:r>
-              <a:rPr lang="en-US" dirty="0"/>
-              <a:t> </a:t>
-            </a:r>
-            <a:r>
-              <a:rPr lang="en-US" dirty="0" err="1"/>
-              <a:t>tem</a:t>
-            </a:r>
-            <a:r>
-              <a:rPr lang="en-US" dirty="0"/>
-              <a:t> </a:t>
-            </a:r>
-            <a:r>
-              <a:rPr lang="en-US" dirty="0" err="1"/>
-              <a:t>velestis</a:t>
-            </a:r>
-            <a:r>
-              <a:rPr lang="en-US" dirty="0"/>
-              <a:t> </a:t>
-            </a:r>
-            <a:r>
-              <a:rPr lang="en-US" dirty="0" err="1"/>
-              <a:t>velitas</a:t>
-            </a:r>
-            <a:r>
-              <a:rPr lang="en-US" dirty="0"/>
-              <a:t> </a:t>
-            </a:r>
-            <a:r>
-              <a:rPr lang="en-US" dirty="0" err="1"/>
-              <a:t>ditem</a:t>
-            </a:r>
-            <a:r>
-              <a:rPr lang="en-US" dirty="0"/>
-              <a:t> rem</a:t>
-            </a:r>
-          </a:p>
-          <a:p>
-            <a:endParaRPr lang="en-US" dirty="0"/>
-          </a:p>
-        </p:txBody>
-      </p:sp>
-      <p:sp>
-        <p:nvSpPr>
-          <p:cNvPr id="8" name="Slide Number Placeholder 5">
-            <a:extLst>
-              <a:ext uri="{FF2B5EF4-FFF2-40B4-BE49-F238E27FC236}">
-                <a16:creationId xmlns:a16="http://schemas.microsoft.com/office/drawing/2014/main" id="{25D23053-7992-9F47-90F7-4D13C92AEF9A}"/>
+          <p:cNvPr id="14" name="Slide Number Placeholder 5">
+            <a:extLst>
+              <a:ext uri="{FF2B5EF4-FFF2-40B4-BE49-F238E27FC236}">
+                <a16:creationId xmlns:a16="http://schemas.microsoft.com/office/drawing/2014/main" id="{12E0F59A-57A2-CB4E-B987-DE323577DB29}"/>
               </a:ext>
             </a:extLst>
           </p:cNvPr>
@@ -21888,10 +19238,54 @@
       </p:sp>
       <p:sp>
         <p:nvSpPr>
-          <p:cNvPr id="7" name="Text Placeholder 6">
-            <a:extLst>
-              <a:ext uri="{FF2B5EF4-FFF2-40B4-BE49-F238E27FC236}">
-                <a16:creationId xmlns:a16="http://schemas.microsoft.com/office/drawing/2014/main" id="{7B801328-E601-F348-9B04-F0CA079C1461}"/>
+          <p:cNvPr id="15" name="TextBox 14">
+            <a:extLst>
+              <a:ext uri="{FF2B5EF4-FFF2-40B4-BE49-F238E27FC236}">
+                <a16:creationId xmlns:a16="http://schemas.microsoft.com/office/drawing/2014/main" id="{D7838175-8273-EA4C-8971-F6CEB5D6F490}"/>
+              </a:ext>
+            </a:extLst>
+          </p:cNvPr>
+          <p:cNvSpPr txBox="1"/>
+          <p:nvPr/>
+        </p:nvSpPr>
+        <p:spPr>
+          <a:xfrm>
+            <a:off x="2097530" y="2729538"/>
+            <a:ext cx="1024640" cy="707886"/>
+          </a:xfrm>
+          <a:prstGeom prst="rect">
+            <a:avLst/>
+          </a:prstGeom>
+          <a:noFill/>
+        </p:spPr>
+        <p:txBody>
+          <a:bodyPr wrap="none" rtlCol="0">
+            <a:spAutoFit/>
+          </a:bodyPr>
+          <a:lstStyle/>
+          <a:p>
+            <a:pPr algn="ctr"/>
+            <a:r>
+              <a:rPr lang="en-US" sz="2000" b="1"/>
+              <a:t>This is</a:t>
+            </a:r>
+          </a:p>
+          <a:p>
+            <a:pPr algn="ctr"/>
+            <a:r>
+              <a:rPr lang="en-US" sz="2000" b="1"/>
+              <a:t>a chart</a:t>
+            </a:r>
+            <a:endParaRPr lang="en-US" sz="2000" b="1" dirty="0"/>
+          </a:p>
+        </p:txBody>
+      </p:sp>
+      <p:sp>
+        <p:nvSpPr>
+          <p:cNvPr id="3" name="Chart Placeholder 2">
+            <a:extLst>
+              <a:ext uri="{FF2B5EF4-FFF2-40B4-BE49-F238E27FC236}">
+                <a16:creationId xmlns:a16="http://schemas.microsoft.com/office/drawing/2014/main" id="{BFCE3A0D-B247-D2BC-B483-C775ADD916B2}"/>
               </a:ext>
             </a:extLst>
           </p:cNvPr>
@@ -21899,25 +19293,98 @@
             <a:spLocks noGrp="1"/>
           </p:cNvSpPr>
           <p:nvPr>
-            <p:ph type="body" sz="quarter" idx="13"/>
+            <p:ph type="chart" sz="quarter" idx="14"/>
           </p:nvPr>
         </p:nvSpPr>
-        <p:spPr/>
+        <p:spPr>
+          <a:xfrm>
+            <a:off x="1481094" y="1747082"/>
+            <a:ext cx="2022393" cy="2671761"/>
+          </a:xfrm>
+        </p:spPr>
+      </p:sp>
+      <p:pic>
+        <p:nvPicPr>
+          <p:cNvPr id="17" name="Content Placeholder 16" descr="A person and person posing for a picture&#10;&#10;Description automatically generated with medium confidence">
+            <a:extLst>
+              <a:ext uri="{FF2B5EF4-FFF2-40B4-BE49-F238E27FC236}">
+                <a16:creationId xmlns:a16="http://schemas.microsoft.com/office/drawing/2014/main" id="{04111750-8151-D6F1-8209-AA6999241672}"/>
+              </a:ext>
+            </a:extLst>
+          </p:cNvPr>
+          <p:cNvPicPr>
+            <a:picLocks noGrp="1" noChangeAspect="1"/>
+          </p:cNvPicPr>
+          <p:nvPr>
+            <p:ph sz="half" idx="2"/>
+          </p:nvPr>
+        </p:nvPicPr>
+        <p:blipFill>
+          <a:blip r:embed="rId2"/>
+          <a:stretch>
+            <a:fillRect/>
+          </a:stretch>
+        </p:blipFill>
+        <p:spPr>
+          <a:xfrm>
+            <a:off x="1481094" y="1748118"/>
+            <a:ext cx="2022393" cy="2671762"/>
+          </a:xfrm>
+        </p:spPr>
+      </p:pic>
+      <p:sp>
+        <p:nvSpPr>
+          <p:cNvPr id="18" name="TextBox 17">
+            <a:extLst>
+              <a:ext uri="{FF2B5EF4-FFF2-40B4-BE49-F238E27FC236}">
+                <a16:creationId xmlns:a16="http://schemas.microsoft.com/office/drawing/2014/main" id="{80393484-B77E-FD31-E31D-562D06B36AC9}"/>
+              </a:ext>
+            </a:extLst>
+          </p:cNvPr>
+          <p:cNvSpPr txBox="1"/>
+          <p:nvPr/>
+        </p:nvSpPr>
+        <p:spPr>
+          <a:xfrm>
+            <a:off x="3852809" y="1748118"/>
+            <a:ext cx="4654193" cy="715581"/>
+          </a:xfrm>
+          <a:prstGeom prst="rect">
+            <a:avLst/>
+          </a:prstGeom>
+          <a:noFill/>
+        </p:spPr>
         <p:txBody>
-          <a:bodyPr/>
+          <a:bodyPr wrap="square" rtlCol="0">
+            <a:spAutoFit/>
+          </a:bodyPr>
           <a:lstStyle/>
           <a:p>
             <a:r>
               <a:rPr lang="en-US" dirty="0"/>
-              <a:t>This Subtitle is Arial in Light Orange</a:t>
-            </a:r>
+              <a:t>-Played for Louisville kings</a:t>
+            </a:r>
+          </a:p>
+          <a:p>
+            <a:endParaRPr lang="en-US" dirty="0"/>
+          </a:p>
+          <a:p>
+            <a:r>
+              <a:rPr lang="en-US" dirty="0"/>
+              <a:t>-Won two Division IV national </a:t>
+            </a:r>
+            <a:r>
+              <a:rPr lang="en-US" dirty="0" err="1"/>
+              <a:t>champtionships</a:t>
+            </a:r>
+            <a:endParaRPr lang="en-US" dirty="0"/>
           </a:p>
         </p:txBody>
       </p:sp>
     </p:spTree>
     <p:extLst>
       <p:ext uri="{BB962C8B-B14F-4D97-AF65-F5344CB8AC3E}">
-        <p14:creationId xmlns:p14="http://schemas.microsoft.com/office/powerpoint/2010/main" val="3918084645"/>
+        <p14:creationId xmlns:p14="http://schemas.microsoft.com/office/powerpoint/2010/main" val="4071640314"/>
       </p:ext>
     </p:extLst>
   </p:cSld>
@@ -21958,10 +19425,10 @@
       </p:grpSpPr>
       <p:sp>
         <p:nvSpPr>
-          <p:cNvPr id="11" name="Title 10">
-            <a:extLst>
-              <a:ext uri="{FF2B5EF4-FFF2-40B4-BE49-F238E27FC236}">
-                <a16:creationId xmlns:a16="http://schemas.microsoft.com/office/drawing/2014/main" id="{A012C97D-D760-344C-8841-C4BF32B53B0C}"/>
+          <p:cNvPr id="9" name="Title 8">
+            <a:extLst>
+              <a:ext uri="{FF2B5EF4-FFF2-40B4-BE49-F238E27FC236}">
+                <a16:creationId xmlns:a16="http://schemas.microsoft.com/office/drawing/2014/main" id="{795A9E4A-C1C7-754F-B94A-98F1C713D310}"/>
               </a:ext>
             </a:extLst>
           </p:cNvPr>
@@ -21972,138 +19439,19 @@
             <p:ph type="title"/>
           </p:nvPr>
         </p:nvSpPr>
-        <p:spPr/>
+        <p:spPr>
+          <a:xfrm>
+            <a:off x="524431" y="3053296"/>
+            <a:ext cx="5578825" cy="1200329"/>
+          </a:xfrm>
+        </p:spPr>
         <p:txBody>
           <a:bodyPr/>
           <a:lstStyle/>
           <a:p>
             <a:r>
               <a:rPr lang="en-US" dirty="0"/>
-              <a:t>This Headline is Arial Regular in Dark Blue</a:t>
-            </a:r>
-          </a:p>
-        </p:txBody>
-      </p:sp>
-      <p:sp>
-        <p:nvSpPr>
-          <p:cNvPr id="18" name="Slide Number Placeholder 5">
-            <a:extLst>
-              <a:ext uri="{FF2B5EF4-FFF2-40B4-BE49-F238E27FC236}">
-                <a16:creationId xmlns:a16="http://schemas.microsoft.com/office/drawing/2014/main" id="{10109F79-D1BF-9243-A032-356088E65B65}"/>
-              </a:ext>
-            </a:extLst>
-          </p:cNvPr>
-          <p:cNvSpPr>
-            <a:spLocks noGrp="1"/>
-          </p:cNvSpPr>
-          <p:nvPr>
-            <p:ph type="sldNum" sz="quarter" idx="12"/>
-          </p:nvPr>
-        </p:nvSpPr>
-        <p:spPr/>
-        <p:txBody>
-          <a:bodyPr/>
-          <a:lstStyle/>
-          <a:p>
-            <a:fld id="{535EF33A-04D8-4107-96E5-33B70AE88DFF}" type="slidenum">
-              <a:rPr lang="en-US" smtClean="0"/>
-              <a:pPr/>
-              <a:t>9</a:t>
-            </a:fld>
-            <a:endParaRPr lang="en-US" dirty="0"/>
-          </a:p>
-        </p:txBody>
-      </p:sp>
-      <p:pic>
-        <p:nvPicPr>
-          <p:cNvPr id="16" name="Content Placeholder 15">
-            <a:extLst>
-              <a:ext uri="{FF2B5EF4-FFF2-40B4-BE49-F238E27FC236}">
-                <a16:creationId xmlns:a16="http://schemas.microsoft.com/office/drawing/2014/main" id="{01A6C305-9D52-D943-9496-C88569C67592}"/>
-              </a:ext>
-            </a:extLst>
-          </p:cNvPr>
-          <p:cNvPicPr>
-            <a:picLocks noGrp="1" noChangeAspect="1"/>
-          </p:cNvPicPr>
-          <p:nvPr>
-            <p:ph sz="half" idx="2"/>
-          </p:nvPr>
-        </p:nvPicPr>
-        <p:blipFill>
-          <a:blip r:embed="rId2" cstate="screen">
-            <a:extLst>
-              <a:ext uri="{28A0092B-C50C-407E-A947-70E740481C1C}">
-                <a14:useLocalDpi xmlns:a14="http://schemas.microsoft.com/office/drawing/2010/main"/>
-              </a:ext>
-            </a:extLst>
-          </a:blip>
-          <a:stretch>
-            <a:fillRect/>
-          </a:stretch>
-        </p:blipFill>
-        <p:spPr>
-          <a:xfrm>
-            <a:off x="4629150" y="1804802"/>
-            <a:ext cx="3921125" cy="2557834"/>
-          </a:xfrm>
-        </p:spPr>
-      </p:pic>
-      <p:graphicFrame>
-        <p:nvGraphicFramePr>
-          <p:cNvPr id="17" name="Chart Placeholder 16">
-            <a:extLst>
-              <a:ext uri="{FF2B5EF4-FFF2-40B4-BE49-F238E27FC236}">
-                <a16:creationId xmlns:a16="http://schemas.microsoft.com/office/drawing/2014/main" id="{E964B142-5DFA-CC4D-9823-B3CE7B236DD8}"/>
-              </a:ext>
-            </a:extLst>
-          </p:cNvPr>
-          <p:cNvGraphicFramePr>
-            <a:graphicFrameLocks noGrp="1"/>
-          </p:cNvGraphicFramePr>
-          <p:nvPr>
-            <p:ph type="chart" sz="quarter" idx="14"/>
-            <p:extLst>
-              <p:ext uri="{D42A27DB-BD31-4B8C-83A1-F6EECF244321}">
-                <p14:modId xmlns:p14="http://schemas.microsoft.com/office/powerpoint/2010/main" val="38775282"/>
-              </p:ext>
-            </p:extLst>
-          </p:nvPr>
-        </p:nvGraphicFramePr>
-        <p:xfrm>
-          <a:off x="647700" y="1747838"/>
-          <a:ext cx="3924300" cy="2671762"/>
-        </p:xfrm>
-        <a:graphic>
-          <a:graphicData uri="http://schemas.openxmlformats.org/drawingml/2006/chart">
-            <c:chart xmlns:c="http://schemas.openxmlformats.org/drawingml/2006/chart" xmlns:r="http://schemas.openxmlformats.org/officeDocument/2006/relationships" r:id="rId3"/>
-          </a:graphicData>
-        </a:graphic>
-      </p:graphicFrame>
-      <p:sp>
-        <p:nvSpPr>
-          <p:cNvPr id="13" name="Text Placeholder 12">
-            <a:extLst>
-              <a:ext uri="{FF2B5EF4-FFF2-40B4-BE49-F238E27FC236}">
-                <a16:creationId xmlns:a16="http://schemas.microsoft.com/office/drawing/2014/main" id="{39975BA5-F0B1-0B47-9B69-6895D35EB3FC}"/>
-              </a:ext>
-            </a:extLst>
-          </p:cNvPr>
-          <p:cNvSpPr>
-            <a:spLocks noGrp="1"/>
-          </p:cNvSpPr>
-          <p:nvPr>
-            <p:ph type="body" sz="quarter" idx="13"/>
-          </p:nvPr>
-        </p:nvSpPr>
-        <p:spPr/>
-        <p:txBody>
-          <a:bodyPr/>
-          <a:lstStyle/>
-          <a:p>
-            <a:r>
-              <a:rPr lang="en-US" dirty="0"/>
-              <a:t>This Subtitle is Arial in Light Orange</a:t>
+              <a:t>Questions?</a:t>
             </a:r>
           </a:p>
         </p:txBody>
@@ -22111,20 +19459,20 @@
     </p:spTree>
     <p:extLst>
       <p:ext uri="{BB962C8B-B14F-4D97-AF65-F5344CB8AC3E}">
-        <p14:creationId xmlns:p14="http://schemas.microsoft.com/office/powerpoint/2010/main" val="1940254661"/>
+        <p14:creationId xmlns:p14="http://schemas.microsoft.com/office/powerpoint/2010/main" val="2052442015"/>
       </p:ext>
     </p:extLst>
   </p:cSld>
   <p:clrMapOvr>
     <a:masterClrMapping/>
   </p:clrMapOvr>
-  <mc:AlternateContent xmlns:mc="http://schemas.openxmlformats.org/markup-compatibility/2006" xmlns:p14="http://schemas.microsoft.com/office/powerpoint/2010/main">
-    <mc:Choice Requires="p14">
+  <mc:AlternateContent xmlns:mc="http://schemas.openxmlformats.org/markup-compatibility/2006">
+    <mc:Choice xmlns:p14="http://schemas.microsoft.com/office/powerpoint/2010/main" Requires="p14">
       <p:transition spd="med" p14:dur="700">
         <p:fade/>
       </p:transition>
     </mc:Choice>
-    <mc:Fallback xmlns="">
+    <mc:Fallback>
       <p:transition spd="med">
         <p:fade/>
       </p:transition>
@@ -22984,17 +20332,6 @@
 </file>
 
 <file path=customXml/item1.xml><?xml version="1.0" encoding="utf-8"?>
-<p:properties xmlns:p="http://schemas.microsoft.com/office/2006/metadata/properties" xmlns:xsi="http://www.w3.org/2001/XMLSchema-instance" xmlns:pc="http://schemas.microsoft.com/office/infopath/2007/PartnerControls">
-  <documentManagement>
-    <lcf76f155ced4ddcb4097134ff3c332f xmlns="d2a9f884-c2eb-4182-8d97-b2c1069a1e77">
-      <Terms xmlns="http://schemas.microsoft.com/office/infopath/2007/PartnerControls"/>
-    </lcf76f155ced4ddcb4097134ff3c332f>
-    <TaxCatchAll xmlns="872877ae-a410-445f-835b-653367d2e530" xsi:nil="true"/>
-  </documentManagement>
-</p:properties>
-</file>
-
-<file path=customXml/item2.xml><?xml version="1.0" encoding="utf-8"?>
 <ct:contentTypeSchema xmlns:ct="http://schemas.microsoft.com/office/2006/metadata/contentType" xmlns:ma="http://schemas.microsoft.com/office/2006/metadata/properties/metaAttributes" ct:_="" ma:_="" ma:contentTypeName="Document" ma:contentTypeID="0x010100FEF7458C51E57141848015B90E19E3FF" ma:contentTypeVersion="15" ma:contentTypeDescription="Create a new document." ma:contentTypeScope="" ma:versionID="12fb0db276e8be4984a0823ffe929ad1">
   <xsd:schema xmlns:xsd="http://www.w3.org/2001/XMLSchema" xmlns:xs="http://www.w3.org/2001/XMLSchema" xmlns:p="http://schemas.microsoft.com/office/2006/metadata/properties" xmlns:ns2="d2a9f884-c2eb-4182-8d97-b2c1069a1e77" xmlns:ns3="ad1dcd44-2c79-421e-996d-e07b6b6a06b7" xmlns:ns4="872877ae-a410-445f-835b-653367d2e530" targetNamespace="http://schemas.microsoft.com/office/2006/metadata/properties" ma:root="true" ma:fieldsID="7f400bb4bb80b6365717ab8834d3c4dc" ns2:_="" ns3:_="" ns4:_="">
     <xsd:import namespace="d2a9f884-c2eb-4182-8d97-b2c1069a1e77"/>
@@ -23230,6 +20567,17 @@
 </ct:contentTypeSchema>
 </file>
 
+<file path=customXml/item2.xml><?xml version="1.0" encoding="utf-8"?>
+<p:properties xmlns:p="http://schemas.microsoft.com/office/2006/metadata/properties" xmlns:xsi="http://www.w3.org/2001/XMLSchema-instance" xmlns:pc="http://schemas.microsoft.com/office/infopath/2007/PartnerControls">
+  <documentManagement>
+    <lcf76f155ced4ddcb4097134ff3c332f xmlns="d2a9f884-c2eb-4182-8d97-b2c1069a1e77">
+      <Terms xmlns="http://schemas.microsoft.com/office/infopath/2007/PartnerControls"/>
+    </lcf76f155ced4ddcb4097134ff3c332f>
+    <TaxCatchAll xmlns="872877ae-a410-445f-835b-653367d2e530" xsi:nil="true"/>
+  </documentManagement>
+</p:properties>
+</file>
+
 <file path=customXml/item3.xml><?xml version="1.0" encoding="utf-8"?>
 <?mso-contentType ?>
 <FormTemplates xmlns="http://schemas.microsoft.com/sharepoint/v3/contenttype/forms">
@@ -23240,24 +20588,6 @@
 </file>
 
 <file path=customXml/itemProps1.xml><?xml version="1.0" encoding="utf-8"?>
-<ds:datastoreItem xmlns:ds="http://schemas.openxmlformats.org/officeDocument/2006/customXml" ds:itemID="{E3F0252B-B6E9-4221-B01E-0247E154DC26}">
-  <ds:schemaRefs>
-    <ds:schemaRef ds:uri="http://purl.org/dc/elements/1.1/"/>
-    <ds:schemaRef ds:uri="http://schemas.openxmlformats.org/package/2006/metadata/core-properties"/>
-    <ds:schemaRef ds:uri="ad1dcd44-2c79-421e-996d-e07b6b6a06b7"/>
-    <ds:schemaRef ds:uri="872877ae-a410-445f-835b-653367d2e530"/>
-    <ds:schemaRef ds:uri="http://schemas.microsoft.com/office/infopath/2007/PartnerControls"/>
-    <ds:schemaRef ds:uri="http://purl.org/dc/terms/"/>
-    <ds:schemaRef ds:uri="http://schemas.microsoft.com/office/2006/metadata/properties"/>
-    <ds:schemaRef ds:uri="http://schemas.microsoft.com/office/2006/documentManagement/types"/>
-    <ds:schemaRef ds:uri="d2a9f884-c2eb-4182-8d97-b2c1069a1e77"/>
-    <ds:schemaRef ds:uri="http://www.w3.org/XML/1998/namespace"/>
-    <ds:schemaRef ds:uri="http://purl.org/dc/dcmitype/"/>
-  </ds:schemaRefs>
-</ds:datastoreItem>
-</file>
-
-<file path=customXml/itemProps2.xml><?xml version="1.0" encoding="utf-8"?>
 <ds:datastoreItem xmlns:ds="http://schemas.openxmlformats.org/officeDocument/2006/customXml" ds:itemID="{466406F6-04EA-49D7-891D-0329DF4DFC24}">
   <ds:schemaRefs>
     <ds:schemaRef ds:uri="http://schemas.microsoft.com/office/2006/metadata/contentType"/>
@@ -23277,6 +20607,24 @@
 </ds:datastoreItem>
 </file>
 
+<file path=customXml/itemProps2.xml><?xml version="1.0" encoding="utf-8"?>
+<ds:datastoreItem xmlns:ds="http://schemas.openxmlformats.org/officeDocument/2006/customXml" ds:itemID="{E3F0252B-B6E9-4221-B01E-0247E154DC26}">
+  <ds:schemaRefs>
+    <ds:schemaRef ds:uri="http://purl.org/dc/elements/1.1/"/>
+    <ds:schemaRef ds:uri="http://schemas.openxmlformats.org/package/2006/metadata/core-properties"/>
+    <ds:schemaRef ds:uri="ad1dcd44-2c79-421e-996d-e07b6b6a06b7"/>
+    <ds:schemaRef ds:uri="872877ae-a410-445f-835b-653367d2e530"/>
+    <ds:schemaRef ds:uri="http://schemas.microsoft.com/office/infopath/2007/PartnerControls"/>
+    <ds:schemaRef ds:uri="http://purl.org/dc/terms/"/>
+    <ds:schemaRef ds:uri="http://schemas.microsoft.com/office/2006/metadata/properties"/>
+    <ds:schemaRef ds:uri="http://schemas.microsoft.com/office/2006/documentManagement/types"/>
+    <ds:schemaRef ds:uri="d2a9f884-c2eb-4182-8d97-b2c1069a1e77"/>
+    <ds:schemaRef ds:uri="http://www.w3.org/XML/1998/namespace"/>
+    <ds:schemaRef ds:uri="http://purl.org/dc/dcmitype/"/>
+  </ds:schemaRefs>
+</ds:datastoreItem>
+</file>
+
 <file path=customXml/itemProps3.xml><?xml version="1.0" encoding="utf-8"?>
 <ds:datastoreItem xmlns:ds="http://schemas.openxmlformats.org/officeDocument/2006/customXml" ds:itemID="{F11117D9-2152-408D-8EA9-A138D8484626}">
   <ds:schemaRefs>

--- a/CapStonePPT.pptx
+++ b/CapStonePPT.pptx
@@ -5,10 +5,10 @@
     <p:sldMasterId id="2147483769" r:id="rId4"/>
   </p:sldMasterIdLst>
   <p:notesMasterIdLst>
-    <p:notesMasterId r:id="rId20"/>
+    <p:notesMasterId r:id="rId14"/>
   </p:notesMasterIdLst>
   <p:handoutMasterIdLst>
-    <p:handoutMasterId r:id="rId21"/>
+    <p:handoutMasterId r:id="rId15"/>
   </p:handoutMasterIdLst>
   <p:sldIdLst>
     <p:sldId id="330" r:id="rId5"/>
@@ -20,12 +20,6 @@
     <p:sldId id="355" r:id="rId11"/>
     <p:sldId id="334" r:id="rId12"/>
     <p:sldId id="356" r:id="rId13"/>
-    <p:sldId id="353" r:id="rId14"/>
-    <p:sldId id="354" r:id="rId15"/>
-    <p:sldId id="336" r:id="rId16"/>
-    <p:sldId id="331" r:id="rId17"/>
-    <p:sldId id="347" r:id="rId18"/>
-    <p:sldId id="350" r:id="rId19"/>
   </p:sldIdLst>
   <p:sldSz cx="9144000" cy="5143500" type="screen16x9"/>
   <p:notesSz cx="6950075" cy="9236075"/>
@@ -13551,3956 +13545,6 @@
 </p:sld>
 </file>
 
-<file path=ppt/slides/slide10.xml><?xml version="1.0" encoding="utf-8"?>
-<p:sld xmlns:a="http://schemas.openxmlformats.org/drawingml/2006/main" xmlns:r="http://schemas.openxmlformats.org/officeDocument/2006/relationships" xmlns:p="http://schemas.openxmlformats.org/presentationml/2006/main">
-  <p:cSld>
-    <p:spTree>
-      <p:nvGrpSpPr>
-        <p:cNvPr id="1" name=""/>
-        <p:cNvGrpSpPr/>
-        <p:nvPr/>
-      </p:nvGrpSpPr>
-      <p:grpSpPr>
-        <a:xfrm>
-          <a:off x="0" y="0"/>
-          <a:ext cx="0" cy="0"/>
-          <a:chOff x="0" y="0"/>
-          <a:chExt cx="0" cy="0"/>
-        </a:xfrm>
-      </p:grpSpPr>
-    </p:spTree>
-    <p:extLst>
-      <p:ext uri="{BB962C8B-B14F-4D97-AF65-F5344CB8AC3E}">
-        <p14:creationId xmlns:p14="http://schemas.microsoft.com/office/powerpoint/2010/main" val="493387198"/>
-      </p:ext>
-    </p:extLst>
-  </p:cSld>
-  <p:clrMapOvr>
-    <a:masterClrMapping/>
-  </p:clrMapOvr>
-</p:sld>
-</file>
-
-<file path=ppt/slides/slide11.xml><?xml version="1.0" encoding="utf-8"?>
-<p:sld xmlns:a="http://schemas.openxmlformats.org/drawingml/2006/main" xmlns:r="http://schemas.openxmlformats.org/officeDocument/2006/relationships" xmlns:p="http://schemas.openxmlformats.org/presentationml/2006/main">
-  <p:cSld>
-    <p:spTree>
-      <p:nvGrpSpPr>
-        <p:cNvPr id="1" name=""/>
-        <p:cNvGrpSpPr/>
-        <p:nvPr/>
-      </p:nvGrpSpPr>
-      <p:grpSpPr>
-        <a:xfrm>
-          <a:off x="0" y="0"/>
-          <a:ext cx="0" cy="0"/>
-          <a:chOff x="0" y="0"/>
-          <a:chExt cx="0" cy="0"/>
-        </a:xfrm>
-      </p:grpSpPr>
-      <p:sp>
-        <p:nvSpPr>
-          <p:cNvPr id="2" name="Title 1">
-            <a:extLst>
-              <a:ext uri="{FF2B5EF4-FFF2-40B4-BE49-F238E27FC236}">
-                <a16:creationId xmlns:a16="http://schemas.microsoft.com/office/drawing/2014/main" id="{7D9ADCB4-5A60-4B75-90B2-4C01D72EBF9D}"/>
-              </a:ext>
-            </a:extLst>
-          </p:cNvPr>
-          <p:cNvSpPr>
-            <a:spLocks noGrp="1"/>
-          </p:cNvSpPr>
-          <p:nvPr>
-            <p:ph type="title"/>
-          </p:nvPr>
-        </p:nvSpPr>
-        <p:spPr/>
-        <p:txBody>
-          <a:bodyPr/>
-          <a:lstStyle/>
-          <a:p>
-            <a:r>
-              <a:rPr lang="en-US" dirty="0">
-                <a:cs typeface="Arial"/>
-              </a:rPr>
-              <a:t>TEKsystems Slide Templates</a:t>
-            </a:r>
-            <a:endParaRPr lang="en-US" dirty="0"/>
-          </a:p>
-        </p:txBody>
-      </p:sp>
-      <p:sp>
-        <p:nvSpPr>
-          <p:cNvPr id="3" name="Subtitle 2">
-            <a:extLst>
-              <a:ext uri="{FF2B5EF4-FFF2-40B4-BE49-F238E27FC236}">
-                <a16:creationId xmlns:a16="http://schemas.microsoft.com/office/drawing/2014/main" id="{72CBB34D-B5D1-475F-84A2-18ED9A911E07}"/>
-              </a:ext>
-            </a:extLst>
-          </p:cNvPr>
-          <p:cNvSpPr>
-            <a:spLocks noGrp="1"/>
-          </p:cNvSpPr>
-          <p:nvPr>
-            <p:ph type="subTitle" idx="1"/>
-          </p:nvPr>
-        </p:nvSpPr>
-        <p:spPr/>
-        <p:txBody>
-          <a:bodyPr/>
-          <a:lstStyle/>
-          <a:p>
-            <a:endParaRPr lang="en-US"/>
-          </a:p>
-        </p:txBody>
-      </p:sp>
-    </p:spTree>
-    <p:extLst>
-      <p:ext uri="{BB962C8B-B14F-4D97-AF65-F5344CB8AC3E}">
-        <p14:creationId xmlns:p14="http://schemas.microsoft.com/office/powerpoint/2010/main" val="2129983146"/>
-      </p:ext>
-    </p:extLst>
-  </p:cSld>
-  <p:clrMapOvr>
-    <a:masterClrMapping/>
-  </p:clrMapOvr>
-</p:sld>
-</file>
-
-<file path=ppt/slides/slide12.xml><?xml version="1.0" encoding="utf-8"?>
-<p:sld xmlns:a="http://schemas.openxmlformats.org/drawingml/2006/main" xmlns:r="http://schemas.openxmlformats.org/officeDocument/2006/relationships" xmlns:p="http://schemas.openxmlformats.org/presentationml/2006/main">
-  <p:cSld>
-    <p:spTree>
-      <p:nvGrpSpPr>
-        <p:cNvPr id="1" name=""/>
-        <p:cNvGrpSpPr/>
-        <p:nvPr/>
-      </p:nvGrpSpPr>
-      <p:grpSpPr>
-        <a:xfrm>
-          <a:off x="0" y="0"/>
-          <a:ext cx="0" cy="0"/>
-          <a:chOff x="0" y="0"/>
-          <a:chExt cx="0" cy="0"/>
-        </a:xfrm>
-      </p:grpSpPr>
-      <p:sp>
-        <p:nvSpPr>
-          <p:cNvPr id="5" name="Title 4">
-            <a:extLst>
-              <a:ext uri="{FF2B5EF4-FFF2-40B4-BE49-F238E27FC236}">
-                <a16:creationId xmlns:a16="http://schemas.microsoft.com/office/drawing/2014/main" id="{D0905275-2C3F-C740-B4C6-2E4A2060E93A}"/>
-              </a:ext>
-            </a:extLst>
-          </p:cNvPr>
-          <p:cNvSpPr>
-            <a:spLocks noGrp="1"/>
-          </p:cNvSpPr>
-          <p:nvPr>
-            <p:ph type="title"/>
-          </p:nvPr>
-        </p:nvSpPr>
-        <p:spPr/>
-        <p:txBody>
-          <a:bodyPr/>
-          <a:lstStyle/>
-          <a:p>
-            <a:r>
-              <a:rPr lang="en-US" dirty="0"/>
-              <a:t>This Headline is Arial Regular in Dark Blue</a:t>
-            </a:r>
-          </a:p>
-        </p:txBody>
-      </p:sp>
-      <p:sp>
-        <p:nvSpPr>
-          <p:cNvPr id="6" name="Content Placeholder 5">
-            <a:extLst>
-              <a:ext uri="{FF2B5EF4-FFF2-40B4-BE49-F238E27FC236}">
-                <a16:creationId xmlns:a16="http://schemas.microsoft.com/office/drawing/2014/main" id="{B100F3AF-4688-9845-865A-516B841DB928}"/>
-              </a:ext>
-            </a:extLst>
-          </p:cNvPr>
-          <p:cNvSpPr>
-            <a:spLocks noGrp="1"/>
-          </p:cNvSpPr>
-          <p:nvPr>
-            <p:ph idx="1"/>
-          </p:nvPr>
-        </p:nvSpPr>
-        <p:spPr/>
-        <p:txBody>
-          <a:bodyPr>
-            <a:normAutofit/>
-          </a:bodyPr>
-          <a:lstStyle/>
-          <a:p>
-            <a:r>
-              <a:rPr lang="en-US" b="1" dirty="0">
-                <a:solidFill>
-                  <a:srgbClr val="0097D9"/>
-                </a:solidFill>
-              </a:rPr>
-              <a:t>This Bolded portion is Arial in Medium Blue </a:t>
-            </a:r>
-            <a:r>
-              <a:rPr lang="en-US" i="1" dirty="0"/>
-              <a:t>This is a two column content heavy slides. </a:t>
-            </a:r>
-          </a:p>
-          <a:p>
-            <a:r>
-              <a:rPr lang="en-US" b="1" dirty="0">
-                <a:solidFill>
-                  <a:srgbClr val="0097D9"/>
-                </a:solidFill>
-              </a:rPr>
-              <a:t>To </a:t>
-            </a:r>
-            <a:r>
-              <a:rPr lang="en-US" b="1" dirty="0" err="1">
-                <a:solidFill>
-                  <a:srgbClr val="0097D9"/>
-                </a:solidFill>
-              </a:rPr>
-              <a:t>blautemped</a:t>
-            </a:r>
-            <a:r>
-              <a:rPr lang="en-US" b="1" dirty="0">
-                <a:solidFill>
-                  <a:srgbClr val="0097D9"/>
-                </a:solidFill>
-              </a:rPr>
-              <a:t> </a:t>
-            </a:r>
-            <a:r>
-              <a:rPr lang="en-US" b="1" dirty="0" err="1">
-                <a:solidFill>
-                  <a:srgbClr val="0097D9"/>
-                </a:solidFill>
-              </a:rPr>
-              <a:t>est</a:t>
-            </a:r>
-            <a:r>
-              <a:rPr lang="en-US" b="1" dirty="0">
-                <a:solidFill>
-                  <a:srgbClr val="0097D9"/>
-                </a:solidFill>
-              </a:rPr>
-              <a:t> </a:t>
-            </a:r>
-            <a:r>
-              <a:rPr lang="en-US" b="1" dirty="0" err="1">
-                <a:solidFill>
-                  <a:srgbClr val="0097D9"/>
-                </a:solidFill>
-              </a:rPr>
-              <a:t>es</a:t>
-            </a:r>
-            <a:r>
-              <a:rPr lang="en-US" b="1" dirty="0">
-                <a:solidFill>
-                  <a:srgbClr val="0097D9"/>
-                </a:solidFill>
-              </a:rPr>
-              <a:t> </a:t>
-            </a:r>
-            <a:r>
-              <a:rPr lang="en-US" b="1" dirty="0" err="1">
-                <a:solidFill>
-                  <a:srgbClr val="0097D9"/>
-                </a:solidFill>
-              </a:rPr>
-              <a:t>enita</a:t>
-            </a:r>
-            <a:r>
-              <a:rPr lang="en-US" b="1" dirty="0">
-                <a:solidFill>
-                  <a:srgbClr val="0097D9"/>
-                </a:solidFill>
-              </a:rPr>
-              <a:t> </a:t>
-            </a:r>
-            <a:r>
-              <a:rPr lang="en-US" b="1" dirty="0" err="1">
-                <a:solidFill>
-                  <a:srgbClr val="0097D9"/>
-                </a:solidFill>
-              </a:rPr>
-              <a:t>vit</a:t>
-            </a:r>
-            <a:r>
-              <a:rPr lang="en-US" b="1" dirty="0">
-                <a:solidFill>
-                  <a:srgbClr val="0097D9"/>
-                </a:solidFill>
-              </a:rPr>
-              <a:t> </a:t>
-            </a:r>
-            <a:r>
-              <a:rPr lang="en-US" b="1" dirty="0" err="1">
-                <a:solidFill>
-                  <a:srgbClr val="0097D9"/>
-                </a:solidFill>
-              </a:rPr>
-              <a:t>ea</a:t>
-            </a:r>
-            <a:r>
-              <a:rPr lang="en-US" b="1" dirty="0">
-                <a:solidFill>
-                  <a:srgbClr val="0097D9"/>
-                </a:solidFill>
-              </a:rPr>
-              <a:t> </a:t>
-            </a:r>
-            <a:r>
-              <a:rPr lang="en-US" b="1" dirty="0" err="1">
-                <a:solidFill>
-                  <a:srgbClr val="0097D9"/>
-                </a:solidFill>
-              </a:rPr>
-              <a:t>sunt</a:t>
-            </a:r>
-            <a:r>
-              <a:rPr lang="en-US" b="1" dirty="0">
-                <a:solidFill>
-                  <a:srgbClr val="0097D9"/>
-                </a:solidFill>
-              </a:rPr>
-              <a:t> </a:t>
-            </a:r>
-            <a:r>
-              <a:rPr lang="en-US" dirty="0" err="1"/>
-              <a:t>pliquidem</a:t>
-            </a:r>
-            <a:r>
-              <a:rPr lang="en-US" dirty="0"/>
-              <a:t> </a:t>
-            </a:r>
-            <a:r>
-              <a:rPr lang="en-US" dirty="0" err="1"/>
-              <a:t>velitat</a:t>
-            </a:r>
-            <a:r>
-              <a:rPr lang="en-US" dirty="0"/>
-              <a:t> </a:t>
-            </a:r>
-            <a:r>
-              <a:rPr lang="en-US" dirty="0" err="1"/>
-              <a:t>emporum</a:t>
-            </a:r>
-            <a:r>
-              <a:rPr lang="en-US" dirty="0"/>
-              <a:t> des </a:t>
-            </a:r>
-            <a:r>
-              <a:rPr lang="en-US" dirty="0" err="1"/>
-              <a:t>apedi</a:t>
-            </a:r>
-            <a:r>
-              <a:rPr lang="en-US" dirty="0"/>
-              <a:t> </a:t>
-            </a:r>
-            <a:r>
-              <a:rPr lang="en-US" dirty="0" err="1"/>
-              <a:t>dolorrovidus</a:t>
-            </a:r>
-            <a:r>
-              <a:rPr lang="en-US" dirty="0"/>
-              <a:t> </a:t>
-            </a:r>
-            <a:r>
-              <a:rPr lang="en-US" dirty="0" err="1"/>
-              <a:t>quat</a:t>
-            </a:r>
-            <a:r>
-              <a:rPr lang="en-US" dirty="0"/>
-              <a:t> </a:t>
-            </a:r>
-            <a:r>
-              <a:rPr lang="en-US" dirty="0" err="1"/>
-              <a:t>accus</a:t>
-            </a:r>
-            <a:r>
-              <a:rPr lang="en-US" dirty="0"/>
-              <a:t> </a:t>
-            </a:r>
-            <a:r>
-              <a:rPr lang="en-US" dirty="0" err="1"/>
-              <a:t>voluptae</a:t>
-            </a:r>
-            <a:r>
-              <a:rPr lang="en-US" dirty="0"/>
-              <a:t> </a:t>
-            </a:r>
-            <a:r>
-              <a:rPr lang="en-US" dirty="0" err="1"/>
-              <a:t>eiciam</a:t>
-            </a:r>
-            <a:r>
-              <a:rPr lang="en-US" dirty="0"/>
-              <a:t> </a:t>
-            </a:r>
-            <a:r>
-              <a:rPr lang="en-US" dirty="0" err="1"/>
-              <a:t>reri</a:t>
-            </a:r>
-            <a:r>
-              <a:rPr lang="en-US" dirty="0"/>
-              <a:t> </a:t>
-            </a:r>
-            <a:r>
-              <a:rPr lang="en-US" dirty="0" err="1"/>
-              <a:t>doluptaest</a:t>
-            </a:r>
-            <a:r>
-              <a:rPr lang="en-US" dirty="0"/>
-              <a:t> </a:t>
-            </a:r>
-            <a:r>
-              <a:rPr lang="en-US" dirty="0" err="1"/>
-              <a:t>odis</a:t>
-            </a:r>
-            <a:r>
-              <a:rPr lang="en-US" dirty="0"/>
-              <a:t> </a:t>
-            </a:r>
-            <a:r>
-              <a:rPr lang="en-US" dirty="0" err="1"/>
-              <a:t>assi</a:t>
-            </a:r>
-            <a:r>
-              <a:rPr lang="en-US" dirty="0"/>
-              <a:t> </a:t>
-            </a:r>
-            <a:r>
-              <a:rPr lang="en-US" dirty="0" err="1"/>
-              <a:t>dolesse</a:t>
-            </a:r>
-            <a:r>
-              <a:rPr lang="en-US" dirty="0"/>
-              <a:t> </a:t>
-            </a:r>
-            <a:r>
-              <a:rPr lang="en-US" dirty="0" err="1"/>
-              <a:t>rciminctas</a:t>
-            </a:r>
-            <a:r>
-              <a:rPr lang="en-US" dirty="0"/>
-              <a:t> </a:t>
-            </a:r>
-            <a:r>
-              <a:rPr lang="en-US" dirty="0" err="1"/>
-              <a:t>dolesec</a:t>
-            </a:r>
-            <a:r>
-              <a:rPr lang="en-US" dirty="0"/>
-              <a:t> </a:t>
-            </a:r>
-            <a:r>
-              <a:rPr lang="en-US" dirty="0" err="1"/>
-              <a:t>eperumq</a:t>
-            </a:r>
-            <a:r>
-              <a:rPr lang="en-US" dirty="0"/>
-              <a:t> </a:t>
-            </a:r>
-            <a:r>
-              <a:rPr lang="en-US" dirty="0" err="1"/>
-              <a:t>uuntio</a:t>
-            </a:r>
-            <a:r>
-              <a:rPr lang="en-US" dirty="0"/>
-              <a:t> que </a:t>
-            </a:r>
-            <a:r>
-              <a:rPr lang="en-US" dirty="0" err="1"/>
-              <a:t>vitaquia</a:t>
-            </a:r>
-            <a:r>
-              <a:rPr lang="en-US" dirty="0"/>
-              <a:t> </a:t>
-            </a:r>
-            <a:r>
-              <a:rPr lang="en-US" dirty="0" err="1"/>
-              <a:t>sam</a:t>
-            </a:r>
-            <a:r>
-              <a:rPr lang="en-US" dirty="0"/>
-              <a:t>, </a:t>
-            </a:r>
-            <a:r>
-              <a:rPr lang="en-US" dirty="0" err="1"/>
-              <a:t>nonseque</a:t>
-            </a:r>
-            <a:r>
-              <a:rPr lang="en-US" dirty="0"/>
-              <a:t> pro qui </a:t>
-            </a:r>
-            <a:r>
-              <a:rPr lang="en-US" dirty="0" err="1"/>
-              <a:t>offictibus</a:t>
-            </a:r>
-            <a:r>
-              <a:rPr lang="en-US" dirty="0"/>
-              <a:t> </a:t>
-            </a:r>
-            <a:r>
-              <a:rPr lang="en-US" dirty="0" err="1"/>
-              <a:t>aperestrum</a:t>
-            </a:r>
-            <a:r>
-              <a:rPr lang="en-US" dirty="0"/>
-              <a:t> quos et </a:t>
-            </a:r>
-            <a:r>
-              <a:rPr lang="en-US" dirty="0" err="1"/>
-              <a:t>harcimilia</a:t>
-            </a:r>
-            <a:r>
-              <a:rPr lang="en-US" dirty="0"/>
-              <a:t> </a:t>
-            </a:r>
-            <a:r>
-              <a:rPr lang="en-US" dirty="0" err="1"/>
-              <a:t>nonsequaero</a:t>
-            </a:r>
-            <a:r>
-              <a:rPr lang="en-US" dirty="0"/>
-              <a:t> </a:t>
-            </a:r>
-            <a:r>
-              <a:rPr lang="en-US" dirty="0" err="1"/>
-              <a:t>eaquas</a:t>
-            </a:r>
-            <a:r>
-              <a:rPr lang="en-US" dirty="0"/>
-              <a:t> </a:t>
-            </a:r>
-            <a:r>
-              <a:rPr lang="en-US" dirty="0" err="1"/>
-              <a:t>assiminverum</a:t>
-            </a:r>
-            <a:r>
-              <a:rPr lang="en-US" dirty="0"/>
-              <a:t>? </a:t>
-            </a:r>
-            <a:r>
-              <a:rPr lang="en-US" dirty="0" err="1"/>
-              <a:t>Optae</a:t>
-            </a:r>
-            <a:r>
-              <a:rPr lang="en-US" dirty="0"/>
-              <a:t> </a:t>
-            </a:r>
-            <a:r>
-              <a:rPr lang="en-US" dirty="0" err="1"/>
-              <a:t>peribus</a:t>
-            </a:r>
-            <a:r>
-              <a:rPr lang="en-US" dirty="0"/>
-              <a:t> re, </a:t>
-            </a:r>
-            <a:r>
-              <a:rPr lang="en-US" dirty="0" err="1"/>
-              <a:t>aspici</a:t>
-            </a:r>
-            <a:r>
-              <a:rPr lang="en-US" dirty="0"/>
-              <a:t> </a:t>
-            </a:r>
-            <a:r>
-              <a:rPr lang="en-US" dirty="0" err="1"/>
-              <a:t>tem</a:t>
-            </a:r>
-            <a:r>
-              <a:rPr lang="en-US" dirty="0"/>
-              <a:t> </a:t>
-            </a:r>
-            <a:r>
-              <a:rPr lang="en-US" dirty="0" err="1"/>
-              <a:t>velestis</a:t>
-            </a:r>
-            <a:r>
-              <a:rPr lang="en-US" dirty="0"/>
-              <a:t> </a:t>
-            </a:r>
-            <a:r>
-              <a:rPr lang="en-US" dirty="0" err="1"/>
-              <a:t>velitas</a:t>
-            </a:r>
-            <a:r>
-              <a:rPr lang="en-US" dirty="0"/>
-              <a:t> </a:t>
-            </a:r>
-            <a:r>
-              <a:rPr lang="en-US" dirty="0" err="1"/>
-              <a:t>ditem</a:t>
-            </a:r>
-            <a:r>
-              <a:rPr lang="en-US" dirty="0"/>
-              <a:t> rem </a:t>
-            </a:r>
-            <a:r>
-              <a:rPr lang="en-US" dirty="0" err="1"/>
-              <a:t>nonseque</a:t>
-            </a:r>
-            <a:r>
-              <a:rPr lang="en-US" dirty="0"/>
-              <a:t> pro qui </a:t>
-            </a:r>
-          </a:p>
-          <a:p>
-            <a:r>
-              <a:rPr lang="en-US" b="1" dirty="0" err="1">
-                <a:solidFill>
-                  <a:srgbClr val="0097D9"/>
-                </a:solidFill>
-              </a:rPr>
-              <a:t>Tem</a:t>
-            </a:r>
-            <a:r>
-              <a:rPr lang="en-US" b="1" dirty="0">
-                <a:solidFill>
-                  <a:srgbClr val="0097D9"/>
-                </a:solidFill>
-              </a:rPr>
-              <a:t> </a:t>
-            </a:r>
-            <a:r>
-              <a:rPr lang="en-US" b="1" dirty="0" err="1">
-                <a:solidFill>
-                  <a:srgbClr val="0097D9"/>
-                </a:solidFill>
-              </a:rPr>
-              <a:t>quiae</a:t>
-            </a:r>
-            <a:r>
-              <a:rPr lang="en-US" b="1" dirty="0">
-                <a:solidFill>
-                  <a:srgbClr val="0097D9"/>
-                </a:solidFill>
-              </a:rPr>
-              <a:t> </a:t>
-            </a:r>
-            <a:r>
-              <a:rPr lang="en-US" b="1" dirty="0" err="1">
-                <a:solidFill>
-                  <a:srgbClr val="0097D9"/>
-                </a:solidFill>
-              </a:rPr>
-              <a:t>ni</a:t>
-            </a:r>
-            <a:r>
-              <a:rPr lang="en-US" b="1" dirty="0">
-                <a:solidFill>
-                  <a:srgbClr val="0097D9"/>
-                </a:solidFill>
-              </a:rPr>
-              <a:t> </a:t>
-            </a:r>
-            <a:r>
-              <a:rPr lang="en-US" b="1" dirty="0" err="1">
-                <a:solidFill>
-                  <a:srgbClr val="0097D9"/>
-                </a:solidFill>
-              </a:rPr>
-              <a:t>descimus</a:t>
-            </a:r>
-            <a:r>
-              <a:rPr lang="en-US" b="1" dirty="0">
-                <a:solidFill>
-                  <a:srgbClr val="0097D9"/>
-                </a:solidFill>
-              </a:rPr>
-              <a:t>, </a:t>
-            </a:r>
-            <a:r>
-              <a:rPr lang="en-US" b="1" dirty="0" err="1">
-                <a:solidFill>
-                  <a:srgbClr val="0097D9"/>
-                </a:solidFill>
-              </a:rPr>
-              <a:t>necte</a:t>
-            </a:r>
-            <a:r>
-              <a:rPr lang="en-US" b="1" dirty="0">
-                <a:solidFill>
-                  <a:srgbClr val="0097D9"/>
-                </a:solidFill>
-              </a:rPr>
-              <a:t> </a:t>
-            </a:r>
-            <a:r>
-              <a:rPr lang="en-US" b="1" dirty="0" err="1">
-                <a:solidFill>
-                  <a:srgbClr val="0097D9"/>
-                </a:solidFill>
-              </a:rPr>
-              <a:t>reptiunt</a:t>
-            </a:r>
-            <a:r>
-              <a:rPr lang="en-US" b="1" dirty="0">
-                <a:solidFill>
-                  <a:srgbClr val="0097D9"/>
-                </a:solidFill>
-              </a:rPr>
-              <a:t> </a:t>
-            </a:r>
-            <a:r>
-              <a:rPr lang="en-US" dirty="0"/>
-              <a:t>at </a:t>
-            </a:r>
-            <a:r>
-              <a:rPr lang="en-US" dirty="0" err="1"/>
-              <a:t>quiam</a:t>
-            </a:r>
-            <a:r>
-              <a:rPr lang="en-US" dirty="0"/>
-              <a:t> </a:t>
-            </a:r>
-            <a:r>
-              <a:rPr lang="en-US" dirty="0" err="1"/>
-              <a:t>repratur</a:t>
-            </a:r>
-            <a:r>
-              <a:rPr lang="en-US" dirty="0"/>
-              <a:t> </a:t>
-            </a:r>
-            <a:r>
-              <a:rPr lang="en-US" dirty="0" err="1"/>
-              <a:t>modissimet</a:t>
-            </a:r>
-            <a:r>
-              <a:rPr lang="en-US" dirty="0"/>
-              <a:t> mil </a:t>
-            </a:r>
-            <a:r>
-              <a:rPr lang="en-US" dirty="0" err="1"/>
-              <a:t>moluptam</a:t>
-            </a:r>
-            <a:r>
-              <a:rPr lang="en-US" dirty="0"/>
-              <a:t> quos </a:t>
-            </a:r>
-            <a:r>
-              <a:rPr lang="en-US" dirty="0" err="1"/>
-              <a:t>nos</a:t>
-            </a:r>
-            <a:r>
-              <a:rPr lang="en-US" dirty="0"/>
-              <a:t> </a:t>
-            </a:r>
-            <a:r>
-              <a:rPr lang="en-US" dirty="0" err="1"/>
-              <a:t>magnis</a:t>
-            </a:r>
-            <a:r>
-              <a:rPr lang="en-US" dirty="0"/>
-              <a:t> </a:t>
-            </a:r>
-            <a:r>
-              <a:rPr lang="en-US" dirty="0" err="1"/>
-              <a:t>sitat</a:t>
-            </a:r>
-            <a:r>
-              <a:rPr lang="en-US" dirty="0"/>
-              <a:t>.</a:t>
-            </a:r>
-          </a:p>
-          <a:p>
-            <a:r>
-              <a:rPr lang="en-US" b="1" dirty="0">
-                <a:solidFill>
-                  <a:srgbClr val="0097D9"/>
-                </a:solidFill>
-              </a:rPr>
-              <a:t>Ro </a:t>
-            </a:r>
-            <a:r>
-              <a:rPr lang="en-US" b="1" dirty="0" err="1">
-                <a:solidFill>
-                  <a:srgbClr val="0097D9"/>
-                </a:solidFill>
-              </a:rPr>
-              <a:t>moluptaqui</a:t>
-            </a:r>
-            <a:r>
-              <a:rPr lang="en-US" b="1" dirty="0">
-                <a:solidFill>
-                  <a:srgbClr val="0097D9"/>
-                </a:solidFill>
-              </a:rPr>
-              <a:t> </a:t>
-            </a:r>
-            <a:r>
-              <a:rPr lang="en-US" b="1" dirty="0" err="1">
-                <a:solidFill>
-                  <a:srgbClr val="0097D9"/>
-                </a:solidFill>
-              </a:rPr>
-              <a:t>dolupturio</a:t>
-            </a:r>
-            <a:r>
-              <a:rPr lang="en-US" b="1" dirty="0">
-                <a:solidFill>
-                  <a:srgbClr val="0097D9"/>
-                </a:solidFill>
-              </a:rPr>
-              <a:t> </a:t>
-            </a:r>
-            <a:r>
-              <a:rPr lang="en-US" b="1" dirty="0" err="1">
-                <a:solidFill>
-                  <a:srgbClr val="0097D9"/>
-                </a:solidFill>
-              </a:rPr>
-              <a:t>te</a:t>
-            </a:r>
-            <a:r>
-              <a:rPr lang="en-US" b="1" dirty="0">
-                <a:solidFill>
-                  <a:srgbClr val="0097D9"/>
-                </a:solidFill>
-              </a:rPr>
-              <a:t> </a:t>
-            </a:r>
-            <a:r>
-              <a:rPr lang="en-US" b="1" dirty="0" err="1">
-                <a:solidFill>
-                  <a:srgbClr val="0097D9"/>
-                </a:solidFill>
-              </a:rPr>
-              <a:t>prae</a:t>
-            </a:r>
-            <a:r>
-              <a:rPr lang="en-US" b="1" dirty="0">
-                <a:solidFill>
-                  <a:srgbClr val="0097D9"/>
-                </a:solidFill>
-              </a:rPr>
-              <a:t> </a:t>
-            </a:r>
-            <a:r>
-              <a:rPr lang="en-US" dirty="0" err="1"/>
-              <a:t>dolorem</a:t>
-            </a:r>
-            <a:r>
-              <a:rPr lang="en-US" dirty="0"/>
-              <a:t> </a:t>
-            </a:r>
-            <a:r>
-              <a:rPr lang="en-US" dirty="0" err="1"/>
-              <a:t>dolorehenis</a:t>
-            </a:r>
-            <a:r>
-              <a:rPr lang="en-US" dirty="0"/>
-              <a:t> ab </a:t>
-            </a:r>
-            <a:r>
-              <a:rPr lang="en-US" dirty="0" err="1"/>
-              <a:t>invelli</a:t>
-            </a:r>
-            <a:r>
-              <a:rPr lang="en-US" dirty="0"/>
-              <a:t> </a:t>
-            </a:r>
-            <a:r>
-              <a:rPr lang="en-US" dirty="0" err="1"/>
-              <a:t>ciisimu</a:t>
-            </a:r>
-            <a:r>
-              <a:rPr lang="en-US" dirty="0"/>
-              <a:t> </a:t>
-            </a:r>
-            <a:r>
-              <a:rPr lang="en-US" dirty="0" err="1"/>
-              <a:t>sanitia</a:t>
-            </a:r>
-            <a:r>
-              <a:rPr lang="en-US" dirty="0"/>
-              <a:t> </a:t>
-            </a:r>
-            <a:r>
-              <a:rPr lang="en-US" dirty="0" err="1"/>
-              <a:t>quatiisi</a:t>
-            </a:r>
-            <a:r>
-              <a:rPr lang="en-US" dirty="0"/>
-              <a:t> </a:t>
-            </a:r>
-            <a:r>
-              <a:rPr lang="en-US" dirty="0" err="1"/>
-              <a:t>siti</a:t>
-            </a:r>
-            <a:r>
-              <a:rPr lang="en-US" dirty="0"/>
-              <a:t> con </a:t>
-            </a:r>
-            <a:r>
-              <a:rPr lang="en-US" dirty="0" err="1"/>
-              <a:t>consequi</a:t>
-            </a:r>
-            <a:r>
-              <a:rPr lang="en-US" dirty="0"/>
-              <a:t> </a:t>
-            </a:r>
-            <a:r>
-              <a:rPr lang="en-US" dirty="0" err="1"/>
-              <a:t>tem</a:t>
-            </a:r>
-            <a:r>
-              <a:rPr lang="en-US" dirty="0"/>
-              <a:t>. </a:t>
-            </a:r>
-            <a:r>
-              <a:rPr lang="en-US" dirty="0" err="1"/>
-              <a:t>Optae</a:t>
-            </a:r>
-            <a:r>
-              <a:rPr lang="en-US" dirty="0"/>
-              <a:t> </a:t>
-            </a:r>
-            <a:r>
-              <a:rPr lang="en-US" dirty="0" err="1"/>
-              <a:t>peribus</a:t>
-            </a:r>
-            <a:r>
-              <a:rPr lang="en-US" dirty="0"/>
-              <a:t> re, </a:t>
-            </a:r>
-            <a:r>
-              <a:rPr lang="en-US" dirty="0" err="1"/>
-              <a:t>aspici</a:t>
-            </a:r>
-            <a:r>
-              <a:rPr lang="en-US" dirty="0"/>
-              <a:t> </a:t>
-            </a:r>
-            <a:r>
-              <a:rPr lang="en-US" dirty="0" err="1"/>
-              <a:t>tem</a:t>
-            </a:r>
-            <a:r>
-              <a:rPr lang="en-US" dirty="0"/>
-              <a:t> </a:t>
-            </a:r>
-            <a:r>
-              <a:rPr lang="en-US" dirty="0" err="1"/>
-              <a:t>velestis</a:t>
-            </a:r>
-            <a:r>
-              <a:rPr lang="en-US" dirty="0"/>
-              <a:t> </a:t>
-            </a:r>
-            <a:r>
-              <a:rPr lang="en-US" dirty="0" err="1"/>
-              <a:t>velitas</a:t>
-            </a:r>
-            <a:r>
-              <a:rPr lang="en-US" dirty="0"/>
-              <a:t> </a:t>
-            </a:r>
-            <a:r>
-              <a:rPr lang="en-US" dirty="0" err="1"/>
-              <a:t>ditem</a:t>
-            </a:r>
-            <a:r>
-              <a:rPr lang="en-US" dirty="0"/>
-              <a:t> rem</a:t>
-            </a:r>
-          </a:p>
-          <a:p>
-            <a:endParaRPr lang="en-US" dirty="0"/>
-          </a:p>
-        </p:txBody>
-      </p:sp>
-      <p:sp>
-        <p:nvSpPr>
-          <p:cNvPr id="8" name="Slide Number Placeholder 5">
-            <a:extLst>
-              <a:ext uri="{FF2B5EF4-FFF2-40B4-BE49-F238E27FC236}">
-                <a16:creationId xmlns:a16="http://schemas.microsoft.com/office/drawing/2014/main" id="{25D23053-7992-9F47-90F7-4D13C92AEF9A}"/>
-              </a:ext>
-            </a:extLst>
-          </p:cNvPr>
-          <p:cNvSpPr>
-            <a:spLocks noGrp="1"/>
-          </p:cNvSpPr>
-          <p:nvPr>
-            <p:ph type="sldNum" sz="quarter" idx="12"/>
-          </p:nvPr>
-        </p:nvSpPr>
-        <p:spPr/>
-        <p:txBody>
-          <a:bodyPr/>
-          <a:lstStyle/>
-          <a:p>
-            <a:fld id="{535EF33A-04D8-4107-96E5-33B70AE88DFF}" type="slidenum">
-              <a:rPr lang="en-US" smtClean="0"/>
-              <a:pPr/>
-              <a:t>12</a:t>
-            </a:fld>
-            <a:endParaRPr lang="en-US" dirty="0"/>
-          </a:p>
-        </p:txBody>
-      </p:sp>
-      <p:sp>
-        <p:nvSpPr>
-          <p:cNvPr id="7" name="Text Placeholder 6">
-            <a:extLst>
-              <a:ext uri="{FF2B5EF4-FFF2-40B4-BE49-F238E27FC236}">
-                <a16:creationId xmlns:a16="http://schemas.microsoft.com/office/drawing/2014/main" id="{7B801328-E601-F348-9B04-F0CA079C1461}"/>
-              </a:ext>
-            </a:extLst>
-          </p:cNvPr>
-          <p:cNvSpPr>
-            <a:spLocks noGrp="1"/>
-          </p:cNvSpPr>
-          <p:nvPr>
-            <p:ph type="body" sz="quarter" idx="13"/>
-          </p:nvPr>
-        </p:nvSpPr>
-        <p:spPr/>
-        <p:txBody>
-          <a:bodyPr/>
-          <a:lstStyle/>
-          <a:p>
-            <a:r>
-              <a:rPr lang="en-US" dirty="0"/>
-              <a:t>This Subtitle is Arial in Light Orange</a:t>
-            </a:r>
-          </a:p>
-        </p:txBody>
-      </p:sp>
-    </p:spTree>
-    <p:extLst>
-      <p:ext uri="{BB962C8B-B14F-4D97-AF65-F5344CB8AC3E}">
-        <p14:creationId xmlns:p14="http://schemas.microsoft.com/office/powerpoint/2010/main" val="3918084645"/>
-      </p:ext>
-    </p:extLst>
-  </p:cSld>
-  <p:clrMapOvr>
-    <a:masterClrMapping/>
-  </p:clrMapOvr>
-  <mc:AlternateContent xmlns:mc="http://schemas.openxmlformats.org/markup-compatibility/2006" xmlns:p14="http://schemas.microsoft.com/office/powerpoint/2010/main">
-    <mc:Choice Requires="p14">
-      <p:transition spd="med" p14:dur="700">
-        <p:fade/>
-      </p:transition>
-    </mc:Choice>
-    <mc:Fallback xmlns="">
-      <p:transition spd="med">
-        <p:fade/>
-      </p:transition>
-    </mc:Fallback>
-  </mc:AlternateContent>
-</p:sld>
-</file>
-
-<file path=ppt/slides/slide13.xml><?xml version="1.0" encoding="utf-8"?>
-<p:sld xmlns:a="http://schemas.openxmlformats.org/drawingml/2006/main" xmlns:r="http://schemas.openxmlformats.org/officeDocument/2006/relationships" xmlns:p="http://schemas.openxmlformats.org/presentationml/2006/main">
-  <p:cSld>
-    <p:spTree>
-      <p:nvGrpSpPr>
-        <p:cNvPr id="1" name=""/>
-        <p:cNvGrpSpPr/>
-        <p:nvPr/>
-      </p:nvGrpSpPr>
-      <p:grpSpPr>
-        <a:xfrm>
-          <a:off x="0" y="0"/>
-          <a:ext cx="0" cy="0"/>
-          <a:chOff x="0" y="0"/>
-          <a:chExt cx="0" cy="0"/>
-        </a:xfrm>
-      </p:grpSpPr>
-      <p:sp>
-        <p:nvSpPr>
-          <p:cNvPr id="8" name="Content Placeholder 7">
-            <a:extLst>
-              <a:ext uri="{FF2B5EF4-FFF2-40B4-BE49-F238E27FC236}">
-                <a16:creationId xmlns:a16="http://schemas.microsoft.com/office/drawing/2014/main" id="{07633A60-68FA-EB48-851F-185DFAC1C529}"/>
-              </a:ext>
-            </a:extLst>
-          </p:cNvPr>
-          <p:cNvSpPr>
-            <a:spLocks noGrp="1"/>
-          </p:cNvSpPr>
-          <p:nvPr>
-            <p:ph sz="half" idx="1"/>
-          </p:nvPr>
-        </p:nvSpPr>
-        <p:spPr/>
-        <p:txBody>
-          <a:bodyPr/>
-          <a:lstStyle/>
-          <a:p>
-            <a:r>
-              <a:rPr lang="en-US" dirty="0"/>
-              <a:t>This slide is a two content option with imagery. To </a:t>
-            </a:r>
-            <a:br>
-              <a:rPr lang="en-US" dirty="0"/>
-            </a:br>
-            <a:r>
-              <a:rPr lang="en-US" dirty="0"/>
-              <a:t>create the blue effect, click on the image, select the </a:t>
-            </a:r>
-            <a:br>
-              <a:rPr lang="en-US" dirty="0"/>
-            </a:br>
-            <a:r>
-              <a:rPr lang="en-US" dirty="0"/>
-              <a:t>picture properties and drop the transparency to the </a:t>
-            </a:r>
-            <a:br>
-              <a:rPr lang="en-US" dirty="0"/>
-            </a:br>
-            <a:r>
-              <a:rPr lang="en-US" dirty="0"/>
-              <a:t>desired opacity.</a:t>
-            </a:r>
-          </a:p>
-        </p:txBody>
-      </p:sp>
-      <p:pic>
-        <p:nvPicPr>
-          <p:cNvPr id="14" name="Picture Placeholder 13">
-            <a:extLst>
-              <a:ext uri="{FF2B5EF4-FFF2-40B4-BE49-F238E27FC236}">
-                <a16:creationId xmlns:a16="http://schemas.microsoft.com/office/drawing/2014/main" id="{E7CF66E4-961A-5B4D-BBD5-6D6F61CF07DB}"/>
-              </a:ext>
-            </a:extLst>
-          </p:cNvPr>
-          <p:cNvPicPr>
-            <a:picLocks noGrp="1" noChangeAspect="1"/>
-          </p:cNvPicPr>
-          <p:nvPr>
-            <p:ph type="pic" sz="quarter" idx="13"/>
-          </p:nvPr>
-        </p:nvPicPr>
-        <p:blipFill rotWithShape="1">
-          <a:blip r:embed="rId2" cstate="screen">
-            <a:alphaModFix amt="69000"/>
-            <a:extLst>
-              <a:ext uri="{28A0092B-C50C-407E-A947-70E740481C1C}">
-                <a14:useLocalDpi xmlns:a14="http://schemas.microsoft.com/office/drawing/2010/main"/>
-              </a:ext>
-            </a:extLst>
-          </a:blip>
-          <a:srcRect/>
-          <a:stretch/>
-        </p:blipFill>
-        <p:spPr>
-          <a:xfrm>
-            <a:off x="504825" y="1655180"/>
-            <a:ext cx="3997701" cy="1296364"/>
-          </a:xfrm>
-        </p:spPr>
-      </p:pic>
-      <p:sp>
-        <p:nvSpPr>
-          <p:cNvPr id="7" name="Title 6">
-            <a:extLst>
-              <a:ext uri="{FF2B5EF4-FFF2-40B4-BE49-F238E27FC236}">
-                <a16:creationId xmlns:a16="http://schemas.microsoft.com/office/drawing/2014/main" id="{BA589A53-2DD7-164C-B603-261A24E6203A}"/>
-              </a:ext>
-            </a:extLst>
-          </p:cNvPr>
-          <p:cNvSpPr>
-            <a:spLocks noGrp="1"/>
-          </p:cNvSpPr>
-          <p:nvPr>
-            <p:ph type="title"/>
-          </p:nvPr>
-        </p:nvSpPr>
-        <p:spPr/>
-        <p:txBody>
-          <a:bodyPr/>
-          <a:lstStyle/>
-          <a:p>
-            <a:r>
-              <a:rPr lang="en-US" dirty="0"/>
-              <a:t>This Headline is Arial Regular in Dark Blue</a:t>
-            </a:r>
-          </a:p>
-        </p:txBody>
-      </p:sp>
-      <p:sp>
-        <p:nvSpPr>
-          <p:cNvPr id="10" name="Content Placeholder 9">
-            <a:extLst>
-              <a:ext uri="{FF2B5EF4-FFF2-40B4-BE49-F238E27FC236}">
-                <a16:creationId xmlns:a16="http://schemas.microsoft.com/office/drawing/2014/main" id="{A7F5E52A-3874-BD41-ADC1-993E24BBB1A4}"/>
-              </a:ext>
-            </a:extLst>
-          </p:cNvPr>
-          <p:cNvSpPr>
-            <a:spLocks noGrp="1"/>
-          </p:cNvSpPr>
-          <p:nvPr>
-            <p:ph sz="half" idx="14"/>
-          </p:nvPr>
-        </p:nvSpPr>
-        <p:spPr/>
-        <p:txBody>
-          <a:bodyPr/>
-          <a:lstStyle/>
-          <a:p>
-            <a:r>
-              <a:rPr lang="en-US"/>
-              <a:t>Et alique prorenim ipsa sum etur? Qui consed most aut quia is voloria voluptatio beror sam, sites vollant, teceaque volorep erchil maximolupta sit, quo tem quunt rem quaeres ciiscia tenimo mo verecus, quis ut aliaess</a:t>
-            </a:r>
-            <a:endParaRPr lang="en-US" dirty="0"/>
-          </a:p>
-        </p:txBody>
-      </p:sp>
-      <p:pic>
-        <p:nvPicPr>
-          <p:cNvPr id="16" name="Picture Placeholder 15">
-            <a:extLst>
-              <a:ext uri="{FF2B5EF4-FFF2-40B4-BE49-F238E27FC236}">
-                <a16:creationId xmlns:a16="http://schemas.microsoft.com/office/drawing/2014/main" id="{58B0F8A2-7739-C346-8D02-11BE3B0C9BFE}"/>
-              </a:ext>
-            </a:extLst>
-          </p:cNvPr>
-          <p:cNvPicPr>
-            <a:picLocks noGrp="1" noChangeAspect="1"/>
-          </p:cNvPicPr>
-          <p:nvPr>
-            <p:ph type="pic" sz="quarter" idx="15"/>
-          </p:nvPr>
-        </p:nvPicPr>
-        <p:blipFill>
-          <a:blip r:embed="rId3" cstate="screen">
-            <a:alphaModFix amt="65000"/>
-            <a:extLst>
-              <a:ext uri="{28A0092B-C50C-407E-A947-70E740481C1C}">
-                <a14:useLocalDpi xmlns:a14="http://schemas.microsoft.com/office/drawing/2010/main"/>
-              </a:ext>
-            </a:extLst>
-          </a:blip>
-          <a:srcRect/>
-          <a:stretch>
-            <a:fillRect/>
-          </a:stretch>
-        </p:blipFill>
-        <p:spPr/>
-      </p:pic>
-      <p:sp>
-        <p:nvSpPr>
-          <p:cNvPr id="17" name="Slide Number Placeholder 5">
-            <a:extLst>
-              <a:ext uri="{FF2B5EF4-FFF2-40B4-BE49-F238E27FC236}">
-                <a16:creationId xmlns:a16="http://schemas.microsoft.com/office/drawing/2014/main" id="{A4A90959-A04F-464A-8A3B-FE3ACB882A44}"/>
-              </a:ext>
-            </a:extLst>
-          </p:cNvPr>
-          <p:cNvSpPr>
-            <a:spLocks noGrp="1"/>
-          </p:cNvSpPr>
-          <p:nvPr>
-            <p:ph type="sldNum" sz="quarter" idx="12"/>
-          </p:nvPr>
-        </p:nvSpPr>
-        <p:spPr/>
-        <p:txBody>
-          <a:bodyPr/>
-          <a:lstStyle/>
-          <a:p>
-            <a:fld id="{535EF33A-04D8-4107-96E5-33B70AE88DFF}" type="slidenum">
-              <a:rPr lang="en-US" smtClean="0"/>
-              <a:pPr/>
-              <a:t>13</a:t>
-            </a:fld>
-            <a:endParaRPr lang="en-US" dirty="0"/>
-          </a:p>
-        </p:txBody>
-      </p:sp>
-      <p:sp>
-        <p:nvSpPr>
-          <p:cNvPr id="12" name="Text Placeholder 11">
-            <a:extLst>
-              <a:ext uri="{FF2B5EF4-FFF2-40B4-BE49-F238E27FC236}">
-                <a16:creationId xmlns:a16="http://schemas.microsoft.com/office/drawing/2014/main" id="{32F0EFD3-FAD0-B04F-AFFE-BE3E7BB589D5}"/>
-              </a:ext>
-            </a:extLst>
-          </p:cNvPr>
-          <p:cNvSpPr>
-            <a:spLocks noGrp="1"/>
-          </p:cNvSpPr>
-          <p:nvPr>
-            <p:ph type="body" sz="quarter" idx="16"/>
-          </p:nvPr>
-        </p:nvSpPr>
-        <p:spPr/>
-        <p:txBody>
-          <a:bodyPr/>
-          <a:lstStyle/>
-          <a:p>
-            <a:r>
-              <a:rPr lang="en-US" dirty="0"/>
-              <a:t>This Subtitle is Arial in Light Orange</a:t>
-            </a:r>
-          </a:p>
-        </p:txBody>
-      </p:sp>
-    </p:spTree>
-    <p:extLst>
-      <p:ext uri="{BB962C8B-B14F-4D97-AF65-F5344CB8AC3E}">
-        <p14:creationId xmlns:p14="http://schemas.microsoft.com/office/powerpoint/2010/main" val="1549109453"/>
-      </p:ext>
-    </p:extLst>
-  </p:cSld>
-  <p:clrMapOvr>
-    <a:masterClrMapping/>
-  </p:clrMapOvr>
-  <mc:AlternateContent xmlns:mc="http://schemas.openxmlformats.org/markup-compatibility/2006" xmlns:p14="http://schemas.microsoft.com/office/powerpoint/2010/main">
-    <mc:Choice Requires="p14">
-      <p:transition spd="med" p14:dur="700">
-        <p:fade/>
-      </p:transition>
-    </mc:Choice>
-    <mc:Fallback xmlns="">
-      <p:transition spd="med">
-        <p:fade/>
-      </p:transition>
-    </mc:Fallback>
-  </mc:AlternateContent>
-</p:sld>
-</file>
-
-<file path=ppt/slides/slide14.xml><?xml version="1.0" encoding="utf-8"?>
-<p:sld xmlns:a="http://schemas.openxmlformats.org/drawingml/2006/main" xmlns:r="http://schemas.openxmlformats.org/officeDocument/2006/relationships" xmlns:p="http://schemas.openxmlformats.org/presentationml/2006/main">
-  <p:cSld>
-    <p:spTree>
-      <p:nvGrpSpPr>
-        <p:cNvPr id="1" name=""/>
-        <p:cNvGrpSpPr/>
-        <p:nvPr/>
-      </p:nvGrpSpPr>
-      <p:grpSpPr>
-        <a:xfrm>
-          <a:off x="0" y="0"/>
-          <a:ext cx="0" cy="0"/>
-          <a:chOff x="0" y="0"/>
-          <a:chExt cx="0" cy="0"/>
-        </a:xfrm>
-      </p:grpSpPr>
-      <p:sp>
-        <p:nvSpPr>
-          <p:cNvPr id="11" name="Title 10">
-            <a:extLst>
-              <a:ext uri="{FF2B5EF4-FFF2-40B4-BE49-F238E27FC236}">
-                <a16:creationId xmlns:a16="http://schemas.microsoft.com/office/drawing/2014/main" id="{A012C97D-D760-344C-8841-C4BF32B53B0C}"/>
-              </a:ext>
-            </a:extLst>
-          </p:cNvPr>
-          <p:cNvSpPr>
-            <a:spLocks noGrp="1"/>
-          </p:cNvSpPr>
-          <p:nvPr>
-            <p:ph type="title"/>
-          </p:nvPr>
-        </p:nvSpPr>
-        <p:spPr/>
-        <p:txBody>
-          <a:bodyPr/>
-          <a:lstStyle/>
-          <a:p>
-            <a:r>
-              <a:rPr lang="en-US"/>
-              <a:t>This Headline is Arial Regular in Dark Blue</a:t>
-            </a:r>
-            <a:endParaRPr lang="en-US" dirty="0"/>
-          </a:p>
-        </p:txBody>
-      </p:sp>
-      <p:sp>
-        <p:nvSpPr>
-          <p:cNvPr id="8" name="Content Placeholder 7">
-            <a:extLst>
-              <a:ext uri="{FF2B5EF4-FFF2-40B4-BE49-F238E27FC236}">
-                <a16:creationId xmlns:a16="http://schemas.microsoft.com/office/drawing/2014/main" id="{B663B186-450F-E344-81E6-B64A062B00D0}"/>
-              </a:ext>
-            </a:extLst>
-          </p:cNvPr>
-          <p:cNvSpPr>
-            <a:spLocks noGrp="1"/>
-          </p:cNvSpPr>
-          <p:nvPr>
-            <p:ph idx="1"/>
-          </p:nvPr>
-        </p:nvSpPr>
-        <p:spPr/>
-        <p:txBody>
-          <a:bodyPr>
-            <a:normAutofit lnSpcReduction="10000"/>
-          </a:bodyPr>
-          <a:lstStyle/>
-          <a:p>
-            <a:r>
-              <a:rPr lang="en-US" b="1" dirty="0">
-                <a:solidFill>
-                  <a:srgbClr val="0097D9"/>
-                </a:solidFill>
-              </a:rPr>
-              <a:t>Et </a:t>
-            </a:r>
-            <a:r>
-              <a:rPr lang="en-US" b="1" dirty="0" err="1">
-                <a:solidFill>
-                  <a:srgbClr val="0097D9"/>
-                </a:solidFill>
-              </a:rPr>
-              <a:t>alique</a:t>
-            </a:r>
-            <a:r>
-              <a:rPr lang="en-US" b="1" dirty="0">
-                <a:solidFill>
-                  <a:srgbClr val="0097D9"/>
-                </a:solidFill>
-              </a:rPr>
-              <a:t> </a:t>
-            </a:r>
-            <a:r>
-              <a:rPr lang="en-US" b="1" dirty="0" err="1">
-                <a:solidFill>
-                  <a:srgbClr val="0097D9"/>
-                </a:solidFill>
-              </a:rPr>
-              <a:t>prorenim</a:t>
-            </a:r>
-            <a:r>
-              <a:rPr lang="en-US" b="1" dirty="0">
-                <a:solidFill>
-                  <a:srgbClr val="0097D9"/>
-                </a:solidFill>
-              </a:rPr>
-              <a:t> </a:t>
-            </a:r>
-            <a:r>
-              <a:rPr lang="en-US" b="1" dirty="0" err="1">
-                <a:solidFill>
-                  <a:srgbClr val="0097D9"/>
-                </a:solidFill>
-              </a:rPr>
-              <a:t>ipsa</a:t>
-            </a:r>
-            <a:r>
-              <a:rPr lang="en-US" b="1" dirty="0">
-                <a:solidFill>
-                  <a:srgbClr val="0097D9"/>
-                </a:solidFill>
-              </a:rPr>
-              <a:t> sum </a:t>
-            </a:r>
-            <a:r>
-              <a:rPr lang="en-US" b="1" dirty="0" err="1">
-                <a:solidFill>
-                  <a:srgbClr val="0097D9"/>
-                </a:solidFill>
-              </a:rPr>
-              <a:t>etur</a:t>
-            </a:r>
-            <a:r>
-              <a:rPr lang="en-US" b="1" dirty="0">
-                <a:solidFill>
-                  <a:srgbClr val="0097D9"/>
-                </a:solidFill>
-              </a:rPr>
-              <a:t>? </a:t>
-            </a:r>
-            <a:r>
-              <a:rPr lang="en-US" dirty="0"/>
-              <a:t>Qui </a:t>
-            </a:r>
-            <a:r>
-              <a:rPr lang="en-US" dirty="0" err="1"/>
-              <a:t>consed</a:t>
-            </a:r>
-            <a:r>
-              <a:rPr lang="en-US" dirty="0"/>
-              <a:t> most </a:t>
-            </a:r>
-            <a:r>
-              <a:rPr lang="en-US" dirty="0" err="1"/>
-              <a:t>aut</a:t>
-            </a:r>
-            <a:r>
-              <a:rPr lang="en-US" dirty="0"/>
-              <a:t> </a:t>
-            </a:r>
-            <a:r>
-              <a:rPr lang="en-US" dirty="0" err="1"/>
-              <a:t>quia</a:t>
-            </a:r>
-            <a:r>
-              <a:rPr lang="en-US" dirty="0"/>
-              <a:t> is </a:t>
-            </a:r>
-            <a:r>
-              <a:rPr lang="en-US" dirty="0" err="1"/>
-              <a:t>voloria</a:t>
-            </a:r>
-            <a:r>
-              <a:rPr lang="en-US" dirty="0"/>
-              <a:t> </a:t>
-            </a:r>
-            <a:r>
-              <a:rPr lang="en-US" dirty="0" err="1"/>
-              <a:t>voluptatio</a:t>
-            </a:r>
-            <a:r>
-              <a:rPr lang="en-US" dirty="0"/>
-              <a:t> </a:t>
-            </a:r>
-            <a:r>
-              <a:rPr lang="en-US" dirty="0" err="1"/>
-              <a:t>beror</a:t>
-            </a:r>
-            <a:r>
-              <a:rPr lang="en-US" dirty="0"/>
-              <a:t> </a:t>
-            </a:r>
-            <a:r>
-              <a:rPr lang="en-US" dirty="0" err="1"/>
-              <a:t>sam</a:t>
-            </a:r>
-            <a:r>
-              <a:rPr lang="en-US" dirty="0"/>
-              <a:t>, sites </a:t>
-            </a:r>
-            <a:r>
-              <a:rPr lang="en-US" dirty="0" err="1"/>
-              <a:t>vollant</a:t>
-            </a:r>
-            <a:r>
-              <a:rPr lang="en-US" dirty="0"/>
-              <a:t>, </a:t>
-            </a:r>
-            <a:r>
-              <a:rPr lang="en-US" dirty="0" err="1"/>
-              <a:t>teceaque</a:t>
-            </a:r>
-            <a:r>
-              <a:rPr lang="en-US" dirty="0"/>
-              <a:t> </a:t>
-            </a:r>
-            <a:r>
-              <a:rPr lang="en-US" dirty="0" err="1"/>
-              <a:t>volorep</a:t>
-            </a:r>
-            <a:r>
-              <a:rPr lang="en-US" dirty="0"/>
-              <a:t> </a:t>
-            </a:r>
-            <a:r>
-              <a:rPr lang="en-US" dirty="0" err="1"/>
-              <a:t>erchil</a:t>
-            </a:r>
-            <a:r>
-              <a:rPr lang="en-US" dirty="0"/>
-              <a:t> </a:t>
-            </a:r>
-            <a:r>
-              <a:rPr lang="en-US" dirty="0" err="1"/>
-              <a:t>maximolupta</a:t>
-            </a:r>
-            <a:r>
-              <a:rPr lang="en-US" dirty="0"/>
-              <a:t> sit, quo </a:t>
-            </a:r>
-            <a:r>
-              <a:rPr lang="en-US" dirty="0" err="1"/>
-              <a:t>tem</a:t>
-            </a:r>
-            <a:r>
-              <a:rPr lang="en-US" dirty="0"/>
-              <a:t> </a:t>
-            </a:r>
-            <a:r>
-              <a:rPr lang="en-US" dirty="0" err="1"/>
-              <a:t>quunt</a:t>
-            </a:r>
-            <a:r>
-              <a:rPr lang="en-US" dirty="0"/>
-              <a:t> rem </a:t>
-            </a:r>
-            <a:r>
-              <a:rPr lang="en-US" dirty="0" err="1"/>
-              <a:t>quaeres</a:t>
-            </a:r>
-            <a:r>
-              <a:rPr lang="en-US" dirty="0"/>
-              <a:t> </a:t>
-            </a:r>
-            <a:r>
-              <a:rPr lang="en-US" dirty="0" err="1"/>
-              <a:t>ciiscia</a:t>
-            </a:r>
-            <a:r>
-              <a:rPr lang="en-US" dirty="0"/>
-              <a:t> </a:t>
-            </a:r>
-            <a:r>
-              <a:rPr lang="en-US" dirty="0" err="1"/>
-              <a:t>tenimo</a:t>
-            </a:r>
-            <a:r>
-              <a:rPr lang="en-US" dirty="0"/>
-              <a:t> </a:t>
-            </a:r>
-            <a:r>
-              <a:rPr lang="en-US" dirty="0" err="1"/>
-              <a:t>mo</a:t>
-            </a:r>
-            <a:r>
-              <a:rPr lang="en-US" dirty="0"/>
-              <a:t> </a:t>
-            </a:r>
-            <a:r>
-              <a:rPr lang="en-US" dirty="0" err="1"/>
-              <a:t>verecus</a:t>
-            </a:r>
-            <a:r>
-              <a:rPr lang="en-US" dirty="0"/>
-              <a:t>, </a:t>
-            </a:r>
-            <a:r>
-              <a:rPr lang="en-US" dirty="0" err="1"/>
-              <a:t>quis</a:t>
-            </a:r>
-            <a:r>
-              <a:rPr lang="en-US" dirty="0"/>
-              <a:t> </a:t>
-            </a:r>
-            <a:r>
-              <a:rPr lang="en-US" dirty="0" err="1"/>
-              <a:t>ut</a:t>
-            </a:r>
-            <a:r>
-              <a:rPr lang="en-US" dirty="0"/>
-              <a:t> </a:t>
-            </a:r>
-            <a:r>
-              <a:rPr lang="en-US" dirty="0" err="1"/>
-              <a:t>aliaess</a:t>
-            </a:r>
-            <a:endParaRPr lang="en-US" dirty="0"/>
-          </a:p>
-          <a:p>
-            <a:r>
-              <a:rPr lang="en-US" b="1" dirty="0">
-                <a:solidFill>
-                  <a:srgbClr val="0097D9"/>
-                </a:solidFill>
-              </a:rPr>
-              <a:t>Et </a:t>
-            </a:r>
-            <a:r>
-              <a:rPr lang="en-US" b="1" dirty="0" err="1">
-                <a:solidFill>
-                  <a:srgbClr val="0097D9"/>
-                </a:solidFill>
-              </a:rPr>
-              <a:t>alique</a:t>
-            </a:r>
-            <a:r>
-              <a:rPr lang="en-US" b="1" dirty="0">
-                <a:solidFill>
-                  <a:srgbClr val="0097D9"/>
-                </a:solidFill>
-              </a:rPr>
-              <a:t> </a:t>
-            </a:r>
-            <a:r>
-              <a:rPr lang="en-US" b="1" dirty="0" err="1">
-                <a:solidFill>
-                  <a:srgbClr val="0097D9"/>
-                </a:solidFill>
-              </a:rPr>
-              <a:t>prorenim</a:t>
-            </a:r>
-            <a:r>
-              <a:rPr lang="en-US" b="1" dirty="0">
-                <a:solidFill>
-                  <a:srgbClr val="0097D9"/>
-                </a:solidFill>
-              </a:rPr>
-              <a:t> </a:t>
-            </a:r>
-            <a:r>
-              <a:rPr lang="en-US" b="1" dirty="0" err="1">
-                <a:solidFill>
-                  <a:srgbClr val="0097D9"/>
-                </a:solidFill>
-              </a:rPr>
-              <a:t>ipsa</a:t>
-            </a:r>
-            <a:r>
-              <a:rPr lang="en-US" b="1" dirty="0">
-                <a:solidFill>
-                  <a:srgbClr val="0097D9"/>
-                </a:solidFill>
-              </a:rPr>
-              <a:t> sum </a:t>
-            </a:r>
-            <a:r>
-              <a:rPr lang="en-US" b="1" dirty="0" err="1">
-                <a:solidFill>
-                  <a:srgbClr val="0097D9"/>
-                </a:solidFill>
-              </a:rPr>
-              <a:t>etur</a:t>
-            </a:r>
-            <a:r>
-              <a:rPr lang="en-US" b="1" dirty="0">
-                <a:solidFill>
-                  <a:srgbClr val="0097D9"/>
-                </a:solidFill>
-              </a:rPr>
-              <a:t>? </a:t>
-            </a:r>
-            <a:r>
-              <a:rPr lang="en-US" dirty="0"/>
-              <a:t>Qui </a:t>
-            </a:r>
-            <a:r>
-              <a:rPr lang="en-US" dirty="0" err="1"/>
-              <a:t>consed</a:t>
-            </a:r>
-            <a:r>
-              <a:rPr lang="en-US" dirty="0"/>
-              <a:t> most </a:t>
-            </a:r>
-            <a:r>
-              <a:rPr lang="en-US" dirty="0" err="1"/>
-              <a:t>aut</a:t>
-            </a:r>
-            <a:r>
-              <a:rPr lang="en-US" dirty="0"/>
-              <a:t> </a:t>
-            </a:r>
-            <a:r>
-              <a:rPr lang="en-US" dirty="0" err="1"/>
-              <a:t>quia</a:t>
-            </a:r>
-            <a:r>
-              <a:rPr lang="en-US" dirty="0"/>
-              <a:t> is </a:t>
-            </a:r>
-            <a:r>
-              <a:rPr lang="en-US" dirty="0" err="1"/>
-              <a:t>voloria</a:t>
-            </a:r>
-            <a:r>
-              <a:rPr lang="en-US" dirty="0"/>
-              <a:t> </a:t>
-            </a:r>
-            <a:r>
-              <a:rPr lang="en-US" dirty="0" err="1"/>
-              <a:t>voluptatio</a:t>
-            </a:r>
-            <a:r>
-              <a:rPr lang="en-US" dirty="0"/>
-              <a:t> </a:t>
-            </a:r>
-            <a:r>
-              <a:rPr lang="en-US" dirty="0" err="1"/>
-              <a:t>beror</a:t>
-            </a:r>
-            <a:r>
-              <a:rPr lang="en-US" dirty="0"/>
-              <a:t> </a:t>
-            </a:r>
-            <a:r>
-              <a:rPr lang="en-US" dirty="0" err="1"/>
-              <a:t>sam</a:t>
-            </a:r>
-            <a:r>
-              <a:rPr lang="en-US" dirty="0"/>
-              <a:t>, sites </a:t>
-            </a:r>
-            <a:r>
-              <a:rPr lang="en-US" dirty="0" err="1"/>
-              <a:t>vollant</a:t>
-            </a:r>
-            <a:r>
-              <a:rPr lang="en-US" dirty="0"/>
-              <a:t>, </a:t>
-            </a:r>
-            <a:r>
-              <a:rPr lang="en-US" dirty="0" err="1"/>
-              <a:t>teceaque</a:t>
-            </a:r>
-            <a:r>
-              <a:rPr lang="en-US" dirty="0"/>
-              <a:t> </a:t>
-            </a:r>
-            <a:r>
-              <a:rPr lang="en-US" dirty="0" err="1"/>
-              <a:t>volorep</a:t>
-            </a:r>
-            <a:r>
-              <a:rPr lang="en-US" dirty="0"/>
-              <a:t> </a:t>
-            </a:r>
-            <a:r>
-              <a:rPr lang="en-US" dirty="0" err="1"/>
-              <a:t>erchil</a:t>
-            </a:r>
-            <a:r>
-              <a:rPr lang="en-US" dirty="0"/>
-              <a:t> </a:t>
-            </a:r>
-            <a:r>
-              <a:rPr lang="en-US" dirty="0" err="1"/>
-              <a:t>maximolupta</a:t>
-            </a:r>
-            <a:r>
-              <a:rPr lang="en-US" dirty="0"/>
-              <a:t> sit, quo </a:t>
-            </a:r>
-            <a:r>
-              <a:rPr lang="en-US" dirty="0" err="1"/>
-              <a:t>tem</a:t>
-            </a:r>
-            <a:r>
-              <a:rPr lang="en-US" dirty="0"/>
-              <a:t> </a:t>
-            </a:r>
-            <a:r>
-              <a:rPr lang="en-US" dirty="0" err="1"/>
-              <a:t>quunt</a:t>
-            </a:r>
-            <a:r>
-              <a:rPr lang="en-US" dirty="0"/>
-              <a:t> rem </a:t>
-            </a:r>
-            <a:r>
-              <a:rPr lang="en-US" dirty="0" err="1"/>
-              <a:t>quaeres</a:t>
-            </a:r>
-            <a:r>
-              <a:rPr lang="en-US" dirty="0"/>
-              <a:t> </a:t>
-            </a:r>
-            <a:r>
-              <a:rPr lang="en-US" dirty="0" err="1"/>
-              <a:t>ciiscia</a:t>
-            </a:r>
-            <a:r>
-              <a:rPr lang="en-US" dirty="0"/>
-              <a:t> </a:t>
-            </a:r>
-            <a:r>
-              <a:rPr lang="en-US" dirty="0" err="1"/>
-              <a:t>tenimo</a:t>
-            </a:r>
-            <a:r>
-              <a:rPr lang="en-US" dirty="0"/>
-              <a:t> </a:t>
-            </a:r>
-            <a:r>
-              <a:rPr lang="en-US" dirty="0" err="1"/>
-              <a:t>mo</a:t>
-            </a:r>
-            <a:r>
-              <a:rPr lang="en-US" dirty="0"/>
-              <a:t> </a:t>
-            </a:r>
-            <a:r>
-              <a:rPr lang="en-US" dirty="0" err="1"/>
-              <a:t>verecus</a:t>
-            </a:r>
-            <a:r>
-              <a:rPr lang="en-US" dirty="0"/>
-              <a:t>, </a:t>
-            </a:r>
-            <a:r>
-              <a:rPr lang="en-US" dirty="0" err="1"/>
-              <a:t>quis</a:t>
-            </a:r>
-            <a:r>
-              <a:rPr lang="en-US" dirty="0"/>
-              <a:t> </a:t>
-            </a:r>
-            <a:r>
-              <a:rPr lang="en-US" dirty="0" err="1"/>
-              <a:t>ut</a:t>
-            </a:r>
-            <a:r>
-              <a:rPr lang="en-US" dirty="0"/>
-              <a:t> </a:t>
-            </a:r>
-            <a:r>
-              <a:rPr lang="en-US" dirty="0" err="1"/>
-              <a:t>aliaess</a:t>
-            </a:r>
-            <a:endParaRPr lang="en-US" dirty="0"/>
-          </a:p>
-          <a:p>
-            <a:r>
-              <a:rPr lang="en-US" b="1" dirty="0">
-                <a:solidFill>
-                  <a:srgbClr val="0097D9"/>
-                </a:solidFill>
-              </a:rPr>
-              <a:t>Et </a:t>
-            </a:r>
-            <a:r>
-              <a:rPr lang="en-US" b="1" dirty="0" err="1">
-                <a:solidFill>
-                  <a:srgbClr val="0097D9"/>
-                </a:solidFill>
-              </a:rPr>
-              <a:t>alique</a:t>
-            </a:r>
-            <a:r>
-              <a:rPr lang="en-US" b="1" dirty="0">
-                <a:solidFill>
-                  <a:srgbClr val="0097D9"/>
-                </a:solidFill>
-              </a:rPr>
-              <a:t> </a:t>
-            </a:r>
-            <a:r>
-              <a:rPr lang="en-US" b="1" dirty="0" err="1">
-                <a:solidFill>
-                  <a:srgbClr val="0097D9"/>
-                </a:solidFill>
-              </a:rPr>
-              <a:t>prorenim</a:t>
-            </a:r>
-            <a:r>
-              <a:rPr lang="en-US" b="1" dirty="0">
-                <a:solidFill>
-                  <a:srgbClr val="0097D9"/>
-                </a:solidFill>
-              </a:rPr>
-              <a:t> </a:t>
-            </a:r>
-            <a:r>
-              <a:rPr lang="en-US" b="1" dirty="0" err="1">
-                <a:solidFill>
-                  <a:srgbClr val="0097D9"/>
-                </a:solidFill>
-              </a:rPr>
-              <a:t>ipsa</a:t>
-            </a:r>
-            <a:r>
-              <a:rPr lang="en-US" b="1" dirty="0">
-                <a:solidFill>
-                  <a:srgbClr val="0097D9"/>
-                </a:solidFill>
-              </a:rPr>
-              <a:t> sum </a:t>
-            </a:r>
-            <a:r>
-              <a:rPr lang="en-US" b="1" dirty="0" err="1">
-                <a:solidFill>
-                  <a:srgbClr val="0097D9"/>
-                </a:solidFill>
-              </a:rPr>
-              <a:t>etur</a:t>
-            </a:r>
-            <a:r>
-              <a:rPr lang="en-US" b="1" dirty="0">
-                <a:solidFill>
-                  <a:srgbClr val="0097D9"/>
-                </a:solidFill>
-              </a:rPr>
-              <a:t>? </a:t>
-            </a:r>
-            <a:r>
-              <a:rPr lang="en-US" dirty="0"/>
-              <a:t>Qui </a:t>
-            </a:r>
-            <a:r>
-              <a:rPr lang="en-US" dirty="0" err="1"/>
-              <a:t>consed</a:t>
-            </a:r>
-            <a:r>
-              <a:rPr lang="en-US" dirty="0"/>
-              <a:t> most </a:t>
-            </a:r>
-            <a:r>
-              <a:rPr lang="en-US" dirty="0" err="1"/>
-              <a:t>aut</a:t>
-            </a:r>
-            <a:r>
-              <a:rPr lang="en-US" dirty="0"/>
-              <a:t> </a:t>
-            </a:r>
-            <a:r>
-              <a:rPr lang="en-US" dirty="0" err="1"/>
-              <a:t>quia</a:t>
-            </a:r>
-            <a:r>
-              <a:rPr lang="en-US" dirty="0"/>
-              <a:t> is </a:t>
-            </a:r>
-            <a:r>
-              <a:rPr lang="en-US" dirty="0" err="1"/>
-              <a:t>voloria</a:t>
-            </a:r>
-            <a:r>
-              <a:rPr lang="en-US" dirty="0"/>
-              <a:t> </a:t>
-            </a:r>
-            <a:r>
-              <a:rPr lang="en-US" dirty="0" err="1"/>
-              <a:t>voluptatio</a:t>
-            </a:r>
-            <a:r>
-              <a:rPr lang="en-US" dirty="0"/>
-              <a:t> </a:t>
-            </a:r>
-            <a:r>
-              <a:rPr lang="en-US" dirty="0" err="1"/>
-              <a:t>beror</a:t>
-            </a:r>
-            <a:r>
-              <a:rPr lang="en-US" dirty="0"/>
-              <a:t> </a:t>
-            </a:r>
-            <a:r>
-              <a:rPr lang="en-US" dirty="0" err="1"/>
-              <a:t>sam</a:t>
-            </a:r>
-            <a:r>
-              <a:rPr lang="en-US" dirty="0"/>
-              <a:t>, sites </a:t>
-            </a:r>
-            <a:r>
-              <a:rPr lang="en-US" dirty="0" err="1"/>
-              <a:t>vollant</a:t>
-            </a:r>
-            <a:r>
-              <a:rPr lang="en-US" dirty="0"/>
-              <a:t>, </a:t>
-            </a:r>
-            <a:r>
-              <a:rPr lang="en-US" dirty="0" err="1"/>
-              <a:t>teceaque</a:t>
-            </a:r>
-            <a:r>
-              <a:rPr lang="en-US" dirty="0"/>
-              <a:t> </a:t>
-            </a:r>
-            <a:r>
-              <a:rPr lang="en-US" dirty="0" err="1"/>
-              <a:t>volorep</a:t>
-            </a:r>
-            <a:r>
-              <a:rPr lang="en-US" dirty="0"/>
-              <a:t> </a:t>
-            </a:r>
-            <a:r>
-              <a:rPr lang="en-US" dirty="0" err="1"/>
-              <a:t>erchil</a:t>
-            </a:r>
-            <a:r>
-              <a:rPr lang="en-US" dirty="0"/>
-              <a:t> </a:t>
-            </a:r>
-            <a:r>
-              <a:rPr lang="en-US" dirty="0" err="1"/>
-              <a:t>maximolupta</a:t>
-            </a:r>
-            <a:r>
-              <a:rPr lang="en-US" dirty="0"/>
-              <a:t> sit, quo </a:t>
-            </a:r>
-            <a:r>
-              <a:rPr lang="en-US" dirty="0" err="1"/>
-              <a:t>tem</a:t>
-            </a:r>
-            <a:r>
-              <a:rPr lang="en-US" dirty="0"/>
-              <a:t> </a:t>
-            </a:r>
-            <a:r>
-              <a:rPr lang="en-US" dirty="0" err="1"/>
-              <a:t>quunt</a:t>
-            </a:r>
-            <a:r>
-              <a:rPr lang="en-US" dirty="0"/>
-              <a:t> rem </a:t>
-            </a:r>
-            <a:r>
-              <a:rPr lang="en-US" dirty="0" err="1"/>
-              <a:t>quaeres</a:t>
-            </a:r>
-            <a:r>
-              <a:rPr lang="en-US" dirty="0"/>
-              <a:t> </a:t>
-            </a:r>
-            <a:r>
-              <a:rPr lang="en-US" dirty="0" err="1"/>
-              <a:t>ciiscia</a:t>
-            </a:r>
-            <a:r>
-              <a:rPr lang="en-US" dirty="0"/>
-              <a:t> </a:t>
-            </a:r>
-            <a:r>
-              <a:rPr lang="en-US" dirty="0" err="1"/>
-              <a:t>tenimo</a:t>
-            </a:r>
-            <a:r>
-              <a:rPr lang="en-US" dirty="0"/>
-              <a:t> </a:t>
-            </a:r>
-            <a:r>
-              <a:rPr lang="en-US" dirty="0" err="1"/>
-              <a:t>mo</a:t>
-            </a:r>
-            <a:r>
-              <a:rPr lang="en-US" dirty="0"/>
-              <a:t> </a:t>
-            </a:r>
-            <a:r>
-              <a:rPr lang="en-US" dirty="0" err="1"/>
-              <a:t>verecus</a:t>
-            </a:r>
-            <a:r>
-              <a:rPr lang="en-US" dirty="0"/>
-              <a:t>, </a:t>
-            </a:r>
-            <a:r>
-              <a:rPr lang="en-US" dirty="0" err="1"/>
-              <a:t>quis</a:t>
-            </a:r>
-            <a:r>
-              <a:rPr lang="en-US" dirty="0"/>
-              <a:t> </a:t>
-            </a:r>
-            <a:r>
-              <a:rPr lang="en-US" dirty="0" err="1"/>
-              <a:t>ut</a:t>
-            </a:r>
-            <a:r>
-              <a:rPr lang="en-US" dirty="0"/>
-              <a:t> </a:t>
-            </a:r>
-            <a:r>
-              <a:rPr lang="en-US" dirty="0" err="1"/>
-              <a:t>aliaess</a:t>
-            </a:r>
-            <a:endParaRPr lang="en-US" dirty="0"/>
-          </a:p>
-        </p:txBody>
-      </p:sp>
-      <p:sp>
-        <p:nvSpPr>
-          <p:cNvPr id="18" name="Slide Number Placeholder 5">
-            <a:extLst>
-              <a:ext uri="{FF2B5EF4-FFF2-40B4-BE49-F238E27FC236}">
-                <a16:creationId xmlns:a16="http://schemas.microsoft.com/office/drawing/2014/main" id="{10109F79-D1BF-9243-A032-356088E65B65}"/>
-              </a:ext>
-            </a:extLst>
-          </p:cNvPr>
-          <p:cNvSpPr>
-            <a:spLocks noGrp="1"/>
-          </p:cNvSpPr>
-          <p:nvPr>
-            <p:ph type="sldNum" sz="quarter" idx="12"/>
-          </p:nvPr>
-        </p:nvSpPr>
-        <p:spPr/>
-        <p:txBody>
-          <a:bodyPr/>
-          <a:lstStyle/>
-          <a:p>
-            <a:fld id="{535EF33A-04D8-4107-96E5-33B70AE88DFF}" type="slidenum">
-              <a:rPr lang="en-US" smtClean="0"/>
-              <a:pPr/>
-              <a:t>14</a:t>
-            </a:fld>
-            <a:endParaRPr lang="en-US" dirty="0"/>
-          </a:p>
-        </p:txBody>
-      </p:sp>
-      <p:pic>
-        <p:nvPicPr>
-          <p:cNvPr id="15" name="Content Placeholder 15">
-            <a:extLst>
-              <a:ext uri="{FF2B5EF4-FFF2-40B4-BE49-F238E27FC236}">
-                <a16:creationId xmlns:a16="http://schemas.microsoft.com/office/drawing/2014/main" id="{C3132149-E359-6545-A328-CEED0127B9FA}"/>
-              </a:ext>
-            </a:extLst>
-          </p:cNvPr>
-          <p:cNvPicPr>
-            <a:picLocks noGrp="1" noChangeAspect="1"/>
-          </p:cNvPicPr>
-          <p:nvPr>
-            <p:ph type="pic" sz="quarter" idx="14"/>
-          </p:nvPr>
-        </p:nvPicPr>
-        <p:blipFill>
-          <a:blip r:embed="rId2" cstate="screen">
-            <a:extLst>
-              <a:ext uri="{28A0092B-C50C-407E-A947-70E740481C1C}">
-                <a14:useLocalDpi xmlns:a14="http://schemas.microsoft.com/office/drawing/2010/main"/>
-              </a:ext>
-            </a:extLst>
-          </a:blip>
-          <a:srcRect/>
-          <a:stretch>
-            <a:fillRect/>
-          </a:stretch>
-        </p:blipFill>
-        <p:spPr/>
-      </p:pic>
-      <p:sp>
-        <p:nvSpPr>
-          <p:cNvPr id="13" name="Text Placeholder 12">
-            <a:extLst>
-              <a:ext uri="{FF2B5EF4-FFF2-40B4-BE49-F238E27FC236}">
-                <a16:creationId xmlns:a16="http://schemas.microsoft.com/office/drawing/2014/main" id="{39975BA5-F0B1-0B47-9B69-6895D35EB3FC}"/>
-              </a:ext>
-            </a:extLst>
-          </p:cNvPr>
-          <p:cNvSpPr>
-            <a:spLocks noGrp="1"/>
-          </p:cNvSpPr>
-          <p:nvPr>
-            <p:ph type="body" sz="quarter" idx="13"/>
-          </p:nvPr>
-        </p:nvSpPr>
-        <p:spPr/>
-        <p:txBody>
-          <a:bodyPr/>
-          <a:lstStyle/>
-          <a:p>
-            <a:r>
-              <a:rPr lang="en-US" dirty="0"/>
-              <a:t>This Subtitle is Arial in Light Orange</a:t>
-            </a:r>
-          </a:p>
-        </p:txBody>
-      </p:sp>
-      <p:sp>
-        <p:nvSpPr>
-          <p:cNvPr id="21" name="Text Placeholder 20">
-            <a:extLst>
-              <a:ext uri="{FF2B5EF4-FFF2-40B4-BE49-F238E27FC236}">
-                <a16:creationId xmlns:a16="http://schemas.microsoft.com/office/drawing/2014/main" id="{51D40745-204A-EE4A-8428-54FC0DDCA159}"/>
-              </a:ext>
-            </a:extLst>
-          </p:cNvPr>
-          <p:cNvSpPr>
-            <a:spLocks noGrp="1"/>
-          </p:cNvSpPr>
-          <p:nvPr>
-            <p:ph type="body" sz="quarter" idx="15"/>
-          </p:nvPr>
-        </p:nvSpPr>
-        <p:spPr/>
-        <p:txBody>
-          <a:bodyPr/>
-          <a:lstStyle/>
-          <a:p>
-            <a:r>
-              <a:rPr lang="en-US" dirty="0" err="1"/>
-              <a:t>vollant</a:t>
-            </a:r>
-            <a:r>
-              <a:rPr lang="en-US" dirty="0"/>
-              <a:t>, </a:t>
-            </a:r>
-            <a:r>
-              <a:rPr lang="en-US" dirty="0" err="1"/>
-              <a:t>teceaque</a:t>
-            </a:r>
-            <a:r>
-              <a:rPr lang="en-US" dirty="0"/>
-              <a:t> </a:t>
-            </a:r>
-            <a:r>
-              <a:rPr lang="en-US" dirty="0" err="1"/>
-              <a:t>volorep</a:t>
-            </a:r>
-            <a:r>
-              <a:rPr lang="en-US" dirty="0"/>
-              <a:t> </a:t>
-            </a:r>
-            <a:r>
-              <a:rPr lang="en-US" dirty="0" err="1"/>
-              <a:t>erchil</a:t>
-            </a:r>
-            <a:r>
-              <a:rPr lang="en-US" dirty="0"/>
-              <a:t> </a:t>
-            </a:r>
-            <a:r>
-              <a:rPr lang="en-US" dirty="0" err="1"/>
-              <a:t>maximolupta</a:t>
-            </a:r>
-            <a:r>
-              <a:rPr lang="en-US" dirty="0"/>
-              <a:t> sit, quo </a:t>
-            </a:r>
-            <a:r>
-              <a:rPr lang="en-US" dirty="0" err="1"/>
-              <a:t>tem</a:t>
-            </a:r>
-            <a:r>
-              <a:rPr lang="en-US" dirty="0"/>
-              <a:t> </a:t>
-            </a:r>
-            <a:r>
-              <a:rPr lang="en-US" dirty="0" err="1"/>
-              <a:t>quunt</a:t>
-            </a:r>
-            <a:r>
-              <a:rPr lang="en-US" dirty="0"/>
-              <a:t> rem </a:t>
-            </a:r>
-            <a:r>
-              <a:rPr lang="en-US" dirty="0" err="1"/>
-              <a:t>quaeres</a:t>
-            </a:r>
-            <a:r>
-              <a:rPr lang="en-US" dirty="0"/>
-              <a:t> </a:t>
-            </a:r>
-            <a:r>
-              <a:rPr lang="en-US" dirty="0" err="1"/>
-              <a:t>ciiscia</a:t>
-            </a:r>
-            <a:r>
-              <a:rPr lang="en-US" dirty="0"/>
-              <a:t> </a:t>
-            </a:r>
-            <a:r>
-              <a:rPr lang="en-US" dirty="0" err="1"/>
-              <a:t>tenimo</a:t>
-            </a:r>
-            <a:r>
-              <a:rPr lang="en-US" dirty="0"/>
-              <a:t> </a:t>
-            </a:r>
-            <a:r>
-              <a:rPr lang="en-US" dirty="0" err="1"/>
-              <a:t>mo</a:t>
-            </a:r>
-            <a:r>
-              <a:rPr lang="en-US" dirty="0"/>
-              <a:t> </a:t>
-            </a:r>
-            <a:r>
-              <a:rPr lang="en-US" dirty="0" err="1"/>
-              <a:t>verecus</a:t>
-            </a:r>
-            <a:r>
-              <a:rPr lang="en-US" dirty="0"/>
-              <a:t>, </a:t>
-            </a:r>
-            <a:r>
-              <a:rPr lang="en-US" dirty="0" err="1"/>
-              <a:t>quis</a:t>
-            </a:r>
-            <a:r>
-              <a:rPr lang="en-US" dirty="0"/>
-              <a:t> </a:t>
-            </a:r>
-            <a:r>
-              <a:rPr lang="en-US" dirty="0" err="1"/>
-              <a:t>ut</a:t>
-            </a:r>
-            <a:r>
-              <a:rPr lang="en-US" dirty="0"/>
-              <a:t> </a:t>
-            </a:r>
-            <a:r>
-              <a:rPr lang="en-US" dirty="0" err="1"/>
-              <a:t>aliaess</a:t>
-            </a:r>
-            <a:endParaRPr lang="en-US" dirty="0"/>
-          </a:p>
-        </p:txBody>
-      </p:sp>
-    </p:spTree>
-    <p:extLst>
-      <p:ext uri="{BB962C8B-B14F-4D97-AF65-F5344CB8AC3E}">
-        <p14:creationId xmlns:p14="http://schemas.microsoft.com/office/powerpoint/2010/main" val="673309395"/>
-      </p:ext>
-    </p:extLst>
-  </p:cSld>
-  <p:clrMapOvr>
-    <a:masterClrMapping/>
-  </p:clrMapOvr>
-  <mc:AlternateContent xmlns:mc="http://schemas.openxmlformats.org/markup-compatibility/2006" xmlns:p14="http://schemas.microsoft.com/office/powerpoint/2010/main">
-    <mc:Choice Requires="p14">
-      <p:transition spd="med" p14:dur="700">
-        <p:fade/>
-      </p:transition>
-    </mc:Choice>
-    <mc:Fallback xmlns="">
-      <p:transition spd="med">
-        <p:fade/>
-      </p:transition>
-    </mc:Fallback>
-  </mc:AlternateContent>
-</p:sld>
-</file>
-
-<file path=ppt/slides/slide15.xml><?xml version="1.0" encoding="utf-8"?>
-<p:sld xmlns:a="http://schemas.openxmlformats.org/drawingml/2006/main" xmlns:r="http://schemas.openxmlformats.org/officeDocument/2006/relationships" xmlns:p="http://schemas.openxmlformats.org/presentationml/2006/main">
-  <p:cSld>
-    <p:spTree>
-      <p:nvGrpSpPr>
-        <p:cNvPr id="1" name=""/>
-        <p:cNvGrpSpPr/>
-        <p:nvPr/>
-      </p:nvGrpSpPr>
-      <p:grpSpPr>
-        <a:xfrm>
-          <a:off x="0" y="0"/>
-          <a:ext cx="0" cy="0"/>
-          <a:chOff x="0" y="0"/>
-          <a:chExt cx="0" cy="0"/>
-        </a:xfrm>
-      </p:grpSpPr>
-      <p:sp>
-        <p:nvSpPr>
-          <p:cNvPr id="5" name="Title 4">
-            <a:extLst>
-              <a:ext uri="{FF2B5EF4-FFF2-40B4-BE49-F238E27FC236}">
-                <a16:creationId xmlns:a16="http://schemas.microsoft.com/office/drawing/2014/main" id="{D1D110B9-BD7B-0E4C-ACAA-096B0B004C31}"/>
-              </a:ext>
-            </a:extLst>
-          </p:cNvPr>
-          <p:cNvSpPr>
-            <a:spLocks noGrp="1"/>
-          </p:cNvSpPr>
-          <p:nvPr>
-            <p:ph type="title"/>
-          </p:nvPr>
-        </p:nvSpPr>
-        <p:spPr/>
-        <p:txBody>
-          <a:bodyPr/>
-          <a:lstStyle/>
-          <a:p>
-            <a:r>
-              <a:rPr lang="en-US" dirty="0"/>
-              <a:t>This Headline is Arial Regular in Dark Blue</a:t>
-            </a:r>
-          </a:p>
-        </p:txBody>
-      </p:sp>
-      <p:sp>
-        <p:nvSpPr>
-          <p:cNvPr id="6" name="Text Placeholder 5">
-            <a:extLst>
-              <a:ext uri="{FF2B5EF4-FFF2-40B4-BE49-F238E27FC236}">
-                <a16:creationId xmlns:a16="http://schemas.microsoft.com/office/drawing/2014/main" id="{1A2FE69E-83E7-1A45-B0EA-41ACE922B915}"/>
-              </a:ext>
-            </a:extLst>
-          </p:cNvPr>
-          <p:cNvSpPr>
-            <a:spLocks noGrp="1"/>
-          </p:cNvSpPr>
-          <p:nvPr>
-            <p:ph type="body" sz="quarter" idx="13"/>
-          </p:nvPr>
-        </p:nvSpPr>
-        <p:spPr>
-          <a:xfrm>
-            <a:off x="504825" y="1267809"/>
-            <a:ext cx="8134350" cy="687368"/>
-          </a:xfrm>
-        </p:spPr>
-        <p:txBody>
-          <a:bodyPr/>
-          <a:lstStyle/>
-          <a:p>
-            <a:r>
-              <a:rPr lang="en-US" dirty="0"/>
-              <a:t>This Subtitle is Arial in Light Orange</a:t>
-            </a:r>
-          </a:p>
-          <a:p>
-            <a:endParaRPr lang="en-US" dirty="0"/>
-          </a:p>
-        </p:txBody>
-      </p:sp>
-      <p:graphicFrame>
-        <p:nvGraphicFramePr>
-          <p:cNvPr id="9" name="Table 8">
-            <a:extLst>
-              <a:ext uri="{FF2B5EF4-FFF2-40B4-BE49-F238E27FC236}">
-                <a16:creationId xmlns:a16="http://schemas.microsoft.com/office/drawing/2014/main" id="{5FC501F5-9AE0-B44B-8D24-170502F48B34}"/>
-              </a:ext>
-            </a:extLst>
-          </p:cNvPr>
-          <p:cNvGraphicFramePr>
-            <a:graphicFrameLocks noGrp="1"/>
-          </p:cNvGraphicFramePr>
-          <p:nvPr>
-            <p:extLst>
-              <p:ext uri="{D42A27DB-BD31-4B8C-83A1-F6EECF244321}">
-                <p14:modId xmlns:p14="http://schemas.microsoft.com/office/powerpoint/2010/main" val="3733447923"/>
-              </p:ext>
-            </p:extLst>
-          </p:nvPr>
-        </p:nvGraphicFramePr>
-        <p:xfrm>
-          <a:off x="504826" y="1993882"/>
-          <a:ext cx="8134350" cy="2534952"/>
-        </p:xfrm>
-        <a:graphic>
-          <a:graphicData uri="http://schemas.openxmlformats.org/drawingml/2006/table">
-            <a:tbl>
-              <a:tblPr firstRow="1" bandRow="1">
-                <a:tableStyleId>{5C22544A-7EE6-4342-B048-85BDC9FD1C3A}</a:tableStyleId>
-              </a:tblPr>
-              <a:tblGrid>
-                <a:gridCol w="2043542">
-                  <a:extLst>
-                    <a:ext uri="{9D8B030D-6E8A-4147-A177-3AD203B41FA5}">
-                      <a16:colId xmlns:a16="http://schemas.microsoft.com/office/drawing/2014/main" val="20000"/>
-                    </a:ext>
-                  </a:extLst>
-                </a:gridCol>
-                <a:gridCol w="2043542">
-                  <a:extLst>
-                    <a:ext uri="{9D8B030D-6E8A-4147-A177-3AD203B41FA5}">
-                      <a16:colId xmlns:a16="http://schemas.microsoft.com/office/drawing/2014/main" val="20001"/>
-                    </a:ext>
-                  </a:extLst>
-                </a:gridCol>
-                <a:gridCol w="4047266">
-                  <a:extLst>
-                    <a:ext uri="{9D8B030D-6E8A-4147-A177-3AD203B41FA5}">
-                      <a16:colId xmlns:a16="http://schemas.microsoft.com/office/drawing/2014/main" val="20002"/>
-                    </a:ext>
-                  </a:extLst>
-                </a:gridCol>
-              </a:tblGrid>
-              <a:tr h="335250">
-                <a:tc>
-                  <a:txBody>
-                    <a:bodyPr/>
-                    <a:lstStyle/>
-                    <a:p>
-                      <a:r>
-                        <a:rPr lang="en-US" sz="900" b="1" i="0" dirty="0">
-                          <a:solidFill>
-                            <a:srgbClr val="002D56"/>
-                          </a:solidFill>
-                          <a:latin typeface="+mn-lt"/>
-                          <a:ea typeface="Calibri" charset="0"/>
-                          <a:cs typeface="Calibri" charset="0"/>
-                        </a:rPr>
-                        <a:t>Subhead</a:t>
-                      </a:r>
-                    </a:p>
-                  </a:txBody>
-                  <a:tcPr anchor="ctr">
-                    <a:lnL w="12700" cap="flat" cmpd="sng" algn="ctr">
-                      <a:noFill/>
-                      <a:prstDash val="solid"/>
-                      <a:round/>
-                      <a:headEnd type="none" w="med" len="med"/>
-                      <a:tailEnd type="none" w="med" len="med"/>
-                    </a:lnL>
-                    <a:lnR w="12700" cap="flat" cmpd="sng" algn="ctr">
-                      <a:noFill/>
-                      <a:prstDash val="solid"/>
-                      <a:round/>
-                      <a:headEnd type="none" w="med" len="med"/>
-                      <a:tailEnd type="none" w="med" len="med"/>
-                    </a:lnR>
-                    <a:lnT w="6350" cap="flat" cmpd="sng" algn="ctr">
-                      <a:noFill/>
-                      <a:prstDash val="solid"/>
-                      <a:round/>
-                      <a:headEnd type="none" w="med" len="med"/>
-                      <a:tailEnd type="none" w="med" len="med"/>
-                    </a:lnT>
-                    <a:lnB w="6350" cap="flat" cmpd="sng" algn="ctr">
-                      <a:noFill/>
-                      <a:prstDash val="solid"/>
-                      <a:round/>
-                      <a:headEnd type="none" w="med" len="med"/>
-                      <a:tailEnd type="none" w="med" len="med"/>
-                    </a:lnB>
-                    <a:lnTlToBr w="12700" cmpd="sng">
-                      <a:noFill/>
-                      <a:prstDash val="solid"/>
-                    </a:lnTlToBr>
-                    <a:lnBlToTr w="12700" cmpd="sng">
-                      <a:noFill/>
-                      <a:prstDash val="solid"/>
-                    </a:lnBlToTr>
-                    <a:solidFill>
-                      <a:srgbClr val="95D9F8"/>
-                    </a:solidFill>
-                  </a:tcPr>
-                </a:tc>
-                <a:tc>
-                  <a:txBody>
-                    <a:bodyPr/>
-                    <a:lstStyle/>
-                    <a:p>
-                      <a:r>
-                        <a:rPr lang="en-US" sz="900" b="1" i="0" dirty="0">
-                          <a:solidFill>
-                            <a:schemeClr val="bg1"/>
-                          </a:solidFill>
-                          <a:latin typeface="+mn-lt"/>
-                          <a:ea typeface="Calibri" charset="0"/>
-                          <a:cs typeface="Calibri" charset="0"/>
-                        </a:rPr>
-                        <a:t>Subhead</a:t>
-                      </a:r>
-                    </a:p>
-                  </a:txBody>
-                  <a:tcPr anchor="ctr">
-                    <a:lnL w="12700" cap="flat" cmpd="sng" algn="ctr">
-                      <a:noFill/>
-                      <a:prstDash val="solid"/>
-                      <a:round/>
-                      <a:headEnd type="none" w="med" len="med"/>
-                      <a:tailEnd type="none" w="med" len="med"/>
-                    </a:lnL>
-                    <a:lnR w="12700" cap="flat" cmpd="sng" algn="ctr">
-                      <a:noFill/>
-                      <a:prstDash val="solid"/>
-                      <a:round/>
-                      <a:headEnd type="none" w="med" len="med"/>
-                      <a:tailEnd type="none" w="med" len="med"/>
-                    </a:lnR>
-                    <a:lnT w="6350" cap="flat" cmpd="sng" algn="ctr">
-                      <a:noFill/>
-                      <a:prstDash val="solid"/>
-                      <a:round/>
-                      <a:headEnd type="none" w="med" len="med"/>
-                      <a:tailEnd type="none" w="med" len="med"/>
-                    </a:lnT>
-                    <a:lnB w="6350" cap="flat" cmpd="sng" algn="ctr">
-                      <a:noFill/>
-                      <a:prstDash val="solid"/>
-                      <a:round/>
-                      <a:headEnd type="none" w="med" len="med"/>
-                      <a:tailEnd type="none" w="med" len="med"/>
-                    </a:lnB>
-                    <a:lnTlToBr w="12700" cmpd="sng">
-                      <a:noFill/>
-                      <a:prstDash val="solid"/>
-                    </a:lnTlToBr>
-                    <a:lnBlToTr w="12700" cmpd="sng">
-                      <a:noFill/>
-                      <a:prstDash val="solid"/>
-                    </a:lnBlToTr>
-                    <a:solidFill>
-                      <a:srgbClr val="002D56"/>
-                    </a:solidFill>
-                  </a:tcPr>
-                </a:tc>
-                <a:tc>
-                  <a:txBody>
-                    <a:bodyPr/>
-                    <a:lstStyle/>
-                    <a:p>
-                      <a:r>
-                        <a:rPr lang="en-US" sz="900" b="1" i="0" dirty="0">
-                          <a:solidFill>
-                            <a:schemeClr val="bg1"/>
-                          </a:solidFill>
-                          <a:latin typeface="+mn-lt"/>
-                          <a:ea typeface="Calibri" charset="0"/>
-                          <a:cs typeface="Calibri" charset="0"/>
-                        </a:rPr>
-                        <a:t>Subhead</a:t>
-                      </a:r>
-                    </a:p>
-                  </a:txBody>
-                  <a:tcPr anchor="ctr">
-                    <a:lnL w="12700" cap="flat" cmpd="sng" algn="ctr">
-                      <a:noFill/>
-                      <a:prstDash val="solid"/>
-                      <a:round/>
-                      <a:headEnd type="none" w="med" len="med"/>
-                      <a:tailEnd type="none" w="med" len="med"/>
-                    </a:lnL>
-                    <a:lnR w="12700" cap="flat" cmpd="sng" algn="ctr">
-                      <a:noFill/>
-                      <a:prstDash val="solid"/>
-                      <a:round/>
-                      <a:headEnd type="none" w="med" len="med"/>
-                      <a:tailEnd type="none" w="med" len="med"/>
-                    </a:lnR>
-                    <a:lnT w="6350" cap="flat" cmpd="sng" algn="ctr">
-                      <a:noFill/>
-                      <a:prstDash val="solid"/>
-                      <a:round/>
-                      <a:headEnd type="none" w="med" len="med"/>
-                      <a:tailEnd type="none" w="med" len="med"/>
-                    </a:lnT>
-                    <a:lnB w="6350" cap="flat" cmpd="sng" algn="ctr">
-                      <a:noFill/>
-                      <a:prstDash val="solid"/>
-                      <a:round/>
-                      <a:headEnd type="none" w="med" len="med"/>
-                      <a:tailEnd type="none" w="med" len="med"/>
-                    </a:lnB>
-                    <a:lnTlToBr w="12700" cmpd="sng">
-                      <a:noFill/>
-                      <a:prstDash val="solid"/>
-                    </a:lnTlToBr>
-                    <a:lnBlToTr w="12700" cmpd="sng">
-                      <a:noFill/>
-                      <a:prstDash val="solid"/>
-                    </a:lnBlToTr>
-                    <a:solidFill>
-                      <a:srgbClr val="002D56"/>
-                    </a:solidFill>
-                  </a:tcPr>
-                </a:tc>
-                <a:extLst>
-                  <a:ext uri="{0D108BD9-81ED-4DB2-BD59-A6C34878D82A}">
-                    <a16:rowId xmlns:a16="http://schemas.microsoft.com/office/drawing/2014/main" val="10000"/>
-                  </a:ext>
-                </a:extLst>
-              </a:tr>
-              <a:tr h="366617">
-                <a:tc>
-                  <a:txBody>
-                    <a:bodyPr/>
-                    <a:lstStyle/>
-                    <a:p>
-                      <a:r>
-                        <a:rPr lang="en-US" sz="800" b="0" i="0" dirty="0">
-                          <a:solidFill>
-                            <a:schemeClr val="tx1"/>
-                          </a:solidFill>
-                          <a:latin typeface="+mn-lt"/>
-                          <a:ea typeface="Calibri Light" charset="0"/>
-                          <a:cs typeface="Calibri Light" charset="0"/>
-                        </a:rPr>
-                        <a:t>Body copy</a:t>
-                      </a:r>
-                    </a:p>
-                  </a:txBody>
-                  <a:tcPr anchor="ctr">
-                    <a:lnL w="12700" cap="flat" cmpd="sng" algn="ctr">
-                      <a:noFill/>
-                      <a:prstDash val="solid"/>
-                      <a:round/>
-                      <a:headEnd type="none" w="med" len="med"/>
-                      <a:tailEnd type="none" w="med" len="med"/>
-                    </a:lnL>
-                    <a:lnR w="12700" cap="flat" cmpd="sng" algn="ctr">
-                      <a:noFill/>
-                      <a:prstDash val="solid"/>
-                      <a:round/>
-                      <a:headEnd type="none" w="med" len="med"/>
-                      <a:tailEnd type="none" w="med" len="med"/>
-                    </a:lnR>
-                    <a:lnT w="6350" cap="flat" cmpd="sng" algn="ctr">
-                      <a:noFill/>
-                      <a:prstDash val="solid"/>
-                      <a:round/>
-                      <a:headEnd type="none" w="med" len="med"/>
-                      <a:tailEnd type="none" w="med" len="med"/>
-                    </a:lnT>
-                    <a:lnB w="12700" cap="flat" cmpd="sng" algn="ctr">
-                      <a:noFill/>
-                      <a:prstDash val="solid"/>
-                      <a:round/>
-                      <a:headEnd type="none" w="med" len="med"/>
-                      <a:tailEnd type="none" w="med" len="med"/>
-                    </a:lnB>
-                    <a:lnTlToBr w="12700" cmpd="sng">
-                      <a:noFill/>
-                      <a:prstDash val="solid"/>
-                    </a:lnTlToBr>
-                    <a:lnBlToTr w="12700" cmpd="sng">
-                      <a:noFill/>
-                      <a:prstDash val="solid"/>
-                    </a:lnBlToTr>
-                    <a:solidFill>
-                      <a:schemeClr val="bg1">
-                        <a:lumMod val="95000"/>
-                      </a:schemeClr>
-                    </a:solidFill>
-                  </a:tcPr>
-                </a:tc>
-                <a:tc>
-                  <a:txBody>
-                    <a:bodyPr/>
-                    <a:lstStyle/>
-                    <a:p>
-                      <a:r>
-                        <a:rPr lang="en-US" sz="800" b="0" i="0" dirty="0">
-                          <a:solidFill>
-                            <a:schemeClr val="tx1"/>
-                          </a:solidFill>
-                          <a:latin typeface="+mn-lt"/>
-                          <a:ea typeface="Calibri Light" charset="0"/>
-                          <a:cs typeface="Calibri Light" charset="0"/>
-                        </a:rPr>
-                        <a:t>Body copy</a:t>
-                      </a:r>
-                    </a:p>
-                  </a:txBody>
-                  <a:tcPr anchor="ctr">
-                    <a:lnL w="12700" cap="flat" cmpd="sng" algn="ctr">
-                      <a:noFill/>
-                      <a:prstDash val="solid"/>
-                      <a:round/>
-                      <a:headEnd type="none" w="med" len="med"/>
-                      <a:tailEnd type="none" w="med" len="med"/>
-                    </a:lnL>
-                    <a:lnR w="12700" cap="flat" cmpd="sng" algn="ctr">
-                      <a:noFill/>
-                      <a:prstDash val="solid"/>
-                      <a:round/>
-                      <a:headEnd type="none" w="med" len="med"/>
-                      <a:tailEnd type="none" w="med" len="med"/>
-                    </a:lnR>
-                    <a:lnT w="6350" cap="flat" cmpd="sng" algn="ctr">
-                      <a:noFill/>
-                      <a:prstDash val="solid"/>
-                      <a:round/>
-                      <a:headEnd type="none" w="med" len="med"/>
-                      <a:tailEnd type="none" w="med" len="med"/>
-                    </a:lnT>
-                    <a:lnB w="12700" cap="flat" cmpd="sng" algn="ctr">
-                      <a:noFill/>
-                      <a:prstDash val="solid"/>
-                      <a:round/>
-                      <a:headEnd type="none" w="med" len="med"/>
-                      <a:tailEnd type="none" w="med" len="med"/>
-                    </a:lnB>
-                    <a:lnTlToBr w="12700" cmpd="sng">
-                      <a:noFill/>
-                      <a:prstDash val="solid"/>
-                    </a:lnTlToBr>
-                    <a:lnBlToTr w="12700" cmpd="sng">
-                      <a:noFill/>
-                      <a:prstDash val="solid"/>
-                    </a:lnBlToTr>
-                    <a:solidFill>
-                      <a:schemeClr val="bg1">
-                        <a:lumMod val="95000"/>
-                      </a:schemeClr>
-                    </a:solidFill>
-                  </a:tcPr>
-                </a:tc>
-                <a:tc>
-                  <a:txBody>
-                    <a:bodyPr/>
-                    <a:lstStyle/>
-                    <a:p>
-                      <a:r>
-                        <a:rPr lang="en-US" sz="800" b="0" i="0" dirty="0">
-                          <a:solidFill>
-                            <a:schemeClr val="tx1"/>
-                          </a:solidFill>
-                          <a:latin typeface="+mn-lt"/>
-                          <a:ea typeface="Calibri Light" charset="0"/>
-                          <a:cs typeface="Calibri Light" charset="0"/>
-                        </a:rPr>
-                        <a:t>Body copy</a:t>
-                      </a:r>
-                    </a:p>
-                  </a:txBody>
-                  <a:tcPr anchor="ctr">
-                    <a:lnL w="12700" cap="flat" cmpd="sng" algn="ctr">
-                      <a:noFill/>
-                      <a:prstDash val="solid"/>
-                      <a:round/>
-                      <a:headEnd type="none" w="med" len="med"/>
-                      <a:tailEnd type="none" w="med" len="med"/>
-                    </a:lnL>
-                    <a:lnR w="12700" cap="flat" cmpd="sng" algn="ctr">
-                      <a:noFill/>
-                      <a:prstDash val="solid"/>
-                      <a:round/>
-                      <a:headEnd type="none" w="med" len="med"/>
-                      <a:tailEnd type="none" w="med" len="med"/>
-                    </a:lnR>
-                    <a:lnT w="6350" cap="flat" cmpd="sng" algn="ctr">
-                      <a:noFill/>
-                      <a:prstDash val="solid"/>
-                      <a:round/>
-                      <a:headEnd type="none" w="med" len="med"/>
-                      <a:tailEnd type="none" w="med" len="med"/>
-                    </a:lnT>
-                    <a:lnB w="12700" cap="flat" cmpd="sng" algn="ctr">
-                      <a:noFill/>
-                      <a:prstDash val="solid"/>
-                      <a:round/>
-                      <a:headEnd type="none" w="med" len="med"/>
-                      <a:tailEnd type="none" w="med" len="med"/>
-                    </a:lnB>
-                    <a:lnTlToBr w="12700" cmpd="sng">
-                      <a:noFill/>
-                      <a:prstDash val="solid"/>
-                    </a:lnTlToBr>
-                    <a:lnBlToTr w="12700" cmpd="sng">
-                      <a:noFill/>
-                      <a:prstDash val="solid"/>
-                    </a:lnBlToTr>
-                    <a:solidFill>
-                      <a:schemeClr val="bg1">
-                        <a:lumMod val="95000"/>
-                      </a:schemeClr>
-                    </a:solidFill>
-                  </a:tcPr>
-                </a:tc>
-                <a:extLst>
-                  <a:ext uri="{0D108BD9-81ED-4DB2-BD59-A6C34878D82A}">
-                    <a16:rowId xmlns:a16="http://schemas.microsoft.com/office/drawing/2014/main" val="10001"/>
-                  </a:ext>
-                </a:extLst>
-              </a:tr>
-              <a:tr h="366617">
-                <a:tc>
-                  <a:txBody>
-                    <a:bodyPr/>
-                    <a:lstStyle/>
-                    <a:p>
-                      <a:r>
-                        <a:rPr lang="en-US" sz="800" b="0" i="0" dirty="0">
-                          <a:solidFill>
-                            <a:schemeClr val="tx1"/>
-                          </a:solidFill>
-                          <a:latin typeface="+mn-lt"/>
-                          <a:ea typeface="Calibri Light" charset="0"/>
-                          <a:cs typeface="Calibri Light" charset="0"/>
-                        </a:rPr>
-                        <a:t>Body copy</a:t>
-                      </a:r>
-                    </a:p>
-                  </a:txBody>
-                  <a:tcPr anchor="ctr">
-                    <a:lnL w="12700" cap="flat" cmpd="sng" algn="ctr">
-                      <a:noFill/>
-                      <a:prstDash val="solid"/>
-                      <a:round/>
-                      <a:headEnd type="none" w="med" len="med"/>
-                      <a:tailEnd type="none" w="med" len="med"/>
-                    </a:lnL>
-                    <a:lnR w="12700" cap="flat" cmpd="sng" algn="ctr">
-                      <a:noFill/>
-                      <a:prstDash val="solid"/>
-                      <a:round/>
-                      <a:headEnd type="none" w="med" len="med"/>
-                      <a:tailEnd type="none" w="med" len="med"/>
-                    </a:lnR>
-                    <a:lnT w="12700" cap="flat" cmpd="sng" algn="ctr">
-                      <a:noFill/>
-                      <a:prstDash val="solid"/>
-                      <a:round/>
-                      <a:headEnd type="none" w="med" len="med"/>
-                      <a:tailEnd type="none" w="med" len="med"/>
-                    </a:lnT>
-                    <a:lnB w="12700" cap="flat" cmpd="sng" algn="ctr">
-                      <a:noFill/>
-                      <a:prstDash val="solid"/>
-                      <a:round/>
-                      <a:headEnd type="none" w="med" len="med"/>
-                      <a:tailEnd type="none" w="med" len="med"/>
-                    </a:lnB>
-                    <a:lnTlToBr w="12700" cmpd="sng">
-                      <a:noFill/>
-                      <a:prstDash val="solid"/>
-                    </a:lnTlToBr>
-                    <a:lnBlToTr w="12700" cmpd="sng">
-                      <a:noFill/>
-                      <a:prstDash val="solid"/>
-                    </a:lnBlToTr>
-                    <a:solidFill>
-                      <a:schemeClr val="bg1"/>
-                    </a:solidFill>
-                  </a:tcPr>
-                </a:tc>
-                <a:tc>
-                  <a:txBody>
-                    <a:bodyPr/>
-                    <a:lstStyle/>
-                    <a:p>
-                      <a:r>
-                        <a:rPr lang="en-US" sz="800" b="0" i="0" dirty="0">
-                          <a:solidFill>
-                            <a:schemeClr val="tx1"/>
-                          </a:solidFill>
-                          <a:latin typeface="+mn-lt"/>
-                          <a:ea typeface="Calibri Light" charset="0"/>
-                          <a:cs typeface="Calibri Light" charset="0"/>
-                        </a:rPr>
-                        <a:t>Body copy</a:t>
-                      </a:r>
-                    </a:p>
-                  </a:txBody>
-                  <a:tcPr anchor="ctr">
-                    <a:lnL w="12700" cap="flat" cmpd="sng" algn="ctr">
-                      <a:noFill/>
-                      <a:prstDash val="solid"/>
-                      <a:round/>
-                      <a:headEnd type="none" w="med" len="med"/>
-                      <a:tailEnd type="none" w="med" len="med"/>
-                    </a:lnL>
-                    <a:lnR w="12700" cap="flat" cmpd="sng" algn="ctr">
-                      <a:noFill/>
-                      <a:prstDash val="solid"/>
-                      <a:round/>
-                      <a:headEnd type="none" w="med" len="med"/>
-                      <a:tailEnd type="none" w="med" len="med"/>
-                    </a:lnR>
-                    <a:lnT w="12700" cap="flat" cmpd="sng" algn="ctr">
-                      <a:noFill/>
-                      <a:prstDash val="solid"/>
-                      <a:round/>
-                      <a:headEnd type="none" w="med" len="med"/>
-                      <a:tailEnd type="none" w="med" len="med"/>
-                    </a:lnT>
-                    <a:lnB w="12700" cap="flat" cmpd="sng" algn="ctr">
-                      <a:noFill/>
-                      <a:prstDash val="solid"/>
-                      <a:round/>
-                      <a:headEnd type="none" w="med" len="med"/>
-                      <a:tailEnd type="none" w="med" len="med"/>
-                    </a:lnB>
-                    <a:lnTlToBr w="12700" cmpd="sng">
-                      <a:noFill/>
-                      <a:prstDash val="solid"/>
-                    </a:lnTlToBr>
-                    <a:lnBlToTr w="12700" cmpd="sng">
-                      <a:noFill/>
-                      <a:prstDash val="solid"/>
-                    </a:lnBlToTr>
-                    <a:solidFill>
-                      <a:schemeClr val="bg1"/>
-                    </a:solidFill>
-                  </a:tcPr>
-                </a:tc>
-                <a:tc>
-                  <a:txBody>
-                    <a:bodyPr/>
-                    <a:lstStyle/>
-                    <a:p>
-                      <a:r>
-                        <a:rPr lang="en-US" sz="800" b="0" i="0" dirty="0">
-                          <a:solidFill>
-                            <a:schemeClr val="tx1"/>
-                          </a:solidFill>
-                          <a:latin typeface="+mn-lt"/>
-                          <a:ea typeface="Calibri Light" charset="0"/>
-                          <a:cs typeface="Calibri Light" charset="0"/>
-                        </a:rPr>
-                        <a:t>Body copy</a:t>
-                      </a:r>
-                    </a:p>
-                  </a:txBody>
-                  <a:tcPr anchor="ctr">
-                    <a:lnL w="12700" cap="flat" cmpd="sng" algn="ctr">
-                      <a:noFill/>
-                      <a:prstDash val="solid"/>
-                      <a:round/>
-                      <a:headEnd type="none" w="med" len="med"/>
-                      <a:tailEnd type="none" w="med" len="med"/>
-                    </a:lnL>
-                    <a:lnR w="12700" cap="flat" cmpd="sng" algn="ctr">
-                      <a:noFill/>
-                      <a:prstDash val="solid"/>
-                      <a:round/>
-                      <a:headEnd type="none" w="med" len="med"/>
-                      <a:tailEnd type="none" w="med" len="med"/>
-                    </a:lnR>
-                    <a:lnT w="12700" cap="flat" cmpd="sng" algn="ctr">
-                      <a:noFill/>
-                      <a:prstDash val="solid"/>
-                      <a:round/>
-                      <a:headEnd type="none" w="med" len="med"/>
-                      <a:tailEnd type="none" w="med" len="med"/>
-                    </a:lnT>
-                    <a:lnB w="12700" cap="flat" cmpd="sng" algn="ctr">
-                      <a:noFill/>
-                      <a:prstDash val="solid"/>
-                      <a:round/>
-                      <a:headEnd type="none" w="med" len="med"/>
-                      <a:tailEnd type="none" w="med" len="med"/>
-                    </a:lnB>
-                    <a:lnTlToBr w="12700" cmpd="sng">
-                      <a:noFill/>
-                      <a:prstDash val="solid"/>
-                    </a:lnTlToBr>
-                    <a:lnBlToTr w="12700" cmpd="sng">
-                      <a:noFill/>
-                      <a:prstDash val="solid"/>
-                    </a:lnBlToTr>
-                    <a:solidFill>
-                      <a:schemeClr val="bg1"/>
-                    </a:solidFill>
-                  </a:tcPr>
-                </a:tc>
-                <a:extLst>
-                  <a:ext uri="{0D108BD9-81ED-4DB2-BD59-A6C34878D82A}">
-                    <a16:rowId xmlns:a16="http://schemas.microsoft.com/office/drawing/2014/main" val="10002"/>
-                  </a:ext>
-                </a:extLst>
-              </a:tr>
-              <a:tr h="366617">
-                <a:tc>
-                  <a:txBody>
-                    <a:bodyPr/>
-                    <a:lstStyle/>
-                    <a:p>
-                      <a:r>
-                        <a:rPr lang="en-US" sz="800" b="0" i="0" dirty="0">
-                          <a:solidFill>
-                            <a:schemeClr val="tx1"/>
-                          </a:solidFill>
-                          <a:latin typeface="+mn-lt"/>
-                          <a:ea typeface="Calibri Light" charset="0"/>
-                          <a:cs typeface="Calibri Light" charset="0"/>
-                        </a:rPr>
-                        <a:t>Body copy</a:t>
-                      </a:r>
-                    </a:p>
-                  </a:txBody>
-                  <a:tcPr anchor="ctr">
-                    <a:lnL w="12700" cap="flat" cmpd="sng" algn="ctr">
-                      <a:noFill/>
-                      <a:prstDash val="solid"/>
-                      <a:round/>
-                      <a:headEnd type="none" w="med" len="med"/>
-                      <a:tailEnd type="none" w="med" len="med"/>
-                    </a:lnL>
-                    <a:lnR w="12700" cap="flat" cmpd="sng" algn="ctr">
-                      <a:noFill/>
-                      <a:prstDash val="solid"/>
-                      <a:round/>
-                      <a:headEnd type="none" w="med" len="med"/>
-                      <a:tailEnd type="none" w="med" len="med"/>
-                    </a:lnR>
-                    <a:lnT w="12700" cap="flat" cmpd="sng" algn="ctr">
-                      <a:noFill/>
-                      <a:prstDash val="solid"/>
-                      <a:round/>
-                      <a:headEnd type="none" w="med" len="med"/>
-                      <a:tailEnd type="none" w="med" len="med"/>
-                    </a:lnT>
-                    <a:lnB w="6350" cap="flat" cmpd="sng" algn="ctr">
-                      <a:noFill/>
-                      <a:prstDash val="solid"/>
-                      <a:round/>
-                      <a:headEnd type="none" w="med" len="med"/>
-                      <a:tailEnd type="none" w="med" len="med"/>
-                    </a:lnB>
-                    <a:lnTlToBr w="12700" cmpd="sng">
-                      <a:noFill/>
-                      <a:prstDash val="solid"/>
-                    </a:lnTlToBr>
-                    <a:lnBlToTr w="12700" cmpd="sng">
-                      <a:noFill/>
-                      <a:prstDash val="solid"/>
-                    </a:lnBlToTr>
-                    <a:solidFill>
-                      <a:schemeClr val="bg1">
-                        <a:lumMod val="95000"/>
-                      </a:schemeClr>
-                    </a:solidFill>
-                  </a:tcPr>
-                </a:tc>
-                <a:tc>
-                  <a:txBody>
-                    <a:bodyPr/>
-                    <a:lstStyle/>
-                    <a:p>
-                      <a:r>
-                        <a:rPr lang="en-US" sz="800" b="0" i="0" dirty="0">
-                          <a:solidFill>
-                            <a:schemeClr val="tx1"/>
-                          </a:solidFill>
-                          <a:latin typeface="+mn-lt"/>
-                          <a:ea typeface="Calibri Light" charset="0"/>
-                          <a:cs typeface="Calibri Light" charset="0"/>
-                        </a:rPr>
-                        <a:t>Body copy</a:t>
-                      </a:r>
-                    </a:p>
-                  </a:txBody>
-                  <a:tcPr anchor="ctr">
-                    <a:lnL w="12700" cap="flat" cmpd="sng" algn="ctr">
-                      <a:noFill/>
-                      <a:prstDash val="solid"/>
-                      <a:round/>
-                      <a:headEnd type="none" w="med" len="med"/>
-                      <a:tailEnd type="none" w="med" len="med"/>
-                    </a:lnL>
-                    <a:lnR w="12700" cap="flat" cmpd="sng" algn="ctr">
-                      <a:noFill/>
-                      <a:prstDash val="solid"/>
-                      <a:round/>
-                      <a:headEnd type="none" w="med" len="med"/>
-                      <a:tailEnd type="none" w="med" len="med"/>
-                    </a:lnR>
-                    <a:lnT w="12700" cap="flat" cmpd="sng" algn="ctr">
-                      <a:noFill/>
-                      <a:prstDash val="solid"/>
-                      <a:round/>
-                      <a:headEnd type="none" w="med" len="med"/>
-                      <a:tailEnd type="none" w="med" len="med"/>
-                    </a:lnT>
-                    <a:lnB w="6350" cap="flat" cmpd="sng" algn="ctr">
-                      <a:noFill/>
-                      <a:prstDash val="solid"/>
-                      <a:round/>
-                      <a:headEnd type="none" w="med" len="med"/>
-                      <a:tailEnd type="none" w="med" len="med"/>
-                    </a:lnB>
-                    <a:lnTlToBr w="12700" cmpd="sng">
-                      <a:noFill/>
-                      <a:prstDash val="solid"/>
-                    </a:lnTlToBr>
-                    <a:lnBlToTr w="12700" cmpd="sng">
-                      <a:noFill/>
-                      <a:prstDash val="solid"/>
-                    </a:lnBlToTr>
-                    <a:solidFill>
-                      <a:schemeClr val="bg1">
-                        <a:lumMod val="95000"/>
-                      </a:schemeClr>
-                    </a:solidFill>
-                  </a:tcPr>
-                </a:tc>
-                <a:tc>
-                  <a:txBody>
-                    <a:bodyPr/>
-                    <a:lstStyle/>
-                    <a:p>
-                      <a:r>
-                        <a:rPr lang="en-US" sz="800" b="0" i="0" dirty="0">
-                          <a:solidFill>
-                            <a:schemeClr val="tx1"/>
-                          </a:solidFill>
-                          <a:latin typeface="+mn-lt"/>
-                          <a:ea typeface="Calibri Light" charset="0"/>
-                          <a:cs typeface="Calibri Light" charset="0"/>
-                        </a:rPr>
-                        <a:t>Body copy</a:t>
-                      </a:r>
-                    </a:p>
-                  </a:txBody>
-                  <a:tcPr anchor="ctr">
-                    <a:lnL w="12700" cap="flat" cmpd="sng" algn="ctr">
-                      <a:noFill/>
-                      <a:prstDash val="solid"/>
-                      <a:round/>
-                      <a:headEnd type="none" w="med" len="med"/>
-                      <a:tailEnd type="none" w="med" len="med"/>
-                    </a:lnL>
-                    <a:lnR w="12700" cap="flat" cmpd="sng" algn="ctr">
-                      <a:noFill/>
-                      <a:prstDash val="solid"/>
-                      <a:round/>
-                      <a:headEnd type="none" w="med" len="med"/>
-                      <a:tailEnd type="none" w="med" len="med"/>
-                    </a:lnR>
-                    <a:lnT w="12700" cap="flat" cmpd="sng" algn="ctr">
-                      <a:noFill/>
-                      <a:prstDash val="solid"/>
-                      <a:round/>
-                      <a:headEnd type="none" w="med" len="med"/>
-                      <a:tailEnd type="none" w="med" len="med"/>
-                    </a:lnT>
-                    <a:lnB w="6350" cap="flat" cmpd="sng" algn="ctr">
-                      <a:noFill/>
-                      <a:prstDash val="solid"/>
-                      <a:round/>
-                      <a:headEnd type="none" w="med" len="med"/>
-                      <a:tailEnd type="none" w="med" len="med"/>
-                    </a:lnB>
-                    <a:lnTlToBr w="12700" cmpd="sng">
-                      <a:noFill/>
-                      <a:prstDash val="solid"/>
-                    </a:lnTlToBr>
-                    <a:lnBlToTr w="12700" cmpd="sng">
-                      <a:noFill/>
-                      <a:prstDash val="solid"/>
-                    </a:lnBlToTr>
-                    <a:solidFill>
-                      <a:schemeClr val="bg1">
-                        <a:lumMod val="95000"/>
-                      </a:schemeClr>
-                    </a:solidFill>
-                  </a:tcPr>
-                </a:tc>
-                <a:extLst>
-                  <a:ext uri="{0D108BD9-81ED-4DB2-BD59-A6C34878D82A}">
-                    <a16:rowId xmlns:a16="http://schemas.microsoft.com/office/drawing/2014/main" val="10003"/>
-                  </a:ext>
-                </a:extLst>
-              </a:tr>
-              <a:tr h="366617">
-                <a:tc>
-                  <a:txBody>
-                    <a:bodyPr/>
-                    <a:lstStyle/>
-                    <a:p>
-                      <a:r>
-                        <a:rPr lang="en-US" sz="800" b="0" i="0" dirty="0">
-                          <a:solidFill>
-                            <a:schemeClr val="tx1"/>
-                          </a:solidFill>
-                          <a:latin typeface="+mn-lt"/>
-                          <a:ea typeface="Calibri Light" charset="0"/>
-                          <a:cs typeface="Calibri Light" charset="0"/>
-                        </a:rPr>
-                        <a:t>Body copy</a:t>
-                      </a:r>
-                    </a:p>
-                  </a:txBody>
-                  <a:tcPr anchor="ctr">
-                    <a:lnL w="12700" cap="flat" cmpd="sng" algn="ctr">
-                      <a:noFill/>
-                      <a:prstDash val="solid"/>
-                      <a:round/>
-                      <a:headEnd type="none" w="med" len="med"/>
-                      <a:tailEnd type="none" w="med" len="med"/>
-                    </a:lnL>
-                    <a:lnR w="12700" cap="flat" cmpd="sng" algn="ctr">
-                      <a:noFill/>
-                      <a:prstDash val="solid"/>
-                      <a:round/>
-                      <a:headEnd type="none" w="med" len="med"/>
-                      <a:tailEnd type="none" w="med" len="med"/>
-                    </a:lnR>
-                    <a:lnT w="12700" cap="flat" cmpd="sng" algn="ctr">
-                      <a:noFill/>
-                      <a:prstDash val="solid"/>
-                      <a:round/>
-                      <a:headEnd type="none" w="med" len="med"/>
-                      <a:tailEnd type="none" w="med" len="med"/>
-                    </a:lnT>
-                    <a:lnB w="6350" cap="flat" cmpd="sng" algn="ctr">
-                      <a:noFill/>
-                      <a:prstDash val="solid"/>
-                      <a:round/>
-                      <a:headEnd type="none" w="med" len="med"/>
-                      <a:tailEnd type="none" w="med" len="med"/>
-                    </a:lnB>
-                    <a:lnTlToBr w="12700" cmpd="sng">
-                      <a:noFill/>
-                      <a:prstDash val="solid"/>
-                    </a:lnTlToBr>
-                    <a:lnBlToTr w="12700" cmpd="sng">
-                      <a:noFill/>
-                      <a:prstDash val="solid"/>
-                    </a:lnBlToTr>
-                    <a:solidFill>
-                      <a:schemeClr val="bg1"/>
-                    </a:solidFill>
-                  </a:tcPr>
-                </a:tc>
-                <a:tc>
-                  <a:txBody>
-                    <a:bodyPr/>
-                    <a:lstStyle/>
-                    <a:p>
-                      <a:r>
-                        <a:rPr lang="en-US" sz="800" b="0" i="0" dirty="0">
-                          <a:solidFill>
-                            <a:schemeClr val="tx1"/>
-                          </a:solidFill>
-                          <a:latin typeface="+mn-lt"/>
-                          <a:ea typeface="Calibri Light" charset="0"/>
-                          <a:cs typeface="Calibri Light" charset="0"/>
-                        </a:rPr>
-                        <a:t>Body copy</a:t>
-                      </a:r>
-                    </a:p>
-                  </a:txBody>
-                  <a:tcPr anchor="ctr">
-                    <a:lnL w="12700" cap="flat" cmpd="sng" algn="ctr">
-                      <a:noFill/>
-                      <a:prstDash val="solid"/>
-                      <a:round/>
-                      <a:headEnd type="none" w="med" len="med"/>
-                      <a:tailEnd type="none" w="med" len="med"/>
-                    </a:lnL>
-                    <a:lnR w="12700" cap="flat" cmpd="sng" algn="ctr">
-                      <a:noFill/>
-                      <a:prstDash val="solid"/>
-                      <a:round/>
-                      <a:headEnd type="none" w="med" len="med"/>
-                      <a:tailEnd type="none" w="med" len="med"/>
-                    </a:lnR>
-                    <a:lnT w="12700" cap="flat" cmpd="sng" algn="ctr">
-                      <a:noFill/>
-                      <a:prstDash val="solid"/>
-                      <a:round/>
-                      <a:headEnd type="none" w="med" len="med"/>
-                      <a:tailEnd type="none" w="med" len="med"/>
-                    </a:lnT>
-                    <a:lnB w="6350" cap="flat" cmpd="sng" algn="ctr">
-                      <a:noFill/>
-                      <a:prstDash val="solid"/>
-                      <a:round/>
-                      <a:headEnd type="none" w="med" len="med"/>
-                      <a:tailEnd type="none" w="med" len="med"/>
-                    </a:lnB>
-                    <a:lnTlToBr w="12700" cmpd="sng">
-                      <a:noFill/>
-                      <a:prstDash val="solid"/>
-                    </a:lnTlToBr>
-                    <a:lnBlToTr w="12700" cmpd="sng">
-                      <a:noFill/>
-                      <a:prstDash val="solid"/>
-                    </a:lnBlToTr>
-                    <a:solidFill>
-                      <a:schemeClr val="bg1"/>
-                    </a:solidFill>
-                  </a:tcPr>
-                </a:tc>
-                <a:tc>
-                  <a:txBody>
-                    <a:bodyPr/>
-                    <a:lstStyle/>
-                    <a:p>
-                      <a:r>
-                        <a:rPr lang="en-US" sz="800" b="0" i="0" dirty="0">
-                          <a:solidFill>
-                            <a:schemeClr val="tx1"/>
-                          </a:solidFill>
-                          <a:latin typeface="+mn-lt"/>
-                          <a:ea typeface="Calibri Light" charset="0"/>
-                          <a:cs typeface="Calibri Light" charset="0"/>
-                        </a:rPr>
-                        <a:t>Body copy</a:t>
-                      </a:r>
-                    </a:p>
-                  </a:txBody>
-                  <a:tcPr anchor="ctr">
-                    <a:lnL w="12700" cap="flat" cmpd="sng" algn="ctr">
-                      <a:noFill/>
-                      <a:prstDash val="solid"/>
-                      <a:round/>
-                      <a:headEnd type="none" w="med" len="med"/>
-                      <a:tailEnd type="none" w="med" len="med"/>
-                    </a:lnL>
-                    <a:lnR w="12700" cap="flat" cmpd="sng" algn="ctr">
-                      <a:noFill/>
-                      <a:prstDash val="solid"/>
-                      <a:round/>
-                      <a:headEnd type="none" w="med" len="med"/>
-                      <a:tailEnd type="none" w="med" len="med"/>
-                    </a:lnR>
-                    <a:lnT w="12700" cap="flat" cmpd="sng" algn="ctr">
-                      <a:noFill/>
-                      <a:prstDash val="solid"/>
-                      <a:round/>
-                      <a:headEnd type="none" w="med" len="med"/>
-                      <a:tailEnd type="none" w="med" len="med"/>
-                    </a:lnT>
-                    <a:lnB w="6350" cap="flat" cmpd="sng" algn="ctr">
-                      <a:noFill/>
-                      <a:prstDash val="solid"/>
-                      <a:round/>
-                      <a:headEnd type="none" w="med" len="med"/>
-                      <a:tailEnd type="none" w="med" len="med"/>
-                    </a:lnB>
-                    <a:lnTlToBr w="12700" cmpd="sng">
-                      <a:noFill/>
-                      <a:prstDash val="solid"/>
-                    </a:lnTlToBr>
-                    <a:lnBlToTr w="12700" cmpd="sng">
-                      <a:noFill/>
-                      <a:prstDash val="solid"/>
-                    </a:lnBlToTr>
-                    <a:solidFill>
-                      <a:schemeClr val="bg1"/>
-                    </a:solidFill>
-                  </a:tcPr>
-                </a:tc>
-                <a:extLst>
-                  <a:ext uri="{0D108BD9-81ED-4DB2-BD59-A6C34878D82A}">
-                    <a16:rowId xmlns:a16="http://schemas.microsoft.com/office/drawing/2014/main" val="4110504597"/>
-                  </a:ext>
-                </a:extLst>
-              </a:tr>
-              <a:tr h="366617">
-                <a:tc>
-                  <a:txBody>
-                    <a:bodyPr/>
-                    <a:lstStyle/>
-                    <a:p>
-                      <a:r>
-                        <a:rPr lang="en-US" sz="800" b="0" i="0" dirty="0">
-                          <a:solidFill>
-                            <a:schemeClr val="tx1"/>
-                          </a:solidFill>
-                          <a:latin typeface="+mn-lt"/>
-                          <a:ea typeface="Calibri Light" charset="0"/>
-                          <a:cs typeface="Calibri Light" charset="0"/>
-                        </a:rPr>
-                        <a:t>Body copy</a:t>
-                      </a:r>
-                    </a:p>
-                  </a:txBody>
-                  <a:tcPr anchor="ctr">
-                    <a:lnL w="12700" cap="flat" cmpd="sng" algn="ctr">
-                      <a:noFill/>
-                      <a:prstDash val="solid"/>
-                      <a:round/>
-                      <a:headEnd type="none" w="med" len="med"/>
-                      <a:tailEnd type="none" w="med" len="med"/>
-                    </a:lnL>
-                    <a:lnR w="12700" cap="flat" cmpd="sng" algn="ctr">
-                      <a:noFill/>
-                      <a:prstDash val="solid"/>
-                      <a:round/>
-                      <a:headEnd type="none" w="med" len="med"/>
-                      <a:tailEnd type="none" w="med" len="med"/>
-                    </a:lnR>
-                    <a:lnT w="12700" cap="flat" cmpd="sng" algn="ctr">
-                      <a:noFill/>
-                      <a:prstDash val="solid"/>
-                      <a:round/>
-                      <a:headEnd type="none" w="med" len="med"/>
-                      <a:tailEnd type="none" w="med" len="med"/>
-                    </a:lnT>
-                    <a:lnB w="6350" cap="flat" cmpd="sng" algn="ctr">
-                      <a:noFill/>
-                      <a:prstDash val="solid"/>
-                      <a:round/>
-                      <a:headEnd type="none" w="med" len="med"/>
-                      <a:tailEnd type="none" w="med" len="med"/>
-                    </a:lnB>
-                    <a:lnTlToBr w="12700" cmpd="sng">
-                      <a:noFill/>
-                      <a:prstDash val="solid"/>
-                    </a:lnTlToBr>
-                    <a:lnBlToTr w="12700" cmpd="sng">
-                      <a:noFill/>
-                      <a:prstDash val="solid"/>
-                    </a:lnBlToTr>
-                    <a:solidFill>
-                      <a:schemeClr val="bg1">
-                        <a:lumMod val="95000"/>
-                      </a:schemeClr>
-                    </a:solidFill>
-                  </a:tcPr>
-                </a:tc>
-                <a:tc>
-                  <a:txBody>
-                    <a:bodyPr/>
-                    <a:lstStyle/>
-                    <a:p>
-                      <a:r>
-                        <a:rPr lang="en-US" sz="800" b="0" i="0" dirty="0">
-                          <a:solidFill>
-                            <a:schemeClr val="tx1"/>
-                          </a:solidFill>
-                          <a:latin typeface="+mn-lt"/>
-                          <a:ea typeface="Calibri Light" charset="0"/>
-                          <a:cs typeface="Calibri Light" charset="0"/>
-                        </a:rPr>
-                        <a:t>Body copy</a:t>
-                      </a:r>
-                    </a:p>
-                  </a:txBody>
-                  <a:tcPr anchor="ctr">
-                    <a:lnL w="12700" cap="flat" cmpd="sng" algn="ctr">
-                      <a:noFill/>
-                      <a:prstDash val="solid"/>
-                      <a:round/>
-                      <a:headEnd type="none" w="med" len="med"/>
-                      <a:tailEnd type="none" w="med" len="med"/>
-                    </a:lnL>
-                    <a:lnR w="12700" cap="flat" cmpd="sng" algn="ctr">
-                      <a:noFill/>
-                      <a:prstDash val="solid"/>
-                      <a:round/>
-                      <a:headEnd type="none" w="med" len="med"/>
-                      <a:tailEnd type="none" w="med" len="med"/>
-                    </a:lnR>
-                    <a:lnT w="12700" cap="flat" cmpd="sng" algn="ctr">
-                      <a:noFill/>
-                      <a:prstDash val="solid"/>
-                      <a:round/>
-                      <a:headEnd type="none" w="med" len="med"/>
-                      <a:tailEnd type="none" w="med" len="med"/>
-                    </a:lnT>
-                    <a:lnB w="6350" cap="flat" cmpd="sng" algn="ctr">
-                      <a:noFill/>
-                      <a:prstDash val="solid"/>
-                      <a:round/>
-                      <a:headEnd type="none" w="med" len="med"/>
-                      <a:tailEnd type="none" w="med" len="med"/>
-                    </a:lnB>
-                    <a:lnTlToBr w="12700" cmpd="sng">
-                      <a:noFill/>
-                      <a:prstDash val="solid"/>
-                    </a:lnTlToBr>
-                    <a:lnBlToTr w="12700" cmpd="sng">
-                      <a:noFill/>
-                      <a:prstDash val="solid"/>
-                    </a:lnBlToTr>
-                    <a:solidFill>
-                      <a:schemeClr val="bg1">
-                        <a:lumMod val="95000"/>
-                      </a:schemeClr>
-                    </a:solidFill>
-                  </a:tcPr>
-                </a:tc>
-                <a:tc>
-                  <a:txBody>
-                    <a:bodyPr/>
-                    <a:lstStyle/>
-                    <a:p>
-                      <a:r>
-                        <a:rPr lang="en-US" sz="800" b="0" i="0" dirty="0">
-                          <a:solidFill>
-                            <a:schemeClr val="tx1"/>
-                          </a:solidFill>
-                          <a:latin typeface="+mn-lt"/>
-                          <a:ea typeface="Calibri Light" charset="0"/>
-                          <a:cs typeface="Calibri Light" charset="0"/>
-                        </a:rPr>
-                        <a:t>Body copy</a:t>
-                      </a:r>
-                    </a:p>
-                  </a:txBody>
-                  <a:tcPr anchor="ctr">
-                    <a:lnL w="12700" cap="flat" cmpd="sng" algn="ctr">
-                      <a:noFill/>
-                      <a:prstDash val="solid"/>
-                      <a:round/>
-                      <a:headEnd type="none" w="med" len="med"/>
-                      <a:tailEnd type="none" w="med" len="med"/>
-                    </a:lnL>
-                    <a:lnR w="12700" cap="flat" cmpd="sng" algn="ctr">
-                      <a:noFill/>
-                      <a:prstDash val="solid"/>
-                      <a:round/>
-                      <a:headEnd type="none" w="med" len="med"/>
-                      <a:tailEnd type="none" w="med" len="med"/>
-                    </a:lnR>
-                    <a:lnT w="12700" cap="flat" cmpd="sng" algn="ctr">
-                      <a:noFill/>
-                      <a:prstDash val="solid"/>
-                      <a:round/>
-                      <a:headEnd type="none" w="med" len="med"/>
-                      <a:tailEnd type="none" w="med" len="med"/>
-                    </a:lnT>
-                    <a:lnB w="6350" cap="flat" cmpd="sng" algn="ctr">
-                      <a:noFill/>
-                      <a:prstDash val="solid"/>
-                      <a:round/>
-                      <a:headEnd type="none" w="med" len="med"/>
-                      <a:tailEnd type="none" w="med" len="med"/>
-                    </a:lnB>
-                    <a:lnTlToBr w="12700" cmpd="sng">
-                      <a:noFill/>
-                      <a:prstDash val="solid"/>
-                    </a:lnTlToBr>
-                    <a:lnBlToTr w="12700" cmpd="sng">
-                      <a:noFill/>
-                      <a:prstDash val="solid"/>
-                    </a:lnBlToTr>
-                    <a:solidFill>
-                      <a:schemeClr val="bg1">
-                        <a:lumMod val="95000"/>
-                      </a:schemeClr>
-                    </a:solidFill>
-                  </a:tcPr>
-                </a:tc>
-                <a:extLst>
-                  <a:ext uri="{0D108BD9-81ED-4DB2-BD59-A6C34878D82A}">
-                    <a16:rowId xmlns:a16="http://schemas.microsoft.com/office/drawing/2014/main" val="22633469"/>
-                  </a:ext>
-                </a:extLst>
-              </a:tr>
-              <a:tr h="366617">
-                <a:tc>
-                  <a:txBody>
-                    <a:bodyPr/>
-                    <a:lstStyle/>
-                    <a:p>
-                      <a:r>
-                        <a:rPr lang="en-US" sz="800" b="0" i="0" dirty="0">
-                          <a:solidFill>
-                            <a:schemeClr val="tx1"/>
-                          </a:solidFill>
-                          <a:latin typeface="+mn-lt"/>
-                          <a:ea typeface="Calibri Light" charset="0"/>
-                          <a:cs typeface="Calibri Light" charset="0"/>
-                        </a:rPr>
-                        <a:t>Body copy</a:t>
-                      </a:r>
-                    </a:p>
-                  </a:txBody>
-                  <a:tcPr anchor="ctr">
-                    <a:lnL w="12700" cap="flat" cmpd="sng" algn="ctr">
-                      <a:noFill/>
-                      <a:prstDash val="solid"/>
-                      <a:round/>
-                      <a:headEnd type="none" w="med" len="med"/>
-                      <a:tailEnd type="none" w="med" len="med"/>
-                    </a:lnL>
-                    <a:lnR w="12700" cap="flat" cmpd="sng" algn="ctr">
-                      <a:noFill/>
-                      <a:prstDash val="solid"/>
-                      <a:round/>
-                      <a:headEnd type="none" w="med" len="med"/>
-                      <a:tailEnd type="none" w="med" len="med"/>
-                    </a:lnR>
-                    <a:lnT w="12700" cap="flat" cmpd="sng" algn="ctr">
-                      <a:noFill/>
-                      <a:prstDash val="solid"/>
-                      <a:round/>
-                      <a:headEnd type="none" w="med" len="med"/>
-                      <a:tailEnd type="none" w="med" len="med"/>
-                    </a:lnT>
-                    <a:lnB w="6350" cap="flat" cmpd="sng" algn="ctr">
-                      <a:noFill/>
-                      <a:prstDash val="solid"/>
-                      <a:round/>
-                      <a:headEnd type="none" w="med" len="med"/>
-                      <a:tailEnd type="none" w="med" len="med"/>
-                    </a:lnB>
-                    <a:lnTlToBr w="12700" cmpd="sng">
-                      <a:noFill/>
-                      <a:prstDash val="solid"/>
-                    </a:lnTlToBr>
-                    <a:lnBlToTr w="12700" cmpd="sng">
-                      <a:noFill/>
-                      <a:prstDash val="solid"/>
-                    </a:lnBlToTr>
-                    <a:solidFill>
-                      <a:schemeClr val="bg1"/>
-                    </a:solidFill>
-                  </a:tcPr>
-                </a:tc>
-                <a:tc>
-                  <a:txBody>
-                    <a:bodyPr/>
-                    <a:lstStyle/>
-                    <a:p>
-                      <a:r>
-                        <a:rPr lang="en-US" sz="800" b="0" i="0" dirty="0">
-                          <a:solidFill>
-                            <a:schemeClr val="tx1"/>
-                          </a:solidFill>
-                          <a:latin typeface="+mn-lt"/>
-                          <a:ea typeface="Calibri Light" charset="0"/>
-                          <a:cs typeface="Calibri Light" charset="0"/>
-                        </a:rPr>
-                        <a:t>Body copy</a:t>
-                      </a:r>
-                    </a:p>
-                  </a:txBody>
-                  <a:tcPr anchor="ctr">
-                    <a:lnL w="12700" cap="flat" cmpd="sng" algn="ctr">
-                      <a:noFill/>
-                      <a:prstDash val="solid"/>
-                      <a:round/>
-                      <a:headEnd type="none" w="med" len="med"/>
-                      <a:tailEnd type="none" w="med" len="med"/>
-                    </a:lnL>
-                    <a:lnR w="12700" cap="flat" cmpd="sng" algn="ctr">
-                      <a:noFill/>
-                      <a:prstDash val="solid"/>
-                      <a:round/>
-                      <a:headEnd type="none" w="med" len="med"/>
-                      <a:tailEnd type="none" w="med" len="med"/>
-                    </a:lnR>
-                    <a:lnT w="12700" cap="flat" cmpd="sng" algn="ctr">
-                      <a:noFill/>
-                      <a:prstDash val="solid"/>
-                      <a:round/>
-                      <a:headEnd type="none" w="med" len="med"/>
-                      <a:tailEnd type="none" w="med" len="med"/>
-                    </a:lnT>
-                    <a:lnB w="6350" cap="flat" cmpd="sng" algn="ctr">
-                      <a:noFill/>
-                      <a:prstDash val="solid"/>
-                      <a:round/>
-                      <a:headEnd type="none" w="med" len="med"/>
-                      <a:tailEnd type="none" w="med" len="med"/>
-                    </a:lnB>
-                    <a:lnTlToBr w="12700" cmpd="sng">
-                      <a:noFill/>
-                      <a:prstDash val="solid"/>
-                    </a:lnTlToBr>
-                    <a:lnBlToTr w="12700" cmpd="sng">
-                      <a:noFill/>
-                      <a:prstDash val="solid"/>
-                    </a:lnBlToTr>
-                    <a:solidFill>
-                      <a:schemeClr val="bg1"/>
-                    </a:solidFill>
-                  </a:tcPr>
-                </a:tc>
-                <a:tc>
-                  <a:txBody>
-                    <a:bodyPr/>
-                    <a:lstStyle/>
-                    <a:p>
-                      <a:r>
-                        <a:rPr lang="en-US" sz="800" b="0" i="0" dirty="0">
-                          <a:solidFill>
-                            <a:schemeClr val="tx1"/>
-                          </a:solidFill>
-                          <a:latin typeface="+mn-lt"/>
-                          <a:ea typeface="Calibri Light" charset="0"/>
-                          <a:cs typeface="Calibri Light" charset="0"/>
-                        </a:rPr>
-                        <a:t>Body copy</a:t>
-                      </a:r>
-                    </a:p>
-                  </a:txBody>
-                  <a:tcPr anchor="ctr">
-                    <a:lnL w="12700" cap="flat" cmpd="sng" algn="ctr">
-                      <a:noFill/>
-                      <a:prstDash val="solid"/>
-                      <a:round/>
-                      <a:headEnd type="none" w="med" len="med"/>
-                      <a:tailEnd type="none" w="med" len="med"/>
-                    </a:lnL>
-                    <a:lnR w="12700" cap="flat" cmpd="sng" algn="ctr">
-                      <a:noFill/>
-                      <a:prstDash val="solid"/>
-                      <a:round/>
-                      <a:headEnd type="none" w="med" len="med"/>
-                      <a:tailEnd type="none" w="med" len="med"/>
-                    </a:lnR>
-                    <a:lnT w="12700" cap="flat" cmpd="sng" algn="ctr">
-                      <a:noFill/>
-                      <a:prstDash val="solid"/>
-                      <a:round/>
-                      <a:headEnd type="none" w="med" len="med"/>
-                      <a:tailEnd type="none" w="med" len="med"/>
-                    </a:lnT>
-                    <a:lnB w="6350" cap="flat" cmpd="sng" algn="ctr">
-                      <a:noFill/>
-                      <a:prstDash val="solid"/>
-                      <a:round/>
-                      <a:headEnd type="none" w="med" len="med"/>
-                      <a:tailEnd type="none" w="med" len="med"/>
-                    </a:lnB>
-                    <a:lnTlToBr w="12700" cmpd="sng">
-                      <a:noFill/>
-                      <a:prstDash val="solid"/>
-                    </a:lnTlToBr>
-                    <a:lnBlToTr w="12700" cmpd="sng">
-                      <a:noFill/>
-                      <a:prstDash val="solid"/>
-                    </a:lnBlToTr>
-                    <a:solidFill>
-                      <a:schemeClr val="bg1"/>
-                    </a:solidFill>
-                  </a:tcPr>
-                </a:tc>
-                <a:extLst>
-                  <a:ext uri="{0D108BD9-81ED-4DB2-BD59-A6C34878D82A}">
-                    <a16:rowId xmlns:a16="http://schemas.microsoft.com/office/drawing/2014/main" val="1098630424"/>
-                  </a:ext>
-                </a:extLst>
-              </a:tr>
-            </a:tbl>
-          </a:graphicData>
-        </a:graphic>
-      </p:graphicFrame>
-      <p:sp>
-        <p:nvSpPr>
-          <p:cNvPr id="10" name="TextBox 9">
-            <a:extLst>
-              <a:ext uri="{FF2B5EF4-FFF2-40B4-BE49-F238E27FC236}">
-                <a16:creationId xmlns:a16="http://schemas.microsoft.com/office/drawing/2014/main" id="{76B731B1-EA39-B441-BDD2-C37F095C480C}"/>
-              </a:ext>
-            </a:extLst>
-          </p:cNvPr>
-          <p:cNvSpPr txBox="1"/>
-          <p:nvPr/>
-        </p:nvSpPr>
-        <p:spPr>
-          <a:xfrm>
-            <a:off x="504826" y="1742086"/>
-            <a:ext cx="3348548" cy="246221"/>
-          </a:xfrm>
-          <a:prstGeom prst="rect">
-            <a:avLst/>
-          </a:prstGeom>
-          <a:noFill/>
-        </p:spPr>
-        <p:txBody>
-          <a:bodyPr wrap="square" lIns="0" rtlCol="0">
-            <a:spAutoFit/>
-          </a:bodyPr>
-          <a:lstStyle/>
-          <a:p>
-            <a:r>
-              <a:rPr lang="en-US" sz="1000" b="1" dirty="0">
-                <a:solidFill>
-                  <a:srgbClr val="0097D9"/>
-                </a:solidFill>
-              </a:rPr>
-              <a:t>TABLE TITLE HERE</a:t>
-            </a:r>
-          </a:p>
-        </p:txBody>
-      </p:sp>
-      <p:sp>
-        <p:nvSpPr>
-          <p:cNvPr id="11" name="Slide Number Placeholder 5">
-            <a:extLst>
-              <a:ext uri="{FF2B5EF4-FFF2-40B4-BE49-F238E27FC236}">
-                <a16:creationId xmlns:a16="http://schemas.microsoft.com/office/drawing/2014/main" id="{FF28650A-4563-3440-84A5-BFA39AAFF5E1}"/>
-              </a:ext>
-            </a:extLst>
-          </p:cNvPr>
-          <p:cNvSpPr>
-            <a:spLocks noGrp="1"/>
-          </p:cNvSpPr>
-          <p:nvPr>
-            <p:ph type="sldNum" sz="quarter" idx="12"/>
-          </p:nvPr>
-        </p:nvSpPr>
-        <p:spPr>
-          <a:xfrm>
-            <a:off x="8549974" y="4821306"/>
-            <a:ext cx="409324" cy="215444"/>
-          </a:xfrm>
-        </p:spPr>
-        <p:txBody>
-          <a:bodyPr/>
-          <a:lstStyle/>
-          <a:p>
-            <a:fld id="{535EF33A-04D8-4107-96E5-33B70AE88DFF}" type="slidenum">
-              <a:rPr lang="en-US" smtClean="0"/>
-              <a:pPr/>
-              <a:t>15</a:t>
-            </a:fld>
-            <a:endParaRPr lang="en-US" dirty="0"/>
-          </a:p>
-        </p:txBody>
-      </p:sp>
-    </p:spTree>
-    <p:extLst>
-      <p:ext uri="{BB962C8B-B14F-4D97-AF65-F5344CB8AC3E}">
-        <p14:creationId xmlns:p14="http://schemas.microsoft.com/office/powerpoint/2010/main" val="2312894845"/>
-      </p:ext>
-    </p:extLst>
-  </p:cSld>
-  <p:clrMapOvr>
-    <a:masterClrMapping/>
-  </p:clrMapOvr>
-</p:sld>
-</file>
-
 <file path=ppt/slides/slide2.xml><?xml version="1.0" encoding="utf-8"?>
 <p:sld xmlns:a="http://schemas.openxmlformats.org/drawingml/2006/main" xmlns:r="http://schemas.openxmlformats.org/officeDocument/2006/relationships" xmlns:p="http://schemas.openxmlformats.org/presentationml/2006/main">
   <p:cSld>
@@ -19145,13 +15189,13 @@
   <p:clrMapOvr>
     <a:masterClrMapping/>
   </p:clrMapOvr>
-  <mc:AlternateContent xmlns:mc="http://schemas.openxmlformats.org/markup-compatibility/2006">
-    <mc:Choice xmlns:p14="http://schemas.microsoft.com/office/powerpoint/2010/main" Requires="p14">
+  <mc:AlternateContent xmlns:mc="http://schemas.openxmlformats.org/markup-compatibility/2006" xmlns:p14="http://schemas.microsoft.com/office/powerpoint/2010/main">
+    <mc:Choice Requires="p14">
       <p:transition spd="med" p14:dur="700">
         <p:fade/>
       </p:transition>
     </mc:Choice>
-    <mc:Fallback>
+    <mc:Fallback xmlns="">
       <p:transition spd="med">
         <p:fade/>
       </p:transition>
@@ -19362,22 +15406,22 @@
           <a:p>
             <a:r>
               <a:rPr lang="en-US" dirty="0"/>
-              <a:t>-Played for Louisville kings</a:t>
-            </a:r>
-          </a:p>
-          <a:p>
+              <a:t>-Played for Louisville </a:t>
+            </a:r>
+            <a:r>
+              <a:rPr lang="en-US" dirty="0" err="1"/>
+              <a:t>Mings</a:t>
+            </a:r>
             <a:endParaRPr lang="en-US" dirty="0"/>
           </a:p>
           <a:p>
+            <a:endParaRPr lang="en-US" dirty="0"/>
+          </a:p>
+          <a:p>
             <a:r>
               <a:rPr lang="en-US" dirty="0"/>
-              <a:t>-Won two Division IV national </a:t>
-            </a:r>
-            <a:r>
-              <a:rPr lang="en-US" dirty="0" err="1"/>
-              <a:t>champtionships</a:t>
-            </a:r>
-            <a:endParaRPr lang="en-US" dirty="0"/>
+              <a:t>-Won two Division IV national championships</a:t>
+            </a:r>
           </a:p>
         </p:txBody>
       </p:sp>
@@ -19466,13 +15510,13 @@
   <p:clrMapOvr>
     <a:masterClrMapping/>
   </p:clrMapOvr>
-  <mc:AlternateContent xmlns:mc="http://schemas.openxmlformats.org/markup-compatibility/2006">
-    <mc:Choice xmlns:p14="http://schemas.microsoft.com/office/powerpoint/2010/main" Requires="p14">
+  <mc:AlternateContent xmlns:mc="http://schemas.openxmlformats.org/markup-compatibility/2006" xmlns:p14="http://schemas.microsoft.com/office/powerpoint/2010/main">
+    <mc:Choice Requires="p14">
       <p:transition spd="med" p14:dur="700">
         <p:fade/>
       </p:transition>
     </mc:Choice>
-    <mc:Fallback>
+    <mc:Fallback xmlns="">
       <p:transition spd="med">
         <p:fade/>
       </p:transition>
@@ -20332,6 +16376,17 @@
 </file>
 
 <file path=customXml/item1.xml><?xml version="1.0" encoding="utf-8"?>
+<p:properties xmlns:p="http://schemas.microsoft.com/office/2006/metadata/properties" xmlns:xsi="http://www.w3.org/2001/XMLSchema-instance" xmlns:pc="http://schemas.microsoft.com/office/infopath/2007/PartnerControls">
+  <documentManagement>
+    <lcf76f155ced4ddcb4097134ff3c332f xmlns="d2a9f884-c2eb-4182-8d97-b2c1069a1e77">
+      <Terms xmlns="http://schemas.microsoft.com/office/infopath/2007/PartnerControls"/>
+    </lcf76f155ced4ddcb4097134ff3c332f>
+    <TaxCatchAll xmlns="872877ae-a410-445f-835b-653367d2e530" xsi:nil="true"/>
+  </documentManagement>
+</p:properties>
+</file>
+
+<file path=customXml/item2.xml><?xml version="1.0" encoding="utf-8"?>
 <ct:contentTypeSchema xmlns:ct="http://schemas.microsoft.com/office/2006/metadata/contentType" xmlns:ma="http://schemas.microsoft.com/office/2006/metadata/properties/metaAttributes" ct:_="" ma:_="" ma:contentTypeName="Document" ma:contentTypeID="0x010100FEF7458C51E57141848015B90E19E3FF" ma:contentTypeVersion="15" ma:contentTypeDescription="Create a new document." ma:contentTypeScope="" ma:versionID="12fb0db276e8be4984a0823ffe929ad1">
   <xsd:schema xmlns:xsd="http://www.w3.org/2001/XMLSchema" xmlns:xs="http://www.w3.org/2001/XMLSchema" xmlns:p="http://schemas.microsoft.com/office/2006/metadata/properties" xmlns:ns2="d2a9f884-c2eb-4182-8d97-b2c1069a1e77" xmlns:ns3="ad1dcd44-2c79-421e-996d-e07b6b6a06b7" xmlns:ns4="872877ae-a410-445f-835b-653367d2e530" targetNamespace="http://schemas.microsoft.com/office/2006/metadata/properties" ma:root="true" ma:fieldsID="7f400bb4bb80b6365717ab8834d3c4dc" ns2:_="" ns3:_="" ns4:_="">
     <xsd:import namespace="d2a9f884-c2eb-4182-8d97-b2c1069a1e77"/>
@@ -20567,17 +16622,6 @@
 </ct:contentTypeSchema>
 </file>
 
-<file path=customXml/item2.xml><?xml version="1.0" encoding="utf-8"?>
-<p:properties xmlns:p="http://schemas.microsoft.com/office/2006/metadata/properties" xmlns:xsi="http://www.w3.org/2001/XMLSchema-instance" xmlns:pc="http://schemas.microsoft.com/office/infopath/2007/PartnerControls">
-  <documentManagement>
-    <lcf76f155ced4ddcb4097134ff3c332f xmlns="d2a9f884-c2eb-4182-8d97-b2c1069a1e77">
-      <Terms xmlns="http://schemas.microsoft.com/office/infopath/2007/PartnerControls"/>
-    </lcf76f155ced4ddcb4097134ff3c332f>
-    <TaxCatchAll xmlns="872877ae-a410-445f-835b-653367d2e530" xsi:nil="true"/>
-  </documentManagement>
-</p:properties>
-</file>
-
 <file path=customXml/item3.xml><?xml version="1.0" encoding="utf-8"?>
 <?mso-contentType ?>
 <FormTemplates xmlns="http://schemas.microsoft.com/sharepoint/v3/contenttype/forms">
@@ -20588,6 +16632,24 @@
 </file>
 
 <file path=customXml/itemProps1.xml><?xml version="1.0" encoding="utf-8"?>
+<ds:datastoreItem xmlns:ds="http://schemas.openxmlformats.org/officeDocument/2006/customXml" ds:itemID="{E3F0252B-B6E9-4221-B01E-0247E154DC26}">
+  <ds:schemaRefs>
+    <ds:schemaRef ds:uri="http://purl.org/dc/elements/1.1/"/>
+    <ds:schemaRef ds:uri="http://schemas.openxmlformats.org/package/2006/metadata/core-properties"/>
+    <ds:schemaRef ds:uri="ad1dcd44-2c79-421e-996d-e07b6b6a06b7"/>
+    <ds:schemaRef ds:uri="872877ae-a410-445f-835b-653367d2e530"/>
+    <ds:schemaRef ds:uri="http://schemas.microsoft.com/office/infopath/2007/PartnerControls"/>
+    <ds:schemaRef ds:uri="http://purl.org/dc/terms/"/>
+    <ds:schemaRef ds:uri="http://schemas.microsoft.com/office/2006/metadata/properties"/>
+    <ds:schemaRef ds:uri="http://schemas.microsoft.com/office/2006/documentManagement/types"/>
+    <ds:schemaRef ds:uri="d2a9f884-c2eb-4182-8d97-b2c1069a1e77"/>
+    <ds:schemaRef ds:uri="http://www.w3.org/XML/1998/namespace"/>
+    <ds:schemaRef ds:uri="http://purl.org/dc/dcmitype/"/>
+  </ds:schemaRefs>
+</ds:datastoreItem>
+</file>
+
+<file path=customXml/itemProps2.xml><?xml version="1.0" encoding="utf-8"?>
 <ds:datastoreItem xmlns:ds="http://schemas.openxmlformats.org/officeDocument/2006/customXml" ds:itemID="{466406F6-04EA-49D7-891D-0329DF4DFC24}">
   <ds:schemaRefs>
     <ds:schemaRef ds:uri="http://schemas.microsoft.com/office/2006/metadata/contentType"/>
@@ -20607,24 +16669,6 @@
 </ds:datastoreItem>
 </file>
 
-<file path=customXml/itemProps2.xml><?xml version="1.0" encoding="utf-8"?>
-<ds:datastoreItem xmlns:ds="http://schemas.openxmlformats.org/officeDocument/2006/customXml" ds:itemID="{E3F0252B-B6E9-4221-B01E-0247E154DC26}">
-  <ds:schemaRefs>
-    <ds:schemaRef ds:uri="http://purl.org/dc/elements/1.1/"/>
-    <ds:schemaRef ds:uri="http://schemas.openxmlformats.org/package/2006/metadata/core-properties"/>
-    <ds:schemaRef ds:uri="ad1dcd44-2c79-421e-996d-e07b6b6a06b7"/>
-    <ds:schemaRef ds:uri="872877ae-a410-445f-835b-653367d2e530"/>
-    <ds:schemaRef ds:uri="http://schemas.microsoft.com/office/infopath/2007/PartnerControls"/>
-    <ds:schemaRef ds:uri="http://purl.org/dc/terms/"/>
-    <ds:schemaRef ds:uri="http://schemas.microsoft.com/office/2006/metadata/properties"/>
-    <ds:schemaRef ds:uri="http://schemas.microsoft.com/office/2006/documentManagement/types"/>
-    <ds:schemaRef ds:uri="d2a9f884-c2eb-4182-8d97-b2c1069a1e77"/>
-    <ds:schemaRef ds:uri="http://www.w3.org/XML/1998/namespace"/>
-    <ds:schemaRef ds:uri="http://purl.org/dc/dcmitype/"/>
-  </ds:schemaRefs>
-</ds:datastoreItem>
-</file>
-
 <file path=customXml/itemProps3.xml><?xml version="1.0" encoding="utf-8"?>
 <ds:datastoreItem xmlns:ds="http://schemas.openxmlformats.org/officeDocument/2006/customXml" ds:itemID="{F11117D9-2152-408D-8EA9-A138D8484626}">
   <ds:schemaRefs>
